--- a/documentation/ArcadiaboxPresentation.pptx
+++ b/documentation/ArcadiaboxPresentation.pptx
@@ -4,19 +4,26 @@
   <p:sldMasterIdLst>
     <p:sldMasterId id="2147483648" r:id="rId1"/>
   </p:sldMasterIdLst>
+  <p:notesMasterIdLst>
+    <p:notesMasterId r:id="rId18"/>
+  </p:notesMasterIdLst>
   <p:sldIdLst>
     <p:sldId id="256" r:id="rId2"/>
     <p:sldId id="257" r:id="rId3"/>
     <p:sldId id="258" r:id="rId4"/>
     <p:sldId id="259" r:id="rId5"/>
-    <p:sldId id="260" r:id="rId6"/>
+    <p:sldId id="269" r:id="rId6"/>
     <p:sldId id="261" r:id="rId7"/>
     <p:sldId id="262" r:id="rId8"/>
     <p:sldId id="263" r:id="rId9"/>
     <p:sldId id="264" r:id="rId10"/>
     <p:sldId id="265" r:id="rId11"/>
-    <p:sldId id="266" r:id="rId12"/>
-    <p:sldId id="267" r:id="rId13"/>
+    <p:sldId id="268" r:id="rId12"/>
+    <p:sldId id="266" r:id="rId13"/>
+    <p:sldId id="270" r:id="rId14"/>
+    <p:sldId id="271" r:id="rId15"/>
+    <p:sldId id="272" r:id="rId16"/>
+    <p:sldId id="273" r:id="rId17"/>
   </p:sldIdLst>
   <p:sldSz cx="12192000" cy="6858000"/>
   <p:notesSz cx="6858000" cy="9144000"/>
@@ -115,13 +122,18 @@
       </a:defRPr>
     </a:lvl9pPr>
   </p:defaultTextStyle>
+  <p:extLst>
+    <p:ext uri="{EFAFB233-063F-42B5-8137-9DF3F51BA10A}">
+      <p15:sldGuideLst xmlns:p15="http://schemas.microsoft.com/office/powerpoint/2012/main"/>
+    </p:ext>
+  </p:extLst>
 </p:presentation>
 </file>
 
 <file path=ppt/revisionInfo.xml><?xml version="1.0" encoding="utf-8"?>
 <p1510:revInfo xmlns:a="http://schemas.openxmlformats.org/drawingml/2006/main" xmlns:r="http://schemas.openxmlformats.org/officeDocument/2006/relationships" xmlns:p1510="http://schemas.microsoft.com/office/powerpoint/2015/10/main">
   <p1510:revLst>
-    <p1510:client id="{DFF46C2B-868E-437C-A61C-80E0DE7D83CF}" v="30" dt="2026-01-09T15:30:34.308"/>
+    <p1510:client id="{DFF46C2B-868E-437C-A61C-80E0DE7D83CF}" v="53" dt="2026-01-15T13:45:55.054"/>
   </p1510:revLst>
 </p1510:revInfo>
 </file>
@@ -130,8 +142,8 @@
 <pc:chgInfo xmlns:a="http://schemas.openxmlformats.org/drawingml/2006/main" xmlns:r="http://schemas.openxmlformats.org/officeDocument/2006/relationships" xmlns:ac="http://schemas.microsoft.com/office/drawing/2013/main/command" xmlns:pc="http://schemas.microsoft.com/office/powerpoint/2013/main/command">
   <pc:docChgLst>
     <pc:chgData name="Barras Matias" userId="8eac776d-deeb-4346-aa0f-eaa1e7f5da8d" providerId="ADAL" clId="{425534FE-2470-4743-8B71-83B1ED8770FD}"/>
-    <pc:docChg chg="undo redo custSel addSld delSld modSld">
-      <pc:chgData name="Barras Matias" userId="8eac776d-deeb-4346-aa0f-eaa1e7f5da8d" providerId="ADAL" clId="{425534FE-2470-4743-8B71-83B1ED8770FD}" dt="2026-01-09T15:30:34.308" v="1213"/>
+    <pc:docChg chg="undo redo custSel addSld delSld modSld sldOrd">
+      <pc:chgData name="Barras Matias" userId="8eac776d-deeb-4346-aa0f-eaa1e7f5da8d" providerId="ADAL" clId="{425534FE-2470-4743-8B71-83B1ED8770FD}" dt="2026-01-15T13:45:55.054" v="1569"/>
       <pc:docMkLst>
         <pc:docMk/>
       </pc:docMkLst>
@@ -183,7 +195,7 @@
         </pc:picChg>
       </pc:sldChg>
       <pc:sldChg chg="addSp delSp modSp new mod setBg">
-        <pc:chgData name="Barras Matias" userId="8eac776d-deeb-4346-aa0f-eaa1e7f5da8d" providerId="ADAL" clId="{425534FE-2470-4743-8B71-83B1ED8770FD}" dt="2026-01-09T15:02:47.851" v="348" actId="26606"/>
+        <pc:chgData name="Barras Matias" userId="8eac776d-deeb-4346-aa0f-eaa1e7f5da8d" providerId="ADAL" clId="{425534FE-2470-4743-8B71-83B1ED8770FD}" dt="2026-01-15T12:54:47.909" v="1511" actId="20577"/>
         <pc:sldMkLst>
           <pc:docMk/>
           <pc:sldMk cId="2596573208" sldId="257"/>
@@ -194,86 +206,6 @@
             <pc:docMk/>
             <pc:sldMk cId="2596573208" sldId="257"/>
             <ac:spMk id="2" creationId="{56695C56-9F30-D5B6-718C-F0A390241FD9}"/>
-          </ac:spMkLst>
-        </pc:spChg>
-        <pc:spChg chg="add del mod">
-          <ac:chgData name="Barras Matias" userId="8eac776d-deeb-4346-aa0f-eaa1e7f5da8d" providerId="ADAL" clId="{425534FE-2470-4743-8B71-83B1ED8770FD}" dt="2026-01-09T15:02:47.851" v="348" actId="26606"/>
-          <ac:spMkLst>
-            <pc:docMk/>
-            <pc:sldMk cId="2596573208" sldId="257"/>
-            <ac:spMk id="3" creationId="{72789015-98E5-3E60-FCE3-62D21603B4B3}"/>
-          </ac:spMkLst>
-        </pc:spChg>
-        <pc:spChg chg="add del mod">
-          <ac:chgData name="Barras Matias" userId="8eac776d-deeb-4346-aa0f-eaa1e7f5da8d" providerId="ADAL" clId="{425534FE-2470-4743-8B71-83B1ED8770FD}" dt="2026-01-09T15:00:43.896" v="333" actId="21"/>
-          <ac:spMkLst>
-            <pc:docMk/>
-            <pc:sldMk cId="2596573208" sldId="257"/>
-            <ac:spMk id="5" creationId="{770AF1FA-A5B5-F2F8-A095-FBE9E01ACDA5}"/>
-          </ac:spMkLst>
-        </pc:spChg>
-        <pc:spChg chg="add del">
-          <ac:chgData name="Barras Matias" userId="8eac776d-deeb-4346-aa0f-eaa1e7f5da8d" providerId="ADAL" clId="{425534FE-2470-4743-8B71-83B1ED8770FD}" dt="2026-01-09T15:02:38.155" v="344" actId="26606"/>
-          <ac:spMkLst>
-            <pc:docMk/>
-            <pc:sldMk cId="2596573208" sldId="257"/>
-            <ac:spMk id="7" creationId="{7517A47C-B2E5-4B79-8061-D74B1311AF6E}"/>
-          </ac:spMkLst>
-        </pc:spChg>
-        <pc:spChg chg="add del">
-          <ac:chgData name="Barras Matias" userId="8eac776d-deeb-4346-aa0f-eaa1e7f5da8d" providerId="ADAL" clId="{425534FE-2470-4743-8B71-83B1ED8770FD}" dt="2026-01-09T15:02:38.155" v="344" actId="26606"/>
-          <ac:spMkLst>
-            <pc:docMk/>
-            <pc:sldMk cId="2596573208" sldId="257"/>
-            <ac:spMk id="8" creationId="{C505E780-2083-4CB5-A42A-5E0E2908ECC3}"/>
-          </ac:spMkLst>
-        </pc:spChg>
-        <pc:spChg chg="add del">
-          <ac:chgData name="Barras Matias" userId="8eac776d-deeb-4346-aa0f-eaa1e7f5da8d" providerId="ADAL" clId="{425534FE-2470-4743-8B71-83B1ED8770FD}" dt="2026-01-09T15:02:09.935" v="337" actId="26606"/>
-          <ac:spMkLst>
-            <pc:docMk/>
-            <pc:sldMk cId="2596573208" sldId="257"/>
-            <ac:spMk id="9" creationId="{BACC6370-2D7E-4714-9D71-7542949D7D5D}"/>
-          </ac:spMkLst>
-        </pc:spChg>
-        <pc:spChg chg="add del">
-          <ac:chgData name="Barras Matias" userId="8eac776d-deeb-4346-aa0f-eaa1e7f5da8d" providerId="ADAL" clId="{425534FE-2470-4743-8B71-83B1ED8770FD}" dt="2026-01-09T15:02:38.155" v="344" actId="26606"/>
-          <ac:spMkLst>
-            <pc:docMk/>
-            <pc:sldMk cId="2596573208" sldId="257"/>
-            <ac:spMk id="10" creationId="{D2C0AE1C-0118-41AE-8A10-7CDCBF10E96F}"/>
-          </ac:spMkLst>
-        </pc:spChg>
-        <pc:spChg chg="add del">
-          <ac:chgData name="Barras Matias" userId="8eac776d-deeb-4346-aa0f-eaa1e7f5da8d" providerId="ADAL" clId="{425534FE-2470-4743-8B71-83B1ED8770FD}" dt="2026-01-09T15:02:09.935" v="337" actId="26606"/>
-          <ac:spMkLst>
-            <pc:docMk/>
-            <pc:sldMk cId="2596573208" sldId="257"/>
-            <ac:spMk id="11" creationId="{F68B3F68-107C-434F-AA38-110D5EA91B85}"/>
-          </ac:spMkLst>
-        </pc:spChg>
-        <pc:spChg chg="add del">
-          <ac:chgData name="Barras Matias" userId="8eac776d-deeb-4346-aa0f-eaa1e7f5da8d" providerId="ADAL" clId="{425534FE-2470-4743-8B71-83B1ED8770FD}" dt="2026-01-09T15:02:38.155" v="344" actId="26606"/>
-          <ac:spMkLst>
-            <pc:docMk/>
-            <pc:sldMk cId="2596573208" sldId="257"/>
-            <ac:spMk id="12" creationId="{463EEC44-1BA3-44ED-81FC-A644B04B2A44}"/>
-          </ac:spMkLst>
-        </pc:spChg>
-        <pc:spChg chg="add del">
-          <ac:chgData name="Barras Matias" userId="8eac776d-deeb-4346-aa0f-eaa1e7f5da8d" providerId="ADAL" clId="{425534FE-2470-4743-8B71-83B1ED8770FD}" dt="2026-01-09T15:02:09.935" v="337" actId="26606"/>
-          <ac:spMkLst>
-            <pc:docMk/>
-            <pc:sldMk cId="2596573208" sldId="257"/>
-            <ac:spMk id="13" creationId="{AAD0DBB9-1A4B-4391-81D4-CB19F9AB918A}"/>
-          </ac:spMkLst>
-        </pc:spChg>
-        <pc:spChg chg="add del">
-          <ac:chgData name="Barras Matias" userId="8eac776d-deeb-4346-aa0f-eaa1e7f5da8d" providerId="ADAL" clId="{425534FE-2470-4743-8B71-83B1ED8770FD}" dt="2026-01-09T15:02:09.935" v="337" actId="26606"/>
-          <ac:spMkLst>
-            <pc:docMk/>
-            <pc:sldMk cId="2596573208" sldId="257"/>
-            <ac:spMk id="15" creationId="{063BBA22-50EA-4C4D-BE05-F1CE4E63AA56}"/>
           </ac:spMkLst>
         </pc:spChg>
         <pc:spChg chg="add">
@@ -308,24 +240,8 @@
             <ac:spMk id="19" creationId="{463EEC44-1BA3-44ED-81FC-A644B04B2A44}"/>
           </ac:spMkLst>
         </pc:spChg>
-        <pc:graphicFrameChg chg="add del">
-          <ac:chgData name="Barras Matias" userId="8eac776d-deeb-4346-aa0f-eaa1e7f5da8d" providerId="ADAL" clId="{425534FE-2470-4743-8B71-83B1ED8770FD}" dt="2026-01-09T15:02:09.935" v="337" actId="26606"/>
-          <ac:graphicFrameMkLst>
-            <pc:docMk/>
-            <pc:sldMk cId="2596573208" sldId="257"/>
-            <ac:graphicFrameMk id="6" creationId="{ADD98FCD-C87D-5AB0-158D-95D3303A0578}"/>
-          </ac:graphicFrameMkLst>
-        </pc:graphicFrameChg>
-        <pc:graphicFrameChg chg="add del">
-          <ac:chgData name="Barras Matias" userId="8eac776d-deeb-4346-aa0f-eaa1e7f5da8d" providerId="ADAL" clId="{425534FE-2470-4743-8B71-83B1ED8770FD}" dt="2026-01-09T15:02:38.155" v="344" actId="26606"/>
-          <ac:graphicFrameMkLst>
-            <pc:docMk/>
-            <pc:sldMk cId="2596573208" sldId="257"/>
-            <ac:graphicFrameMk id="14" creationId="{01C46E29-4F9E-5D4E-AA03-951C1797393B}"/>
-          </ac:graphicFrameMkLst>
-        </pc:graphicFrameChg>
-        <pc:graphicFrameChg chg="add">
-          <ac:chgData name="Barras Matias" userId="8eac776d-deeb-4346-aa0f-eaa1e7f5da8d" providerId="ADAL" clId="{425534FE-2470-4743-8B71-83B1ED8770FD}" dt="2026-01-09T15:02:47.851" v="348" actId="26606"/>
+        <pc:graphicFrameChg chg="add mod modGraphic">
+          <ac:chgData name="Barras Matias" userId="8eac776d-deeb-4346-aa0f-eaa1e7f5da8d" providerId="ADAL" clId="{425534FE-2470-4743-8B71-83B1ED8770FD}" dt="2026-01-15T12:54:47.909" v="1511" actId="20577"/>
           <ac:graphicFrameMkLst>
             <pc:docMk/>
             <pc:sldMk cId="2596573208" sldId="257"/>
@@ -334,7 +250,7 @@
         </pc:graphicFrameChg>
       </pc:sldChg>
       <pc:sldChg chg="addSp delSp modSp new mod setBg">
-        <pc:chgData name="Barras Matias" userId="8eac776d-deeb-4346-aa0f-eaa1e7f5da8d" providerId="ADAL" clId="{425534FE-2470-4743-8B71-83B1ED8770FD}" dt="2026-01-09T15:08:51.417" v="592" actId="26606"/>
+        <pc:chgData name="Barras Matias" userId="8eac776d-deeb-4346-aa0f-eaa1e7f5da8d" providerId="ADAL" clId="{425534FE-2470-4743-8B71-83B1ED8770FD}" dt="2026-01-15T13:45:55.054" v="1569"/>
         <pc:sldMkLst>
           <pc:docMk/>
           <pc:sldMk cId="609922175" sldId="258"/>
@@ -345,22 +261,6 @@
             <pc:docMk/>
             <pc:sldMk cId="609922175" sldId="258"/>
             <ac:spMk id="2" creationId="{CD950184-EF09-E419-DB57-606EB1E93A2E}"/>
-          </ac:spMkLst>
-        </pc:spChg>
-        <pc:spChg chg="del mod">
-          <ac:chgData name="Barras Matias" userId="8eac776d-deeb-4346-aa0f-eaa1e7f5da8d" providerId="ADAL" clId="{425534FE-2470-4743-8B71-83B1ED8770FD}" dt="2026-01-09T15:08:46.499" v="589" actId="478"/>
-          <ac:spMkLst>
-            <pc:docMk/>
-            <pc:sldMk cId="609922175" sldId="258"/>
-            <ac:spMk id="3" creationId="{216F8BDA-DD63-788F-541B-AEDA2143BD84}"/>
-          </ac:spMkLst>
-        </pc:spChg>
-        <pc:spChg chg="add del mod">
-          <ac:chgData name="Barras Matias" userId="8eac776d-deeb-4346-aa0f-eaa1e7f5da8d" providerId="ADAL" clId="{425534FE-2470-4743-8B71-83B1ED8770FD}" dt="2026-01-09T15:08:51.417" v="592" actId="26606"/>
-          <ac:spMkLst>
-            <pc:docMk/>
-            <pc:sldMk cId="609922175" sldId="258"/>
-            <ac:spMk id="4" creationId="{69AB7E12-67CF-2831-A27A-DD7314FE12C1}"/>
           </ac:spMkLst>
         </pc:spChg>
         <pc:spChg chg="add mod">
@@ -377,38 +277,6 @@
             <pc:docMk/>
             <pc:sldMk cId="609922175" sldId="258"/>
             <ac:spMk id="6" creationId="{6752A3CC-EF04-D95F-BD35-8B4A6DF419D5}"/>
-          </ac:spMkLst>
-        </pc:spChg>
-        <pc:spChg chg="add mod">
-          <ac:chgData name="Barras Matias" userId="8eac776d-deeb-4346-aa0f-eaa1e7f5da8d" providerId="ADAL" clId="{425534FE-2470-4743-8B71-83B1ED8770FD}" dt="2026-01-09T15:06:49.975" v="535"/>
-          <ac:spMkLst>
-            <pc:docMk/>
-            <pc:sldMk cId="609922175" sldId="258"/>
-            <ac:spMk id="7" creationId="{A26DA558-B49E-3F4F-7E39-C86C560898CC}"/>
-          </ac:spMkLst>
-        </pc:spChg>
-        <pc:spChg chg="add mod">
-          <ac:chgData name="Barras Matias" userId="8eac776d-deeb-4346-aa0f-eaa1e7f5da8d" providerId="ADAL" clId="{425534FE-2470-4743-8B71-83B1ED8770FD}" dt="2026-01-09T15:06:49.699" v="534"/>
-          <ac:spMkLst>
-            <pc:docMk/>
-            <pc:sldMk cId="609922175" sldId="258"/>
-            <ac:spMk id="8" creationId="{3E5DEDA7-4112-A9B5-9982-BA7AE6F3083C}"/>
-          </ac:spMkLst>
-        </pc:spChg>
-        <pc:spChg chg="add del">
-          <ac:chgData name="Barras Matias" userId="8eac776d-deeb-4346-aa0f-eaa1e7f5da8d" providerId="ADAL" clId="{425534FE-2470-4743-8B71-83B1ED8770FD}" dt="2026-01-09T15:08:11.077" v="569" actId="26606"/>
-          <ac:spMkLst>
-            <pc:docMk/>
-            <pc:sldMk cId="609922175" sldId="258"/>
-            <ac:spMk id="11" creationId="{4C608BEB-860E-4094-8511-78603564A75E}"/>
-          </ac:spMkLst>
-        </pc:spChg>
-        <pc:spChg chg="add del">
-          <ac:chgData name="Barras Matias" userId="8eac776d-deeb-4346-aa0f-eaa1e7f5da8d" providerId="ADAL" clId="{425534FE-2470-4743-8B71-83B1ED8770FD}" dt="2026-01-09T15:08:51.406" v="591" actId="26606"/>
-          <ac:spMkLst>
-            <pc:docMk/>
-            <pc:sldMk cId="609922175" sldId="258"/>
-            <ac:spMk id="12" creationId="{B50AB553-2A96-4A92-96F2-93548E096954}"/>
           </ac:spMkLst>
         </pc:spChg>
         <pc:spChg chg="add">
@@ -443,155 +311,12 @@
             <ac:spMk id="19" creationId="{F68B3F68-107C-434F-AA38-110D5EA91B85}"/>
           </ac:spMkLst>
         </pc:spChg>
-        <pc:graphicFrameChg chg="add del">
-          <ac:chgData name="Barras Matias" userId="8eac776d-deeb-4346-aa0f-eaa1e7f5da8d" providerId="ADAL" clId="{425534FE-2470-4743-8B71-83B1ED8770FD}" dt="2026-01-09T15:08:51.406" v="591" actId="26606"/>
-          <ac:graphicFrameMkLst>
-            <pc:docMk/>
-            <pc:sldMk cId="609922175" sldId="258"/>
-            <ac:graphicFrameMk id="15" creationId="{3F8636C5-F800-8E00-8090-7F6E0912780F}"/>
-          </ac:graphicFrameMkLst>
-        </pc:graphicFrameChg>
-        <pc:graphicFrameChg chg="add">
-          <ac:chgData name="Barras Matias" userId="8eac776d-deeb-4346-aa0f-eaa1e7f5da8d" providerId="ADAL" clId="{425534FE-2470-4743-8B71-83B1ED8770FD}" dt="2026-01-09T15:08:51.417" v="592" actId="26606"/>
+        <pc:graphicFrameChg chg="add mod modGraphic">
+          <ac:chgData name="Barras Matias" userId="8eac776d-deeb-4346-aa0f-eaa1e7f5da8d" providerId="ADAL" clId="{425534FE-2470-4743-8B71-83B1ED8770FD}" dt="2026-01-15T13:45:55.054" v="1569"/>
           <ac:graphicFrameMkLst>
             <pc:docMk/>
             <pc:sldMk cId="609922175" sldId="258"/>
             <ac:graphicFrameMk id="20" creationId="{CA7AC84D-757C-E2D5-19BA-3712CC920BC3}"/>
-          </ac:graphicFrameMkLst>
-        </pc:graphicFrameChg>
-        <pc:picChg chg="add del">
-          <ac:chgData name="Barras Matias" userId="8eac776d-deeb-4346-aa0f-eaa1e7f5da8d" providerId="ADAL" clId="{425534FE-2470-4743-8B71-83B1ED8770FD}" dt="2026-01-09T15:08:51.406" v="591" actId="26606"/>
-          <ac:picMkLst>
-            <pc:docMk/>
-            <pc:sldMk cId="609922175" sldId="258"/>
-            <ac:picMk id="9" creationId="{0475C234-57DE-D0FB-4511-771366BACCF5}"/>
-          </ac:picMkLst>
-        </pc:picChg>
-        <pc:cxnChg chg="add del">
-          <ac:chgData name="Barras Matias" userId="8eac776d-deeb-4346-aa0f-eaa1e7f5da8d" providerId="ADAL" clId="{425534FE-2470-4743-8B71-83B1ED8770FD}" dt="2026-01-09T15:08:09.564" v="564" actId="11529"/>
-          <ac:cxnSpMkLst>
-            <pc:docMk/>
-            <pc:sldMk cId="609922175" sldId="258"/>
-            <ac:cxnSpMk id="10" creationId="{9BFC6A84-EFDB-1FD2-CDFA-E171E9E97A6D}"/>
-          </ac:cxnSpMkLst>
-        </pc:cxnChg>
-        <pc:cxnChg chg="add del">
-          <ac:chgData name="Barras Matias" userId="8eac776d-deeb-4346-aa0f-eaa1e7f5da8d" providerId="ADAL" clId="{425534FE-2470-4743-8B71-83B1ED8770FD}" dt="2026-01-09T15:08:11.077" v="569" actId="26606"/>
-          <ac:cxnSpMkLst>
-            <pc:docMk/>
-            <pc:sldMk cId="609922175" sldId="258"/>
-            <ac:cxnSpMk id="13" creationId="{1F16A8D4-FE87-4604-88B2-394B5D1EB437}"/>
-          </ac:cxnSpMkLst>
-        </pc:cxnChg>
-        <pc:cxnChg chg="add del">
-          <ac:chgData name="Barras Matias" userId="8eac776d-deeb-4346-aa0f-eaa1e7f5da8d" providerId="ADAL" clId="{425534FE-2470-4743-8B71-83B1ED8770FD}" dt="2026-01-09T15:08:09.144" v="562" actId="11529"/>
-          <ac:cxnSpMkLst>
-            <pc:docMk/>
-            <pc:sldMk cId="609922175" sldId="258"/>
-            <ac:cxnSpMk id="14" creationId="{FF7B46A9-8A40-E9FA-8A3E-8C7D6EAD0396}"/>
-          </ac:cxnSpMkLst>
-        </pc:cxnChg>
-      </pc:sldChg>
-      <pc:sldChg chg="addSp delSp modSp new del mod setBg">
-        <pc:chgData name="Barras Matias" userId="8eac776d-deeb-4346-aa0f-eaa1e7f5da8d" providerId="ADAL" clId="{425534FE-2470-4743-8B71-83B1ED8770FD}" dt="2026-01-09T15:02:56.529" v="349" actId="2696"/>
-        <pc:sldMkLst>
-          <pc:docMk/>
-          <pc:sldMk cId="3299005585" sldId="258"/>
-        </pc:sldMkLst>
-        <pc:spChg chg="del">
-          <ac:chgData name="Barras Matias" userId="8eac776d-deeb-4346-aa0f-eaa1e7f5da8d" providerId="ADAL" clId="{425534FE-2470-4743-8B71-83B1ED8770FD}" dt="2026-01-09T14:58:31.620" v="229" actId="478"/>
-          <ac:spMkLst>
-            <pc:docMk/>
-            <pc:sldMk cId="3299005585" sldId="258"/>
-            <ac:spMk id="2" creationId="{EEEEF0CA-DC0B-82AC-C0CC-660A585D5DD6}"/>
-          </ac:spMkLst>
-        </pc:spChg>
-        <pc:spChg chg="add del mod">
-          <ac:chgData name="Barras Matias" userId="8eac776d-deeb-4346-aa0f-eaa1e7f5da8d" providerId="ADAL" clId="{425534FE-2470-4743-8B71-83B1ED8770FD}" dt="2026-01-09T15:02:12.306" v="342" actId="14100"/>
-          <ac:spMkLst>
-            <pc:docMk/>
-            <pc:sldMk cId="3299005585" sldId="258"/>
-            <ac:spMk id="3" creationId="{2A966850-E81D-5243-5DE2-26A2F8700834}"/>
-          </ac:spMkLst>
-        </pc:spChg>
-        <pc:spChg chg="add del">
-          <ac:chgData name="Barras Matias" userId="8eac776d-deeb-4346-aa0f-eaa1e7f5da8d" providerId="ADAL" clId="{425534FE-2470-4743-8B71-83B1ED8770FD}" dt="2026-01-09T15:02:11.081" v="340" actId="26606"/>
-          <ac:spMkLst>
-            <pc:docMk/>
-            <pc:sldMk cId="3299005585" sldId="258"/>
-            <ac:spMk id="9" creationId="{BACC6370-2D7E-4714-9D71-7542949D7D5D}"/>
-          </ac:spMkLst>
-        </pc:spChg>
-        <pc:spChg chg="add del">
-          <ac:chgData name="Barras Matias" userId="8eac776d-deeb-4346-aa0f-eaa1e7f5da8d" providerId="ADAL" clId="{425534FE-2470-4743-8B71-83B1ED8770FD}" dt="2026-01-09T15:02:11.081" v="340" actId="26606"/>
-          <ac:spMkLst>
-            <pc:docMk/>
-            <pc:sldMk cId="3299005585" sldId="258"/>
-            <ac:spMk id="11" creationId="{F68B3F68-107C-434F-AA38-110D5EA91B85}"/>
-          </ac:spMkLst>
-        </pc:spChg>
-        <pc:spChg chg="add del">
-          <ac:chgData name="Barras Matias" userId="8eac776d-deeb-4346-aa0f-eaa1e7f5da8d" providerId="ADAL" clId="{425534FE-2470-4743-8B71-83B1ED8770FD}" dt="2026-01-09T15:02:11.081" v="340" actId="26606"/>
-          <ac:spMkLst>
-            <pc:docMk/>
-            <pc:sldMk cId="3299005585" sldId="258"/>
-            <ac:spMk id="13" creationId="{AAD0DBB9-1A4B-4391-81D4-CB19F9AB918A}"/>
-          </ac:spMkLst>
-        </pc:spChg>
-        <pc:spChg chg="add del">
-          <ac:chgData name="Barras Matias" userId="8eac776d-deeb-4346-aa0f-eaa1e7f5da8d" providerId="ADAL" clId="{425534FE-2470-4743-8B71-83B1ED8770FD}" dt="2026-01-09T15:02:11.081" v="340" actId="26606"/>
-          <ac:spMkLst>
-            <pc:docMk/>
-            <pc:sldMk cId="3299005585" sldId="258"/>
-            <ac:spMk id="15" creationId="{063BBA22-50EA-4C4D-BE05-F1CE4E63AA56}"/>
-          </ac:spMkLst>
-        </pc:spChg>
-        <pc:spChg chg="add del">
-          <ac:chgData name="Barras Matias" userId="8eac776d-deeb-4346-aa0f-eaa1e7f5da8d" providerId="ADAL" clId="{425534FE-2470-4743-8B71-83B1ED8770FD}" dt="2026-01-09T15:02:10.863" v="339" actId="26606"/>
-          <ac:spMkLst>
-            <pc:docMk/>
-            <pc:sldMk cId="3299005585" sldId="258"/>
-            <ac:spMk id="20" creationId="{6C4028FD-8BAA-4A19-BFDE-594D991B7552}"/>
-          </ac:spMkLst>
-        </pc:spChg>
-        <pc:spChg chg="add del">
-          <ac:chgData name="Barras Matias" userId="8eac776d-deeb-4346-aa0f-eaa1e7f5da8d" providerId="ADAL" clId="{425534FE-2470-4743-8B71-83B1ED8770FD}" dt="2026-01-09T15:02:10.188" v="338" actId="26606"/>
-          <ac:spMkLst>
-            <pc:docMk/>
-            <pc:sldMk cId="3299005585" sldId="258"/>
-            <ac:spMk id="25" creationId="{BACC6370-2D7E-4714-9D71-7542949D7D5D}"/>
-          </ac:spMkLst>
-        </pc:spChg>
-        <pc:spChg chg="add del">
-          <ac:chgData name="Barras Matias" userId="8eac776d-deeb-4346-aa0f-eaa1e7f5da8d" providerId="ADAL" clId="{425534FE-2470-4743-8B71-83B1ED8770FD}" dt="2026-01-09T15:02:10.188" v="338" actId="26606"/>
-          <ac:spMkLst>
-            <pc:docMk/>
-            <pc:sldMk cId="3299005585" sldId="258"/>
-            <ac:spMk id="27" creationId="{F68B3F68-107C-434F-AA38-110D5EA91B85}"/>
-          </ac:spMkLst>
-        </pc:spChg>
-        <pc:spChg chg="add del">
-          <ac:chgData name="Barras Matias" userId="8eac776d-deeb-4346-aa0f-eaa1e7f5da8d" providerId="ADAL" clId="{425534FE-2470-4743-8B71-83B1ED8770FD}" dt="2026-01-09T15:02:10.188" v="338" actId="26606"/>
-          <ac:spMkLst>
-            <pc:docMk/>
-            <pc:sldMk cId="3299005585" sldId="258"/>
-            <ac:spMk id="29" creationId="{AAD0DBB9-1A4B-4391-81D4-CB19F9AB918A}"/>
-          </ac:spMkLst>
-        </pc:spChg>
-        <pc:spChg chg="add del">
-          <ac:chgData name="Barras Matias" userId="8eac776d-deeb-4346-aa0f-eaa1e7f5da8d" providerId="ADAL" clId="{425534FE-2470-4743-8B71-83B1ED8770FD}" dt="2026-01-09T15:02:10.188" v="338" actId="26606"/>
-          <ac:spMkLst>
-            <pc:docMk/>
-            <pc:sldMk cId="3299005585" sldId="258"/>
-            <ac:spMk id="31" creationId="{063BBA22-50EA-4C4D-BE05-F1CE4E63AA56}"/>
-          </ac:spMkLst>
-        </pc:spChg>
-        <pc:graphicFrameChg chg="add del mod modGraphic">
-          <ac:chgData name="Barras Matias" userId="8eac776d-deeb-4346-aa0f-eaa1e7f5da8d" providerId="ADAL" clId="{425534FE-2470-4743-8B71-83B1ED8770FD}" dt="2026-01-09T15:02:11.081" v="340" actId="26606"/>
-          <ac:graphicFrameMkLst>
-            <pc:docMk/>
-            <pc:sldMk cId="3299005585" sldId="258"/>
-            <ac:graphicFrameMk id="5" creationId="{F24BE5ED-D851-FD36-8061-C1035EA6A20B}"/>
           </ac:graphicFrameMkLst>
         </pc:graphicFrameChg>
       </pc:sldChg>
@@ -607,14 +332,6 @@
             <pc:docMk/>
             <pc:sldMk cId="2609198288" sldId="259"/>
             <ac:spMk id="2" creationId="{275E7F24-3039-43D5-84E6-B42AF51B5C6C}"/>
-          </ac:spMkLst>
-        </pc:spChg>
-        <pc:spChg chg="del mod">
-          <ac:chgData name="Barras Matias" userId="8eac776d-deeb-4346-aa0f-eaa1e7f5da8d" providerId="ADAL" clId="{425534FE-2470-4743-8B71-83B1ED8770FD}" dt="2026-01-09T15:12:11.534" v="707" actId="26606"/>
-          <ac:spMkLst>
-            <pc:docMk/>
-            <pc:sldMk cId="2609198288" sldId="259"/>
-            <ac:spMk id="3" creationId="{C7F71551-F5A4-C1B7-3140-74179B3D6F68}"/>
           </ac:spMkLst>
         </pc:spChg>
         <pc:spChg chg="add">
@@ -658,31 +375,15 @@
           </ac:graphicFrameMkLst>
         </pc:graphicFrameChg>
       </pc:sldChg>
-      <pc:sldChg chg="modSp new mod">
-        <pc:chgData name="Barras Matias" userId="8eac776d-deeb-4346-aa0f-eaa1e7f5da8d" providerId="ADAL" clId="{425534FE-2470-4743-8B71-83B1ED8770FD}" dt="2026-01-09T15:13:00.754" v="728" actId="20577"/>
+      <pc:sldChg chg="modSp new del mod">
+        <pc:chgData name="Barras Matias" userId="8eac776d-deeb-4346-aa0f-eaa1e7f5da8d" providerId="ADAL" clId="{425534FE-2470-4743-8B71-83B1ED8770FD}" dt="2026-01-15T12:44:37.434" v="1378" actId="2696"/>
         <pc:sldMkLst>
           <pc:docMk/>
           <pc:sldMk cId="3692399880" sldId="260"/>
         </pc:sldMkLst>
-        <pc:spChg chg="mod">
-          <ac:chgData name="Barras Matias" userId="8eac776d-deeb-4346-aa0f-eaa1e7f5da8d" providerId="ADAL" clId="{425534FE-2470-4743-8B71-83B1ED8770FD}" dt="2026-01-09T15:12:27.897" v="710" actId="20577"/>
-          <ac:spMkLst>
-            <pc:docMk/>
-            <pc:sldMk cId="3692399880" sldId="260"/>
-            <ac:spMk id="2" creationId="{8EC08DBA-7445-3921-E8D8-7EBDA83B3C38}"/>
-          </ac:spMkLst>
-        </pc:spChg>
-        <pc:spChg chg="mod">
-          <ac:chgData name="Barras Matias" userId="8eac776d-deeb-4346-aa0f-eaa1e7f5da8d" providerId="ADAL" clId="{425534FE-2470-4743-8B71-83B1ED8770FD}" dt="2026-01-09T15:13:00.754" v="728" actId="20577"/>
-          <ac:spMkLst>
-            <pc:docMk/>
-            <pc:sldMk cId="3692399880" sldId="260"/>
-            <ac:spMk id="3" creationId="{BF0DA253-4C55-BD47-4C67-1029CC43E10D}"/>
-          </ac:spMkLst>
-        </pc:spChg>
       </pc:sldChg>
       <pc:sldChg chg="addSp delSp modSp new mod setBg">
-        <pc:chgData name="Barras Matias" userId="8eac776d-deeb-4346-aa0f-eaa1e7f5da8d" providerId="ADAL" clId="{425534FE-2470-4743-8B71-83B1ED8770FD}" dt="2026-01-09T15:19:57.954" v="1037" actId="20577"/>
+        <pc:chgData name="Barras Matias" userId="8eac776d-deeb-4346-aa0f-eaa1e7f5da8d" providerId="ADAL" clId="{425534FE-2470-4743-8B71-83B1ED8770FD}" dt="2026-01-15T12:59:47.957" v="1567" actId="20577"/>
         <pc:sldMkLst>
           <pc:docMk/>
           <pc:sldMk cId="737238983" sldId="261"/>
@@ -693,22 +394,6 @@
             <pc:docMk/>
             <pc:sldMk cId="737238983" sldId="261"/>
             <ac:spMk id="2" creationId="{BB20BB87-E903-5DAD-45B8-B534021AC4CB}"/>
-          </ac:spMkLst>
-        </pc:spChg>
-        <pc:spChg chg="del mod">
-          <ac:chgData name="Barras Matias" userId="8eac776d-deeb-4346-aa0f-eaa1e7f5da8d" providerId="ADAL" clId="{425534FE-2470-4743-8B71-83B1ED8770FD}" dt="2026-01-09T15:16:27.654" v="914" actId="26606"/>
-          <ac:spMkLst>
-            <pc:docMk/>
-            <pc:sldMk cId="737238983" sldId="261"/>
-            <ac:spMk id="3" creationId="{7D930639-0492-3838-FE80-FB78EC1BC685}"/>
-          </ac:spMkLst>
-        </pc:spChg>
-        <pc:spChg chg="add del">
-          <ac:chgData name="Barras Matias" userId="8eac776d-deeb-4346-aa0f-eaa1e7f5da8d" providerId="ADAL" clId="{425534FE-2470-4743-8B71-83B1ED8770FD}" dt="2026-01-09T15:13:45.197" v="731" actId="22"/>
-          <ac:spMkLst>
-            <pc:docMk/>
-            <pc:sldMk cId="737238983" sldId="261"/>
-            <ac:spMk id="5" creationId="{907DE386-5FD9-4D13-EEC4-65264589F386}"/>
           </ac:spMkLst>
         </pc:spChg>
         <pc:spChg chg="add">
@@ -744,7 +429,7 @@
           </ac:spMkLst>
         </pc:spChg>
         <pc:graphicFrameChg chg="add mod modGraphic">
-          <ac:chgData name="Barras Matias" userId="8eac776d-deeb-4346-aa0f-eaa1e7f5da8d" providerId="ADAL" clId="{425534FE-2470-4743-8B71-83B1ED8770FD}" dt="2026-01-09T15:19:57.954" v="1037" actId="20577"/>
+          <ac:chgData name="Barras Matias" userId="8eac776d-deeb-4346-aa0f-eaa1e7f5da8d" providerId="ADAL" clId="{425534FE-2470-4743-8B71-83B1ED8770FD}" dt="2026-01-15T12:59:47.957" v="1567" actId="20577"/>
           <ac:graphicFrameMkLst>
             <pc:docMk/>
             <pc:sldMk cId="737238983" sldId="261"/>
@@ -766,60 +451,12 @@
             <ac:spMk id="2" creationId="{691F331F-C120-4A64-CAD3-82C1CCB95810}"/>
           </ac:spMkLst>
         </pc:spChg>
-        <pc:spChg chg="del">
-          <ac:chgData name="Barras Matias" userId="8eac776d-deeb-4346-aa0f-eaa1e7f5da8d" providerId="ADAL" clId="{425534FE-2470-4743-8B71-83B1ED8770FD}" dt="2026-01-09T15:17:05.111" v="924"/>
-          <ac:spMkLst>
-            <pc:docMk/>
-            <pc:sldMk cId="122398681" sldId="262"/>
-            <ac:spMk id="3" creationId="{DF5F0782-3095-0D31-1439-116E4CBCE21F}"/>
-          </ac:spMkLst>
-        </pc:spChg>
         <pc:spChg chg="add">
           <ac:chgData name="Barras Matias" userId="8eac776d-deeb-4346-aa0f-eaa1e7f5da8d" providerId="ADAL" clId="{425534FE-2470-4743-8B71-83B1ED8770FD}" dt="2026-01-09T15:17:30.197" v="931" actId="26606"/>
           <ac:spMkLst>
             <pc:docMk/>
             <pc:sldMk cId="122398681" sldId="262"/>
             <ac:spMk id="6" creationId="{D4771268-CB57-404A-9271-370EB28F6090}"/>
-          </ac:spMkLst>
-        </pc:spChg>
-        <pc:spChg chg="add del">
-          <ac:chgData name="Barras Matias" userId="8eac776d-deeb-4346-aa0f-eaa1e7f5da8d" providerId="ADAL" clId="{425534FE-2470-4743-8B71-83B1ED8770FD}" dt="2026-01-09T15:17:18.342" v="926" actId="26606"/>
-          <ac:spMkLst>
-            <pc:docMk/>
-            <pc:sldMk cId="122398681" sldId="262"/>
-            <ac:spMk id="9" creationId="{A8384FB5-9ADC-4DDC-881B-597D56F5B15D}"/>
-          </ac:spMkLst>
-        </pc:spChg>
-        <pc:spChg chg="add del">
-          <ac:chgData name="Barras Matias" userId="8eac776d-deeb-4346-aa0f-eaa1e7f5da8d" providerId="ADAL" clId="{425534FE-2470-4743-8B71-83B1ED8770FD}" dt="2026-01-09T15:17:18.342" v="926" actId="26606"/>
-          <ac:spMkLst>
-            <pc:docMk/>
-            <pc:sldMk cId="122398681" sldId="262"/>
-            <ac:spMk id="11" creationId="{91E5A9A7-95C6-4F4F-B00E-C82E07FE62EF}"/>
-          </ac:spMkLst>
-        </pc:spChg>
-        <pc:spChg chg="add del">
-          <ac:chgData name="Barras Matias" userId="8eac776d-deeb-4346-aa0f-eaa1e7f5da8d" providerId="ADAL" clId="{425534FE-2470-4743-8B71-83B1ED8770FD}" dt="2026-01-09T15:17:18.342" v="926" actId="26606"/>
-          <ac:spMkLst>
-            <pc:docMk/>
-            <pc:sldMk cId="122398681" sldId="262"/>
-            <ac:spMk id="13" creationId="{D07DD2DE-F619-49DD-B5E7-03A290FF4ED1}"/>
-          </ac:spMkLst>
-        </pc:spChg>
-        <pc:spChg chg="add del">
-          <ac:chgData name="Barras Matias" userId="8eac776d-deeb-4346-aa0f-eaa1e7f5da8d" providerId="ADAL" clId="{425534FE-2470-4743-8B71-83B1ED8770FD}" dt="2026-01-09T15:17:18.342" v="926" actId="26606"/>
-          <ac:spMkLst>
-            <pc:docMk/>
-            <pc:sldMk cId="122398681" sldId="262"/>
-            <ac:spMk id="15" creationId="{85149191-5F60-4A28-AAFF-039F96B0F3EC}"/>
-          </ac:spMkLst>
-        </pc:spChg>
-        <pc:spChg chg="add del">
-          <ac:chgData name="Barras Matias" userId="8eac776d-deeb-4346-aa0f-eaa1e7f5da8d" providerId="ADAL" clId="{425534FE-2470-4743-8B71-83B1ED8770FD}" dt="2026-01-09T15:17:18.342" v="926" actId="26606"/>
-          <ac:spMkLst>
-            <pc:docMk/>
-            <pc:sldMk cId="122398681" sldId="262"/>
-            <ac:spMk id="17" creationId="{F8260ED5-17F7-4158-B241-D51DD4CF1B7E}"/>
           </ac:spMkLst>
         </pc:spChg>
         <pc:picChg chg="add mod">
@@ -843,22 +480,6 @@
             <pc:docMk/>
             <pc:sldMk cId="2507725628" sldId="263"/>
             <ac:spMk id="2" creationId="{CBA1CB46-D3E0-9562-9078-62B0C32E2B75}"/>
-          </ac:spMkLst>
-        </pc:spChg>
-        <pc:spChg chg="del">
-          <ac:chgData name="Barras Matias" userId="8eac776d-deeb-4346-aa0f-eaa1e7f5da8d" providerId="ADAL" clId="{425534FE-2470-4743-8B71-83B1ED8770FD}" dt="2026-01-09T15:20:17.561" v="1049" actId="478"/>
-          <ac:spMkLst>
-            <pc:docMk/>
-            <pc:sldMk cId="2507725628" sldId="263"/>
-            <ac:spMk id="3" creationId="{A884BCFA-0038-B2D7-548E-D9D902216094}"/>
-          </ac:spMkLst>
-        </pc:spChg>
-        <pc:spChg chg="add del">
-          <ac:chgData name="Barras Matias" userId="8eac776d-deeb-4346-aa0f-eaa1e7f5da8d" providerId="ADAL" clId="{425534FE-2470-4743-8B71-83B1ED8770FD}" dt="2026-01-09T15:21:31.968" v="1102" actId="26606"/>
-          <ac:spMkLst>
-            <pc:docMk/>
-            <pc:sldMk cId="2507725628" sldId="263"/>
-            <ac:spMk id="9" creationId="{D4771268-CB57-404A-9271-370EB28F6090}"/>
           </ac:spMkLst>
         </pc:spChg>
         <pc:spChg chg="add">
@@ -900,14 +521,6 @@
             <ac:spMk id="2" creationId="{9AA041EE-740F-5DCE-7E2A-7EE9F04AA23B}"/>
           </ac:spMkLst>
         </pc:spChg>
-        <pc:spChg chg="del">
-          <ac:chgData name="Barras Matias" userId="8eac776d-deeb-4346-aa0f-eaa1e7f5da8d" providerId="ADAL" clId="{425534FE-2470-4743-8B71-83B1ED8770FD}" dt="2026-01-09T15:21:05.922" v="1076"/>
-          <ac:spMkLst>
-            <pc:docMk/>
-            <pc:sldMk cId="893555488" sldId="264"/>
-            <ac:spMk id="3" creationId="{B023C5EB-0B87-7916-4953-3B4A83DDB42E}"/>
-          </ac:spMkLst>
-        </pc:spChg>
         <pc:spChg chg="add">
           <ac:chgData name="Barras Matias" userId="8eac776d-deeb-4346-aa0f-eaa1e7f5da8d" providerId="ADAL" clId="{425534FE-2470-4743-8B71-83B1ED8770FD}" dt="2026-01-09T15:21:29.775" v="1101" actId="26606"/>
           <ac:spMkLst>
@@ -947,14 +560,6 @@
             <ac:spMk id="2" creationId="{AB38C978-D584-73FA-C7C5-55CA979DB793}"/>
           </ac:spMkLst>
         </pc:spChg>
-        <pc:spChg chg="del">
-          <ac:chgData name="Barras Matias" userId="8eac776d-deeb-4346-aa0f-eaa1e7f5da8d" providerId="ADAL" clId="{425534FE-2470-4743-8B71-83B1ED8770FD}" dt="2026-01-09T15:21:24.140" v="1099"/>
-          <ac:spMkLst>
-            <pc:docMk/>
-            <pc:sldMk cId="829940796" sldId="265"/>
-            <ac:spMk id="3" creationId="{6E09667F-E938-FF9D-5A28-F84C91B2683B}"/>
-          </ac:spMkLst>
-        </pc:spChg>
         <pc:spChg chg="add">
           <ac:chgData name="Barras Matias" userId="8eac776d-deeb-4346-aa0f-eaa1e7f5da8d" providerId="ADAL" clId="{425534FE-2470-4743-8B71-83B1ED8770FD}" dt="2026-01-09T15:21:26.753" v="1100" actId="26606"/>
           <ac:spMkLst>
@@ -981,29 +586,29 @@
         </pc:picChg>
       </pc:sldChg>
       <pc:sldChg chg="addSp delSp modSp new mod">
-        <pc:chgData name="Barras Matias" userId="8eac776d-deeb-4346-aa0f-eaa1e7f5da8d" providerId="ADAL" clId="{425534FE-2470-4743-8B71-83B1ED8770FD}" dt="2026-01-09T15:29:09.949" v="1211" actId="20577"/>
+        <pc:chgData name="Barras Matias" userId="8eac776d-deeb-4346-aa0f-eaa1e7f5da8d" providerId="ADAL" clId="{425534FE-2470-4743-8B71-83B1ED8770FD}" dt="2026-01-15T12:53:43.543" v="1502" actId="478"/>
         <pc:sldMkLst>
           <pc:docMk/>
           <pc:sldMk cId="3121260333" sldId="266"/>
         </pc:sldMkLst>
         <pc:spChg chg="mod">
-          <ac:chgData name="Barras Matias" userId="8eac776d-deeb-4346-aa0f-eaa1e7f5da8d" providerId="ADAL" clId="{425534FE-2470-4743-8B71-83B1ED8770FD}" dt="2026-01-09T15:21:58.994" v="1104"/>
+          <ac:chgData name="Barras Matias" userId="8eac776d-deeb-4346-aa0f-eaa1e7f5da8d" providerId="ADAL" clId="{425534FE-2470-4743-8B71-83B1ED8770FD}" dt="2026-01-15T12:53:40.226" v="1501"/>
           <ac:spMkLst>
             <pc:docMk/>
             <pc:sldMk cId="3121260333" sldId="266"/>
             <ac:spMk id="2" creationId="{17F270D1-0CA7-03A1-6859-A144A6210720}"/>
           </ac:spMkLst>
         </pc:spChg>
-        <pc:spChg chg="add del">
-          <ac:chgData name="Barras Matias" userId="8eac776d-deeb-4346-aa0f-eaa1e7f5da8d" providerId="ADAL" clId="{425534FE-2470-4743-8B71-83B1ED8770FD}" dt="2026-01-09T15:22:47.350" v="1107" actId="1032"/>
+        <pc:spChg chg="add mod">
+          <ac:chgData name="Barras Matias" userId="8eac776d-deeb-4346-aa0f-eaa1e7f5da8d" providerId="ADAL" clId="{425534FE-2470-4743-8B71-83B1ED8770FD}" dt="2026-01-15T12:53:43.543" v="1502" actId="478"/>
           <ac:spMkLst>
             <pc:docMk/>
             <pc:sldMk cId="3121260333" sldId="266"/>
-            <ac:spMk id="3" creationId="{899160D6-FD1E-314B-3995-EFCBC7802335}"/>
+            <ac:spMk id="5" creationId="{02935AF0-3BCB-0415-D333-65939DC9DB45}"/>
           </ac:spMkLst>
         </pc:spChg>
-        <pc:graphicFrameChg chg="add mod modGraphic">
-          <ac:chgData name="Barras Matias" userId="8eac776d-deeb-4346-aa0f-eaa1e7f5da8d" providerId="ADAL" clId="{425534FE-2470-4743-8B71-83B1ED8770FD}" dt="2026-01-09T15:29:09.949" v="1211" actId="20577"/>
+        <pc:graphicFrameChg chg="add del mod modGraphic">
+          <ac:chgData name="Barras Matias" userId="8eac776d-deeb-4346-aa0f-eaa1e7f5da8d" providerId="ADAL" clId="{425534FE-2470-4743-8B71-83B1ED8770FD}" dt="2026-01-15T12:53:43.543" v="1502" actId="478"/>
           <ac:graphicFrameMkLst>
             <pc:docMk/>
             <pc:sldMk cId="3121260333" sldId="266"/>
@@ -1011,28 +616,187 @@
           </ac:graphicFrameMkLst>
         </pc:graphicFrameChg>
       </pc:sldChg>
-      <pc:sldChg chg="addSp delSp modSp new">
-        <pc:chgData name="Barras Matias" userId="8eac776d-deeb-4346-aa0f-eaa1e7f5da8d" providerId="ADAL" clId="{425534FE-2470-4743-8B71-83B1ED8770FD}" dt="2026-01-09T15:30:34.308" v="1213"/>
+      <pc:sldChg chg="addSp delSp modSp new del mod">
+        <pc:chgData name="Barras Matias" userId="8eac776d-deeb-4346-aa0f-eaa1e7f5da8d" providerId="ADAL" clId="{425534FE-2470-4743-8B71-83B1ED8770FD}" dt="2026-01-15T12:54:13.101" v="1503" actId="2696"/>
         <pc:sldMkLst>
           <pc:docMk/>
           <pc:sldMk cId="495223664" sldId="267"/>
         </pc:sldMkLst>
-        <pc:spChg chg="del">
-          <ac:chgData name="Barras Matias" userId="8eac776d-deeb-4346-aa0f-eaa1e7f5da8d" providerId="ADAL" clId="{425534FE-2470-4743-8B71-83B1ED8770FD}" dt="2026-01-09T15:30:34.308" v="1213"/>
+        <pc:spChg chg="mod">
+          <ac:chgData name="Barras Matias" userId="8eac776d-deeb-4346-aa0f-eaa1e7f5da8d" providerId="ADAL" clId="{425534FE-2470-4743-8B71-83B1ED8770FD}" dt="2026-01-15T11:58:46.600" v="1230" actId="20577"/>
           <ac:spMkLst>
             <pc:docMk/>
             <pc:sldMk cId="495223664" sldId="267"/>
-            <ac:spMk id="3" creationId="{C6FAF402-C513-DF3C-FFE2-A31B1B0BC123}"/>
+            <ac:spMk id="2" creationId="{9C19A680-CD02-A252-E514-CCC6E873EEBD}"/>
           </ac:spMkLst>
         </pc:spChg>
-        <pc:picChg chg="add mod">
-          <ac:chgData name="Barras Matias" userId="8eac776d-deeb-4346-aa0f-eaa1e7f5da8d" providerId="ADAL" clId="{425534FE-2470-4743-8B71-83B1ED8770FD}" dt="2026-01-09T15:30:34.308" v="1213"/>
+      </pc:sldChg>
+      <pc:sldChg chg="addSp delSp modSp new mod ord">
+        <pc:chgData name="Barras Matias" userId="8eac776d-deeb-4346-aa0f-eaa1e7f5da8d" providerId="ADAL" clId="{425534FE-2470-4743-8B71-83B1ED8770FD}" dt="2026-01-15T12:53:13.837" v="1499" actId="14100"/>
+        <pc:sldMkLst>
+          <pc:docMk/>
+          <pc:sldMk cId="4109257534" sldId="268"/>
+        </pc:sldMkLst>
+        <pc:spChg chg="mod">
+          <ac:chgData name="Barras Matias" userId="8eac776d-deeb-4346-aa0f-eaa1e7f5da8d" providerId="ADAL" clId="{425534FE-2470-4743-8B71-83B1ED8770FD}" dt="2026-01-15T11:59:03.343" v="1253" actId="20577"/>
+          <ac:spMkLst>
+            <pc:docMk/>
+            <pc:sldMk cId="4109257534" sldId="268"/>
+            <ac:spMk id="2" creationId="{40129B73-BCE8-D790-BBBE-69AF10DF2B57}"/>
+          </ac:spMkLst>
+        </pc:spChg>
+        <pc:spChg chg="del">
+          <ac:chgData name="Barras Matias" userId="8eac776d-deeb-4346-aa0f-eaa1e7f5da8d" providerId="ADAL" clId="{425534FE-2470-4743-8B71-83B1ED8770FD}" dt="2026-01-15T12:00:05.611" v="1254" actId="1032"/>
+          <ac:spMkLst>
+            <pc:docMk/>
+            <pc:sldMk cId="4109257534" sldId="268"/>
+            <ac:spMk id="3" creationId="{12C635CE-F76E-02D4-454C-4F5CC10CE041}"/>
+          </ac:spMkLst>
+        </pc:spChg>
+        <pc:graphicFrameChg chg="add mod modGraphic">
+          <ac:chgData name="Barras Matias" userId="8eac776d-deeb-4346-aa0f-eaa1e7f5da8d" providerId="ADAL" clId="{425534FE-2470-4743-8B71-83B1ED8770FD}" dt="2026-01-15T12:53:13.837" v="1499" actId="14100"/>
+          <ac:graphicFrameMkLst>
+            <pc:docMk/>
+            <pc:sldMk cId="4109257534" sldId="268"/>
+            <ac:graphicFrameMk id="6" creationId="{299D0AC9-B03D-686E-B688-1D7D503DD010}"/>
+          </ac:graphicFrameMkLst>
+        </pc:graphicFrameChg>
+      </pc:sldChg>
+      <pc:sldChg chg="modSp new del mod">
+        <pc:chgData name="Barras Matias" userId="8eac776d-deeb-4346-aa0f-eaa1e7f5da8d" providerId="ADAL" clId="{425534FE-2470-4743-8B71-83B1ED8770FD}" dt="2026-01-15T12:45:17.355" v="1403" actId="2696"/>
+        <pc:sldMkLst>
+          <pc:docMk/>
+          <pc:sldMk cId="538466934" sldId="269"/>
+        </pc:sldMkLst>
+        <pc:spChg chg="mod">
+          <ac:chgData name="Barras Matias" userId="8eac776d-deeb-4346-aa0f-eaa1e7f5da8d" providerId="ADAL" clId="{425534FE-2470-4743-8B71-83B1ED8770FD}" dt="2026-01-15T12:45:12.755" v="1402" actId="20577"/>
+          <ac:spMkLst>
+            <pc:docMk/>
+            <pc:sldMk cId="538466934" sldId="269"/>
+            <ac:spMk id="2" creationId="{65089B53-D6FF-DDD2-529B-F5EF501107D2}"/>
+          </ac:spMkLst>
+        </pc:spChg>
+      </pc:sldChg>
+      <pc:sldChg chg="addSp delSp modSp new mod setBg">
+        <pc:chgData name="Barras Matias" userId="8eac776d-deeb-4346-aa0f-eaa1e7f5da8d" providerId="ADAL" clId="{425534FE-2470-4743-8B71-83B1ED8770FD}" dt="2026-01-15T12:51:03.545" v="1451" actId="1076"/>
+        <pc:sldMkLst>
+          <pc:docMk/>
+          <pc:sldMk cId="1368616076" sldId="269"/>
+        </pc:sldMkLst>
+        <pc:spChg chg="mod">
+          <ac:chgData name="Barras Matias" userId="8eac776d-deeb-4346-aa0f-eaa1e7f5da8d" providerId="ADAL" clId="{425534FE-2470-4743-8B71-83B1ED8770FD}" dt="2026-01-15T12:50:53.042" v="1448" actId="26606"/>
+          <ac:spMkLst>
+            <pc:docMk/>
+            <pc:sldMk cId="1368616076" sldId="269"/>
+            <ac:spMk id="2" creationId="{2FCCFBCC-6A66-7D0B-AD37-5E149DC29CDF}"/>
+          </ac:spMkLst>
+        </pc:spChg>
+        <pc:spChg chg="del">
+          <ac:chgData name="Barras Matias" userId="8eac776d-deeb-4346-aa0f-eaa1e7f5da8d" providerId="ADAL" clId="{425534FE-2470-4743-8B71-83B1ED8770FD}" dt="2026-01-15T12:50:48.807" v="1445" actId="22"/>
+          <ac:spMkLst>
+            <pc:docMk/>
+            <pc:sldMk cId="1368616076" sldId="269"/>
+            <ac:spMk id="3" creationId="{5477F9D2-D8C6-DFE9-1326-4E01D9F0A338}"/>
+          </ac:spMkLst>
+        </pc:spChg>
+        <pc:spChg chg="add">
+          <ac:chgData name="Barras Matias" userId="8eac776d-deeb-4346-aa0f-eaa1e7f5da8d" providerId="ADAL" clId="{425534FE-2470-4743-8B71-83B1ED8770FD}" dt="2026-01-15T12:50:53.042" v="1448" actId="26606"/>
+          <ac:spMkLst>
+            <pc:docMk/>
+            <pc:sldMk cId="1368616076" sldId="269"/>
+            <ac:spMk id="10" creationId="{A4AC5506-6312-4701-8D3C-40187889A947}"/>
+          </ac:spMkLst>
+        </pc:spChg>
+        <pc:picChg chg="add mod ord">
+          <ac:chgData name="Barras Matias" userId="8eac776d-deeb-4346-aa0f-eaa1e7f5da8d" providerId="ADAL" clId="{425534FE-2470-4743-8B71-83B1ED8770FD}" dt="2026-01-15T12:51:03.545" v="1451" actId="1076"/>
           <ac:picMkLst>
             <pc:docMk/>
-            <pc:sldMk cId="495223664" sldId="267"/>
-            <ac:picMk id="4" creationId="{8ECCB583-11AB-270D-5CEA-6E5ACAFA83E6}"/>
+            <pc:sldMk cId="1368616076" sldId="269"/>
+            <ac:picMk id="5" creationId="{16603F72-BFB4-163C-6FB2-320965E43EBC}"/>
           </ac:picMkLst>
         </pc:picChg>
+      </pc:sldChg>
+      <pc:sldChg chg="modSp new del mod">
+        <pc:chgData name="Barras Matias" userId="8eac776d-deeb-4346-aa0f-eaa1e7f5da8d" providerId="ADAL" clId="{425534FE-2470-4743-8B71-83B1ED8770FD}" dt="2026-01-15T12:53:31.149" v="1500" actId="47"/>
+        <pc:sldMkLst>
+          <pc:docMk/>
+          <pc:sldMk cId="3605004737" sldId="270"/>
+        </pc:sldMkLst>
+        <pc:spChg chg="mod">
+          <ac:chgData name="Barras Matias" userId="8eac776d-deeb-4346-aa0f-eaa1e7f5da8d" providerId="ADAL" clId="{425534FE-2470-4743-8B71-83B1ED8770FD}" dt="2026-01-15T12:52:42.380" v="1465" actId="20577"/>
+          <ac:spMkLst>
+            <pc:docMk/>
+            <pc:sldMk cId="3605004737" sldId="270"/>
+            <ac:spMk id="2" creationId="{22EE46B3-D9B4-B1DF-1600-F66C205CCA40}"/>
+          </ac:spMkLst>
+        </pc:spChg>
+      </pc:sldChg>
+      <pc:sldChg chg="modSp new mod">
+        <pc:chgData name="Barras Matias" userId="8eac776d-deeb-4346-aa0f-eaa1e7f5da8d" providerId="ADAL" clId="{425534FE-2470-4743-8B71-83B1ED8770FD}" dt="2026-01-15T12:54:31.284" v="1506" actId="20577"/>
+        <pc:sldMkLst>
+          <pc:docMk/>
+          <pc:sldMk cId="4056528422" sldId="270"/>
+        </pc:sldMkLst>
+        <pc:spChg chg="mod">
+          <ac:chgData name="Barras Matias" userId="8eac776d-deeb-4346-aa0f-eaa1e7f5da8d" providerId="ADAL" clId="{425534FE-2470-4743-8B71-83B1ED8770FD}" dt="2026-01-15T12:54:31.284" v="1506" actId="20577"/>
+          <ac:spMkLst>
+            <pc:docMk/>
+            <pc:sldMk cId="4056528422" sldId="270"/>
+            <ac:spMk id="2" creationId="{19D07843-54EF-C1B9-CB90-F7DA05997E81}"/>
+          </ac:spMkLst>
+        </pc:spChg>
+      </pc:sldChg>
+      <pc:sldChg chg="new del ord">
+        <pc:chgData name="Barras Matias" userId="8eac776d-deeb-4346-aa0f-eaa1e7f5da8d" providerId="ADAL" clId="{425534FE-2470-4743-8B71-83B1ED8770FD}" dt="2026-01-15T12:54:57.646" v="1515" actId="2696"/>
+        <pc:sldMkLst>
+          <pc:docMk/>
+          <pc:sldMk cId="1168794504" sldId="271"/>
+        </pc:sldMkLst>
+      </pc:sldChg>
+      <pc:sldChg chg="modSp new">
+        <pc:chgData name="Barras Matias" userId="8eac776d-deeb-4346-aa0f-eaa1e7f5da8d" providerId="ADAL" clId="{425534FE-2470-4743-8B71-83B1ED8770FD}" dt="2026-01-15T12:55:06.711" v="1517"/>
+        <pc:sldMkLst>
+          <pc:docMk/>
+          <pc:sldMk cId="1632674340" sldId="271"/>
+        </pc:sldMkLst>
+        <pc:spChg chg="mod">
+          <ac:chgData name="Barras Matias" userId="8eac776d-deeb-4346-aa0f-eaa1e7f5da8d" providerId="ADAL" clId="{425534FE-2470-4743-8B71-83B1ED8770FD}" dt="2026-01-15T12:55:06.711" v="1517"/>
+          <ac:spMkLst>
+            <pc:docMk/>
+            <pc:sldMk cId="1632674340" sldId="271"/>
+            <ac:spMk id="2" creationId="{05CDB1F2-CE14-F9C4-1935-311A18C0F10B}"/>
+          </ac:spMkLst>
+        </pc:spChg>
+      </pc:sldChg>
+      <pc:sldChg chg="modSp new mod">
+        <pc:chgData name="Barras Matias" userId="8eac776d-deeb-4346-aa0f-eaa1e7f5da8d" providerId="ADAL" clId="{425534FE-2470-4743-8B71-83B1ED8770FD}" dt="2026-01-15T12:55:18.164" v="1520" actId="20577"/>
+        <pc:sldMkLst>
+          <pc:docMk/>
+          <pc:sldMk cId="2341187373" sldId="272"/>
+        </pc:sldMkLst>
+        <pc:spChg chg="mod">
+          <ac:chgData name="Barras Matias" userId="8eac776d-deeb-4346-aa0f-eaa1e7f5da8d" providerId="ADAL" clId="{425534FE-2470-4743-8B71-83B1ED8770FD}" dt="2026-01-15T12:55:18.164" v="1520" actId="20577"/>
+          <ac:spMkLst>
+            <pc:docMk/>
+            <pc:sldMk cId="2341187373" sldId="272"/>
+            <ac:spMk id="2" creationId="{AFB79645-01DA-D966-1820-766E98972873}"/>
+          </ac:spMkLst>
+        </pc:spChg>
+      </pc:sldChg>
+      <pc:sldChg chg="modSp new mod">
+        <pc:chgData name="Barras Matias" userId="8eac776d-deeb-4346-aa0f-eaa1e7f5da8d" providerId="ADAL" clId="{425534FE-2470-4743-8B71-83B1ED8770FD}" dt="2026-01-15T12:55:28.488" v="1523" actId="20577"/>
+        <pc:sldMkLst>
+          <pc:docMk/>
+          <pc:sldMk cId="3726013960" sldId="273"/>
+        </pc:sldMkLst>
+        <pc:spChg chg="mod">
+          <ac:chgData name="Barras Matias" userId="8eac776d-deeb-4346-aa0f-eaa1e7f5da8d" providerId="ADAL" clId="{425534FE-2470-4743-8B71-83B1ED8770FD}" dt="2026-01-15T12:55:28.488" v="1523" actId="20577"/>
+          <ac:spMkLst>
+            <pc:docMk/>
+            <pc:sldMk cId="3726013960" sldId="273"/>
+            <ac:spMk id="2" creationId="{586FC6C0-BEC1-80E3-2D12-F0027A0CD195}"/>
+          </ac:spMkLst>
+        </pc:spChg>
       </pc:sldChg>
     </pc:docChg>
   </pc:docChgLst>
@@ -4918,7 +4682,7 @@
 <dgm:dataModel xmlns:dgm="http://schemas.openxmlformats.org/drawingml/2006/diagram" xmlns:a="http://schemas.openxmlformats.org/drawingml/2006/main">
   <dgm:ptLst>
     <dgm:pt modelId="{3C2166D9-E65C-4906-BD28-45C314B89606}" type="doc">
-      <dgm:prSet loTypeId="urn:microsoft.com/office/officeart/2005/8/layout/vList2" loCatId="list" qsTypeId="urn:microsoft.com/office/officeart/2005/8/quickstyle/simple1" qsCatId="simple" csTypeId="urn:microsoft.com/office/officeart/2005/8/colors/colorful5" csCatId="colorful"/>
+      <dgm:prSet loTypeId="urn:microsoft.com/office/officeart/2005/8/layout/vList2" loCatId="list" qsTypeId="urn:microsoft.com/office/officeart/2005/8/quickstyle/simple1" qsCatId="simple" csTypeId="urn:microsoft.com/office/officeart/2005/8/colors/colorful5" csCatId="colorful" phldr="1"/>
       <dgm:spPr/>
       <dgm:t>
         <a:bodyPr/>
@@ -4973,10 +4737,10 @@
         <a:lstStyle/>
         <a:p>
           <a:r>
-            <a:rPr lang="fr-CH"/>
+            <a:rPr lang="fr-CH" dirty="0"/>
             <a:t>Contexte du projet</a:t>
           </a:r>
-          <a:endParaRPr lang="en-US"/>
+          <a:endParaRPr lang="en-US" dirty="0"/>
         </a:p>
       </dgm:t>
     </dgm:pt>
@@ -5002,43 +4766,6 @@
         </a:p>
       </dgm:t>
     </dgm:pt>
-    <dgm:pt modelId="{D56CC0ED-1901-4BE9-92CA-16CD4A9C2164}">
-      <dgm:prSet/>
-      <dgm:spPr/>
-      <dgm:t>
-        <a:bodyPr/>
-        <a:lstStyle/>
-        <a:p>
-          <a:r>
-            <a:rPr lang="fr-CH"/>
-            <a:t>Objectifs pédagogiques</a:t>
-          </a:r>
-          <a:endParaRPr lang="en-US"/>
-        </a:p>
-      </dgm:t>
-    </dgm:pt>
-    <dgm:pt modelId="{EB7E35B9-3004-4B81-8AA1-7F98E0BFDC74}" type="parTrans" cxnId="{93DCC6E3-F4A1-4D0E-87C8-9241A0F26C52}">
-      <dgm:prSet/>
-      <dgm:spPr/>
-      <dgm:t>
-        <a:bodyPr/>
-        <a:lstStyle/>
-        <a:p>
-          <a:endParaRPr lang="en-US"/>
-        </a:p>
-      </dgm:t>
-    </dgm:pt>
-    <dgm:pt modelId="{E168A9C5-7558-40A7-BC16-A61A786C5C90}" type="sibTrans" cxnId="{93DCC6E3-F4A1-4D0E-87C8-9241A0F26C52}">
-      <dgm:prSet/>
-      <dgm:spPr/>
-      <dgm:t>
-        <a:bodyPr/>
-        <a:lstStyle/>
-        <a:p>
-          <a:endParaRPr lang="en-US"/>
-        </a:p>
-      </dgm:t>
-    </dgm:pt>
     <dgm:pt modelId="{E23A4BA0-DAC8-4818-B018-5CF23B20F464}">
       <dgm:prSet/>
       <dgm:spPr/>
@@ -5047,10 +4774,10 @@
         <a:lstStyle/>
         <a:p>
           <a:r>
-            <a:rPr lang="fr-CH"/>
+            <a:rPr lang="fr-CH" dirty="0"/>
             <a:t>Fonctionnalités principales</a:t>
           </a:r>
-          <a:endParaRPr lang="en-US"/>
+          <a:endParaRPr lang="en-US" dirty="0"/>
         </a:p>
       </dgm:t>
     </dgm:pt>
@@ -5084,10 +4811,14 @@
         <a:lstStyle/>
         <a:p>
           <a:r>
+            <a:rPr lang="fr-CH" dirty="0"/>
+            <a:t>Maquettes </a:t>
+          </a:r>
+          <a:r>
             <a:rPr lang="fr-CH"/>
-            <a:t>Maquettes et interface</a:t>
+            <a:t>et interface</a:t>
           </a:r>
-          <a:endParaRPr lang="en-US"/>
+          <a:endParaRPr lang="en-US" dirty="0"/>
         </a:p>
       </dgm:t>
     </dgm:pt>
@@ -5113,43 +4844,6 @@
         </a:p>
       </dgm:t>
     </dgm:pt>
-    <dgm:pt modelId="{6F702F37-B1C0-4B9F-B280-5EABD2BBB9AE}">
-      <dgm:prSet/>
-      <dgm:spPr/>
-      <dgm:t>
-        <a:bodyPr/>
-        <a:lstStyle/>
-        <a:p>
-          <a:r>
-            <a:rPr lang="fr-CH"/>
-            <a:t>Fonctionnement technique</a:t>
-          </a:r>
-          <a:endParaRPr lang="en-US"/>
-        </a:p>
-      </dgm:t>
-    </dgm:pt>
-    <dgm:pt modelId="{795DEE42-AF46-44EE-A3B2-E33FAF3452CD}" type="parTrans" cxnId="{03E7DBED-2568-4FF3-8E16-3279E71A43F8}">
-      <dgm:prSet/>
-      <dgm:spPr/>
-      <dgm:t>
-        <a:bodyPr/>
-        <a:lstStyle/>
-        <a:p>
-          <a:endParaRPr lang="en-US"/>
-        </a:p>
-      </dgm:t>
-    </dgm:pt>
-    <dgm:pt modelId="{3DB90B9C-0E6E-497B-9B5F-F6B0C3B3D723}" type="sibTrans" cxnId="{03E7DBED-2568-4FF3-8E16-3279E71A43F8}">
-      <dgm:prSet/>
-      <dgm:spPr/>
-      <dgm:t>
-        <a:bodyPr/>
-        <a:lstStyle/>
-        <a:p>
-          <a:endParaRPr lang="en-US"/>
-        </a:p>
-      </dgm:t>
-    </dgm:pt>
     <dgm:pt modelId="{15685321-5DBC-4396-B1E7-5609701D2C34}">
       <dgm:prSet/>
       <dgm:spPr/>
@@ -5158,10 +4852,10 @@
         <a:lstStyle/>
         <a:p>
           <a:r>
-            <a:rPr lang="fr-CH"/>
+            <a:rPr lang="fr-CH" dirty="0"/>
             <a:t>Technologies utilisées</a:t>
           </a:r>
-          <a:endParaRPr lang="en-US"/>
+          <a:endParaRPr lang="en-US" dirty="0"/>
         </a:p>
       </dgm:t>
     </dgm:pt>
@@ -5195,10 +4889,14 @@
         <a:lstStyle/>
         <a:p>
           <a:r>
+            <a:rPr lang="fr-CH" dirty="0"/>
+            <a:t>Organisation </a:t>
+          </a:r>
+          <a:r>
             <a:rPr lang="fr-CH"/>
-            <a:t>Organisation et suivis</a:t>
+            <a:t>et suivis</a:t>
           </a:r>
-          <a:endParaRPr lang="en-US"/>
+          <a:endParaRPr lang="en-US" dirty="0"/>
         </a:p>
       </dgm:t>
     </dgm:pt>
@@ -5224,43 +4922,6 @@
         </a:p>
       </dgm:t>
     </dgm:pt>
-    <dgm:pt modelId="{50BEB181-FD14-40DC-B566-1E5318EF6062}">
-      <dgm:prSet/>
-      <dgm:spPr/>
-      <dgm:t>
-        <a:bodyPr/>
-        <a:lstStyle/>
-        <a:p>
-          <a:r>
-            <a:rPr lang="fr-CH"/>
-            <a:t>Démonstration</a:t>
-          </a:r>
-          <a:endParaRPr lang="en-US"/>
-        </a:p>
-      </dgm:t>
-    </dgm:pt>
-    <dgm:pt modelId="{C454ABB4-41C1-4C6B-BE67-23612929CCE2}" type="parTrans" cxnId="{9A8A31F3-BE8C-48E7-A3DF-A473F34C6676}">
-      <dgm:prSet/>
-      <dgm:spPr/>
-      <dgm:t>
-        <a:bodyPr/>
-        <a:lstStyle/>
-        <a:p>
-          <a:endParaRPr lang="en-US"/>
-        </a:p>
-      </dgm:t>
-    </dgm:pt>
-    <dgm:pt modelId="{47C65CA3-3CA4-49E5-BA0C-98F4069FB29E}" type="sibTrans" cxnId="{9A8A31F3-BE8C-48E7-A3DF-A473F34C6676}">
-      <dgm:prSet/>
-      <dgm:spPr/>
-      <dgm:t>
-        <a:bodyPr/>
-        <a:lstStyle/>
-        <a:p>
-          <a:endParaRPr lang="en-US"/>
-        </a:p>
-      </dgm:t>
-    </dgm:pt>
     <dgm:pt modelId="{FBE33700-0004-44F4-91CD-EF1A2F184A84}">
       <dgm:prSet/>
       <dgm:spPr/>
@@ -5269,10 +4930,10 @@
         <a:lstStyle/>
         <a:p>
           <a:r>
-            <a:rPr lang="fr-CH"/>
+            <a:rPr lang="fr-CH" dirty="0"/>
             <a:t>Conclusion</a:t>
           </a:r>
-          <a:endParaRPr lang="en-US"/>
+          <a:endParaRPr lang="en-US" dirty="0"/>
         </a:p>
       </dgm:t>
     </dgm:pt>
@@ -5298,43 +4959,6 @@
         </a:p>
       </dgm:t>
     </dgm:pt>
-    <dgm:pt modelId="{015D9439-85B3-4078-ACA1-25FEDCB2A6FC}">
-      <dgm:prSet/>
-      <dgm:spPr/>
-      <dgm:t>
-        <a:bodyPr/>
-        <a:lstStyle/>
-        <a:p>
-          <a:r>
-            <a:rPr lang="fr-CH"/>
-            <a:t>Suite du projet</a:t>
-          </a:r>
-          <a:endParaRPr lang="en-US"/>
-        </a:p>
-      </dgm:t>
-    </dgm:pt>
-    <dgm:pt modelId="{4C116D55-ED21-4103-866C-F858E5B3D71E}" type="parTrans" cxnId="{F2532E7B-1898-471C-BAED-E16D0E547291}">
-      <dgm:prSet/>
-      <dgm:spPr/>
-      <dgm:t>
-        <a:bodyPr/>
-        <a:lstStyle/>
-        <a:p>
-          <a:endParaRPr lang="en-US"/>
-        </a:p>
-      </dgm:t>
-    </dgm:pt>
-    <dgm:pt modelId="{602C79A2-35D1-4320-AEF1-BE73417C2201}" type="sibTrans" cxnId="{F2532E7B-1898-471C-BAED-E16D0E547291}">
-      <dgm:prSet/>
-      <dgm:spPr/>
-      <dgm:t>
-        <a:bodyPr/>
-        <a:lstStyle/>
-        <a:p>
-          <a:endParaRPr lang="en-US"/>
-        </a:p>
-      </dgm:t>
-    </dgm:pt>
     <dgm:pt modelId="{0112550C-64CD-44C2-AE48-3026C72E2CDD}">
       <dgm:prSet/>
       <dgm:spPr/>
@@ -5343,10 +4967,10 @@
         <a:lstStyle/>
         <a:p>
           <a:r>
-            <a:rPr lang="fr-CH"/>
+            <a:rPr lang="fr-CH" dirty="0"/>
             <a:t>Questions / Remerciements</a:t>
           </a:r>
-          <a:endParaRPr lang="en-US"/>
+          <a:endParaRPr lang="en-US" dirty="0"/>
         </a:p>
       </dgm:t>
     </dgm:pt>
@@ -5372,6 +4996,78 @@
         </a:p>
       </dgm:t>
     </dgm:pt>
+    <dgm:pt modelId="{0746C297-1C9C-4039-B880-F4E8E9E5745A}">
+      <dgm:prSet/>
+      <dgm:spPr/>
+      <dgm:t>
+        <a:bodyPr/>
+        <a:lstStyle/>
+        <a:p>
+          <a:r>
+            <a:rPr lang="en-US"/>
+            <a:t>Architecture du système</a:t>
+          </a:r>
+          <a:endParaRPr lang="en-US" dirty="0"/>
+        </a:p>
+      </dgm:t>
+    </dgm:pt>
+    <dgm:pt modelId="{BB2CA5C4-C48E-4994-9EC4-14002C62D4B3}" type="parTrans" cxnId="{422D988C-49A2-49CF-BA9F-EAFE2CA804AC}">
+      <dgm:prSet/>
+      <dgm:spPr/>
+    </dgm:pt>
+    <dgm:pt modelId="{D4CFB5B4-674C-4910-8A0A-7726490B4423}" type="sibTrans" cxnId="{422D988C-49A2-49CF-BA9F-EAFE2CA804AC}">
+      <dgm:prSet/>
+      <dgm:spPr/>
+    </dgm:pt>
+    <dgm:pt modelId="{06CB018C-2FCB-4982-86DF-33679BDA3E45}">
+      <dgm:prSet/>
+      <dgm:spPr/>
+      <dgm:t>
+        <a:bodyPr/>
+        <a:lstStyle/>
+        <a:p>
+          <a:pPr>
+            <a:buNone/>
+          </a:pPr>
+          <a:r>
+            <a:rPr lang="fr-CH"/>
+            <a:t>Descente de code</a:t>
+          </a:r>
+          <a:endParaRPr lang="en-US" dirty="0"/>
+        </a:p>
+      </dgm:t>
+    </dgm:pt>
+    <dgm:pt modelId="{5FA71D42-E9A1-41B6-B437-EBACD9C91156}" type="parTrans" cxnId="{66934FDD-181C-4B3C-9984-21B723E35F23}">
+      <dgm:prSet/>
+      <dgm:spPr/>
+    </dgm:pt>
+    <dgm:pt modelId="{9772DF4D-2AE7-4961-ADD8-4B10B75DED03}" type="sibTrans" cxnId="{66934FDD-181C-4B3C-9984-21B723E35F23}">
+      <dgm:prSet/>
+      <dgm:spPr/>
+    </dgm:pt>
+    <dgm:pt modelId="{AF940945-1882-4F2B-9B34-89DCEC1B50EC}">
+      <dgm:prSet/>
+      <dgm:spPr/>
+      <dgm:t>
+        <a:bodyPr/>
+        <a:lstStyle/>
+        <a:p>
+          <a:r>
+            <a:rPr lang="fr-CH" dirty="0"/>
+            <a:t>Démonstration</a:t>
+          </a:r>
+          <a:endParaRPr lang="en-US" dirty="0"/>
+        </a:p>
+      </dgm:t>
+    </dgm:pt>
+    <dgm:pt modelId="{41671C7F-AF27-478F-A565-823772CA1E36}" type="parTrans" cxnId="{958CB553-5023-4938-84E7-1DC01D86A05B}">
+      <dgm:prSet/>
+      <dgm:spPr/>
+    </dgm:pt>
+    <dgm:pt modelId="{07C7EF4A-07D5-4E72-A807-3A8F0FBFAE43}" type="sibTrans" cxnId="{958CB553-5023-4938-84E7-1DC01D86A05B}">
+      <dgm:prSet/>
+      <dgm:spPr/>
+    </dgm:pt>
     <dgm:pt modelId="{AB8AC16F-5A1B-4897-A919-4D43734BE103}" type="pres">
       <dgm:prSet presAssocID="{3C2166D9-E65C-4906-BD28-45C314B89606}" presName="linear" presStyleCnt="0">
         <dgm:presLayoutVars>
@@ -5382,7 +5078,7 @@
       <dgm:spPr/>
     </dgm:pt>
     <dgm:pt modelId="{62BCDA82-D8C2-4272-B642-9F66E22F8F48}" type="pres">
-      <dgm:prSet presAssocID="{F844B7E3-DC11-442F-B547-2678FD1E7BAD}" presName="parentText" presStyleLbl="node1" presStyleIdx="0" presStyleCnt="12">
+      <dgm:prSet presAssocID="{F844B7E3-DC11-442F-B547-2678FD1E7BAD}" presName="parentText" presStyleLbl="node1" presStyleIdx="0" presStyleCnt="11">
         <dgm:presLayoutVars>
           <dgm:chMax val="0"/>
           <dgm:bulletEnabled val="1"/>
@@ -5395,7 +5091,7 @@
       <dgm:spPr/>
     </dgm:pt>
     <dgm:pt modelId="{6D1538DC-13A9-46C9-8612-CDE34B068163}" type="pres">
-      <dgm:prSet presAssocID="{0F675C13-2708-4033-B6E1-CB4060A3674D}" presName="parentText" presStyleLbl="node1" presStyleIdx="1" presStyleCnt="12">
+      <dgm:prSet presAssocID="{0F675C13-2708-4033-B6E1-CB4060A3674D}" presName="parentText" presStyleLbl="node1" presStyleIdx="1" presStyleCnt="11">
         <dgm:presLayoutVars>
           <dgm:chMax val="0"/>
           <dgm:bulletEnabled val="1"/>
@@ -5407,8 +5103,8 @@
       <dgm:prSet presAssocID="{FB8BA18B-8903-4F65-9E9E-5FDCA2C07413}" presName="spacer" presStyleCnt="0"/>
       <dgm:spPr/>
     </dgm:pt>
-    <dgm:pt modelId="{3BDF55C2-A7B1-4FDE-9350-B833347ACA28}" type="pres">
-      <dgm:prSet presAssocID="{D56CC0ED-1901-4BE9-92CA-16CD4A9C2164}" presName="parentText" presStyleLbl="node1" presStyleIdx="2" presStyleCnt="12">
+    <dgm:pt modelId="{E028A5E1-61DB-47F9-82CC-7944C6696D75}" type="pres">
+      <dgm:prSet presAssocID="{0746C297-1C9C-4039-B880-F4E8E9E5745A}" presName="parentText" presStyleLbl="node1" presStyleIdx="2" presStyleCnt="11">
         <dgm:presLayoutVars>
           <dgm:chMax val="0"/>
           <dgm:bulletEnabled val="1"/>
@@ -5416,12 +5112,12 @@
       </dgm:prSet>
       <dgm:spPr/>
     </dgm:pt>
-    <dgm:pt modelId="{6EBFDCAE-E0CB-410C-8FE3-929F5E71CF61}" type="pres">
-      <dgm:prSet presAssocID="{E168A9C5-7558-40A7-BC16-A61A786C5C90}" presName="spacer" presStyleCnt="0"/>
+    <dgm:pt modelId="{353F0A1D-3557-4618-9DF4-DB54FDEB8733}" type="pres">
+      <dgm:prSet presAssocID="{D4CFB5B4-674C-4910-8A0A-7726490B4423}" presName="spacer" presStyleCnt="0"/>
       <dgm:spPr/>
     </dgm:pt>
     <dgm:pt modelId="{B643E920-F087-47B4-B5A5-9F08C287B3FA}" type="pres">
-      <dgm:prSet presAssocID="{E23A4BA0-DAC8-4818-B018-5CF23B20F464}" presName="parentText" presStyleLbl="node1" presStyleIdx="3" presStyleCnt="12">
+      <dgm:prSet presAssocID="{E23A4BA0-DAC8-4818-B018-5CF23B20F464}" presName="parentText" presStyleLbl="node1" presStyleIdx="3" presStyleCnt="11">
         <dgm:presLayoutVars>
           <dgm:chMax val="0"/>
           <dgm:bulletEnabled val="1"/>
@@ -5434,7 +5130,7 @@
       <dgm:spPr/>
     </dgm:pt>
     <dgm:pt modelId="{97A645D4-BCCB-4BF6-B6C4-18CA775A7FCF}" type="pres">
-      <dgm:prSet presAssocID="{B1C58175-0322-4757-9238-31356F56DE8A}" presName="parentText" presStyleLbl="node1" presStyleIdx="4" presStyleCnt="12">
+      <dgm:prSet presAssocID="{B1C58175-0322-4757-9238-31356F56DE8A}" presName="parentText" presStyleLbl="node1" presStyleIdx="4" presStyleCnt="11">
         <dgm:presLayoutVars>
           <dgm:chMax val="0"/>
           <dgm:bulletEnabled val="1"/>
@@ -5446,21 +5142,8 @@
       <dgm:prSet presAssocID="{91032A7E-276F-48E8-A270-EBFC2304A2E1}" presName="spacer" presStyleCnt="0"/>
       <dgm:spPr/>
     </dgm:pt>
-    <dgm:pt modelId="{8D7C3AA2-3AAB-4578-AFDA-8CD91D7029E3}" type="pres">
-      <dgm:prSet presAssocID="{6F702F37-B1C0-4B9F-B280-5EABD2BBB9AE}" presName="parentText" presStyleLbl="node1" presStyleIdx="5" presStyleCnt="12">
-        <dgm:presLayoutVars>
-          <dgm:chMax val="0"/>
-          <dgm:bulletEnabled val="1"/>
-        </dgm:presLayoutVars>
-      </dgm:prSet>
-      <dgm:spPr/>
-    </dgm:pt>
-    <dgm:pt modelId="{61BA1FBE-F070-4E56-B4EE-66134EA2CC1A}" type="pres">
-      <dgm:prSet presAssocID="{3DB90B9C-0E6E-497B-9B5F-F6B0C3B3D723}" presName="spacer" presStyleCnt="0"/>
-      <dgm:spPr/>
-    </dgm:pt>
     <dgm:pt modelId="{82B2C831-2F86-4014-8099-5A62F48FE862}" type="pres">
-      <dgm:prSet presAssocID="{15685321-5DBC-4396-B1E7-5609701D2C34}" presName="parentText" presStyleLbl="node1" presStyleIdx="6" presStyleCnt="12">
+      <dgm:prSet presAssocID="{15685321-5DBC-4396-B1E7-5609701D2C34}" presName="parentText" presStyleLbl="node1" presStyleIdx="5" presStyleCnt="11">
         <dgm:presLayoutVars>
           <dgm:chMax val="0"/>
           <dgm:bulletEnabled val="1"/>
@@ -5472,8 +5155,21 @@
       <dgm:prSet presAssocID="{1A7A8CB5-DD9D-4924-9C81-D15E4AF0DF9D}" presName="spacer" presStyleCnt="0"/>
       <dgm:spPr/>
     </dgm:pt>
+    <dgm:pt modelId="{9251191A-660A-421A-9030-A836D7185436}" type="pres">
+      <dgm:prSet presAssocID="{06CB018C-2FCB-4982-86DF-33679BDA3E45}" presName="parentText" presStyleLbl="node1" presStyleIdx="6" presStyleCnt="11">
+        <dgm:presLayoutVars>
+          <dgm:chMax val="0"/>
+          <dgm:bulletEnabled val="1"/>
+        </dgm:presLayoutVars>
+      </dgm:prSet>
+      <dgm:spPr/>
+    </dgm:pt>
+    <dgm:pt modelId="{4FAF6187-51D2-4E07-98F6-93164D854493}" type="pres">
+      <dgm:prSet presAssocID="{9772DF4D-2AE7-4961-ADD8-4B10B75DED03}" presName="spacer" presStyleCnt="0"/>
+      <dgm:spPr/>
+    </dgm:pt>
     <dgm:pt modelId="{658C506A-230D-47B2-987F-3F47C564EC61}" type="pres">
-      <dgm:prSet presAssocID="{1DF71F25-DD71-482C-9B36-55E664738D5E}" presName="parentText" presStyleLbl="node1" presStyleIdx="7" presStyleCnt="12">
+      <dgm:prSet presAssocID="{1DF71F25-DD71-482C-9B36-55E664738D5E}" presName="parentText" presStyleLbl="node1" presStyleIdx="7" presStyleCnt="11">
         <dgm:presLayoutVars>
           <dgm:chMax val="0"/>
           <dgm:bulletEnabled val="1"/>
@@ -5485,21 +5181,8 @@
       <dgm:prSet presAssocID="{6E194F01-0A84-4A78-B3CA-72755D8B9F9F}" presName="spacer" presStyleCnt="0"/>
       <dgm:spPr/>
     </dgm:pt>
-    <dgm:pt modelId="{6E27A609-AC85-459E-A775-F43FFFC5A8ED}" type="pres">
-      <dgm:prSet presAssocID="{50BEB181-FD14-40DC-B566-1E5318EF6062}" presName="parentText" presStyleLbl="node1" presStyleIdx="8" presStyleCnt="12">
-        <dgm:presLayoutVars>
-          <dgm:chMax val="0"/>
-          <dgm:bulletEnabled val="1"/>
-        </dgm:presLayoutVars>
-      </dgm:prSet>
-      <dgm:spPr/>
-    </dgm:pt>
-    <dgm:pt modelId="{33763C91-D963-4DED-A2C0-A8BAF841930D}" type="pres">
-      <dgm:prSet presAssocID="{47C65CA3-3CA4-49E5-BA0C-98F4069FB29E}" presName="spacer" presStyleCnt="0"/>
-      <dgm:spPr/>
-    </dgm:pt>
     <dgm:pt modelId="{2A8BF066-E4EC-433A-9FDC-8D39262C701C}" type="pres">
-      <dgm:prSet presAssocID="{FBE33700-0004-44F4-91CD-EF1A2F184A84}" presName="parentText" presStyleLbl="node1" presStyleIdx="9" presStyleCnt="12">
+      <dgm:prSet presAssocID="{FBE33700-0004-44F4-91CD-EF1A2F184A84}" presName="parentText" presStyleLbl="node1" presStyleIdx="8" presStyleCnt="11">
         <dgm:presLayoutVars>
           <dgm:chMax val="0"/>
           <dgm:bulletEnabled val="1"/>
@@ -5511,8 +5194,8 @@
       <dgm:prSet presAssocID="{403D8DF2-8D03-4DF4-A046-80B8C1D339FB}" presName="spacer" presStyleCnt="0"/>
       <dgm:spPr/>
     </dgm:pt>
-    <dgm:pt modelId="{CBC6FA32-7271-4BA0-9F42-74DB2DA6FD59}" type="pres">
-      <dgm:prSet presAssocID="{015D9439-85B3-4078-ACA1-25FEDCB2A6FC}" presName="parentText" presStyleLbl="node1" presStyleIdx="10" presStyleCnt="12">
+    <dgm:pt modelId="{181E1EA8-262A-4DC5-BA6C-18D8D95426EA}" type="pres">
+      <dgm:prSet presAssocID="{0112550C-64CD-44C2-AE48-3026C72E2CDD}" presName="parentText" presStyleLbl="node1" presStyleIdx="9" presStyleCnt="11">
         <dgm:presLayoutVars>
           <dgm:chMax val="0"/>
           <dgm:bulletEnabled val="1"/>
@@ -5520,12 +5203,12 @@
       </dgm:prSet>
       <dgm:spPr/>
     </dgm:pt>
-    <dgm:pt modelId="{CC746A4A-5896-4895-8A26-E4D74CED0CD0}" type="pres">
-      <dgm:prSet presAssocID="{602C79A2-35D1-4320-AEF1-BE73417C2201}" presName="spacer" presStyleCnt="0"/>
+    <dgm:pt modelId="{ECB231AF-B71A-4723-8B2D-A2195ECAB6AC}" type="pres">
+      <dgm:prSet presAssocID="{E8188721-709A-400C-8378-447A3CE44E10}" presName="spacer" presStyleCnt="0"/>
       <dgm:spPr/>
     </dgm:pt>
-    <dgm:pt modelId="{181E1EA8-262A-4DC5-BA6C-18D8D95426EA}" type="pres">
-      <dgm:prSet presAssocID="{0112550C-64CD-44C2-AE48-3026C72E2CDD}" presName="parentText" presStyleLbl="node1" presStyleIdx="11" presStyleCnt="12">
+    <dgm:pt modelId="{6A2BE498-EB68-4E6C-83A1-13D50DE93073}" type="pres">
+      <dgm:prSet presAssocID="{AF940945-1882-4F2B-9B34-89DCEC1B50EC}" presName="parentText" presStyleLbl="node1" presStyleIdx="10" presStyleCnt="11">
         <dgm:presLayoutVars>
           <dgm:chMax val="0"/>
           <dgm:bulletEnabled val="1"/>
@@ -5539,50 +5222,46 @@
     <dgm:cxn modelId="{D0C3682C-6394-475E-937E-21A7C1E9DF55}" type="presOf" srcId="{15685321-5DBC-4396-B1E7-5609701D2C34}" destId="{82B2C831-2F86-4014-8099-5A62F48FE862}" srcOrd="0" destOrd="0" presId="urn:microsoft.com/office/officeart/2005/8/layout/vList2"/>
     <dgm:cxn modelId="{E7116039-28CC-4EA7-8465-FCEE01D2B379}" srcId="{3C2166D9-E65C-4906-BD28-45C314B89606}" destId="{1DF71F25-DD71-482C-9B36-55E664738D5E}" srcOrd="7" destOrd="0" parTransId="{4286BB1C-AD0A-42B5-BA75-0DA85CE1B87A}" sibTransId="{6E194F01-0A84-4A78-B3CA-72755D8B9F9F}"/>
     <dgm:cxn modelId="{EB06073A-CB69-4229-84D8-13AE51328790}" type="presOf" srcId="{1DF71F25-DD71-482C-9B36-55E664738D5E}" destId="{658C506A-230D-47B2-987F-3F47C564EC61}" srcOrd="0" destOrd="0" presId="urn:microsoft.com/office/officeart/2005/8/layout/vList2"/>
-    <dgm:cxn modelId="{946DDF3E-3651-4A1E-8681-29FB381ABE44}" srcId="{3C2166D9-E65C-4906-BD28-45C314B89606}" destId="{15685321-5DBC-4396-B1E7-5609701D2C34}" srcOrd="6" destOrd="0" parTransId="{933A1BD8-1222-421E-A923-C0281AF8E521}" sibTransId="{1A7A8CB5-DD9D-4924-9C81-D15E4AF0DF9D}"/>
-    <dgm:cxn modelId="{88AA544A-85D6-4B6D-B4DA-864BA714EDC9}" type="presOf" srcId="{6F702F37-B1C0-4B9F-B280-5EABD2BBB9AE}" destId="{8D7C3AA2-3AAB-4578-AFDA-8CD91D7029E3}" srcOrd="0" destOrd="0" presId="urn:microsoft.com/office/officeart/2005/8/layout/vList2"/>
-    <dgm:cxn modelId="{3DA2686B-5BE5-4004-B566-206714034031}" srcId="{3C2166D9-E65C-4906-BD28-45C314B89606}" destId="{FBE33700-0004-44F4-91CD-EF1A2F184A84}" srcOrd="9" destOrd="0" parTransId="{CEA86F5C-B294-43E0-84B3-29825FD052E1}" sibTransId="{403D8DF2-8D03-4DF4-A046-80B8C1D339FB}"/>
+    <dgm:cxn modelId="{946DDF3E-3651-4A1E-8681-29FB381ABE44}" srcId="{3C2166D9-E65C-4906-BD28-45C314B89606}" destId="{15685321-5DBC-4396-B1E7-5609701D2C34}" srcOrd="5" destOrd="0" parTransId="{933A1BD8-1222-421E-A923-C0281AF8E521}" sibTransId="{1A7A8CB5-DD9D-4924-9C81-D15E4AF0DF9D}"/>
+    <dgm:cxn modelId="{2D354342-C62E-4414-8B23-C23AFFAEC470}" type="presOf" srcId="{06CB018C-2FCB-4982-86DF-33679BDA3E45}" destId="{9251191A-660A-421A-9030-A836D7185436}" srcOrd="0" destOrd="0" presId="urn:microsoft.com/office/officeart/2005/8/layout/vList2"/>
+    <dgm:cxn modelId="{3DA2686B-5BE5-4004-B566-206714034031}" srcId="{3C2166D9-E65C-4906-BD28-45C314B89606}" destId="{FBE33700-0004-44F4-91CD-EF1A2F184A84}" srcOrd="8" destOrd="0" parTransId="{CEA86F5C-B294-43E0-84B3-29825FD052E1}" sibTransId="{403D8DF2-8D03-4DF4-A046-80B8C1D339FB}"/>
     <dgm:cxn modelId="{AD84164C-9D49-4AD3-A9B0-64F73053F4BB}" srcId="{3C2166D9-E65C-4906-BD28-45C314B89606}" destId="{0F675C13-2708-4033-B6E1-CB4060A3674D}" srcOrd="1" destOrd="0" parTransId="{8707006E-8D69-4F0F-888D-6CAA00F35BC9}" sibTransId="{FB8BA18B-8903-4F65-9E9E-5FDCA2C07413}"/>
     <dgm:cxn modelId="{2A04806E-3849-4C8C-B7E9-05688AD30F5F}" srcId="{3C2166D9-E65C-4906-BD28-45C314B89606}" destId="{E23A4BA0-DAC8-4818-B018-5CF23B20F464}" srcOrd="3" destOrd="0" parTransId="{B8939659-C48D-41A4-921E-2C5CB6DE5E51}" sibTransId="{4B45B83D-0F43-4B7B-9BA7-89E439711C9A}"/>
-    <dgm:cxn modelId="{61FC0C4F-6E4F-4380-B474-04ABFA59DBE4}" type="presOf" srcId="{D56CC0ED-1901-4BE9-92CA-16CD4A9C2164}" destId="{3BDF55C2-A7B1-4FDE-9350-B833347ACA28}" srcOrd="0" destOrd="0" presId="urn:microsoft.com/office/officeart/2005/8/layout/vList2"/>
-    <dgm:cxn modelId="{CE67124F-A32A-41CB-9ABE-C4483994CC1F}" srcId="{3C2166D9-E65C-4906-BD28-45C314B89606}" destId="{0112550C-64CD-44C2-AE48-3026C72E2CDD}" srcOrd="11" destOrd="0" parTransId="{A68CDB11-4F65-41D6-991B-5A9A65391772}" sibTransId="{E8188721-709A-400C-8378-447A3CE44E10}"/>
-    <dgm:cxn modelId="{7FFBF279-632D-4277-87B7-CE532FBA3B47}" type="presOf" srcId="{50BEB181-FD14-40DC-B566-1E5318EF6062}" destId="{6E27A609-AC85-459E-A775-F43FFFC5A8ED}" srcOrd="0" destOrd="0" presId="urn:microsoft.com/office/officeart/2005/8/layout/vList2"/>
+    <dgm:cxn modelId="{CE67124F-A32A-41CB-9ABE-C4483994CC1F}" srcId="{3C2166D9-E65C-4906-BD28-45C314B89606}" destId="{0112550C-64CD-44C2-AE48-3026C72E2CDD}" srcOrd="9" destOrd="0" parTransId="{A68CDB11-4F65-41D6-991B-5A9A65391772}" sibTransId="{E8188721-709A-400C-8378-447A3CE44E10}"/>
+    <dgm:cxn modelId="{958CB553-5023-4938-84E7-1DC01D86A05B}" srcId="{3C2166D9-E65C-4906-BD28-45C314B89606}" destId="{AF940945-1882-4F2B-9B34-89DCEC1B50EC}" srcOrd="10" destOrd="0" parTransId="{41671C7F-AF27-478F-A565-823772CA1E36}" sibTransId="{07C7EF4A-07D5-4E72-A807-3A8F0FBFAE43}"/>
     <dgm:cxn modelId="{B754FF59-548D-4013-B1E6-508ABC68C1A4}" type="presOf" srcId="{3C2166D9-E65C-4906-BD28-45C314B89606}" destId="{AB8AC16F-5A1B-4897-A919-4D43734BE103}" srcOrd="0" destOrd="0" presId="urn:microsoft.com/office/officeart/2005/8/layout/vList2"/>
-    <dgm:cxn modelId="{F2532E7B-1898-471C-BAED-E16D0E547291}" srcId="{3C2166D9-E65C-4906-BD28-45C314B89606}" destId="{015D9439-85B3-4078-ACA1-25FEDCB2A6FC}" srcOrd="10" destOrd="0" parTransId="{4C116D55-ED21-4103-866C-F858E5B3D71E}" sibTransId="{602C79A2-35D1-4320-AEF1-BE73417C2201}"/>
+    <dgm:cxn modelId="{422D988C-49A2-49CF-BA9F-EAFE2CA804AC}" srcId="{3C2166D9-E65C-4906-BD28-45C314B89606}" destId="{0746C297-1C9C-4039-B880-F4E8E9E5745A}" srcOrd="2" destOrd="0" parTransId="{BB2CA5C4-C48E-4994-9EC4-14002C62D4B3}" sibTransId="{D4CFB5B4-674C-4910-8A0A-7726490B4423}"/>
     <dgm:cxn modelId="{A485958D-7138-4148-AF9B-BFBA82329E4B}" type="presOf" srcId="{FBE33700-0004-44F4-91CD-EF1A2F184A84}" destId="{2A8BF066-E4EC-433A-9FDC-8D39262C701C}" srcOrd="0" destOrd="0" presId="urn:microsoft.com/office/officeart/2005/8/layout/vList2"/>
     <dgm:cxn modelId="{921ED190-90A4-4A5D-89D6-73CDBADF8A5B}" type="presOf" srcId="{0F675C13-2708-4033-B6E1-CB4060A3674D}" destId="{6D1538DC-13A9-46C9-8612-CDE34B068163}" srcOrd="0" destOrd="0" presId="urn:microsoft.com/office/officeart/2005/8/layout/vList2"/>
     <dgm:cxn modelId="{6B741192-59F8-4AE0-B5E0-9FE1B2BC8C0B}" type="presOf" srcId="{0112550C-64CD-44C2-AE48-3026C72E2CDD}" destId="{181E1EA8-262A-4DC5-BA6C-18D8D95426EA}" srcOrd="0" destOrd="0" presId="urn:microsoft.com/office/officeart/2005/8/layout/vList2"/>
     <dgm:cxn modelId="{C7AA0194-5D54-4E22-AC9F-0BC55E1B80AD}" type="presOf" srcId="{F844B7E3-DC11-442F-B547-2678FD1E7BAD}" destId="{62BCDA82-D8C2-4272-B642-9F66E22F8F48}" srcOrd="0" destOrd="0" presId="urn:microsoft.com/office/officeart/2005/8/layout/vList2"/>
     <dgm:cxn modelId="{EE4D0F9E-3375-43AE-AC8C-5291C68B1E7D}" srcId="{3C2166D9-E65C-4906-BD28-45C314B89606}" destId="{F844B7E3-DC11-442F-B547-2678FD1E7BAD}" srcOrd="0" destOrd="0" parTransId="{D6B797A6-FF24-45A4-92E3-C8BE8DCDAC6F}" sibTransId="{67816DF2-FF3F-49F0-8A3D-4202EAFB44BB}"/>
     <dgm:cxn modelId="{D8A6CAA7-3A3E-4372-A10C-DDA964AE3E10}" type="presOf" srcId="{B1C58175-0322-4757-9238-31356F56DE8A}" destId="{97A645D4-BCCB-4BF6-B6C4-18CA775A7FCF}" srcOrd="0" destOrd="0" presId="urn:microsoft.com/office/officeart/2005/8/layout/vList2"/>
+    <dgm:cxn modelId="{003920C5-1A8B-4259-BA84-A54F9F944164}" type="presOf" srcId="{0746C297-1C9C-4039-B880-F4E8E9E5745A}" destId="{E028A5E1-61DB-47F9-82CC-7944C6696D75}" srcOrd="0" destOrd="0" presId="urn:microsoft.com/office/officeart/2005/8/layout/vList2"/>
     <dgm:cxn modelId="{C9513ED3-C413-4E67-A8DD-1749B4839D03}" srcId="{3C2166D9-E65C-4906-BD28-45C314B89606}" destId="{B1C58175-0322-4757-9238-31356F56DE8A}" srcOrd="4" destOrd="0" parTransId="{6B8AC442-C4F0-44BF-8F02-6AF53794B3AA}" sibTransId="{91032A7E-276F-48E8-A270-EBFC2304A2E1}"/>
-    <dgm:cxn modelId="{42E821E3-410E-476B-AB5C-1FCB7FC23DCC}" type="presOf" srcId="{015D9439-85B3-4078-ACA1-25FEDCB2A6FC}" destId="{CBC6FA32-7271-4BA0-9F42-74DB2DA6FD59}" srcOrd="0" destOrd="0" presId="urn:microsoft.com/office/officeart/2005/8/layout/vList2"/>
-    <dgm:cxn modelId="{93DCC6E3-F4A1-4D0E-87C8-9241A0F26C52}" srcId="{3C2166D9-E65C-4906-BD28-45C314B89606}" destId="{D56CC0ED-1901-4BE9-92CA-16CD4A9C2164}" srcOrd="2" destOrd="0" parTransId="{EB7E35B9-3004-4B81-8AA1-7F98E0BFDC74}" sibTransId="{E168A9C5-7558-40A7-BC16-A61A786C5C90}"/>
-    <dgm:cxn modelId="{03E7DBED-2568-4FF3-8E16-3279E71A43F8}" srcId="{3C2166D9-E65C-4906-BD28-45C314B89606}" destId="{6F702F37-B1C0-4B9F-B280-5EABD2BBB9AE}" srcOrd="5" destOrd="0" parTransId="{795DEE42-AF46-44EE-A3B2-E33FAF3452CD}" sibTransId="{3DB90B9C-0E6E-497B-9B5F-F6B0C3B3D723}"/>
-    <dgm:cxn modelId="{9A8A31F3-BE8C-48E7-A3DF-A473F34C6676}" srcId="{3C2166D9-E65C-4906-BD28-45C314B89606}" destId="{50BEB181-FD14-40DC-B566-1E5318EF6062}" srcOrd="8" destOrd="0" parTransId="{C454ABB4-41C1-4C6B-BE67-23612929CCE2}" sibTransId="{47C65CA3-3CA4-49E5-BA0C-98F4069FB29E}"/>
+    <dgm:cxn modelId="{66934FDD-181C-4B3C-9984-21B723E35F23}" srcId="{3C2166D9-E65C-4906-BD28-45C314B89606}" destId="{06CB018C-2FCB-4982-86DF-33679BDA3E45}" srcOrd="6" destOrd="0" parTransId="{5FA71D42-E9A1-41B6-B437-EBACD9C91156}" sibTransId="{9772DF4D-2AE7-4961-ADD8-4B10B75DED03}"/>
+    <dgm:cxn modelId="{1846D4F7-3BA8-47B0-8CC9-F17392F5545C}" type="presOf" srcId="{AF940945-1882-4F2B-9B34-89DCEC1B50EC}" destId="{6A2BE498-EB68-4E6C-83A1-13D50DE93073}" srcOrd="0" destOrd="0" presId="urn:microsoft.com/office/officeart/2005/8/layout/vList2"/>
     <dgm:cxn modelId="{13CD8019-36C2-4D8D-88E3-A1B704A48587}" type="presParOf" srcId="{AB8AC16F-5A1B-4897-A919-4D43734BE103}" destId="{62BCDA82-D8C2-4272-B642-9F66E22F8F48}" srcOrd="0" destOrd="0" presId="urn:microsoft.com/office/officeart/2005/8/layout/vList2"/>
     <dgm:cxn modelId="{1232C2B6-45A9-4ECE-85D5-27A209F02028}" type="presParOf" srcId="{AB8AC16F-5A1B-4897-A919-4D43734BE103}" destId="{D026D05F-5B5F-414A-9E7D-E04FB2FB4668}" srcOrd="1" destOrd="0" presId="urn:microsoft.com/office/officeart/2005/8/layout/vList2"/>
     <dgm:cxn modelId="{ACB3A08A-825C-46A5-A2A4-2CC15A2D0307}" type="presParOf" srcId="{AB8AC16F-5A1B-4897-A919-4D43734BE103}" destId="{6D1538DC-13A9-46C9-8612-CDE34B068163}" srcOrd="2" destOrd="0" presId="urn:microsoft.com/office/officeart/2005/8/layout/vList2"/>
     <dgm:cxn modelId="{EA0780B1-0585-464A-8171-8333A2728D66}" type="presParOf" srcId="{AB8AC16F-5A1B-4897-A919-4D43734BE103}" destId="{2D3F27EF-254A-4DC1-A31B-46FAA0BF08A1}" srcOrd="3" destOrd="0" presId="urn:microsoft.com/office/officeart/2005/8/layout/vList2"/>
-    <dgm:cxn modelId="{C7196B8B-6B97-4996-B2DE-F69E1686A6B4}" type="presParOf" srcId="{AB8AC16F-5A1B-4897-A919-4D43734BE103}" destId="{3BDF55C2-A7B1-4FDE-9350-B833347ACA28}" srcOrd="4" destOrd="0" presId="urn:microsoft.com/office/officeart/2005/8/layout/vList2"/>
-    <dgm:cxn modelId="{1D20A14D-9D19-437B-8D25-4D4FDA296383}" type="presParOf" srcId="{AB8AC16F-5A1B-4897-A919-4D43734BE103}" destId="{6EBFDCAE-E0CB-410C-8FE3-929F5E71CF61}" srcOrd="5" destOrd="0" presId="urn:microsoft.com/office/officeart/2005/8/layout/vList2"/>
+    <dgm:cxn modelId="{47E3D7BD-501A-4575-A2CA-457C87F2C372}" type="presParOf" srcId="{AB8AC16F-5A1B-4897-A919-4D43734BE103}" destId="{E028A5E1-61DB-47F9-82CC-7944C6696D75}" srcOrd="4" destOrd="0" presId="urn:microsoft.com/office/officeart/2005/8/layout/vList2"/>
+    <dgm:cxn modelId="{D0A24E8A-8C9D-4DBA-9CB4-A7A8B5DC9B7C}" type="presParOf" srcId="{AB8AC16F-5A1B-4897-A919-4D43734BE103}" destId="{353F0A1D-3557-4618-9DF4-DB54FDEB8733}" srcOrd="5" destOrd="0" presId="urn:microsoft.com/office/officeart/2005/8/layout/vList2"/>
     <dgm:cxn modelId="{CFBAD992-6360-4A0C-91CF-8957998CDF8C}" type="presParOf" srcId="{AB8AC16F-5A1B-4897-A919-4D43734BE103}" destId="{B643E920-F087-47B4-B5A5-9F08C287B3FA}" srcOrd="6" destOrd="0" presId="urn:microsoft.com/office/officeart/2005/8/layout/vList2"/>
     <dgm:cxn modelId="{7A04E03F-5A89-4207-8B62-D2F7790E56EE}" type="presParOf" srcId="{AB8AC16F-5A1B-4897-A919-4D43734BE103}" destId="{2FC7EC78-AF3C-4FDD-8FAE-79B2FDA5853A}" srcOrd="7" destOrd="0" presId="urn:microsoft.com/office/officeart/2005/8/layout/vList2"/>
     <dgm:cxn modelId="{86CE0386-6886-4C08-A8AE-2021CA6D08ED}" type="presParOf" srcId="{AB8AC16F-5A1B-4897-A919-4D43734BE103}" destId="{97A645D4-BCCB-4BF6-B6C4-18CA775A7FCF}" srcOrd="8" destOrd="0" presId="urn:microsoft.com/office/officeart/2005/8/layout/vList2"/>
     <dgm:cxn modelId="{435FC8C2-4319-4E95-B1BB-CDE024A02F53}" type="presParOf" srcId="{AB8AC16F-5A1B-4897-A919-4D43734BE103}" destId="{7E342168-E903-4323-881E-9F8F18621184}" srcOrd="9" destOrd="0" presId="urn:microsoft.com/office/officeart/2005/8/layout/vList2"/>
-    <dgm:cxn modelId="{C25AF1D9-FF6E-44E4-864F-A952EAA90F3E}" type="presParOf" srcId="{AB8AC16F-5A1B-4897-A919-4D43734BE103}" destId="{8D7C3AA2-3AAB-4578-AFDA-8CD91D7029E3}" srcOrd="10" destOrd="0" presId="urn:microsoft.com/office/officeart/2005/8/layout/vList2"/>
-    <dgm:cxn modelId="{E814E8DF-5499-47A1-8583-7E97C2352CF7}" type="presParOf" srcId="{AB8AC16F-5A1B-4897-A919-4D43734BE103}" destId="{61BA1FBE-F070-4E56-B4EE-66134EA2CC1A}" srcOrd="11" destOrd="0" presId="urn:microsoft.com/office/officeart/2005/8/layout/vList2"/>
-    <dgm:cxn modelId="{D5902ED9-A37A-4169-807D-FC43F2BB71FA}" type="presParOf" srcId="{AB8AC16F-5A1B-4897-A919-4D43734BE103}" destId="{82B2C831-2F86-4014-8099-5A62F48FE862}" srcOrd="12" destOrd="0" presId="urn:microsoft.com/office/officeart/2005/8/layout/vList2"/>
-    <dgm:cxn modelId="{2B809D7F-44E8-4945-A55C-A2FBB427009D}" type="presParOf" srcId="{AB8AC16F-5A1B-4897-A919-4D43734BE103}" destId="{6D224C22-487F-4C76-A6B7-EFCF93AD3B0E}" srcOrd="13" destOrd="0" presId="urn:microsoft.com/office/officeart/2005/8/layout/vList2"/>
+    <dgm:cxn modelId="{D5902ED9-A37A-4169-807D-FC43F2BB71FA}" type="presParOf" srcId="{AB8AC16F-5A1B-4897-A919-4D43734BE103}" destId="{82B2C831-2F86-4014-8099-5A62F48FE862}" srcOrd="10" destOrd="0" presId="urn:microsoft.com/office/officeart/2005/8/layout/vList2"/>
+    <dgm:cxn modelId="{2B809D7F-44E8-4945-A55C-A2FBB427009D}" type="presParOf" srcId="{AB8AC16F-5A1B-4897-A919-4D43734BE103}" destId="{6D224C22-487F-4C76-A6B7-EFCF93AD3B0E}" srcOrd="11" destOrd="0" presId="urn:microsoft.com/office/officeart/2005/8/layout/vList2"/>
+    <dgm:cxn modelId="{C1FC8365-058A-48C8-A964-D0BC6720D0D0}" type="presParOf" srcId="{AB8AC16F-5A1B-4897-A919-4D43734BE103}" destId="{9251191A-660A-421A-9030-A836D7185436}" srcOrd="12" destOrd="0" presId="urn:microsoft.com/office/officeart/2005/8/layout/vList2"/>
+    <dgm:cxn modelId="{AB05B9F4-2179-475B-81F8-131995E40DE0}" type="presParOf" srcId="{AB8AC16F-5A1B-4897-A919-4D43734BE103}" destId="{4FAF6187-51D2-4E07-98F6-93164D854493}" srcOrd="13" destOrd="0" presId="urn:microsoft.com/office/officeart/2005/8/layout/vList2"/>
     <dgm:cxn modelId="{D927A2BD-0A7D-49CD-8FEC-F0ED5F868E64}" type="presParOf" srcId="{AB8AC16F-5A1B-4897-A919-4D43734BE103}" destId="{658C506A-230D-47B2-987F-3F47C564EC61}" srcOrd="14" destOrd="0" presId="urn:microsoft.com/office/officeart/2005/8/layout/vList2"/>
     <dgm:cxn modelId="{2E95082A-9495-486C-9088-16AEE19A877E}" type="presParOf" srcId="{AB8AC16F-5A1B-4897-A919-4D43734BE103}" destId="{60D44658-18E1-4CCE-8B08-C05FA0CC3EF1}" srcOrd="15" destOrd="0" presId="urn:microsoft.com/office/officeart/2005/8/layout/vList2"/>
-    <dgm:cxn modelId="{01ED8689-D2CC-44F7-A350-C9564AE833DF}" type="presParOf" srcId="{AB8AC16F-5A1B-4897-A919-4D43734BE103}" destId="{6E27A609-AC85-459E-A775-F43FFFC5A8ED}" srcOrd="16" destOrd="0" presId="urn:microsoft.com/office/officeart/2005/8/layout/vList2"/>
-    <dgm:cxn modelId="{74005D8B-7A08-4744-A240-201DA3ECD505}" type="presParOf" srcId="{AB8AC16F-5A1B-4897-A919-4D43734BE103}" destId="{33763C91-D963-4DED-A2C0-A8BAF841930D}" srcOrd="17" destOrd="0" presId="urn:microsoft.com/office/officeart/2005/8/layout/vList2"/>
-    <dgm:cxn modelId="{C73A09B5-F8D8-404A-9879-D5AA547B76D9}" type="presParOf" srcId="{AB8AC16F-5A1B-4897-A919-4D43734BE103}" destId="{2A8BF066-E4EC-433A-9FDC-8D39262C701C}" srcOrd="18" destOrd="0" presId="urn:microsoft.com/office/officeart/2005/8/layout/vList2"/>
-    <dgm:cxn modelId="{02B68D71-2263-4738-A148-C70AF5D061F4}" type="presParOf" srcId="{AB8AC16F-5A1B-4897-A919-4D43734BE103}" destId="{6852FB4F-04C0-4758-9B6E-B6A619D67924}" srcOrd="19" destOrd="0" presId="urn:microsoft.com/office/officeart/2005/8/layout/vList2"/>
-    <dgm:cxn modelId="{E16F0483-51FF-46AB-8E3B-0782ECE6BE1B}" type="presParOf" srcId="{AB8AC16F-5A1B-4897-A919-4D43734BE103}" destId="{CBC6FA32-7271-4BA0-9F42-74DB2DA6FD59}" srcOrd="20" destOrd="0" presId="urn:microsoft.com/office/officeart/2005/8/layout/vList2"/>
-    <dgm:cxn modelId="{44ED0AB5-5C3A-43B8-80D2-C9C348C44E02}" type="presParOf" srcId="{AB8AC16F-5A1B-4897-A919-4D43734BE103}" destId="{CC746A4A-5896-4895-8A26-E4D74CED0CD0}" srcOrd="21" destOrd="0" presId="urn:microsoft.com/office/officeart/2005/8/layout/vList2"/>
-    <dgm:cxn modelId="{1C87224D-4627-47E8-B85F-222F21F0269E}" type="presParOf" srcId="{AB8AC16F-5A1B-4897-A919-4D43734BE103}" destId="{181E1EA8-262A-4DC5-BA6C-18D8D95426EA}" srcOrd="22" destOrd="0" presId="urn:microsoft.com/office/officeart/2005/8/layout/vList2"/>
+    <dgm:cxn modelId="{C73A09B5-F8D8-404A-9879-D5AA547B76D9}" type="presParOf" srcId="{AB8AC16F-5A1B-4897-A919-4D43734BE103}" destId="{2A8BF066-E4EC-433A-9FDC-8D39262C701C}" srcOrd="16" destOrd="0" presId="urn:microsoft.com/office/officeart/2005/8/layout/vList2"/>
+    <dgm:cxn modelId="{02B68D71-2263-4738-A148-C70AF5D061F4}" type="presParOf" srcId="{AB8AC16F-5A1B-4897-A919-4D43734BE103}" destId="{6852FB4F-04C0-4758-9B6E-B6A619D67924}" srcOrd="17" destOrd="0" presId="urn:microsoft.com/office/officeart/2005/8/layout/vList2"/>
+    <dgm:cxn modelId="{1C87224D-4627-47E8-B85F-222F21F0269E}" type="presParOf" srcId="{AB8AC16F-5A1B-4897-A919-4D43734BE103}" destId="{181E1EA8-262A-4DC5-BA6C-18D8D95426EA}" srcOrd="18" destOrd="0" presId="urn:microsoft.com/office/officeart/2005/8/layout/vList2"/>
+    <dgm:cxn modelId="{BF69D06D-D0F8-4E3F-86B4-B7B4629B0CF1}" type="presParOf" srcId="{AB8AC16F-5A1B-4897-A919-4D43734BE103}" destId="{ECB231AF-B71A-4723-8B2D-A2195ECAB6AC}" srcOrd="19" destOrd="0" presId="urn:microsoft.com/office/officeart/2005/8/layout/vList2"/>
+    <dgm:cxn modelId="{6F06F96E-7122-490E-867A-59133993A700}" type="presParOf" srcId="{AB8AC16F-5A1B-4897-A919-4D43734BE103}" destId="{6A2BE498-EB68-4E6C-83A1-13D50DE93073}" srcOrd="20" destOrd="0" presId="urn:microsoft.com/office/officeart/2005/8/layout/vList2"/>
   </dgm:cxnLst>
   <dgm:bg/>
   <dgm:whole/>
@@ -5598,7 +5277,7 @@
 <dgm:dataModel xmlns:dgm="http://schemas.openxmlformats.org/drawingml/2006/diagram" xmlns:a="http://schemas.openxmlformats.org/drawingml/2006/main">
   <dgm:ptLst>
     <dgm:pt modelId="{E6484FC8-25F4-44D6-8B06-BA709D5254E0}" type="doc">
-      <dgm:prSet loTypeId="urn:microsoft.com/office/officeart/2005/8/layout/hierarchy1" loCatId="hierarchy" qsTypeId="urn:microsoft.com/office/officeart/2005/8/quickstyle/simple1" qsCatId="simple" csTypeId="urn:microsoft.com/office/officeart/2005/8/colors/colorful2" csCatId="colorful"/>
+      <dgm:prSet loTypeId="urn:microsoft.com/office/officeart/2005/8/layout/hierarchy1" loCatId="hierarchy" qsTypeId="urn:microsoft.com/office/officeart/2005/8/quickstyle/simple1" qsCatId="simple" csTypeId="urn:microsoft.com/office/officeart/2005/8/colors/colorful2" csCatId="colorful" phldr="1"/>
       <dgm:spPr/>
       <dgm:t>
         <a:bodyPr/>
@@ -5609,17 +5288,28 @@
       </dgm:t>
     </dgm:pt>
     <dgm:pt modelId="{68D68C72-7CFB-4720-ADF6-E7C292DEC748}">
-      <dgm:prSet/>
+      <dgm:prSet custT="1"/>
       <dgm:spPr/>
       <dgm:t>
         <a:bodyPr/>
         <a:lstStyle/>
         <a:p>
           <a:r>
-            <a:rPr lang="fr-CH"/>
-            <a:t>Arnaud Ramize Scum master</a:t>
+            <a:rPr lang="fr-CH" sz="3200" dirty="0"/>
+            <a:t>Arnaud Ramirez </a:t>
           </a:r>
-          <a:endParaRPr lang="en-US"/>
+          <a:br>
+            <a:rPr lang="fr-CH" sz="3200" dirty="0"/>
+          </a:br>
+          <a:r>
+            <a:rPr lang="fr-CH" sz="3200" dirty="0" err="1"/>
+            <a:t>Scum</a:t>
+          </a:r>
+          <a:r>
+            <a:rPr lang="fr-CH" sz="3200" dirty="0"/>
+            <a:t> master</a:t>
+          </a:r>
+          <a:endParaRPr lang="en-US" sz="3200" dirty="0"/>
         </a:p>
       </dgm:t>
     </dgm:pt>
@@ -5646,17 +5336,29 @@
       </dgm:t>
     </dgm:pt>
     <dgm:pt modelId="{2CAC0227-67D8-4E8C-ABBC-8D9180771CB0}">
-      <dgm:prSet/>
+      <dgm:prSet custT="1"/>
       <dgm:spPr/>
       <dgm:t>
         <a:bodyPr/>
         <a:lstStyle/>
         <a:p>
           <a:r>
-            <a:rPr lang="fr-CH"/>
-            <a:t>Jonas Deillon  Product owner</a:t>
+            <a:rPr lang="fr-CH" sz="3200" dirty="0"/>
+            <a:t>Jonas </a:t>
           </a:r>
-          <a:endParaRPr lang="en-US"/>
+          <a:r>
+            <a:rPr lang="fr-CH" sz="3200" dirty="0" err="1"/>
+            <a:t>Deillon</a:t>
+          </a:r>
+          <a:r>
+            <a:rPr lang="fr-CH" sz="3200" dirty="0"/>
+            <a:t>  Product </a:t>
+          </a:r>
+          <a:r>
+            <a:rPr lang="fr-CH" sz="3200" dirty="0" err="1"/>
+            <a:t>owner</a:t>
+          </a:r>
+          <a:endParaRPr lang="en-US" sz="3200" dirty="0"/>
         </a:p>
       </dgm:t>
     </dgm:pt>
@@ -5683,17 +5385,21 @@
       </dgm:t>
     </dgm:pt>
     <dgm:pt modelId="{71AD2CF7-FD5F-4E96-949C-ECCAEBF23F4D}">
-      <dgm:prSet/>
+      <dgm:prSet custT="1"/>
       <dgm:spPr/>
       <dgm:t>
         <a:bodyPr/>
         <a:lstStyle/>
         <a:p>
           <a:r>
-            <a:rPr lang="fr-CH"/>
-            <a:t>Matias Barras Devloper</a:t>
+            <a:rPr lang="fr-CH" sz="3200" dirty="0"/>
+            <a:t>Matias </a:t>
           </a:r>
-          <a:endParaRPr lang="en-US"/>
+          <a:r>
+            <a:rPr lang="fr-CH" sz="3200"/>
+            <a:t>Barras Développer</a:t>
+          </a:r>
+          <a:endParaRPr lang="en-US" sz="3200" dirty="0"/>
         </a:p>
       </dgm:t>
     </dgm:pt>
@@ -5832,7 +5538,7 @@
   <dgm:whole/>
   <dgm:extLst>
     <a:ext uri="http://schemas.microsoft.com/office/drawing/2008/diagram">
-      <dsp:dataModelExt xmlns:dsp="http://schemas.microsoft.com/office/drawing/2008/diagram" relId="rId6" minVer="http://schemas.openxmlformats.org/drawingml/2006/diagram"/>
+      <dsp:dataModelExt xmlns:dsp="http://schemas.microsoft.com/office/drawing/2008/diagram" relId="rId7" minVer="http://schemas.openxmlformats.org/drawingml/2006/diagram"/>
     </a:ext>
   </dgm:extLst>
 </dgm:dataModel>
@@ -6110,10 +5816,14 @@
         <a:lstStyle/>
         <a:p>
           <a:r>
-            <a:rPr lang="fr-CH"/>
-            <a:t>Scors </a:t>
+            <a:rPr lang="fr-CH" noProof="0" dirty="0"/>
+            <a:t>Scores</a:t>
           </a:r>
-          <a:endParaRPr lang="en-US"/>
+          <a:r>
+            <a:rPr lang="fr-CH" dirty="0"/>
+            <a:t> </a:t>
+          </a:r>
+          <a:endParaRPr lang="en-US" dirty="0"/>
         </a:p>
       </dgm:t>
     </dgm:pt>
@@ -6193,10 +5903,24 @@
     <dgm:pt modelId="{97357C2E-D482-4CF4-B9E5-7FAEB1CDC17A}" type="parTrans" cxnId="{E62D8E0A-8742-4A59-B416-2E4566E2320E}">
       <dgm:prSet/>
       <dgm:spPr/>
+      <dgm:t>
+        <a:bodyPr/>
+        <a:lstStyle/>
+        <a:p>
+          <a:endParaRPr lang="fr-CH"/>
+        </a:p>
+      </dgm:t>
     </dgm:pt>
     <dgm:pt modelId="{1D1FA9FD-9FBD-4DFA-BBBB-3E5F5B381FD0}" type="sibTrans" cxnId="{E62D8E0A-8742-4A59-B416-2E4566E2320E}">
       <dgm:prSet/>
       <dgm:spPr/>
+      <dgm:t>
+        <a:bodyPr/>
+        <a:lstStyle/>
+        <a:p>
+          <a:endParaRPr lang="fr-CH"/>
+        </a:p>
+      </dgm:t>
     </dgm:pt>
     <dgm:pt modelId="{9082FC6B-71E3-45D2-8F9E-D93A943E02EB}">
       <dgm:prSet/>
@@ -6206,28 +5930,33 @@
         <a:lstStyle/>
         <a:p>
           <a:r>
-            <a:rPr lang="fr-CH" noProof="0" dirty="0" err="1"/>
-            <a:t>Leaderboard</a:t>
+            <a:rPr lang="fr-CH" noProof="0" dirty="0"/>
+            <a:t>Tableaux des scores pour voir et comparer ses scores</a:t>
           </a:r>
-          <a:r>
-            <a:rPr lang="fr-CH" noProof="0" dirty="0"/>
-            <a:t> pour voir et comparer ses </a:t>
-          </a:r>
-          <a:r>
-            <a:rPr lang="fr-CH" noProof="0" dirty="0" err="1"/>
-            <a:t>scors</a:t>
-          </a:r>
-          <a:endParaRPr lang="fr-CH" noProof="0" dirty="0"/>
         </a:p>
       </dgm:t>
     </dgm:pt>
     <dgm:pt modelId="{F9991104-6DC7-4D81-B21B-D3BA454BCFED}" type="parTrans" cxnId="{9D188E84-19E4-410B-9707-F48AB645B50A}">
       <dgm:prSet/>
       <dgm:spPr/>
+      <dgm:t>
+        <a:bodyPr/>
+        <a:lstStyle/>
+        <a:p>
+          <a:endParaRPr lang="fr-CH"/>
+        </a:p>
+      </dgm:t>
     </dgm:pt>
     <dgm:pt modelId="{B3B7D459-B074-44A9-ADAF-34E178F79E1F}" type="sibTrans" cxnId="{9D188E84-19E4-410B-9707-F48AB645B50A}">
       <dgm:prSet/>
       <dgm:spPr/>
+      <dgm:t>
+        <a:bodyPr/>
+        <a:lstStyle/>
+        <a:p>
+          <a:endParaRPr lang="fr-CH"/>
+        </a:p>
+      </dgm:t>
     </dgm:pt>
     <dgm:pt modelId="{6CC40F6A-70BF-411E-9471-657994ECFD67}" type="pres">
       <dgm:prSet presAssocID="{0C0B8FF2-76C9-4387-83BF-CA4A0FF1F16B}" presName="linear" presStyleCnt="0">
@@ -6343,8 +6072,8 @@
 <file path=ppt/diagrams/data5.xml><?xml version="1.0" encoding="utf-8"?>
 <dgm:dataModel xmlns:dgm="http://schemas.openxmlformats.org/drawingml/2006/diagram" xmlns:a="http://schemas.openxmlformats.org/drawingml/2006/main">
   <dgm:ptLst>
-    <dgm:pt modelId="{16B8EFB5-C556-434E-AD25-8139E077C45D}" type="doc">
-      <dgm:prSet loTypeId="urn:microsoft.com/office/officeart/2005/8/layout/orgChart1" loCatId="hierarchy" qsTypeId="urn:microsoft.com/office/officeart/2005/8/quickstyle/simple1" qsCatId="simple" csTypeId="urn:microsoft.com/office/officeart/2005/8/colors/accent1_2" csCatId="accent1" phldr="1"/>
+    <dgm:pt modelId="{C294A339-4233-44F1-BF40-33906DC0FBF9}" type="doc">
+      <dgm:prSet loTypeId="urn:microsoft.com/office/officeart/2005/8/layout/radial3" loCatId="relationship" qsTypeId="urn:microsoft.com/office/officeart/2005/8/quickstyle/simple1" qsCatId="simple" csTypeId="urn:microsoft.com/office/officeart/2005/8/colors/accent1_2" csCatId="accent1" phldr="1"/>
       <dgm:spPr/>
       <dgm:t>
         <a:bodyPr/>
@@ -6354,7 +6083,7 @@
         </a:p>
       </dgm:t>
     </dgm:pt>
-    <dgm:pt modelId="{63E84C01-3F90-48A4-A23A-60313E619EB6}">
+    <dgm:pt modelId="{5A8D0FB7-D0E2-4F93-908B-DDA902F6A211}">
       <dgm:prSet phldrT="[Texte]" phldr="0"/>
       <dgm:spPr/>
       <dgm:t>
@@ -6363,12 +6092,12 @@
         <a:p>
           <a:r>
             <a:rPr lang="fr-CH" dirty="0"/>
-            <a:t>Application</a:t>
+            <a:t>Docker</a:t>
           </a:r>
         </a:p>
       </dgm:t>
     </dgm:pt>
-    <dgm:pt modelId="{91CBA9E8-B0A5-4AF0-88CD-A8C0C1D77D14}" type="parTrans" cxnId="{2F2CA36D-28FC-4163-94C8-6C3C1735E757}">
+    <dgm:pt modelId="{869B62B8-B178-4157-AE44-5C7658AC636C}" type="parTrans" cxnId="{37832274-F6CD-4884-8F3F-E2E12ABD4217}">
       <dgm:prSet/>
       <dgm:spPr/>
       <dgm:t>
@@ -6379,7 +6108,7 @@
         </a:p>
       </dgm:t>
     </dgm:pt>
-    <dgm:pt modelId="{58DC39F7-4F0C-4F79-ACD0-18F2C67AFF64}" type="sibTrans" cxnId="{2F2CA36D-28FC-4163-94C8-6C3C1735E757}">
+    <dgm:pt modelId="{A95A6DE4-65E1-43A1-A2E4-AC909A0FBE63}" type="sibTrans" cxnId="{37832274-F6CD-4884-8F3F-E2E12ABD4217}">
       <dgm:prSet/>
       <dgm:spPr/>
       <dgm:t>
@@ -6390,7 +6119,299 @@
         </a:p>
       </dgm:t>
     </dgm:pt>
-    <dgm:pt modelId="{87922B9B-6053-4767-BF96-4890FF081EFC}" type="asst">
+    <dgm:pt modelId="{17813B69-B63D-4349-BA4A-7DC7B7681356}">
+      <dgm:prSet phldrT="[Texte]" phldr="0"/>
+      <dgm:spPr/>
+      <dgm:t>
+        <a:bodyPr/>
+        <a:lstStyle/>
+        <a:p>
+          <a:r>
+            <a:rPr lang="fr-CH" dirty="0"/>
+            <a:t>Backend</a:t>
+          </a:r>
+        </a:p>
+      </dgm:t>
+    </dgm:pt>
+    <dgm:pt modelId="{3C918847-D847-433D-A3A3-A1F69DE13E46}" type="parTrans" cxnId="{BA8E4D00-BCCF-4184-B1BF-9E5B791402E1}">
+      <dgm:prSet/>
+      <dgm:spPr/>
+      <dgm:t>
+        <a:bodyPr/>
+        <a:lstStyle/>
+        <a:p>
+          <a:endParaRPr lang="fr-CH"/>
+        </a:p>
+      </dgm:t>
+    </dgm:pt>
+    <dgm:pt modelId="{9D2577AB-C520-42E4-B506-379FD6B6FF2A}" type="sibTrans" cxnId="{BA8E4D00-BCCF-4184-B1BF-9E5B791402E1}">
+      <dgm:prSet/>
+      <dgm:spPr/>
+      <dgm:t>
+        <a:bodyPr/>
+        <a:lstStyle/>
+        <a:p>
+          <a:endParaRPr lang="fr-CH"/>
+        </a:p>
+      </dgm:t>
+    </dgm:pt>
+    <dgm:pt modelId="{22A0A8E4-2844-4871-A299-EC5CAEB21E60}">
+      <dgm:prSet phldrT="[Texte]" phldr="0"/>
+      <dgm:spPr/>
+      <dgm:t>
+        <a:bodyPr/>
+        <a:lstStyle/>
+        <a:p>
+          <a:r>
+            <a:rPr lang="fr-CH" dirty="0"/>
+            <a:t>Base de données</a:t>
+          </a:r>
+        </a:p>
+      </dgm:t>
+    </dgm:pt>
+    <dgm:pt modelId="{23DE8A99-C995-4109-9E23-5B9F500CFF1A}" type="parTrans" cxnId="{378575C4-2C7D-4BAC-82C6-06365BFF7071}">
+      <dgm:prSet/>
+      <dgm:spPr/>
+      <dgm:t>
+        <a:bodyPr/>
+        <a:lstStyle/>
+        <a:p>
+          <a:endParaRPr lang="fr-CH"/>
+        </a:p>
+      </dgm:t>
+    </dgm:pt>
+    <dgm:pt modelId="{99D6141C-248C-4936-9710-EEFAFA0B3ADE}" type="sibTrans" cxnId="{378575C4-2C7D-4BAC-82C6-06365BFF7071}">
+      <dgm:prSet/>
+      <dgm:spPr/>
+      <dgm:t>
+        <a:bodyPr/>
+        <a:lstStyle/>
+        <a:p>
+          <a:endParaRPr lang="fr-CH"/>
+        </a:p>
+      </dgm:t>
+    </dgm:pt>
+    <dgm:pt modelId="{D1742936-6C8D-4BC2-9770-FE5184F0B783}">
+      <dgm:prSet phldrT="[Texte]" phldr="0"/>
+      <dgm:spPr/>
+      <dgm:t>
+        <a:bodyPr/>
+        <a:lstStyle/>
+        <a:p>
+          <a:r>
+            <a:rPr lang="fr-CH" dirty="0"/>
+            <a:t>Frontend</a:t>
+          </a:r>
+        </a:p>
+      </dgm:t>
+    </dgm:pt>
+    <dgm:pt modelId="{8F54EBD3-F727-4CA5-8BCF-21BAA9115623}" type="parTrans" cxnId="{265AD7D7-53C9-4109-AFE5-329D5EBDFF74}">
+      <dgm:prSet/>
+      <dgm:spPr/>
+      <dgm:t>
+        <a:bodyPr/>
+        <a:lstStyle/>
+        <a:p>
+          <a:endParaRPr lang="fr-CH"/>
+        </a:p>
+      </dgm:t>
+    </dgm:pt>
+    <dgm:pt modelId="{0BAA8EE8-41B5-4AF6-A2BF-A809B44BF6C1}" type="sibTrans" cxnId="{265AD7D7-53C9-4109-AFE5-329D5EBDFF74}">
+      <dgm:prSet/>
+      <dgm:spPr/>
+      <dgm:t>
+        <a:bodyPr/>
+        <a:lstStyle/>
+        <a:p>
+          <a:endParaRPr lang="fr-CH"/>
+        </a:p>
+      </dgm:t>
+    </dgm:pt>
+    <dgm:pt modelId="{73AACA69-716C-436E-9C39-A41849F9B521}">
+      <dgm:prSet phldrT="[Texte]" phldr="0"/>
+      <dgm:spPr/>
+      <dgm:t>
+        <a:bodyPr/>
+        <a:lstStyle/>
+        <a:p>
+          <a:r>
+            <a:rPr lang="fr-CH"/>
+            <a:t>Node.js</a:t>
+          </a:r>
+          <a:endParaRPr lang="fr-CH" dirty="0"/>
+        </a:p>
+      </dgm:t>
+    </dgm:pt>
+    <dgm:pt modelId="{30563F89-A07C-4B92-8410-FCB70F9CD915}" type="parTrans" cxnId="{0BF8BA7C-548F-4A77-ABE4-BD9FBA630206}">
+      <dgm:prSet/>
+      <dgm:spPr/>
+      <dgm:t>
+        <a:bodyPr/>
+        <a:lstStyle/>
+        <a:p>
+          <a:endParaRPr lang="fr-CH"/>
+        </a:p>
+      </dgm:t>
+    </dgm:pt>
+    <dgm:pt modelId="{A4E64B2C-E09E-4775-88BC-B8350A9F0899}" type="sibTrans" cxnId="{0BF8BA7C-548F-4A77-ABE4-BD9FBA630206}">
+      <dgm:prSet/>
+      <dgm:spPr/>
+      <dgm:t>
+        <a:bodyPr/>
+        <a:lstStyle/>
+        <a:p>
+          <a:endParaRPr lang="fr-CH"/>
+        </a:p>
+      </dgm:t>
+    </dgm:pt>
+    <dgm:pt modelId="{EFEA3369-09EE-446D-912A-4C6AE6A19926}">
+      <dgm:prSet phldrT="[Texte]" phldr="0"/>
+      <dgm:spPr/>
+      <dgm:t>
+        <a:bodyPr/>
+        <a:lstStyle/>
+        <a:p>
+          <a:r>
+            <a:rPr lang="fr-CH" dirty="0"/>
+            <a:t>Express</a:t>
+          </a:r>
+        </a:p>
+      </dgm:t>
+    </dgm:pt>
+    <dgm:pt modelId="{23A6A56C-9144-4D5E-81CD-D8E0125E2AA1}" type="parTrans" cxnId="{23B66764-8229-4B45-B941-F0E9C89EB0D1}">
+      <dgm:prSet/>
+      <dgm:spPr/>
+      <dgm:t>
+        <a:bodyPr/>
+        <a:lstStyle/>
+        <a:p>
+          <a:endParaRPr lang="fr-CH"/>
+        </a:p>
+      </dgm:t>
+    </dgm:pt>
+    <dgm:pt modelId="{078ED91A-7676-447B-A74F-C22B93176C54}" type="sibTrans" cxnId="{23B66764-8229-4B45-B941-F0E9C89EB0D1}">
+      <dgm:prSet/>
+      <dgm:spPr/>
+      <dgm:t>
+        <a:bodyPr/>
+        <a:lstStyle/>
+        <a:p>
+          <a:endParaRPr lang="fr-CH"/>
+        </a:p>
+      </dgm:t>
+    </dgm:pt>
+    <dgm:pt modelId="{97F3D19F-E753-407F-88FB-08ADF1415C07}">
+      <dgm:prSet phldrT="[Texte]" phldr="0"/>
+      <dgm:spPr/>
+      <dgm:t>
+        <a:bodyPr/>
+        <a:lstStyle/>
+        <a:p>
+          <a:r>
+            <a:rPr lang="fr-CH" dirty="0" err="1"/>
+            <a:t>Swagger</a:t>
+          </a:r>
+          <a:endParaRPr lang="fr-CH" dirty="0"/>
+        </a:p>
+      </dgm:t>
+    </dgm:pt>
+    <dgm:pt modelId="{18BC992C-FB7A-4457-A125-1709F6C47005}" type="parTrans" cxnId="{34C169A4-F752-4C57-AA53-1C000C3D1294}">
+      <dgm:prSet/>
+      <dgm:spPr/>
+      <dgm:t>
+        <a:bodyPr/>
+        <a:lstStyle/>
+        <a:p>
+          <a:endParaRPr lang="fr-CH"/>
+        </a:p>
+      </dgm:t>
+    </dgm:pt>
+    <dgm:pt modelId="{00917E5C-1252-4932-8AC4-1BEEB0FEBD98}" type="sibTrans" cxnId="{34C169A4-F752-4C57-AA53-1C000C3D1294}">
+      <dgm:prSet/>
+      <dgm:spPr/>
+      <dgm:t>
+        <a:bodyPr/>
+        <a:lstStyle/>
+        <a:p>
+          <a:endParaRPr lang="fr-CH"/>
+        </a:p>
+      </dgm:t>
+    </dgm:pt>
+    <dgm:pt modelId="{147AD012-06B2-4E75-8AEE-23B0DCF4C93B}">
+      <dgm:prSet phldrT="[Texte]" phldr="0"/>
+      <dgm:spPr/>
+      <dgm:t>
+        <a:bodyPr/>
+        <a:lstStyle/>
+        <a:p>
+          <a:r>
+            <a:rPr lang="fr-CH" dirty="0" err="1"/>
+            <a:t>joi</a:t>
+          </a:r>
+          <a:endParaRPr lang="fr-CH" dirty="0"/>
+        </a:p>
+      </dgm:t>
+    </dgm:pt>
+    <dgm:pt modelId="{62621FC0-5A8B-4E73-8250-BD6936C003F0}" type="parTrans" cxnId="{6B1103E8-5FBD-4314-931C-EE10DFD5C92F}">
+      <dgm:prSet/>
+      <dgm:spPr/>
+      <dgm:t>
+        <a:bodyPr/>
+        <a:lstStyle/>
+        <a:p>
+          <a:endParaRPr lang="fr-CH"/>
+        </a:p>
+      </dgm:t>
+    </dgm:pt>
+    <dgm:pt modelId="{065A0BA1-5932-4C8B-BE06-3702DEACBB9D}" type="sibTrans" cxnId="{6B1103E8-5FBD-4314-931C-EE10DFD5C92F}">
+      <dgm:prSet/>
+      <dgm:spPr/>
+      <dgm:t>
+        <a:bodyPr/>
+        <a:lstStyle/>
+        <a:p>
+          <a:endParaRPr lang="fr-CH"/>
+        </a:p>
+      </dgm:t>
+    </dgm:pt>
+    <dgm:pt modelId="{7341318C-58E7-4D78-AA19-8BC286032BA2}">
+      <dgm:prSet phldrT="[Texte]" phldr="0"/>
+      <dgm:spPr/>
+      <dgm:t>
+        <a:bodyPr/>
+        <a:lstStyle/>
+        <a:p>
+          <a:r>
+            <a:rPr lang="fr-CH"/>
+            <a:t>mysql</a:t>
+          </a:r>
+          <a:endParaRPr lang="fr-CH" dirty="0"/>
+        </a:p>
+      </dgm:t>
+    </dgm:pt>
+    <dgm:pt modelId="{5288F07B-7A87-4135-8034-F1D52FE7D828}" type="parTrans" cxnId="{BAAB8BD8-4094-4527-99A4-8B3C67C23531}">
+      <dgm:prSet/>
+      <dgm:spPr/>
+      <dgm:t>
+        <a:bodyPr/>
+        <a:lstStyle/>
+        <a:p>
+          <a:endParaRPr lang="fr-CH"/>
+        </a:p>
+      </dgm:t>
+    </dgm:pt>
+    <dgm:pt modelId="{2EF8ADED-60D5-4A06-98E1-EF4983A7DDA4}" type="sibTrans" cxnId="{BAAB8BD8-4094-4527-99A4-8B3C67C23531}">
+      <dgm:prSet/>
+      <dgm:spPr/>
+      <dgm:t>
+        <a:bodyPr/>
+        <a:lstStyle/>
+        <a:p>
+          <a:endParaRPr lang="fr-CH"/>
+        </a:p>
+      </dgm:t>
+    </dgm:pt>
+    <dgm:pt modelId="{2216ADA2-6E46-4F88-BD3D-D56A0EA999A5}">
       <dgm:prSet phldrT="[Texte]" phldr="0"/>
       <dgm:spPr/>
       <dgm:t>
@@ -6401,14 +6422,11 @@
             <a:rPr lang="fr-CH" dirty="0" err="1"/>
             <a:t>Nostalgist</a:t>
           </a:r>
-          <a:r>
-            <a:rPr lang="fr-CH" dirty="0"/>
-            <a:t> (Emulation)</a:t>
-          </a:r>
+          <a:endParaRPr lang="fr-CH" dirty="0"/>
         </a:p>
       </dgm:t>
     </dgm:pt>
-    <dgm:pt modelId="{819F6571-129D-4442-B4CE-7215B218B6C8}" type="parTrans" cxnId="{612990EB-87F4-4EE8-A3CD-2607AF8961D6}">
+    <dgm:pt modelId="{6A13100A-F49C-4E47-82BC-18CF36EB0A39}" type="parTrans" cxnId="{FDAE7270-CE10-46C2-988D-46B397ED67D3}">
       <dgm:prSet/>
       <dgm:spPr/>
       <dgm:t>
@@ -6419,7 +6437,7 @@
         </a:p>
       </dgm:t>
     </dgm:pt>
-    <dgm:pt modelId="{EAA75DB9-2745-4562-BFA4-0FD12557F595}" type="sibTrans" cxnId="{612990EB-87F4-4EE8-A3CD-2607AF8961D6}">
+    <dgm:pt modelId="{4CA10DB3-532E-449F-8E99-607EA8331BC2}" type="sibTrans" cxnId="{FDAE7270-CE10-46C2-988D-46B397ED67D3}">
       <dgm:prSet/>
       <dgm:spPr/>
       <dgm:t>
@@ -6430,7 +6448,7 @@
         </a:p>
       </dgm:t>
     </dgm:pt>
-    <dgm:pt modelId="{433D5844-2F50-4039-96DB-B2B4DBC2EC23}" type="asst">
+    <dgm:pt modelId="{8C32FCB0-1953-4973-8759-3923E17516C7}">
       <dgm:prSet phldrT="[Texte]" phldr="0"/>
       <dgm:spPr/>
       <dgm:t>
@@ -6447,12 +6465,12 @@
           </a:r>
           <a:r>
             <a:rPr lang="fr-CH" dirty="0"/>
-            <a:t> Manette Xbox</a:t>
+            <a:t> </a:t>
           </a:r>
         </a:p>
       </dgm:t>
     </dgm:pt>
-    <dgm:pt modelId="{48A480F4-4A79-42BC-9ADA-49DA13F8BBE5}" type="parTrans" cxnId="{3C9AE255-17E2-4ED6-9407-5E7425A6629E}">
+    <dgm:pt modelId="{13CCE57B-A5E1-44F3-AC2F-E05F86F8D69C}" type="parTrans" cxnId="{E9F295A6-C3E3-4E5E-8B92-D880E116C144}">
       <dgm:prSet/>
       <dgm:spPr/>
       <dgm:t>
@@ -6463,7 +6481,7 @@
         </a:p>
       </dgm:t>
     </dgm:pt>
-    <dgm:pt modelId="{A84893ED-BC16-4B0E-B133-DA7C7CDC4826}" type="sibTrans" cxnId="{3C9AE255-17E2-4ED6-9407-5E7425A6629E}">
+    <dgm:pt modelId="{6EFD9E0E-6456-4A31-8E78-74C10227AFAA}" type="sibTrans" cxnId="{E9F295A6-C3E3-4E5E-8B92-D880E116C144}">
       <dgm:prSet/>
       <dgm:spPr/>
       <dgm:t>
@@ -6474,157 +6492,82 @@
         </a:p>
       </dgm:t>
     </dgm:pt>
-    <dgm:pt modelId="{C57CDBFE-7853-43DA-80A4-1516B77A5C1D}" type="pres">
-      <dgm:prSet presAssocID="{16B8EFB5-C556-434E-AD25-8139E077C45D}" presName="hierChild1" presStyleCnt="0">
+    <dgm:pt modelId="{890BED70-C600-49BD-954C-01242C863D37}" type="pres">
+      <dgm:prSet presAssocID="{C294A339-4233-44F1-BF40-33906DC0FBF9}" presName="composite" presStyleCnt="0">
         <dgm:presLayoutVars>
-          <dgm:orgChart val="1"/>
-          <dgm:chPref val="1"/>
+          <dgm:chMax val="1"/>
           <dgm:dir/>
-          <dgm:animOne val="branch"/>
-          <dgm:animLvl val="lvl"/>
-          <dgm:resizeHandles/>
+          <dgm:resizeHandles val="exact"/>
         </dgm:presLayoutVars>
       </dgm:prSet>
       <dgm:spPr/>
     </dgm:pt>
-    <dgm:pt modelId="{D8FABAAB-7ECD-4D93-8167-29A4399F230E}" type="pres">
-      <dgm:prSet presAssocID="{63E84C01-3F90-48A4-A23A-60313E619EB6}" presName="hierRoot1" presStyleCnt="0">
+    <dgm:pt modelId="{33BB8D2B-D40D-4146-BC5E-193F1B453721}" type="pres">
+      <dgm:prSet presAssocID="{C294A339-4233-44F1-BF40-33906DC0FBF9}" presName="radial" presStyleCnt="0">
         <dgm:presLayoutVars>
-          <dgm:hierBranch val="init"/>
+          <dgm:animLvl val="ctr"/>
         </dgm:presLayoutVars>
       </dgm:prSet>
       <dgm:spPr/>
     </dgm:pt>
-    <dgm:pt modelId="{90722815-AE8B-4699-BF1E-BEDF8C86E584}" type="pres">
-      <dgm:prSet presAssocID="{63E84C01-3F90-48A4-A23A-60313E619EB6}" presName="rootComposite1" presStyleCnt="0"/>
+    <dgm:pt modelId="{5735A83D-DE7C-4276-B89E-6FA32FA61490}" type="pres">
+      <dgm:prSet presAssocID="{5A8D0FB7-D0E2-4F93-908B-DDA902F6A211}" presName="centerShape" presStyleLbl="vennNode1" presStyleIdx="0" presStyleCnt="4"/>
       <dgm:spPr/>
     </dgm:pt>
-    <dgm:pt modelId="{7466E140-76D1-45E1-AD88-FD7351014DB2}" type="pres">
-      <dgm:prSet presAssocID="{63E84C01-3F90-48A4-A23A-60313E619EB6}" presName="rootText1" presStyleLbl="node0" presStyleIdx="0" presStyleCnt="1">
+    <dgm:pt modelId="{1A6CC25B-F191-42A0-A11D-C445D26F1805}" type="pres">
+      <dgm:prSet presAssocID="{17813B69-B63D-4349-BA4A-7DC7B7681356}" presName="node" presStyleLbl="vennNode1" presStyleIdx="1" presStyleCnt="4">
         <dgm:presLayoutVars>
-          <dgm:chPref val="3"/>
+          <dgm:bulletEnabled val="1"/>
         </dgm:presLayoutVars>
       </dgm:prSet>
       <dgm:spPr/>
     </dgm:pt>
-    <dgm:pt modelId="{CCEF3810-F0EE-4D72-83D9-3BAADD86C666}" type="pres">
-      <dgm:prSet presAssocID="{63E84C01-3F90-48A4-A23A-60313E619EB6}" presName="rootConnector1" presStyleLbl="node1" presStyleIdx="0" presStyleCnt="0"/>
-      <dgm:spPr/>
-    </dgm:pt>
-    <dgm:pt modelId="{968B7D88-E2F5-454A-8D9B-34A8A9FAE2DA}" type="pres">
-      <dgm:prSet presAssocID="{63E84C01-3F90-48A4-A23A-60313E619EB6}" presName="hierChild2" presStyleCnt="0"/>
-      <dgm:spPr/>
-    </dgm:pt>
-    <dgm:pt modelId="{D105B06B-B7E6-40A9-A033-E11F873EE87A}" type="pres">
-      <dgm:prSet presAssocID="{63E84C01-3F90-48A4-A23A-60313E619EB6}" presName="hierChild3" presStyleCnt="0"/>
-      <dgm:spPr/>
-    </dgm:pt>
-    <dgm:pt modelId="{1DD86237-2ACC-49D6-8E4A-518FC343A7BE}" type="pres">
-      <dgm:prSet presAssocID="{819F6571-129D-4442-B4CE-7215B218B6C8}" presName="Name111" presStyleLbl="parChTrans1D2" presStyleIdx="0" presStyleCnt="2"/>
-      <dgm:spPr/>
-    </dgm:pt>
-    <dgm:pt modelId="{0D93F86D-6F6A-4DDD-9251-0C0027A8548A}" type="pres">
-      <dgm:prSet presAssocID="{87922B9B-6053-4767-BF96-4890FF081EFC}" presName="hierRoot3" presStyleCnt="0">
+    <dgm:pt modelId="{7BC12D59-D7BD-45F7-891F-2B8F67E03670}" type="pres">
+      <dgm:prSet presAssocID="{22A0A8E4-2844-4871-A299-EC5CAEB21E60}" presName="node" presStyleLbl="vennNode1" presStyleIdx="2" presStyleCnt="4">
         <dgm:presLayoutVars>
-          <dgm:hierBranch val="init"/>
+          <dgm:bulletEnabled val="1"/>
         </dgm:presLayoutVars>
       </dgm:prSet>
       <dgm:spPr/>
     </dgm:pt>
-    <dgm:pt modelId="{0D10B3E0-92F7-4F85-8BCD-FA5859A8FA8C}" type="pres">
-      <dgm:prSet presAssocID="{87922B9B-6053-4767-BF96-4890FF081EFC}" presName="rootComposite3" presStyleCnt="0"/>
-      <dgm:spPr/>
-    </dgm:pt>
-    <dgm:pt modelId="{DA916CB0-1389-4DE5-91DE-D7F75706A995}" type="pres">
-      <dgm:prSet presAssocID="{87922B9B-6053-4767-BF96-4890FF081EFC}" presName="rootText3" presStyleLbl="asst1" presStyleIdx="0" presStyleCnt="2">
+    <dgm:pt modelId="{2D9D78DB-72D8-4C89-9727-8087BF458406}" type="pres">
+      <dgm:prSet presAssocID="{D1742936-6C8D-4BC2-9770-FE5184F0B783}" presName="node" presStyleLbl="vennNode1" presStyleIdx="3" presStyleCnt="4">
         <dgm:presLayoutVars>
-          <dgm:chPref val="3"/>
+          <dgm:bulletEnabled val="1"/>
         </dgm:presLayoutVars>
       </dgm:prSet>
       <dgm:spPr/>
     </dgm:pt>
-    <dgm:pt modelId="{40863010-05EF-4ECC-95A2-7574DE2B68ED}" type="pres">
-      <dgm:prSet presAssocID="{87922B9B-6053-4767-BF96-4890FF081EFC}" presName="rootConnector3" presStyleLbl="asst1" presStyleIdx="0" presStyleCnt="2"/>
-      <dgm:spPr/>
-    </dgm:pt>
-    <dgm:pt modelId="{E58B1C0E-8BF8-4A53-B36D-01765C43C523}" type="pres">
-      <dgm:prSet presAssocID="{87922B9B-6053-4767-BF96-4890FF081EFC}" presName="hierChild6" presStyleCnt="0"/>
-      <dgm:spPr/>
-    </dgm:pt>
-    <dgm:pt modelId="{618D4A85-309F-4254-8AC2-4FD59447DF8B}" type="pres">
-      <dgm:prSet presAssocID="{87922B9B-6053-4767-BF96-4890FF081EFC}" presName="hierChild7" presStyleCnt="0"/>
-      <dgm:spPr/>
-    </dgm:pt>
-    <dgm:pt modelId="{A22ECC5F-D949-43BB-BA90-FEAF3EDD5414}" type="pres">
-      <dgm:prSet presAssocID="{48A480F4-4A79-42BC-9ADA-49DA13F8BBE5}" presName="Name111" presStyleLbl="parChTrans1D2" presStyleIdx="1" presStyleCnt="2"/>
-      <dgm:spPr/>
-    </dgm:pt>
-    <dgm:pt modelId="{B5CD5821-0E28-442C-9AA1-D72716AF2AE5}" type="pres">
-      <dgm:prSet presAssocID="{433D5844-2F50-4039-96DB-B2B4DBC2EC23}" presName="hierRoot3" presStyleCnt="0">
-        <dgm:presLayoutVars>
-          <dgm:hierBranch val="init"/>
-        </dgm:presLayoutVars>
-      </dgm:prSet>
-      <dgm:spPr/>
-    </dgm:pt>
-    <dgm:pt modelId="{8676A957-C560-47B5-886C-077E6D3478D1}" type="pres">
-      <dgm:prSet presAssocID="{433D5844-2F50-4039-96DB-B2B4DBC2EC23}" presName="rootComposite3" presStyleCnt="0"/>
-      <dgm:spPr/>
-    </dgm:pt>
-    <dgm:pt modelId="{8DB554B2-E57A-4E35-9913-FBCF29243AF4}" type="pres">
-      <dgm:prSet presAssocID="{433D5844-2F50-4039-96DB-B2B4DBC2EC23}" presName="rootText3" presStyleLbl="asst1" presStyleIdx="1" presStyleCnt="2">
-        <dgm:presLayoutVars>
-          <dgm:chPref val="3"/>
-        </dgm:presLayoutVars>
-      </dgm:prSet>
-      <dgm:spPr/>
-    </dgm:pt>
-    <dgm:pt modelId="{7F0E09ED-7746-4D7D-8523-99831A3AE766}" type="pres">
-      <dgm:prSet presAssocID="{433D5844-2F50-4039-96DB-B2B4DBC2EC23}" presName="rootConnector3" presStyleLbl="asst1" presStyleIdx="1" presStyleCnt="2"/>
-      <dgm:spPr/>
-    </dgm:pt>
-    <dgm:pt modelId="{2CAB78D5-7B6A-472D-B0AC-5D41DEA52071}" type="pres">
-      <dgm:prSet presAssocID="{433D5844-2F50-4039-96DB-B2B4DBC2EC23}" presName="hierChild6" presStyleCnt="0"/>
-      <dgm:spPr/>
-    </dgm:pt>
-    <dgm:pt modelId="{958D87F3-780F-497C-9F0E-7D7E77CDE463}" type="pres">
-      <dgm:prSet presAssocID="{433D5844-2F50-4039-96DB-B2B4DBC2EC23}" presName="hierChild7" presStyleCnt="0"/>
-      <dgm:spPr/>
-    </dgm:pt>
   </dgm:ptLst>
   <dgm:cxnLst>
-    <dgm:cxn modelId="{E99E952B-801F-469C-929E-28223C191031}" type="presOf" srcId="{433D5844-2F50-4039-96DB-B2B4DBC2EC23}" destId="{8DB554B2-E57A-4E35-9913-FBCF29243AF4}" srcOrd="0" destOrd="0" presId="urn:microsoft.com/office/officeart/2005/8/layout/orgChart1"/>
-    <dgm:cxn modelId="{F290F55C-0B41-4BEE-89D6-875442544A30}" type="presOf" srcId="{819F6571-129D-4442-B4CE-7215B218B6C8}" destId="{1DD86237-2ACC-49D6-8E4A-518FC343A7BE}" srcOrd="0" destOrd="0" presId="urn:microsoft.com/office/officeart/2005/8/layout/orgChart1"/>
-    <dgm:cxn modelId="{1DFDDD68-30F6-48D1-AD4E-F1C189150CAA}" type="presOf" srcId="{87922B9B-6053-4767-BF96-4890FF081EFC}" destId="{40863010-05EF-4ECC-95A2-7574DE2B68ED}" srcOrd="1" destOrd="0" presId="urn:microsoft.com/office/officeart/2005/8/layout/orgChart1"/>
-    <dgm:cxn modelId="{2F2CA36D-28FC-4163-94C8-6C3C1735E757}" srcId="{16B8EFB5-C556-434E-AD25-8139E077C45D}" destId="{63E84C01-3F90-48A4-A23A-60313E619EB6}" srcOrd="0" destOrd="0" parTransId="{91CBA9E8-B0A5-4AF0-88CD-A8C0C1D77D14}" sibTransId="{58DC39F7-4F0C-4F79-ACD0-18F2C67AFF64}"/>
-    <dgm:cxn modelId="{3C9AE255-17E2-4ED6-9407-5E7425A6629E}" srcId="{63E84C01-3F90-48A4-A23A-60313E619EB6}" destId="{433D5844-2F50-4039-96DB-B2B4DBC2EC23}" srcOrd="1" destOrd="0" parTransId="{48A480F4-4A79-42BC-9ADA-49DA13F8BBE5}" sibTransId="{A84893ED-BC16-4B0E-B133-DA7C7CDC4826}"/>
-    <dgm:cxn modelId="{95FC507F-2C19-4F5A-9B68-6B0072044240}" type="presOf" srcId="{433D5844-2F50-4039-96DB-B2B4DBC2EC23}" destId="{7F0E09ED-7746-4D7D-8523-99831A3AE766}" srcOrd="1" destOrd="0" presId="urn:microsoft.com/office/officeart/2005/8/layout/orgChart1"/>
-    <dgm:cxn modelId="{55FBDE85-13CD-440B-8D14-ED24B2038948}" type="presOf" srcId="{16B8EFB5-C556-434E-AD25-8139E077C45D}" destId="{C57CDBFE-7853-43DA-80A4-1516B77A5C1D}" srcOrd="0" destOrd="0" presId="urn:microsoft.com/office/officeart/2005/8/layout/orgChart1"/>
-    <dgm:cxn modelId="{01BE0DB4-C635-40AA-802A-C8A4A31F59BA}" type="presOf" srcId="{87922B9B-6053-4767-BF96-4890FF081EFC}" destId="{DA916CB0-1389-4DE5-91DE-D7F75706A995}" srcOrd="0" destOrd="0" presId="urn:microsoft.com/office/officeart/2005/8/layout/orgChart1"/>
-    <dgm:cxn modelId="{612990EB-87F4-4EE8-A3CD-2607AF8961D6}" srcId="{63E84C01-3F90-48A4-A23A-60313E619EB6}" destId="{87922B9B-6053-4767-BF96-4890FF081EFC}" srcOrd="0" destOrd="0" parTransId="{819F6571-129D-4442-B4CE-7215B218B6C8}" sibTransId="{EAA75DB9-2745-4562-BFA4-0FD12557F595}"/>
-    <dgm:cxn modelId="{D3B230F7-9639-4278-960C-C1B8338FB24C}" type="presOf" srcId="{63E84C01-3F90-48A4-A23A-60313E619EB6}" destId="{7466E140-76D1-45E1-AD88-FD7351014DB2}" srcOrd="0" destOrd="0" presId="urn:microsoft.com/office/officeart/2005/8/layout/orgChart1"/>
-    <dgm:cxn modelId="{ED25FDF7-AADA-4E6E-8838-C7318A2506A9}" type="presOf" srcId="{63E84C01-3F90-48A4-A23A-60313E619EB6}" destId="{CCEF3810-F0EE-4D72-83D9-3BAADD86C666}" srcOrd="1" destOrd="0" presId="urn:microsoft.com/office/officeart/2005/8/layout/orgChart1"/>
-    <dgm:cxn modelId="{7D7C6BFF-6757-467F-ADDA-DD6D2B1530F9}" type="presOf" srcId="{48A480F4-4A79-42BC-9ADA-49DA13F8BBE5}" destId="{A22ECC5F-D949-43BB-BA90-FEAF3EDD5414}" srcOrd="0" destOrd="0" presId="urn:microsoft.com/office/officeart/2005/8/layout/orgChart1"/>
-    <dgm:cxn modelId="{8E42D652-CD21-48A9-A332-9C14C8301315}" type="presParOf" srcId="{C57CDBFE-7853-43DA-80A4-1516B77A5C1D}" destId="{D8FABAAB-7ECD-4D93-8167-29A4399F230E}" srcOrd="0" destOrd="0" presId="urn:microsoft.com/office/officeart/2005/8/layout/orgChart1"/>
-    <dgm:cxn modelId="{F102F1EF-E5B2-4E3A-8133-91546E227C03}" type="presParOf" srcId="{D8FABAAB-7ECD-4D93-8167-29A4399F230E}" destId="{90722815-AE8B-4699-BF1E-BEDF8C86E584}" srcOrd="0" destOrd="0" presId="urn:microsoft.com/office/officeart/2005/8/layout/orgChart1"/>
-    <dgm:cxn modelId="{B0507DF2-E7FA-4F51-AB2B-50FA4CCA8DB1}" type="presParOf" srcId="{90722815-AE8B-4699-BF1E-BEDF8C86E584}" destId="{7466E140-76D1-45E1-AD88-FD7351014DB2}" srcOrd="0" destOrd="0" presId="urn:microsoft.com/office/officeart/2005/8/layout/orgChart1"/>
-    <dgm:cxn modelId="{42200A13-4409-4554-B06A-2FDB93696C14}" type="presParOf" srcId="{90722815-AE8B-4699-BF1E-BEDF8C86E584}" destId="{CCEF3810-F0EE-4D72-83D9-3BAADD86C666}" srcOrd="1" destOrd="0" presId="urn:microsoft.com/office/officeart/2005/8/layout/orgChart1"/>
-    <dgm:cxn modelId="{E87ACF3C-FE41-4ACD-B44B-1510310476FE}" type="presParOf" srcId="{D8FABAAB-7ECD-4D93-8167-29A4399F230E}" destId="{968B7D88-E2F5-454A-8D9B-34A8A9FAE2DA}" srcOrd="1" destOrd="0" presId="urn:microsoft.com/office/officeart/2005/8/layout/orgChart1"/>
-    <dgm:cxn modelId="{0B2C0860-432B-4718-BEB0-4D02813712C6}" type="presParOf" srcId="{D8FABAAB-7ECD-4D93-8167-29A4399F230E}" destId="{D105B06B-B7E6-40A9-A033-E11F873EE87A}" srcOrd="2" destOrd="0" presId="urn:microsoft.com/office/officeart/2005/8/layout/orgChart1"/>
-    <dgm:cxn modelId="{D6645107-7BE4-4AD6-9646-F5D4FCB9A5E2}" type="presParOf" srcId="{D105B06B-B7E6-40A9-A033-E11F873EE87A}" destId="{1DD86237-2ACC-49D6-8E4A-518FC343A7BE}" srcOrd="0" destOrd="0" presId="urn:microsoft.com/office/officeart/2005/8/layout/orgChart1"/>
-    <dgm:cxn modelId="{8409F2F5-257A-4C72-A901-1469639F6D11}" type="presParOf" srcId="{D105B06B-B7E6-40A9-A033-E11F873EE87A}" destId="{0D93F86D-6F6A-4DDD-9251-0C0027A8548A}" srcOrd="1" destOrd="0" presId="urn:microsoft.com/office/officeart/2005/8/layout/orgChart1"/>
-    <dgm:cxn modelId="{BDA86B8C-D3BD-42FF-AF21-5F3CF1D7495A}" type="presParOf" srcId="{0D93F86D-6F6A-4DDD-9251-0C0027A8548A}" destId="{0D10B3E0-92F7-4F85-8BCD-FA5859A8FA8C}" srcOrd="0" destOrd="0" presId="urn:microsoft.com/office/officeart/2005/8/layout/orgChart1"/>
-    <dgm:cxn modelId="{62111FC8-63FA-456F-9EDA-32630538BDE4}" type="presParOf" srcId="{0D10B3E0-92F7-4F85-8BCD-FA5859A8FA8C}" destId="{DA916CB0-1389-4DE5-91DE-D7F75706A995}" srcOrd="0" destOrd="0" presId="urn:microsoft.com/office/officeart/2005/8/layout/orgChart1"/>
-    <dgm:cxn modelId="{21EF7645-1C7B-4E05-B486-E418D15EF489}" type="presParOf" srcId="{0D10B3E0-92F7-4F85-8BCD-FA5859A8FA8C}" destId="{40863010-05EF-4ECC-95A2-7574DE2B68ED}" srcOrd="1" destOrd="0" presId="urn:microsoft.com/office/officeart/2005/8/layout/orgChart1"/>
-    <dgm:cxn modelId="{3BDDD2CD-7813-4916-B0F9-82C088F0F33D}" type="presParOf" srcId="{0D93F86D-6F6A-4DDD-9251-0C0027A8548A}" destId="{E58B1C0E-8BF8-4A53-B36D-01765C43C523}" srcOrd="1" destOrd="0" presId="urn:microsoft.com/office/officeart/2005/8/layout/orgChart1"/>
-    <dgm:cxn modelId="{6214F09F-F5D2-4FBC-A0DB-A26F33885109}" type="presParOf" srcId="{0D93F86D-6F6A-4DDD-9251-0C0027A8548A}" destId="{618D4A85-309F-4254-8AC2-4FD59447DF8B}" srcOrd="2" destOrd="0" presId="urn:microsoft.com/office/officeart/2005/8/layout/orgChart1"/>
-    <dgm:cxn modelId="{63AD5B7D-FF2A-4498-8B21-DBFABB6C7B5D}" type="presParOf" srcId="{D105B06B-B7E6-40A9-A033-E11F873EE87A}" destId="{A22ECC5F-D949-43BB-BA90-FEAF3EDD5414}" srcOrd="2" destOrd="0" presId="urn:microsoft.com/office/officeart/2005/8/layout/orgChart1"/>
-    <dgm:cxn modelId="{7B808A55-1263-467C-B4EA-3330DCFA0AC1}" type="presParOf" srcId="{D105B06B-B7E6-40A9-A033-E11F873EE87A}" destId="{B5CD5821-0E28-442C-9AA1-D72716AF2AE5}" srcOrd="3" destOrd="0" presId="urn:microsoft.com/office/officeart/2005/8/layout/orgChart1"/>
-    <dgm:cxn modelId="{7E1B5DC7-F56A-46AB-8054-D18FCB1221D4}" type="presParOf" srcId="{B5CD5821-0E28-442C-9AA1-D72716AF2AE5}" destId="{8676A957-C560-47B5-886C-077E6D3478D1}" srcOrd="0" destOrd="0" presId="urn:microsoft.com/office/officeart/2005/8/layout/orgChart1"/>
-    <dgm:cxn modelId="{A1EA0C7B-0FF3-40B3-9EBE-835C64D271C2}" type="presParOf" srcId="{8676A957-C560-47B5-886C-077E6D3478D1}" destId="{8DB554B2-E57A-4E35-9913-FBCF29243AF4}" srcOrd="0" destOrd="0" presId="urn:microsoft.com/office/officeart/2005/8/layout/orgChart1"/>
-    <dgm:cxn modelId="{F4A7E44C-700F-4BF2-97E5-6A3408E0CD93}" type="presParOf" srcId="{8676A957-C560-47B5-886C-077E6D3478D1}" destId="{7F0E09ED-7746-4D7D-8523-99831A3AE766}" srcOrd="1" destOrd="0" presId="urn:microsoft.com/office/officeart/2005/8/layout/orgChart1"/>
-    <dgm:cxn modelId="{44EBB447-1B95-4C18-851B-F31B514645F4}" type="presParOf" srcId="{B5CD5821-0E28-442C-9AA1-D72716AF2AE5}" destId="{2CAB78D5-7B6A-472D-B0AC-5D41DEA52071}" srcOrd="1" destOrd="0" presId="urn:microsoft.com/office/officeart/2005/8/layout/orgChart1"/>
-    <dgm:cxn modelId="{6EB5583F-58E7-4513-838B-92725FDC5455}" type="presParOf" srcId="{B5CD5821-0E28-442C-9AA1-D72716AF2AE5}" destId="{958D87F3-780F-497C-9F0E-7D7E77CDE463}" srcOrd="2" destOrd="0" presId="urn:microsoft.com/office/officeart/2005/8/layout/orgChart1"/>
+    <dgm:cxn modelId="{BA8E4D00-BCCF-4184-B1BF-9E5B791402E1}" srcId="{5A8D0FB7-D0E2-4F93-908B-DDA902F6A211}" destId="{17813B69-B63D-4349-BA4A-7DC7B7681356}" srcOrd="0" destOrd="0" parTransId="{3C918847-D847-433D-A3A3-A1F69DE13E46}" sibTransId="{9D2577AB-C520-42E4-B506-379FD6B6FF2A}"/>
+    <dgm:cxn modelId="{F2FEE514-2FEC-4447-9703-BD173ECF2044}" type="presOf" srcId="{C294A339-4233-44F1-BF40-33906DC0FBF9}" destId="{890BED70-C600-49BD-954C-01242C863D37}" srcOrd="0" destOrd="0" presId="urn:microsoft.com/office/officeart/2005/8/layout/radial3"/>
+    <dgm:cxn modelId="{DBAB3B1B-2D31-4487-BE0C-F463686E4572}" type="presOf" srcId="{17813B69-B63D-4349-BA4A-7DC7B7681356}" destId="{1A6CC25B-F191-42A0-A11D-C445D26F1805}" srcOrd="0" destOrd="0" presId="urn:microsoft.com/office/officeart/2005/8/layout/radial3"/>
+    <dgm:cxn modelId="{8CB08628-B555-42E6-855D-96B4D6081B1F}" type="presOf" srcId="{22A0A8E4-2844-4871-A299-EC5CAEB21E60}" destId="{7BC12D59-D7BD-45F7-891F-2B8F67E03670}" srcOrd="0" destOrd="0" presId="urn:microsoft.com/office/officeart/2005/8/layout/radial3"/>
+    <dgm:cxn modelId="{36BA862A-3EAA-4A5F-8899-60379E35FA31}" type="presOf" srcId="{8C32FCB0-1953-4973-8759-3923E17516C7}" destId="{2D9D78DB-72D8-4C89-9727-8087BF458406}" srcOrd="0" destOrd="2" presId="urn:microsoft.com/office/officeart/2005/8/layout/radial3"/>
+    <dgm:cxn modelId="{BC0F7C3B-9AE0-485B-88E8-614E54C7CA20}" type="presOf" srcId="{7341318C-58E7-4D78-AA19-8BC286032BA2}" destId="{7BC12D59-D7BD-45F7-891F-2B8F67E03670}" srcOrd="0" destOrd="1" presId="urn:microsoft.com/office/officeart/2005/8/layout/radial3"/>
+    <dgm:cxn modelId="{23B66764-8229-4B45-B941-F0E9C89EB0D1}" srcId="{17813B69-B63D-4349-BA4A-7DC7B7681356}" destId="{EFEA3369-09EE-446D-912A-4C6AE6A19926}" srcOrd="1" destOrd="0" parTransId="{23A6A56C-9144-4D5E-81CD-D8E0125E2AA1}" sibTransId="{078ED91A-7676-447B-A74F-C22B93176C54}"/>
+    <dgm:cxn modelId="{32ECB968-B652-4D56-ADD4-17E220ED8399}" type="presOf" srcId="{EFEA3369-09EE-446D-912A-4C6AE6A19926}" destId="{1A6CC25B-F191-42A0-A11D-C445D26F1805}" srcOrd="0" destOrd="2" presId="urn:microsoft.com/office/officeart/2005/8/layout/radial3"/>
+    <dgm:cxn modelId="{722F0D4C-8F6B-4DDC-9F5D-85EBD689D80B}" type="presOf" srcId="{D1742936-6C8D-4BC2-9770-FE5184F0B783}" destId="{2D9D78DB-72D8-4C89-9727-8087BF458406}" srcOrd="0" destOrd="0" presId="urn:microsoft.com/office/officeart/2005/8/layout/radial3"/>
+    <dgm:cxn modelId="{FDAE7270-CE10-46C2-988D-46B397ED67D3}" srcId="{D1742936-6C8D-4BC2-9770-FE5184F0B783}" destId="{2216ADA2-6E46-4F88-BD3D-D56A0EA999A5}" srcOrd="0" destOrd="0" parTransId="{6A13100A-F49C-4E47-82BC-18CF36EB0A39}" sibTransId="{4CA10DB3-532E-449F-8E99-607EA8331BC2}"/>
+    <dgm:cxn modelId="{37832274-F6CD-4884-8F3F-E2E12ABD4217}" srcId="{C294A339-4233-44F1-BF40-33906DC0FBF9}" destId="{5A8D0FB7-D0E2-4F93-908B-DDA902F6A211}" srcOrd="0" destOrd="0" parTransId="{869B62B8-B178-4157-AE44-5C7658AC636C}" sibTransId="{A95A6DE4-65E1-43A1-A2E4-AC909A0FBE63}"/>
+    <dgm:cxn modelId="{A52F1C77-EEE5-4863-A5F3-9BFD90CF0F65}" type="presOf" srcId="{97F3D19F-E753-407F-88FB-08ADF1415C07}" destId="{1A6CC25B-F191-42A0-A11D-C445D26F1805}" srcOrd="0" destOrd="3" presId="urn:microsoft.com/office/officeart/2005/8/layout/radial3"/>
+    <dgm:cxn modelId="{0BF8BA7C-548F-4A77-ABE4-BD9FBA630206}" srcId="{17813B69-B63D-4349-BA4A-7DC7B7681356}" destId="{73AACA69-716C-436E-9C39-A41849F9B521}" srcOrd="0" destOrd="0" parTransId="{30563F89-A07C-4B92-8410-FCB70F9CD915}" sibTransId="{A4E64B2C-E09E-4775-88BC-B8350A9F0899}"/>
+    <dgm:cxn modelId="{334E7B86-E50F-44EF-BE7A-4D446ABEF620}" type="presOf" srcId="{2216ADA2-6E46-4F88-BD3D-D56A0EA999A5}" destId="{2D9D78DB-72D8-4C89-9727-8087BF458406}" srcOrd="0" destOrd="1" presId="urn:microsoft.com/office/officeart/2005/8/layout/radial3"/>
+    <dgm:cxn modelId="{CC70238E-2CE8-4A1B-87A7-836AE722914A}" type="presOf" srcId="{73AACA69-716C-436E-9C39-A41849F9B521}" destId="{1A6CC25B-F191-42A0-A11D-C445D26F1805}" srcOrd="0" destOrd="1" presId="urn:microsoft.com/office/officeart/2005/8/layout/radial3"/>
+    <dgm:cxn modelId="{34C169A4-F752-4C57-AA53-1C000C3D1294}" srcId="{17813B69-B63D-4349-BA4A-7DC7B7681356}" destId="{97F3D19F-E753-407F-88FB-08ADF1415C07}" srcOrd="2" destOrd="0" parTransId="{18BC992C-FB7A-4457-A125-1709F6C47005}" sibTransId="{00917E5C-1252-4932-8AC4-1BEEB0FEBD98}"/>
+    <dgm:cxn modelId="{E9F295A6-C3E3-4E5E-8B92-D880E116C144}" srcId="{D1742936-6C8D-4BC2-9770-FE5184F0B783}" destId="{8C32FCB0-1953-4973-8759-3923E17516C7}" srcOrd="1" destOrd="0" parTransId="{13CCE57B-A5E1-44F3-AC2F-E05F86F8D69C}" sibTransId="{6EFD9E0E-6456-4A31-8E78-74C10227AFAA}"/>
+    <dgm:cxn modelId="{378575C4-2C7D-4BAC-82C6-06365BFF7071}" srcId="{5A8D0FB7-D0E2-4F93-908B-DDA902F6A211}" destId="{22A0A8E4-2844-4871-A299-EC5CAEB21E60}" srcOrd="1" destOrd="0" parTransId="{23DE8A99-C995-4109-9E23-5B9F500CFF1A}" sibTransId="{99D6141C-248C-4936-9710-EEFAFA0B3ADE}"/>
+    <dgm:cxn modelId="{F67FA9C5-A1D4-4700-B836-59B4661EC2E6}" type="presOf" srcId="{147AD012-06B2-4E75-8AEE-23B0DCF4C93B}" destId="{1A6CC25B-F191-42A0-A11D-C445D26F1805}" srcOrd="0" destOrd="4" presId="urn:microsoft.com/office/officeart/2005/8/layout/radial3"/>
+    <dgm:cxn modelId="{6A5CE9D6-53A9-4A06-826E-9B119CBB937E}" type="presOf" srcId="{5A8D0FB7-D0E2-4F93-908B-DDA902F6A211}" destId="{5735A83D-DE7C-4276-B89E-6FA32FA61490}" srcOrd="0" destOrd="0" presId="urn:microsoft.com/office/officeart/2005/8/layout/radial3"/>
+    <dgm:cxn modelId="{265AD7D7-53C9-4109-AFE5-329D5EBDFF74}" srcId="{5A8D0FB7-D0E2-4F93-908B-DDA902F6A211}" destId="{D1742936-6C8D-4BC2-9770-FE5184F0B783}" srcOrd="2" destOrd="0" parTransId="{8F54EBD3-F727-4CA5-8BCF-21BAA9115623}" sibTransId="{0BAA8EE8-41B5-4AF6-A2BF-A809B44BF6C1}"/>
+    <dgm:cxn modelId="{BAAB8BD8-4094-4527-99A4-8B3C67C23531}" srcId="{22A0A8E4-2844-4871-A299-EC5CAEB21E60}" destId="{7341318C-58E7-4D78-AA19-8BC286032BA2}" srcOrd="0" destOrd="0" parTransId="{5288F07B-7A87-4135-8034-F1D52FE7D828}" sibTransId="{2EF8ADED-60D5-4A06-98E1-EF4983A7DDA4}"/>
+    <dgm:cxn modelId="{6B1103E8-5FBD-4314-931C-EE10DFD5C92F}" srcId="{17813B69-B63D-4349-BA4A-7DC7B7681356}" destId="{147AD012-06B2-4E75-8AEE-23B0DCF4C93B}" srcOrd="3" destOrd="0" parTransId="{62621FC0-5A8B-4E73-8250-BD6936C003F0}" sibTransId="{065A0BA1-5932-4C8B-BE06-3702DEACBB9D}"/>
+    <dgm:cxn modelId="{1144AB40-5E2E-4FCD-AFC0-66C5283047E2}" type="presParOf" srcId="{890BED70-C600-49BD-954C-01242C863D37}" destId="{33BB8D2B-D40D-4146-BC5E-193F1B453721}" srcOrd="0" destOrd="0" presId="urn:microsoft.com/office/officeart/2005/8/layout/radial3"/>
+    <dgm:cxn modelId="{3A2E1A03-7887-4B6C-8BEF-304E193AEC33}" type="presParOf" srcId="{33BB8D2B-D40D-4146-BC5E-193F1B453721}" destId="{5735A83D-DE7C-4276-B89E-6FA32FA61490}" srcOrd="0" destOrd="0" presId="urn:microsoft.com/office/officeart/2005/8/layout/radial3"/>
+    <dgm:cxn modelId="{2F246D23-0852-4B46-A98D-DD6525445F6C}" type="presParOf" srcId="{33BB8D2B-D40D-4146-BC5E-193F1B453721}" destId="{1A6CC25B-F191-42A0-A11D-C445D26F1805}" srcOrd="1" destOrd="0" presId="urn:microsoft.com/office/officeart/2005/8/layout/radial3"/>
+    <dgm:cxn modelId="{32E08FAF-0195-4BE5-8EE5-2FF9B0E35571}" type="presParOf" srcId="{33BB8D2B-D40D-4146-BC5E-193F1B453721}" destId="{7BC12D59-D7BD-45F7-891F-2B8F67E03670}" srcOrd="2" destOrd="0" presId="urn:microsoft.com/office/officeart/2005/8/layout/radial3"/>
+    <dgm:cxn modelId="{5D25268B-72BF-4F45-921F-7DBE923B5581}" type="presParOf" srcId="{33BB8D2B-D40D-4146-BC5E-193F1B453721}" destId="{2D9D78DB-72D8-4C89-9727-8087BF458406}" srcOrd="3" destOrd="0" presId="urn:microsoft.com/office/officeart/2005/8/layout/radial3"/>
   </dgm:cxnLst>
   <dgm:bg/>
   <dgm:whole/>
@@ -6651,8 +6594,8 @@
       </dsp:nvSpPr>
       <dsp:spPr>
         <a:xfrm>
-          <a:off x="0" y="144756"/>
-          <a:ext cx="6364224" cy="393120"/>
+          <a:off x="0" y="65286"/>
+          <a:ext cx="6364224" cy="442260"/>
         </a:xfrm>
         <a:prstGeom prst="roundRect">
           <a:avLst/>
@@ -6694,12 +6637,12 @@
         </a:fontRef>
       </dsp:style>
       <dsp:txBody>
-        <a:bodyPr spcFirstLastPara="0" vert="horz" wrap="square" lIns="60960" tIns="60960" rIns="60960" bIns="60960" numCol="1" spcCol="1270" anchor="ctr" anchorCtr="0">
+        <a:bodyPr spcFirstLastPara="0" vert="horz" wrap="square" lIns="68580" tIns="68580" rIns="68580" bIns="68580" numCol="1" spcCol="1270" anchor="ctr" anchorCtr="0">
           <a:noAutofit/>
         </a:bodyPr>
         <a:lstStyle/>
         <a:p>
-          <a:pPr marL="0" lvl="0" indent="0" algn="l" defTabSz="711200">
+          <a:pPr marL="0" lvl="0" indent="0" algn="l" defTabSz="800100">
             <a:lnSpc>
               <a:spcPct val="90000"/>
             </a:lnSpc>
@@ -6712,15 +6655,15 @@
             <a:buNone/>
           </a:pPr>
           <a:r>
-            <a:rPr lang="fr-CH" sz="1600" kern="1200"/>
+            <a:rPr lang="fr-CH" sz="1800" kern="1200"/>
             <a:t>Introducion</a:t>
           </a:r>
-          <a:endParaRPr lang="en-US" sz="1600" kern="1200"/>
+          <a:endParaRPr lang="en-US" sz="1800" kern="1200"/>
         </a:p>
       </dsp:txBody>
       <dsp:txXfrm>
-        <a:off x="19191" y="163947"/>
-        <a:ext cx="6325842" cy="354738"/>
+        <a:off x="21589" y="86875"/>
+        <a:ext cx="6321046" cy="399082"/>
       </dsp:txXfrm>
     </dsp:sp>
     <dsp:sp modelId="{6D1538DC-13A9-46C9-8612-CDE34B068163}">
@@ -6730,17 +6673,17 @@
       </dsp:nvSpPr>
       <dsp:spPr>
         <a:xfrm>
-          <a:off x="0" y="583956"/>
-          <a:ext cx="6364224" cy="393120"/>
+          <a:off x="0" y="559386"/>
+          <a:ext cx="6364224" cy="442260"/>
         </a:xfrm>
         <a:prstGeom prst="roundRect">
           <a:avLst/>
         </a:prstGeom>
         <a:solidFill>
           <a:schemeClr val="accent5">
-            <a:hueOff val="-1104741"/>
-            <a:satOff val="-75"/>
-            <a:lumOff val="178"/>
+            <a:hueOff val="-1215215"/>
+            <a:satOff val="-83"/>
+            <a:lumOff val="196"/>
             <a:alphaOff val="0"/>
           </a:schemeClr>
         </a:solidFill>
@@ -6773,12 +6716,12 @@
         </a:fontRef>
       </dsp:style>
       <dsp:txBody>
-        <a:bodyPr spcFirstLastPara="0" vert="horz" wrap="square" lIns="60960" tIns="60960" rIns="60960" bIns="60960" numCol="1" spcCol="1270" anchor="ctr" anchorCtr="0">
+        <a:bodyPr spcFirstLastPara="0" vert="horz" wrap="square" lIns="68580" tIns="68580" rIns="68580" bIns="68580" numCol="1" spcCol="1270" anchor="ctr" anchorCtr="0">
           <a:noAutofit/>
         </a:bodyPr>
         <a:lstStyle/>
         <a:p>
-          <a:pPr marL="0" lvl="0" indent="0" algn="l" defTabSz="711200">
+          <a:pPr marL="0" lvl="0" indent="0" algn="l" defTabSz="800100">
             <a:lnSpc>
               <a:spcPct val="90000"/>
             </a:lnSpc>
@@ -6791,35 +6734,35 @@
             <a:buNone/>
           </a:pPr>
           <a:r>
-            <a:rPr lang="fr-CH" sz="1600" kern="1200"/>
+            <a:rPr lang="fr-CH" sz="1800" kern="1200" dirty="0"/>
             <a:t>Contexte du projet</a:t>
           </a:r>
-          <a:endParaRPr lang="en-US" sz="1600" kern="1200"/>
+          <a:endParaRPr lang="en-US" sz="1800" kern="1200" dirty="0"/>
         </a:p>
       </dsp:txBody>
       <dsp:txXfrm>
-        <a:off x="19191" y="603147"/>
-        <a:ext cx="6325842" cy="354738"/>
+        <a:off x="21589" y="580975"/>
+        <a:ext cx="6321046" cy="399082"/>
       </dsp:txXfrm>
     </dsp:sp>
-    <dsp:sp modelId="{3BDF55C2-A7B1-4FDE-9350-B833347ACA28}">
+    <dsp:sp modelId="{E028A5E1-61DB-47F9-82CC-7944C6696D75}">
       <dsp:nvSpPr>
         <dsp:cNvPr id="0" name=""/>
         <dsp:cNvSpPr/>
       </dsp:nvSpPr>
       <dsp:spPr>
         <a:xfrm>
-          <a:off x="0" y="1023156"/>
-          <a:ext cx="6364224" cy="393120"/>
+          <a:off x="0" y="1053486"/>
+          <a:ext cx="6364224" cy="442260"/>
         </a:xfrm>
         <a:prstGeom prst="roundRect">
           <a:avLst/>
         </a:prstGeom>
         <a:solidFill>
           <a:schemeClr val="accent5">
-            <a:hueOff val="-2209482"/>
-            <a:satOff val="-150"/>
-            <a:lumOff val="357"/>
+            <a:hueOff val="-2430430"/>
+            <a:satOff val="-165"/>
+            <a:lumOff val="392"/>
             <a:alphaOff val="0"/>
           </a:schemeClr>
         </a:solidFill>
@@ -6852,12 +6795,12 @@
         </a:fontRef>
       </dsp:style>
       <dsp:txBody>
-        <a:bodyPr spcFirstLastPara="0" vert="horz" wrap="square" lIns="60960" tIns="60960" rIns="60960" bIns="60960" numCol="1" spcCol="1270" anchor="ctr" anchorCtr="0">
+        <a:bodyPr spcFirstLastPara="0" vert="horz" wrap="square" lIns="68580" tIns="68580" rIns="68580" bIns="68580" numCol="1" spcCol="1270" anchor="ctr" anchorCtr="0">
           <a:noAutofit/>
         </a:bodyPr>
         <a:lstStyle/>
         <a:p>
-          <a:pPr marL="0" lvl="0" indent="0" algn="l" defTabSz="711200">
+          <a:pPr marL="0" lvl="0" indent="0" algn="l" defTabSz="800100">
             <a:lnSpc>
               <a:spcPct val="90000"/>
             </a:lnSpc>
@@ -6870,15 +6813,15 @@
             <a:buNone/>
           </a:pPr>
           <a:r>
-            <a:rPr lang="fr-CH" sz="1600" kern="1200"/>
-            <a:t>Objectifs pédagogiques</a:t>
+            <a:rPr lang="en-US" sz="1800" kern="1200"/>
+            <a:t>Architecture du système</a:t>
           </a:r>
-          <a:endParaRPr lang="en-US" sz="1600" kern="1200"/>
+          <a:endParaRPr lang="en-US" sz="1800" kern="1200" dirty="0"/>
         </a:p>
       </dsp:txBody>
       <dsp:txXfrm>
-        <a:off x="19191" y="1042347"/>
-        <a:ext cx="6325842" cy="354738"/>
+        <a:off x="21589" y="1075075"/>
+        <a:ext cx="6321046" cy="399082"/>
       </dsp:txXfrm>
     </dsp:sp>
     <dsp:sp modelId="{B643E920-F087-47B4-B5A5-9F08C287B3FA}">
@@ -6888,17 +6831,17 @@
       </dsp:nvSpPr>
       <dsp:spPr>
         <a:xfrm>
-          <a:off x="0" y="1462356"/>
-          <a:ext cx="6364224" cy="393120"/>
+          <a:off x="0" y="1547586"/>
+          <a:ext cx="6364224" cy="442260"/>
         </a:xfrm>
         <a:prstGeom prst="roundRect">
           <a:avLst/>
         </a:prstGeom>
         <a:solidFill>
           <a:schemeClr val="accent5">
-            <a:hueOff val="-3314223"/>
-            <a:satOff val="-225"/>
-            <a:lumOff val="535"/>
+            <a:hueOff val="-3645645"/>
+            <a:satOff val="-248"/>
+            <a:lumOff val="588"/>
             <a:alphaOff val="0"/>
           </a:schemeClr>
         </a:solidFill>
@@ -6931,12 +6874,12 @@
         </a:fontRef>
       </dsp:style>
       <dsp:txBody>
-        <a:bodyPr spcFirstLastPara="0" vert="horz" wrap="square" lIns="60960" tIns="60960" rIns="60960" bIns="60960" numCol="1" spcCol="1270" anchor="ctr" anchorCtr="0">
+        <a:bodyPr spcFirstLastPara="0" vert="horz" wrap="square" lIns="68580" tIns="68580" rIns="68580" bIns="68580" numCol="1" spcCol="1270" anchor="ctr" anchorCtr="0">
           <a:noAutofit/>
         </a:bodyPr>
         <a:lstStyle/>
         <a:p>
-          <a:pPr marL="0" lvl="0" indent="0" algn="l" defTabSz="711200">
+          <a:pPr marL="0" lvl="0" indent="0" algn="l" defTabSz="800100">
             <a:lnSpc>
               <a:spcPct val="90000"/>
             </a:lnSpc>
@@ -6949,15 +6892,15 @@
             <a:buNone/>
           </a:pPr>
           <a:r>
-            <a:rPr lang="fr-CH" sz="1600" kern="1200"/>
+            <a:rPr lang="fr-CH" sz="1800" kern="1200" dirty="0"/>
             <a:t>Fonctionnalités principales</a:t>
           </a:r>
-          <a:endParaRPr lang="en-US" sz="1600" kern="1200"/>
+          <a:endParaRPr lang="en-US" sz="1800" kern="1200" dirty="0"/>
         </a:p>
       </dsp:txBody>
       <dsp:txXfrm>
-        <a:off x="19191" y="1481547"/>
-        <a:ext cx="6325842" cy="354738"/>
+        <a:off x="21589" y="1569175"/>
+        <a:ext cx="6321046" cy="399082"/>
       </dsp:txXfrm>
     </dsp:sp>
     <dsp:sp modelId="{97A645D4-BCCB-4BF6-B6C4-18CA775A7FCF}">
@@ -6967,17 +6910,17 @@
       </dsp:nvSpPr>
       <dsp:spPr>
         <a:xfrm>
-          <a:off x="0" y="1901556"/>
-          <a:ext cx="6364224" cy="393120"/>
+          <a:off x="0" y="2041686"/>
+          <a:ext cx="6364224" cy="442260"/>
         </a:xfrm>
         <a:prstGeom prst="roundRect">
           <a:avLst/>
         </a:prstGeom>
         <a:solidFill>
           <a:schemeClr val="accent5">
-            <a:hueOff val="-4418963"/>
-            <a:satOff val="-300"/>
-            <a:lumOff val="713"/>
+            <a:hueOff val="-4860860"/>
+            <a:satOff val="-330"/>
+            <a:lumOff val="784"/>
             <a:alphaOff val="0"/>
           </a:schemeClr>
         </a:solidFill>
@@ -7010,12 +6953,12 @@
         </a:fontRef>
       </dsp:style>
       <dsp:txBody>
-        <a:bodyPr spcFirstLastPara="0" vert="horz" wrap="square" lIns="60960" tIns="60960" rIns="60960" bIns="60960" numCol="1" spcCol="1270" anchor="ctr" anchorCtr="0">
+        <a:bodyPr spcFirstLastPara="0" vert="horz" wrap="square" lIns="68580" tIns="68580" rIns="68580" bIns="68580" numCol="1" spcCol="1270" anchor="ctr" anchorCtr="0">
           <a:noAutofit/>
         </a:bodyPr>
         <a:lstStyle/>
         <a:p>
-          <a:pPr marL="0" lvl="0" indent="0" algn="l" defTabSz="711200">
+          <a:pPr marL="0" lvl="0" indent="0" algn="l" defTabSz="800100">
             <a:lnSpc>
               <a:spcPct val="90000"/>
             </a:lnSpc>
@@ -7028,35 +6971,39 @@
             <a:buNone/>
           </a:pPr>
           <a:r>
-            <a:rPr lang="fr-CH" sz="1600" kern="1200"/>
-            <a:t>Maquettes et interface</a:t>
+            <a:rPr lang="fr-CH" sz="1800" kern="1200" dirty="0"/>
+            <a:t>Maquettes </a:t>
           </a:r>
-          <a:endParaRPr lang="en-US" sz="1600" kern="1200"/>
+          <a:r>
+            <a:rPr lang="fr-CH" sz="1800" kern="1200"/>
+            <a:t>et interface</a:t>
+          </a:r>
+          <a:endParaRPr lang="en-US" sz="1800" kern="1200" dirty="0"/>
         </a:p>
       </dsp:txBody>
       <dsp:txXfrm>
-        <a:off x="19191" y="1920747"/>
-        <a:ext cx="6325842" cy="354738"/>
+        <a:off x="21589" y="2063275"/>
+        <a:ext cx="6321046" cy="399082"/>
       </dsp:txXfrm>
     </dsp:sp>
-    <dsp:sp modelId="{8D7C3AA2-3AAB-4578-AFDA-8CD91D7029E3}">
+    <dsp:sp modelId="{82B2C831-2F86-4014-8099-5A62F48FE862}">
       <dsp:nvSpPr>
         <dsp:cNvPr id="0" name=""/>
         <dsp:cNvSpPr/>
       </dsp:nvSpPr>
       <dsp:spPr>
         <a:xfrm>
-          <a:off x="0" y="2340756"/>
-          <a:ext cx="6364224" cy="393120"/>
+          <a:off x="0" y="2535786"/>
+          <a:ext cx="6364224" cy="442260"/>
         </a:xfrm>
         <a:prstGeom prst="roundRect">
           <a:avLst/>
         </a:prstGeom>
         <a:solidFill>
           <a:schemeClr val="accent5">
-            <a:hueOff val="-5523705"/>
-            <a:satOff val="-375"/>
-            <a:lumOff val="891"/>
+            <a:hueOff val="-6076075"/>
+            <a:satOff val="-413"/>
+            <a:lumOff val="981"/>
             <a:alphaOff val="0"/>
           </a:schemeClr>
         </a:solidFill>
@@ -7089,12 +7036,12 @@
         </a:fontRef>
       </dsp:style>
       <dsp:txBody>
-        <a:bodyPr spcFirstLastPara="0" vert="horz" wrap="square" lIns="60960" tIns="60960" rIns="60960" bIns="60960" numCol="1" spcCol="1270" anchor="ctr" anchorCtr="0">
+        <a:bodyPr spcFirstLastPara="0" vert="horz" wrap="square" lIns="68580" tIns="68580" rIns="68580" bIns="68580" numCol="1" spcCol="1270" anchor="ctr" anchorCtr="0">
           <a:noAutofit/>
         </a:bodyPr>
         <a:lstStyle/>
         <a:p>
-          <a:pPr marL="0" lvl="0" indent="0" algn="l" defTabSz="711200">
+          <a:pPr marL="0" lvl="0" indent="0" algn="l" defTabSz="800100">
             <a:lnSpc>
               <a:spcPct val="90000"/>
             </a:lnSpc>
@@ -7107,35 +7054,35 @@
             <a:buNone/>
           </a:pPr>
           <a:r>
-            <a:rPr lang="fr-CH" sz="1600" kern="1200"/>
-            <a:t>Fonctionnement technique</a:t>
+            <a:rPr lang="fr-CH" sz="1800" kern="1200" dirty="0"/>
+            <a:t>Technologies utilisées</a:t>
           </a:r>
-          <a:endParaRPr lang="en-US" sz="1600" kern="1200"/>
+          <a:endParaRPr lang="en-US" sz="1800" kern="1200" dirty="0"/>
         </a:p>
       </dsp:txBody>
       <dsp:txXfrm>
-        <a:off x="19191" y="2359947"/>
-        <a:ext cx="6325842" cy="354738"/>
+        <a:off x="21589" y="2557375"/>
+        <a:ext cx="6321046" cy="399082"/>
       </dsp:txXfrm>
     </dsp:sp>
-    <dsp:sp modelId="{82B2C831-2F86-4014-8099-5A62F48FE862}">
+    <dsp:sp modelId="{9251191A-660A-421A-9030-A836D7185436}">
       <dsp:nvSpPr>
         <dsp:cNvPr id="0" name=""/>
         <dsp:cNvSpPr/>
       </dsp:nvSpPr>
       <dsp:spPr>
         <a:xfrm>
-          <a:off x="0" y="2779956"/>
-          <a:ext cx="6364224" cy="393120"/>
+          <a:off x="0" y="3029886"/>
+          <a:ext cx="6364224" cy="442260"/>
         </a:xfrm>
         <a:prstGeom prst="roundRect">
           <a:avLst/>
         </a:prstGeom>
         <a:solidFill>
           <a:schemeClr val="accent5">
-            <a:hueOff val="-6628445"/>
-            <a:satOff val="-451"/>
-            <a:lumOff val="1070"/>
+            <a:hueOff val="-7291290"/>
+            <a:satOff val="-496"/>
+            <a:lumOff val="1177"/>
             <a:alphaOff val="0"/>
           </a:schemeClr>
         </a:solidFill>
@@ -7168,12 +7115,12 @@
         </a:fontRef>
       </dsp:style>
       <dsp:txBody>
-        <a:bodyPr spcFirstLastPara="0" vert="horz" wrap="square" lIns="60960" tIns="60960" rIns="60960" bIns="60960" numCol="1" spcCol="1270" anchor="ctr" anchorCtr="0">
+        <a:bodyPr spcFirstLastPara="0" vert="horz" wrap="square" lIns="68580" tIns="68580" rIns="68580" bIns="68580" numCol="1" spcCol="1270" anchor="ctr" anchorCtr="0">
           <a:noAutofit/>
         </a:bodyPr>
         <a:lstStyle/>
         <a:p>
-          <a:pPr marL="0" lvl="0" indent="0" algn="l" defTabSz="711200">
+          <a:pPr marL="0" lvl="0" indent="0" algn="l" defTabSz="800100">
             <a:lnSpc>
               <a:spcPct val="90000"/>
             </a:lnSpc>
@@ -7186,15 +7133,15 @@
             <a:buNone/>
           </a:pPr>
           <a:r>
-            <a:rPr lang="fr-CH" sz="1600" kern="1200"/>
-            <a:t>Technologies utilisées</a:t>
+            <a:rPr lang="fr-CH" sz="1800" kern="1200"/>
+            <a:t>Descente de code</a:t>
           </a:r>
-          <a:endParaRPr lang="en-US" sz="1600" kern="1200"/>
+          <a:endParaRPr lang="en-US" sz="1800" kern="1200" dirty="0"/>
         </a:p>
       </dsp:txBody>
       <dsp:txXfrm>
-        <a:off x="19191" y="2799147"/>
-        <a:ext cx="6325842" cy="354738"/>
+        <a:off x="21589" y="3051475"/>
+        <a:ext cx="6321046" cy="399082"/>
       </dsp:txXfrm>
     </dsp:sp>
     <dsp:sp modelId="{658C506A-230D-47B2-987F-3F47C564EC61}">
@@ -7204,17 +7151,17 @@
       </dsp:nvSpPr>
       <dsp:spPr>
         <a:xfrm>
-          <a:off x="0" y="3219156"/>
-          <a:ext cx="6364224" cy="393120"/>
+          <a:off x="0" y="3523986"/>
+          <a:ext cx="6364224" cy="442260"/>
         </a:xfrm>
         <a:prstGeom prst="roundRect">
           <a:avLst/>
         </a:prstGeom>
         <a:solidFill>
           <a:schemeClr val="accent5">
-            <a:hueOff val="-7733186"/>
-            <a:satOff val="-526"/>
-            <a:lumOff val="1248"/>
+            <a:hueOff val="-8506504"/>
+            <a:satOff val="-578"/>
+            <a:lumOff val="1373"/>
             <a:alphaOff val="0"/>
           </a:schemeClr>
         </a:solidFill>
@@ -7247,12 +7194,12 @@
         </a:fontRef>
       </dsp:style>
       <dsp:txBody>
-        <a:bodyPr spcFirstLastPara="0" vert="horz" wrap="square" lIns="60960" tIns="60960" rIns="60960" bIns="60960" numCol="1" spcCol="1270" anchor="ctr" anchorCtr="0">
+        <a:bodyPr spcFirstLastPara="0" vert="horz" wrap="square" lIns="68580" tIns="68580" rIns="68580" bIns="68580" numCol="1" spcCol="1270" anchor="ctr" anchorCtr="0">
           <a:noAutofit/>
         </a:bodyPr>
         <a:lstStyle/>
         <a:p>
-          <a:pPr marL="0" lvl="0" indent="0" algn="l" defTabSz="711200">
+          <a:pPr marL="0" lvl="0" indent="0" algn="l" defTabSz="800100">
             <a:lnSpc>
               <a:spcPct val="90000"/>
             </a:lnSpc>
@@ -7265,35 +7212,39 @@
             <a:buNone/>
           </a:pPr>
           <a:r>
-            <a:rPr lang="fr-CH" sz="1600" kern="1200"/>
-            <a:t>Organisation et suivis</a:t>
+            <a:rPr lang="fr-CH" sz="1800" kern="1200" dirty="0"/>
+            <a:t>Organisation </a:t>
           </a:r>
-          <a:endParaRPr lang="en-US" sz="1600" kern="1200"/>
+          <a:r>
+            <a:rPr lang="fr-CH" sz="1800" kern="1200"/>
+            <a:t>et suivis</a:t>
+          </a:r>
+          <a:endParaRPr lang="en-US" sz="1800" kern="1200" dirty="0"/>
         </a:p>
       </dsp:txBody>
       <dsp:txXfrm>
-        <a:off x="19191" y="3238347"/>
-        <a:ext cx="6325842" cy="354738"/>
+        <a:off x="21589" y="3545575"/>
+        <a:ext cx="6321046" cy="399082"/>
       </dsp:txXfrm>
     </dsp:sp>
-    <dsp:sp modelId="{6E27A609-AC85-459E-A775-F43FFFC5A8ED}">
+    <dsp:sp modelId="{2A8BF066-E4EC-433A-9FDC-8D39262C701C}">
       <dsp:nvSpPr>
         <dsp:cNvPr id="0" name=""/>
         <dsp:cNvSpPr/>
       </dsp:nvSpPr>
       <dsp:spPr>
         <a:xfrm>
-          <a:off x="0" y="3658356"/>
-          <a:ext cx="6364224" cy="393120"/>
+          <a:off x="0" y="4018085"/>
+          <a:ext cx="6364224" cy="442260"/>
         </a:xfrm>
         <a:prstGeom prst="roundRect">
           <a:avLst/>
         </a:prstGeom>
         <a:solidFill>
           <a:schemeClr val="accent5">
-            <a:hueOff val="-8837927"/>
-            <a:satOff val="-601"/>
-            <a:lumOff val="1426"/>
+            <a:hueOff val="-9721720"/>
+            <a:satOff val="-661"/>
+            <a:lumOff val="1569"/>
             <a:alphaOff val="0"/>
           </a:schemeClr>
         </a:solidFill>
@@ -7326,12 +7277,12 @@
         </a:fontRef>
       </dsp:style>
       <dsp:txBody>
-        <a:bodyPr spcFirstLastPara="0" vert="horz" wrap="square" lIns="60960" tIns="60960" rIns="60960" bIns="60960" numCol="1" spcCol="1270" anchor="ctr" anchorCtr="0">
+        <a:bodyPr spcFirstLastPara="0" vert="horz" wrap="square" lIns="68580" tIns="68580" rIns="68580" bIns="68580" numCol="1" spcCol="1270" anchor="ctr" anchorCtr="0">
           <a:noAutofit/>
         </a:bodyPr>
         <a:lstStyle/>
         <a:p>
-          <a:pPr marL="0" lvl="0" indent="0" algn="l" defTabSz="711200">
+          <a:pPr marL="0" lvl="0" indent="0" algn="l" defTabSz="800100">
             <a:lnSpc>
               <a:spcPct val="90000"/>
             </a:lnSpc>
@@ -7344,35 +7295,35 @@
             <a:buNone/>
           </a:pPr>
           <a:r>
-            <a:rPr lang="fr-CH" sz="1600" kern="1200"/>
-            <a:t>Démonstration</a:t>
+            <a:rPr lang="fr-CH" sz="1800" kern="1200" dirty="0"/>
+            <a:t>Conclusion</a:t>
           </a:r>
-          <a:endParaRPr lang="en-US" sz="1600" kern="1200"/>
+          <a:endParaRPr lang="en-US" sz="1800" kern="1200" dirty="0"/>
         </a:p>
       </dsp:txBody>
       <dsp:txXfrm>
-        <a:off x="19191" y="3677547"/>
-        <a:ext cx="6325842" cy="354738"/>
+        <a:off x="21589" y="4039674"/>
+        <a:ext cx="6321046" cy="399082"/>
       </dsp:txXfrm>
     </dsp:sp>
-    <dsp:sp modelId="{2A8BF066-E4EC-433A-9FDC-8D39262C701C}">
+    <dsp:sp modelId="{181E1EA8-262A-4DC5-BA6C-18D8D95426EA}">
       <dsp:nvSpPr>
         <dsp:cNvPr id="0" name=""/>
         <dsp:cNvSpPr/>
       </dsp:nvSpPr>
       <dsp:spPr>
         <a:xfrm>
-          <a:off x="0" y="4097556"/>
-          <a:ext cx="6364224" cy="393120"/>
+          <a:off x="0" y="4512185"/>
+          <a:ext cx="6364224" cy="442260"/>
         </a:xfrm>
         <a:prstGeom prst="roundRect">
           <a:avLst/>
         </a:prstGeom>
         <a:solidFill>
           <a:schemeClr val="accent5">
-            <a:hueOff val="-9942668"/>
-            <a:satOff val="-676"/>
-            <a:lumOff val="1604"/>
+            <a:hueOff val="-10936935"/>
+            <a:satOff val="-743"/>
+            <a:lumOff val="1765"/>
             <a:alphaOff val="0"/>
           </a:schemeClr>
         </a:solidFill>
@@ -7405,12 +7356,12 @@
         </a:fontRef>
       </dsp:style>
       <dsp:txBody>
-        <a:bodyPr spcFirstLastPara="0" vert="horz" wrap="square" lIns="60960" tIns="60960" rIns="60960" bIns="60960" numCol="1" spcCol="1270" anchor="ctr" anchorCtr="0">
+        <a:bodyPr spcFirstLastPara="0" vert="horz" wrap="square" lIns="68580" tIns="68580" rIns="68580" bIns="68580" numCol="1" spcCol="1270" anchor="ctr" anchorCtr="0">
           <a:noAutofit/>
         </a:bodyPr>
         <a:lstStyle/>
         <a:p>
-          <a:pPr marL="0" lvl="0" indent="0" algn="l" defTabSz="711200">
+          <a:pPr marL="0" lvl="0" indent="0" algn="l" defTabSz="800100">
             <a:lnSpc>
               <a:spcPct val="90000"/>
             </a:lnSpc>
@@ -7423,105 +7374,26 @@
             <a:buNone/>
           </a:pPr>
           <a:r>
-            <a:rPr lang="fr-CH" sz="1600" kern="1200"/>
-            <a:t>Conclusion</a:t>
+            <a:rPr lang="fr-CH" sz="1800" kern="1200" dirty="0"/>
+            <a:t>Questions / Remerciements</a:t>
           </a:r>
-          <a:endParaRPr lang="en-US" sz="1600" kern="1200"/>
+          <a:endParaRPr lang="en-US" sz="1800" kern="1200" dirty="0"/>
         </a:p>
       </dsp:txBody>
       <dsp:txXfrm>
-        <a:off x="19191" y="4116747"/>
-        <a:ext cx="6325842" cy="354738"/>
+        <a:off x="21589" y="4533774"/>
+        <a:ext cx="6321046" cy="399082"/>
       </dsp:txXfrm>
     </dsp:sp>
-    <dsp:sp modelId="{CBC6FA32-7271-4BA0-9F42-74DB2DA6FD59}">
+    <dsp:sp modelId="{6A2BE498-EB68-4E6C-83A1-13D50DE93073}">
       <dsp:nvSpPr>
         <dsp:cNvPr id="0" name=""/>
         <dsp:cNvSpPr/>
       </dsp:nvSpPr>
       <dsp:spPr>
         <a:xfrm>
-          <a:off x="0" y="4536756"/>
-          <a:ext cx="6364224" cy="393120"/>
-        </a:xfrm>
-        <a:prstGeom prst="roundRect">
-          <a:avLst/>
-        </a:prstGeom>
-        <a:solidFill>
-          <a:schemeClr val="accent5">
-            <a:hueOff val="-11047409"/>
-            <a:satOff val="-751"/>
-            <a:lumOff val="1783"/>
-            <a:alphaOff val="0"/>
-          </a:schemeClr>
-        </a:solidFill>
-        <a:ln w="19050" cap="flat" cmpd="sng" algn="ctr">
-          <a:solidFill>
-            <a:schemeClr val="lt1">
-              <a:hueOff val="0"/>
-              <a:satOff val="0"/>
-              <a:lumOff val="0"/>
-              <a:alphaOff val="0"/>
-            </a:schemeClr>
-          </a:solidFill>
-          <a:prstDash val="solid"/>
-          <a:miter lim="800000"/>
-        </a:ln>
-        <a:effectLst/>
-      </dsp:spPr>
-      <dsp:style>
-        <a:lnRef idx="2">
-          <a:scrgbClr r="0" g="0" b="0"/>
-        </a:lnRef>
-        <a:fillRef idx="1">
-          <a:scrgbClr r="0" g="0" b="0"/>
-        </a:fillRef>
-        <a:effectRef idx="0">
-          <a:scrgbClr r="0" g="0" b="0"/>
-        </a:effectRef>
-        <a:fontRef idx="minor">
-          <a:schemeClr val="lt1"/>
-        </a:fontRef>
-      </dsp:style>
-      <dsp:txBody>
-        <a:bodyPr spcFirstLastPara="0" vert="horz" wrap="square" lIns="60960" tIns="60960" rIns="60960" bIns="60960" numCol="1" spcCol="1270" anchor="ctr" anchorCtr="0">
-          <a:noAutofit/>
-        </a:bodyPr>
-        <a:lstStyle/>
-        <a:p>
-          <a:pPr marL="0" lvl="0" indent="0" algn="l" defTabSz="711200">
-            <a:lnSpc>
-              <a:spcPct val="90000"/>
-            </a:lnSpc>
-            <a:spcBef>
-              <a:spcPct val="0"/>
-            </a:spcBef>
-            <a:spcAft>
-              <a:spcPct val="35000"/>
-            </a:spcAft>
-            <a:buNone/>
-          </a:pPr>
-          <a:r>
-            <a:rPr lang="fr-CH" sz="1600" kern="1200"/>
-            <a:t>Suite du projet</a:t>
-          </a:r>
-          <a:endParaRPr lang="en-US" sz="1600" kern="1200"/>
-        </a:p>
-      </dsp:txBody>
-      <dsp:txXfrm>
-        <a:off x="19191" y="4555947"/>
-        <a:ext cx="6325842" cy="354738"/>
-      </dsp:txXfrm>
-    </dsp:sp>
-    <dsp:sp modelId="{181E1EA8-262A-4DC5-BA6C-18D8D95426EA}">
-      <dsp:nvSpPr>
-        <dsp:cNvPr id="0" name=""/>
-        <dsp:cNvSpPr/>
-      </dsp:nvSpPr>
-      <dsp:spPr>
-        <a:xfrm>
-          <a:off x="0" y="4975956"/>
-          <a:ext cx="6364224" cy="393120"/>
+          <a:off x="0" y="5006285"/>
+          <a:ext cx="6364224" cy="442260"/>
         </a:xfrm>
         <a:prstGeom prst="roundRect">
           <a:avLst/>
@@ -7563,12 +7435,12 @@
         </a:fontRef>
       </dsp:style>
       <dsp:txBody>
-        <a:bodyPr spcFirstLastPara="0" vert="horz" wrap="square" lIns="60960" tIns="60960" rIns="60960" bIns="60960" numCol="1" spcCol="1270" anchor="ctr" anchorCtr="0">
+        <a:bodyPr spcFirstLastPara="0" vert="horz" wrap="square" lIns="68580" tIns="68580" rIns="68580" bIns="68580" numCol="1" spcCol="1270" anchor="ctr" anchorCtr="0">
           <a:noAutofit/>
         </a:bodyPr>
         <a:lstStyle/>
         <a:p>
-          <a:pPr marL="0" lvl="0" indent="0" algn="l" defTabSz="711200">
+          <a:pPr marL="0" lvl="0" indent="0" algn="l" defTabSz="800100">
             <a:lnSpc>
               <a:spcPct val="90000"/>
             </a:lnSpc>
@@ -7581,15 +7453,15 @@
             <a:buNone/>
           </a:pPr>
           <a:r>
-            <a:rPr lang="fr-CH" sz="1600" kern="1200"/>
-            <a:t>Questions / Remerciements</a:t>
+            <a:rPr lang="fr-CH" sz="1800" kern="1200" dirty="0"/>
+            <a:t>Démonstration</a:t>
           </a:r>
-          <a:endParaRPr lang="en-US" sz="1600" kern="1200"/>
+          <a:endParaRPr lang="en-US" sz="1800" kern="1200" dirty="0"/>
         </a:p>
       </dsp:txBody>
       <dsp:txXfrm>
-        <a:off x="19191" y="4995147"/>
-        <a:ext cx="6325842" cy="354738"/>
+        <a:off x="21589" y="5027874"/>
+        <a:ext cx="6321046" cy="399082"/>
       </dsp:txXfrm>
     </dsp:sp>
   </dsp:spTree>
@@ -7707,12 +7579,12 @@
         <a:fontRef idx="minor"/>
       </dsp:style>
       <dsp:txBody>
-        <a:bodyPr spcFirstLastPara="0" vert="horz" wrap="square" lIns="137160" tIns="137160" rIns="137160" bIns="137160" numCol="1" spcCol="1270" anchor="ctr" anchorCtr="0">
+        <a:bodyPr spcFirstLastPara="0" vert="horz" wrap="square" lIns="121920" tIns="121920" rIns="121920" bIns="121920" numCol="1" spcCol="1270" anchor="ctr" anchorCtr="0">
           <a:noAutofit/>
         </a:bodyPr>
         <a:lstStyle/>
         <a:p>
-          <a:pPr marL="0" lvl="0" indent="0" algn="ctr" defTabSz="1600200">
+          <a:pPr marL="0" lvl="0" indent="0" algn="ctr" defTabSz="1422400">
             <a:lnSpc>
               <a:spcPct val="90000"/>
             </a:lnSpc>
@@ -7725,10 +7597,21 @@
             <a:buNone/>
           </a:pPr>
           <a:r>
-            <a:rPr lang="fr-CH" sz="3600" kern="1200"/>
-            <a:t>Arnaud Ramize Scum master</a:t>
+            <a:rPr lang="fr-CH" sz="3200" kern="1200" dirty="0"/>
+            <a:t>Arnaud Ramirez </a:t>
           </a:r>
-          <a:endParaRPr lang="en-US" sz="3600" kern="1200"/>
+          <a:br>
+            <a:rPr lang="fr-CH" sz="3200" kern="1200" dirty="0"/>
+          </a:br>
+          <a:r>
+            <a:rPr lang="fr-CH" sz="3200" kern="1200" dirty="0" err="1"/>
+            <a:t>Scum</a:t>
+          </a:r>
+          <a:r>
+            <a:rPr lang="fr-CH" sz="3200" kern="1200" dirty="0"/>
+            <a:t> master</a:t>
+          </a:r>
+          <a:endParaRPr lang="en-US" sz="3200" kern="1200" dirty="0"/>
         </a:p>
       </dsp:txBody>
       <dsp:txXfrm>
@@ -7839,12 +7722,12 @@
         <a:fontRef idx="minor"/>
       </dsp:style>
       <dsp:txBody>
-        <a:bodyPr spcFirstLastPara="0" vert="horz" wrap="square" lIns="137160" tIns="137160" rIns="137160" bIns="137160" numCol="1" spcCol="1270" anchor="ctr" anchorCtr="0">
+        <a:bodyPr spcFirstLastPara="0" vert="horz" wrap="square" lIns="121920" tIns="121920" rIns="121920" bIns="121920" numCol="1" spcCol="1270" anchor="ctr" anchorCtr="0">
           <a:noAutofit/>
         </a:bodyPr>
         <a:lstStyle/>
         <a:p>
-          <a:pPr marL="0" lvl="0" indent="0" algn="ctr" defTabSz="1600200">
+          <a:pPr marL="0" lvl="0" indent="0" algn="ctr" defTabSz="1422400">
             <a:lnSpc>
               <a:spcPct val="90000"/>
             </a:lnSpc>
@@ -7857,10 +7740,22 @@
             <a:buNone/>
           </a:pPr>
           <a:r>
-            <a:rPr lang="fr-CH" sz="3600" kern="1200"/>
-            <a:t>Jonas Deillon  Product owner</a:t>
+            <a:rPr lang="fr-CH" sz="3200" kern="1200" dirty="0"/>
+            <a:t>Jonas </a:t>
           </a:r>
-          <a:endParaRPr lang="en-US" sz="3600" kern="1200"/>
+          <a:r>
+            <a:rPr lang="fr-CH" sz="3200" kern="1200" dirty="0" err="1"/>
+            <a:t>Deillon</a:t>
+          </a:r>
+          <a:r>
+            <a:rPr lang="fr-CH" sz="3200" kern="1200" dirty="0"/>
+            <a:t>  Product </a:t>
+          </a:r>
+          <a:r>
+            <a:rPr lang="fr-CH" sz="3200" kern="1200" dirty="0" err="1"/>
+            <a:t>owner</a:t>
+          </a:r>
+          <a:endParaRPr lang="en-US" sz="3200" kern="1200" dirty="0"/>
         </a:p>
       </dsp:txBody>
       <dsp:txXfrm>
@@ -7971,12 +7866,12 @@
         <a:fontRef idx="minor"/>
       </dsp:style>
       <dsp:txBody>
-        <a:bodyPr spcFirstLastPara="0" vert="horz" wrap="square" lIns="137160" tIns="137160" rIns="137160" bIns="137160" numCol="1" spcCol="1270" anchor="ctr" anchorCtr="0">
+        <a:bodyPr spcFirstLastPara="0" vert="horz" wrap="square" lIns="121920" tIns="121920" rIns="121920" bIns="121920" numCol="1" spcCol="1270" anchor="ctr" anchorCtr="0">
           <a:noAutofit/>
         </a:bodyPr>
         <a:lstStyle/>
         <a:p>
-          <a:pPr marL="0" lvl="0" indent="0" algn="ctr" defTabSz="1600200">
+          <a:pPr marL="0" lvl="0" indent="0" algn="ctr" defTabSz="1422400">
             <a:lnSpc>
               <a:spcPct val="90000"/>
             </a:lnSpc>
@@ -7989,10 +7884,14 @@
             <a:buNone/>
           </a:pPr>
           <a:r>
-            <a:rPr lang="fr-CH" sz="3600" kern="1200"/>
-            <a:t>Matias Barras Devloper</a:t>
+            <a:rPr lang="fr-CH" sz="3200" kern="1200" dirty="0"/>
+            <a:t>Matias </a:t>
           </a:r>
-          <a:endParaRPr lang="en-US" sz="3600" kern="1200"/>
+          <a:r>
+            <a:rPr lang="fr-CH" sz="3200" kern="1200"/>
+            <a:t>Barras Développer</a:t>
+          </a:r>
+          <a:endParaRPr lang="en-US" sz="3200" kern="1200" dirty="0"/>
         </a:p>
       </dsp:txBody>
       <dsp:txXfrm>
@@ -8549,18 +8448,9 @@
             <a:buChar char="•"/>
           </a:pPr>
           <a:r>
-            <a:rPr lang="fr-CH" sz="2400" kern="1200" noProof="0" dirty="0" err="1"/>
-            <a:t>Leaderboard</a:t>
+            <a:rPr lang="fr-CH" sz="2400" kern="1200" noProof="0" dirty="0"/>
+            <a:t>Tableaux des scores pour voir et comparer ses scores</a:t>
           </a:r>
-          <a:r>
-            <a:rPr lang="fr-CH" sz="2400" kern="1200" noProof="0" dirty="0"/>
-            <a:t> pour voir et comparer ses </a:t>
-          </a:r>
-          <a:r>
-            <a:rPr lang="fr-CH" sz="2400" kern="1200" noProof="0" dirty="0" err="1"/>
-            <a:t>scors</a:t>
-          </a:r>
-          <a:endParaRPr lang="fr-CH" sz="2400" kern="1200" noProof="0" dirty="0"/>
         </a:p>
       </dsp:txBody>
       <dsp:txXfrm>
@@ -8636,10 +8526,14 @@
             <a:buNone/>
           </a:pPr>
           <a:r>
-            <a:rPr lang="fr-CH" sz="2400" kern="1200"/>
-            <a:t>Scors </a:t>
+            <a:rPr lang="fr-CH" sz="2400" kern="1200" noProof="0" dirty="0"/>
+            <a:t>Scores</a:t>
           </a:r>
-          <a:endParaRPr lang="en-US" sz="2400" kern="1200"/>
+          <a:r>
+            <a:rPr lang="fr-CH" sz="2400" kern="1200" dirty="0"/>
+            <a:t> </a:t>
+          </a:r>
+          <a:endParaRPr lang="en-US" sz="2400" kern="1200" dirty="0"/>
         </a:p>
       </dsp:txBody>
       <dsp:txXfrm>
@@ -8659,139 +8553,22 @@
       <dsp:cNvGrpSpPr/>
     </dsp:nvGrpSpPr>
     <dsp:grpSpPr/>
-    <dsp:sp modelId="{A22ECC5F-D949-43BB-BA90-FEAF3EDD5414}">
+    <dsp:sp modelId="{5735A83D-DE7C-4276-B89E-6FA32FA61490}">
       <dsp:nvSpPr>
         <dsp:cNvPr id="0" name=""/>
         <dsp:cNvSpPr/>
       </dsp:nvSpPr>
       <dsp:spPr>
         <a:xfrm>
-          <a:off x="5257800" y="1798278"/>
-          <a:ext cx="377390" cy="1653331"/>
+          <a:off x="4301440" y="1710713"/>
+          <a:ext cx="3589118" cy="3589118"/>
         </a:xfrm>
-        <a:custGeom>
-          <a:avLst/>
-          <a:gdLst/>
-          <a:ahLst/>
-          <a:cxnLst/>
-          <a:rect l="0" t="0" r="0" b="0"/>
-          <a:pathLst>
-            <a:path>
-              <a:moveTo>
-                <a:pt x="0" y="0"/>
-              </a:moveTo>
-              <a:lnTo>
-                <a:pt x="0" y="1653331"/>
-              </a:lnTo>
-              <a:lnTo>
-                <a:pt x="377390" y="1653331"/>
-              </a:lnTo>
-            </a:path>
-          </a:pathLst>
-        </a:custGeom>
-        <a:noFill/>
-        <a:ln w="19050" cap="flat" cmpd="sng" algn="ctr">
-          <a:solidFill>
-            <a:schemeClr val="accent1">
-              <a:shade val="60000"/>
-              <a:hueOff val="0"/>
-              <a:satOff val="0"/>
-              <a:lumOff val="0"/>
-              <a:alphaOff val="0"/>
-            </a:schemeClr>
-          </a:solidFill>
-          <a:prstDash val="solid"/>
-          <a:miter lim="800000"/>
-        </a:ln>
-        <a:effectLst/>
-      </dsp:spPr>
-      <dsp:style>
-        <a:lnRef idx="2">
-          <a:scrgbClr r="0" g="0" b="0"/>
-        </a:lnRef>
-        <a:fillRef idx="0">
-          <a:scrgbClr r="0" g="0" b="0"/>
-        </a:fillRef>
-        <a:effectRef idx="0">
-          <a:scrgbClr r="0" g="0" b="0"/>
-        </a:effectRef>
-        <a:fontRef idx="minor"/>
-      </dsp:style>
-    </dsp:sp>
-    <dsp:sp modelId="{1DD86237-2ACC-49D6-8E4A-518FC343A7BE}">
-      <dsp:nvSpPr>
-        <dsp:cNvPr id="0" name=""/>
-        <dsp:cNvSpPr/>
-      </dsp:nvSpPr>
-      <dsp:spPr>
-        <a:xfrm>
-          <a:off x="4880409" y="1798278"/>
-          <a:ext cx="377390" cy="1653331"/>
-        </a:xfrm>
-        <a:custGeom>
-          <a:avLst/>
-          <a:gdLst/>
-          <a:ahLst/>
-          <a:cxnLst/>
-          <a:rect l="0" t="0" r="0" b="0"/>
-          <a:pathLst>
-            <a:path>
-              <a:moveTo>
-                <a:pt x="377390" y="0"/>
-              </a:moveTo>
-              <a:lnTo>
-                <a:pt x="377390" y="1653331"/>
-              </a:lnTo>
-              <a:lnTo>
-                <a:pt x="0" y="1653331"/>
-              </a:lnTo>
-            </a:path>
-          </a:pathLst>
-        </a:custGeom>
-        <a:noFill/>
-        <a:ln w="19050" cap="flat" cmpd="sng" algn="ctr">
-          <a:solidFill>
-            <a:schemeClr val="accent1">
-              <a:shade val="60000"/>
-              <a:hueOff val="0"/>
-              <a:satOff val="0"/>
-              <a:lumOff val="0"/>
-              <a:alphaOff val="0"/>
-            </a:schemeClr>
-          </a:solidFill>
-          <a:prstDash val="solid"/>
-          <a:miter lim="800000"/>
-        </a:ln>
-        <a:effectLst/>
-      </dsp:spPr>
-      <dsp:style>
-        <a:lnRef idx="2">
-          <a:scrgbClr r="0" g="0" b="0"/>
-        </a:lnRef>
-        <a:fillRef idx="0">
-          <a:scrgbClr r="0" g="0" b="0"/>
-        </a:fillRef>
-        <a:effectRef idx="0">
-          <a:scrgbClr r="0" g="0" b="0"/>
-        </a:effectRef>
-        <a:fontRef idx="minor"/>
-      </dsp:style>
-    </dsp:sp>
-    <dsp:sp modelId="{7466E140-76D1-45E1-AD88-FD7351014DB2}">
-      <dsp:nvSpPr>
-        <dsp:cNvPr id="0" name=""/>
-        <dsp:cNvSpPr/>
-      </dsp:nvSpPr>
-      <dsp:spPr>
-        <a:xfrm>
-          <a:off x="3460700" y="1178"/>
-          <a:ext cx="3594199" cy="1797099"/>
-        </a:xfrm>
-        <a:prstGeom prst="rect">
+        <a:prstGeom prst="ellipse">
           <a:avLst/>
         </a:prstGeom>
         <a:solidFill>
           <a:schemeClr val="accent1">
+            <a:alpha val="50000"/>
             <a:hueOff val="0"/>
             <a:satOff val="0"/>
             <a:lumOff val="0"/>
@@ -8823,16 +8600,16 @@
           <a:scrgbClr r="0" g="0" b="0"/>
         </a:effectRef>
         <a:fontRef idx="minor">
-          <a:schemeClr val="lt1"/>
+          <a:schemeClr val="tx1"/>
         </a:fontRef>
       </dsp:style>
       <dsp:txBody>
-        <a:bodyPr spcFirstLastPara="0" vert="horz" wrap="square" lIns="29845" tIns="29845" rIns="29845" bIns="29845" numCol="1" spcCol="1270" anchor="ctr" anchorCtr="0">
+        <a:bodyPr spcFirstLastPara="0" vert="horz" wrap="square" lIns="76200" tIns="76200" rIns="76200" bIns="76200" numCol="1" spcCol="1270" anchor="ctr" anchorCtr="0">
           <a:noAutofit/>
         </a:bodyPr>
         <a:lstStyle/>
         <a:p>
-          <a:pPr marL="0" lvl="0" indent="0" algn="ctr" defTabSz="2089150">
+          <a:pPr marL="0" lvl="0" indent="0" algn="ctr" defTabSz="2667000">
             <a:lnSpc>
               <a:spcPct val="90000"/>
             </a:lnSpc>
@@ -8845,31 +8622,32 @@
             <a:buNone/>
           </a:pPr>
           <a:r>
-            <a:rPr lang="fr-CH" sz="4700" kern="1200" dirty="0"/>
-            <a:t>Application</a:t>
+            <a:rPr lang="fr-CH" sz="6000" kern="1200" dirty="0"/>
+            <a:t>Docker</a:t>
           </a:r>
         </a:p>
       </dsp:txBody>
       <dsp:txXfrm>
-        <a:off x="3460700" y="1178"/>
-        <a:ext cx="3594199" cy="1797099"/>
+        <a:off x="4827054" y="2236327"/>
+        <a:ext cx="2537890" cy="2537890"/>
       </dsp:txXfrm>
     </dsp:sp>
-    <dsp:sp modelId="{DA916CB0-1389-4DE5-91DE-D7F75706A995}">
+    <dsp:sp modelId="{1A6CC25B-F191-42A0-A11D-C445D26F1805}">
       <dsp:nvSpPr>
         <dsp:cNvPr id="0" name=""/>
         <dsp:cNvSpPr/>
       </dsp:nvSpPr>
       <dsp:spPr>
         <a:xfrm>
-          <a:off x="1286209" y="2553059"/>
-          <a:ext cx="3594199" cy="1797099"/>
+          <a:off x="5198720" y="272935"/>
+          <a:ext cx="1794559" cy="1794559"/>
         </a:xfrm>
-        <a:prstGeom prst="rect">
+        <a:prstGeom prst="ellipse">
           <a:avLst/>
         </a:prstGeom>
         <a:solidFill>
           <a:schemeClr val="accent1">
+            <a:alpha val="50000"/>
             <a:hueOff val="0"/>
             <a:satOff val="0"/>
             <a:lumOff val="0"/>
@@ -8901,16 +8679,16 @@
           <a:scrgbClr r="0" g="0" b="0"/>
         </a:effectRef>
         <a:fontRef idx="minor">
-          <a:schemeClr val="lt1"/>
+          <a:schemeClr val="tx1"/>
         </a:fontRef>
       </dsp:style>
       <dsp:txBody>
-        <a:bodyPr spcFirstLastPara="0" vert="horz" wrap="square" lIns="29845" tIns="29845" rIns="29845" bIns="29845" numCol="1" spcCol="1270" anchor="ctr" anchorCtr="0">
+        <a:bodyPr spcFirstLastPara="0" vert="horz" wrap="square" lIns="21590" tIns="21590" rIns="21590" bIns="21590" numCol="1" spcCol="1270" anchor="ctr" anchorCtr="0">
           <a:noAutofit/>
         </a:bodyPr>
         <a:lstStyle/>
         <a:p>
-          <a:pPr marL="0" lvl="0" indent="0" algn="ctr" defTabSz="2089150">
+          <a:pPr marL="0" lvl="0" indent="0" algn="l" defTabSz="755650">
             <a:lnSpc>
               <a:spcPct val="90000"/>
             </a:lnSpc>
@@ -8923,35 +8701,107 @@
             <a:buNone/>
           </a:pPr>
           <a:r>
-            <a:rPr lang="fr-CH" sz="4700" kern="1200" dirty="0" err="1"/>
-            <a:t>Nostalgist</a:t>
+            <a:rPr lang="fr-CH" sz="1700" kern="1200" dirty="0"/>
+            <a:t>Backend</a:t>
           </a:r>
+        </a:p>
+        <a:p>
+          <a:pPr marL="114300" lvl="1" indent="-114300" algn="l" defTabSz="577850">
+            <a:lnSpc>
+              <a:spcPct val="90000"/>
+            </a:lnSpc>
+            <a:spcBef>
+              <a:spcPct val="0"/>
+            </a:spcBef>
+            <a:spcAft>
+              <a:spcPct val="15000"/>
+            </a:spcAft>
+            <a:buChar char="•"/>
+          </a:pPr>
           <a:r>
-            <a:rPr lang="fr-CH" sz="4700" kern="1200" dirty="0"/>
-            <a:t> (Emulation)</a:t>
+            <a:rPr lang="fr-CH" sz="1300" kern="1200"/>
+            <a:t>Node.js</a:t>
           </a:r>
+          <a:endParaRPr lang="fr-CH" sz="1300" kern="1200" dirty="0"/>
+        </a:p>
+        <a:p>
+          <a:pPr marL="114300" lvl="1" indent="-114300" algn="l" defTabSz="577850">
+            <a:lnSpc>
+              <a:spcPct val="90000"/>
+            </a:lnSpc>
+            <a:spcBef>
+              <a:spcPct val="0"/>
+            </a:spcBef>
+            <a:spcAft>
+              <a:spcPct val="15000"/>
+            </a:spcAft>
+            <a:buChar char="•"/>
+          </a:pPr>
+          <a:r>
+            <a:rPr lang="fr-CH" sz="1300" kern="1200" dirty="0"/>
+            <a:t>Express</a:t>
+          </a:r>
+        </a:p>
+        <a:p>
+          <a:pPr marL="114300" lvl="1" indent="-114300" algn="l" defTabSz="577850">
+            <a:lnSpc>
+              <a:spcPct val="90000"/>
+            </a:lnSpc>
+            <a:spcBef>
+              <a:spcPct val="0"/>
+            </a:spcBef>
+            <a:spcAft>
+              <a:spcPct val="15000"/>
+            </a:spcAft>
+            <a:buChar char="•"/>
+          </a:pPr>
+          <a:r>
+            <a:rPr lang="fr-CH" sz="1300" kern="1200" dirty="0" err="1"/>
+            <a:t>Swagger</a:t>
+          </a:r>
+          <a:endParaRPr lang="fr-CH" sz="1300" kern="1200" dirty="0"/>
+        </a:p>
+        <a:p>
+          <a:pPr marL="114300" lvl="1" indent="-114300" algn="l" defTabSz="577850">
+            <a:lnSpc>
+              <a:spcPct val="90000"/>
+            </a:lnSpc>
+            <a:spcBef>
+              <a:spcPct val="0"/>
+            </a:spcBef>
+            <a:spcAft>
+              <a:spcPct val="15000"/>
+            </a:spcAft>
+            <a:buChar char="•"/>
+          </a:pPr>
+          <a:r>
+            <a:rPr lang="fr-CH" sz="1300" kern="1200" dirty="0" err="1"/>
+            <a:t>joi</a:t>
+          </a:r>
+          <a:endParaRPr lang="fr-CH" sz="1300" kern="1200" dirty="0"/>
         </a:p>
       </dsp:txBody>
       <dsp:txXfrm>
-        <a:off x="1286209" y="2553059"/>
-        <a:ext cx="3594199" cy="1797099"/>
+        <a:off x="5461527" y="535742"/>
+        <a:ext cx="1268945" cy="1268945"/>
       </dsp:txXfrm>
     </dsp:sp>
-    <dsp:sp modelId="{8DB554B2-E57A-4E35-9913-FBCF29243AF4}">
+    <dsp:sp modelId="{7BC12D59-D7BD-45F7-891F-2B8F67E03670}">
       <dsp:nvSpPr>
         <dsp:cNvPr id="0" name=""/>
         <dsp:cNvSpPr/>
       </dsp:nvSpPr>
       <dsp:spPr>
         <a:xfrm>
-          <a:off x="5635190" y="2553059"/>
-          <a:ext cx="3594199" cy="1797099"/>
+          <a:off x="7220938" y="3775521"/>
+          <a:ext cx="1794559" cy="1794559"/>
         </a:xfrm>
-        <a:prstGeom prst="rect">
+        <a:prstGeom prst="ellipse">
           <a:avLst/>
         </a:prstGeom>
         <a:solidFill>
           <a:schemeClr val="accent1">
+            <a:alpha val="50000"/>
             <a:hueOff val="0"/>
             <a:satOff val="0"/>
             <a:lumOff val="0"/>
@@ -8983,16 +8833,16 @@
           <a:scrgbClr r="0" g="0" b="0"/>
         </a:effectRef>
         <a:fontRef idx="minor">
-          <a:schemeClr val="lt1"/>
+          <a:schemeClr val="tx1"/>
         </a:fontRef>
       </dsp:style>
       <dsp:txBody>
-        <a:bodyPr spcFirstLastPara="0" vert="horz" wrap="square" lIns="29845" tIns="29845" rIns="29845" bIns="29845" numCol="1" spcCol="1270" anchor="ctr" anchorCtr="0">
+        <a:bodyPr spcFirstLastPara="0" vert="horz" wrap="square" lIns="21590" tIns="21590" rIns="21590" bIns="21590" numCol="1" spcCol="1270" anchor="ctr" anchorCtr="0">
           <a:noAutofit/>
         </a:bodyPr>
         <a:lstStyle/>
         <a:p>
-          <a:pPr marL="0" lvl="0" indent="0" algn="ctr" defTabSz="2089150">
+          <a:pPr marL="0" lvl="0" indent="0" algn="l" defTabSz="755650">
             <a:lnSpc>
               <a:spcPct val="90000"/>
             </a:lnSpc>
@@ -9005,22 +8855,157 @@
             <a:buNone/>
           </a:pPr>
           <a:r>
-            <a:rPr lang="fr-CH" sz="4700" kern="1200" dirty="0"/>
+            <a:rPr lang="fr-CH" sz="1700" kern="1200" dirty="0"/>
+            <a:t>Base de données</a:t>
+          </a:r>
+        </a:p>
+        <a:p>
+          <a:pPr marL="114300" lvl="1" indent="-114300" algn="l" defTabSz="577850">
+            <a:lnSpc>
+              <a:spcPct val="90000"/>
+            </a:lnSpc>
+            <a:spcBef>
+              <a:spcPct val="0"/>
+            </a:spcBef>
+            <a:spcAft>
+              <a:spcPct val="15000"/>
+            </a:spcAft>
+            <a:buChar char="•"/>
+          </a:pPr>
+          <a:r>
+            <a:rPr lang="fr-CH" sz="1300" kern="1200"/>
+            <a:t>mysql</a:t>
+          </a:r>
+          <a:endParaRPr lang="fr-CH" sz="1300" kern="1200" dirty="0"/>
+        </a:p>
+      </dsp:txBody>
+      <dsp:txXfrm>
+        <a:off x="7483745" y="4038328"/>
+        <a:ext cx="1268945" cy="1268945"/>
+      </dsp:txXfrm>
+    </dsp:sp>
+    <dsp:sp modelId="{2D9D78DB-72D8-4C89-9727-8087BF458406}">
+      <dsp:nvSpPr>
+        <dsp:cNvPr id="0" name=""/>
+        <dsp:cNvSpPr/>
+      </dsp:nvSpPr>
+      <dsp:spPr>
+        <a:xfrm>
+          <a:off x="3176501" y="3775521"/>
+          <a:ext cx="1794559" cy="1794559"/>
+        </a:xfrm>
+        <a:prstGeom prst="ellipse">
+          <a:avLst/>
+        </a:prstGeom>
+        <a:solidFill>
+          <a:schemeClr val="accent1">
+            <a:alpha val="50000"/>
+            <a:hueOff val="0"/>
+            <a:satOff val="0"/>
+            <a:lumOff val="0"/>
+            <a:alphaOff val="0"/>
+          </a:schemeClr>
+        </a:solidFill>
+        <a:ln w="19050" cap="flat" cmpd="sng" algn="ctr">
+          <a:solidFill>
+            <a:schemeClr val="lt1">
+              <a:hueOff val="0"/>
+              <a:satOff val="0"/>
+              <a:lumOff val="0"/>
+              <a:alphaOff val="0"/>
+            </a:schemeClr>
+          </a:solidFill>
+          <a:prstDash val="solid"/>
+          <a:miter lim="800000"/>
+        </a:ln>
+        <a:effectLst/>
+      </dsp:spPr>
+      <dsp:style>
+        <a:lnRef idx="2">
+          <a:scrgbClr r="0" g="0" b="0"/>
+        </a:lnRef>
+        <a:fillRef idx="1">
+          <a:scrgbClr r="0" g="0" b="0"/>
+        </a:fillRef>
+        <a:effectRef idx="0">
+          <a:scrgbClr r="0" g="0" b="0"/>
+        </a:effectRef>
+        <a:fontRef idx="minor">
+          <a:schemeClr val="tx1"/>
+        </a:fontRef>
+      </dsp:style>
+      <dsp:txBody>
+        <a:bodyPr spcFirstLastPara="0" vert="horz" wrap="square" lIns="21590" tIns="21590" rIns="21590" bIns="21590" numCol="1" spcCol="1270" anchor="ctr" anchorCtr="0">
+          <a:noAutofit/>
+        </a:bodyPr>
+        <a:lstStyle/>
+        <a:p>
+          <a:pPr marL="0" lvl="0" indent="0" algn="l" defTabSz="755650">
+            <a:lnSpc>
+              <a:spcPct val="90000"/>
+            </a:lnSpc>
+            <a:spcBef>
+              <a:spcPct val="0"/>
+            </a:spcBef>
+            <a:spcAft>
+              <a:spcPct val="35000"/>
+            </a:spcAft>
+            <a:buNone/>
+          </a:pPr>
+          <a:r>
+            <a:rPr lang="fr-CH" sz="1700" kern="1200" dirty="0"/>
+            <a:t>Frontend</a:t>
+          </a:r>
+        </a:p>
+        <a:p>
+          <a:pPr marL="114300" lvl="1" indent="-114300" algn="l" defTabSz="577850">
+            <a:lnSpc>
+              <a:spcPct val="90000"/>
+            </a:lnSpc>
+            <a:spcBef>
+              <a:spcPct val="0"/>
+            </a:spcBef>
+            <a:spcAft>
+              <a:spcPct val="15000"/>
+            </a:spcAft>
+            <a:buChar char="•"/>
+          </a:pPr>
+          <a:r>
+            <a:rPr lang="fr-CH" sz="1300" kern="1200" dirty="0" err="1"/>
+            <a:t>Nostalgist</a:t>
+          </a:r>
+          <a:endParaRPr lang="fr-CH" sz="1300" kern="1200" dirty="0"/>
+        </a:p>
+        <a:p>
+          <a:pPr marL="114300" lvl="1" indent="-114300" algn="l" defTabSz="577850">
+            <a:lnSpc>
+              <a:spcPct val="90000"/>
+            </a:lnSpc>
+            <a:spcBef>
+              <a:spcPct val="0"/>
+            </a:spcBef>
+            <a:spcAft>
+              <a:spcPct val="15000"/>
+            </a:spcAft>
+            <a:buChar char="•"/>
+          </a:pPr>
+          <a:r>
+            <a:rPr lang="fr-CH" sz="1300" kern="1200" dirty="0"/>
             <a:t>Api </a:t>
           </a:r>
           <a:r>
-            <a:rPr lang="fr-CH" sz="4700" kern="1200" dirty="0" err="1"/>
+            <a:rPr lang="fr-CH" sz="1300" kern="1200" dirty="0" err="1"/>
             <a:t>Gamepad</a:t>
           </a:r>
           <a:r>
-            <a:rPr lang="fr-CH" sz="4700" kern="1200" dirty="0"/>
-            <a:t> Manette Xbox</a:t>
+            <a:rPr lang="fr-CH" sz="1300" kern="1200" dirty="0"/>
+            <a:t> </a:t>
           </a:r>
         </a:p>
       </dsp:txBody>
       <dsp:txXfrm>
-        <a:off x="5635190" y="2553059"/>
-        <a:ext cx="3594199" cy="1797099"/>
+        <a:off x="3439308" y="4038328"/>
+        <a:ext cx="1268945" cy="1268945"/>
       </dsp:txXfrm>
     </dsp:sp>
   </dsp:spTree>
@@ -10546,12 +10531,12 @@
 </file>
 
 <file path=ppt/diagrams/layout5.xml><?xml version="1.0" encoding="utf-8"?>
-<dgm:layoutDef xmlns:dgm="http://schemas.openxmlformats.org/drawingml/2006/diagram" xmlns:a="http://schemas.openxmlformats.org/drawingml/2006/main" uniqueId="urn:microsoft.com/office/officeart/2005/8/layout/orgChart1">
+<dgm:layoutDef xmlns:dgm="http://schemas.openxmlformats.org/drawingml/2006/diagram" xmlns:a="http://schemas.openxmlformats.org/drawingml/2006/main" uniqueId="urn:microsoft.com/office/officeart/2005/8/layout/radial3">
   <dgm:title val=""/>
   <dgm:desc val=""/>
   <dgm:catLst>
-    <dgm:cat type="hierarchy" pri="1000"/>
-    <dgm:cat type="convert" pri="6000"/>
+    <dgm:cat type="relationship" pri="31000"/>
+    <dgm:cat type="cycle" pri="12000"/>
   </dgm:catLst>
   <dgm:sampData>
     <dgm:dataModel>
@@ -10560,25 +10545,25 @@
         <dgm:pt modelId="1">
           <dgm:prSet phldr="1"/>
         </dgm:pt>
-        <dgm:pt modelId="2" type="asst">
+        <dgm:pt modelId="11">
           <dgm:prSet phldr="1"/>
         </dgm:pt>
-        <dgm:pt modelId="3">
+        <dgm:pt modelId="12">
           <dgm:prSet phldr="1"/>
         </dgm:pt>
-        <dgm:pt modelId="4">
+        <dgm:pt modelId="13">
           <dgm:prSet phldr="1"/>
         </dgm:pt>
-        <dgm:pt modelId="5">
+        <dgm:pt modelId="14">
           <dgm:prSet phldr="1"/>
         </dgm:pt>
       </dgm:ptLst>
       <dgm:cxnLst>
-        <dgm:cxn modelId="5" srcId="0" destId="1" srcOrd="0" destOrd="0"/>
-        <dgm:cxn modelId="6" srcId="1" destId="2" srcOrd="0" destOrd="0"/>
-        <dgm:cxn modelId="7" srcId="1" destId="3" srcOrd="1" destOrd="0"/>
-        <dgm:cxn modelId="8" srcId="1" destId="4" srcOrd="2" destOrd="0"/>
-        <dgm:cxn modelId="9" srcId="1" destId="5" srcOrd="3" destOrd="0"/>
+        <dgm:cxn modelId="2" srcId="0" destId="1" srcOrd="0" destOrd="0"/>
+        <dgm:cxn modelId="3" srcId="1" destId="11" srcOrd="0" destOrd="0"/>
+        <dgm:cxn modelId="4" srcId="1" destId="12" srcOrd="1" destOrd="0"/>
+        <dgm:cxn modelId="5" srcId="1" destId="13" srcOrd="2" destOrd="0"/>
+        <dgm:cxn modelId="6" srcId="1" destId="14" srcOrd="3" destOrd="0"/>
       </dgm:cxnLst>
       <dgm:bg/>
       <dgm:whole/>
@@ -10589,11 +10574,13 @@
       <dgm:ptLst>
         <dgm:pt modelId="0" type="doc"/>
         <dgm:pt modelId="1"/>
+        <dgm:pt modelId="11"/>
         <dgm:pt modelId="12"/>
         <dgm:pt modelId="13"/>
       </dgm:ptLst>
       <dgm:cxnLst>
         <dgm:cxn modelId="2" srcId="0" destId="1" srcOrd="0" destOrd="0"/>
+        <dgm:cxn modelId="15" srcId="1" destId="11" srcOrd="0" destOrd="0"/>
         <dgm:cxn modelId="16" srcId="1" destId="12" srcOrd="1" destOrd="0"/>
         <dgm:cxn modelId="17" srcId="1" destId="13" srcOrd="2" destOrd="0"/>
       </dgm:cxnLst>
@@ -10606,1087 +10593,130 @@
       <dgm:ptLst>
         <dgm:pt modelId="0" type="doc"/>
         <dgm:pt modelId="1"/>
-        <dgm:pt modelId="11" type="asst"/>
+        <dgm:pt modelId="11"/>
         <dgm:pt modelId="12"/>
         <dgm:pt modelId="13"/>
         <dgm:pt modelId="14"/>
+        <dgm:pt modelId="15"/>
+        <dgm:pt modelId="16"/>
       </dgm:ptLst>
       <dgm:cxnLst>
         <dgm:cxn modelId="2" srcId="0" destId="1" srcOrd="0" destOrd="0"/>
-        <dgm:cxn modelId="15" srcId="1" destId="11" srcOrd="0" destOrd="0"/>
-        <dgm:cxn modelId="16" srcId="1" destId="12" srcOrd="1" destOrd="0"/>
-        <dgm:cxn modelId="17" srcId="1" destId="13" srcOrd="2" destOrd="0"/>
-        <dgm:cxn modelId="18" srcId="1" destId="14" srcOrd="2" destOrd="0"/>
+        <dgm:cxn modelId="16" srcId="1" destId="11" srcOrd="0" destOrd="0"/>
+        <dgm:cxn modelId="17" srcId="1" destId="12" srcOrd="1" destOrd="0"/>
+        <dgm:cxn modelId="18" srcId="1" destId="13" srcOrd="2" destOrd="0"/>
+        <dgm:cxn modelId="19" srcId="1" destId="14" srcOrd="3" destOrd="0"/>
+        <dgm:cxn modelId="20" srcId="1" destId="15" srcOrd="4" destOrd="0"/>
+        <dgm:cxn modelId="21" srcId="1" destId="16" srcOrd="5" destOrd="0"/>
       </dgm:cxnLst>
       <dgm:bg/>
       <dgm:whole/>
     </dgm:dataModel>
   </dgm:clrData>
-  <dgm:layoutNode name="hierChild1">
+  <dgm:layoutNode name="composite">
     <dgm:varLst>
-      <dgm:orgChart val="1"/>
-      <dgm:chPref val="1"/>
+      <dgm:chMax val="1"/>
       <dgm:dir/>
-      <dgm:animOne val="branch"/>
-      <dgm:animLvl val="lvl"/>
-      <dgm:resizeHandles/>
+      <dgm:resizeHandles val="exact"/>
     </dgm:varLst>
-    <dgm:choose name="Name0">
-      <dgm:if name="Name1" func="var" arg="dir" op="equ" val="norm">
-        <dgm:alg type="hierChild">
-          <dgm:param type="linDir" val="fromL"/>
-        </dgm:alg>
-      </dgm:if>
-      <dgm:else name="Name2">
-        <dgm:alg type="hierChild">
-          <dgm:param type="linDir" val="fromR"/>
-        </dgm:alg>
-      </dgm:else>
-    </dgm:choose>
+    <dgm:alg type="composite">
+      <dgm:param type="ar" val="1"/>
+    </dgm:alg>
     <dgm:shape xmlns:r="http://schemas.openxmlformats.org/officeDocument/2006/relationships" r:blip="">
       <dgm:adjLst/>
     </dgm:shape>
     <dgm:presOf/>
-    <dgm:constrLst>
-      <dgm:constr type="w" for="des" forName="rootComposite1" refType="w" fact="10"/>
-      <dgm:constr type="h" for="des" forName="rootComposite1" refType="w" refFor="des" refForName="rootComposite1" fact="0.5"/>
-      <dgm:constr type="w" for="des" forName="rootComposite" refType="w" fact="10"/>
-      <dgm:constr type="h" for="des" forName="rootComposite" refType="w" refFor="des" refForName="rootComposite1" fact="0.5"/>
-      <dgm:constr type="w" for="des" forName="rootComposite3" refType="w" fact="10"/>
-      <dgm:constr type="h" for="des" forName="rootComposite3" refType="w" refFor="des" refForName="rootComposite1" fact="0.5"/>
-      <dgm:constr type="primFontSz" for="des" ptType="node" op="equ"/>
-      <dgm:constr type="sp" for="des" op="equ"/>
-      <dgm:constr type="sp" for="des" forName="hierRoot1" refType="w" refFor="des" refForName="rootComposite1" fact="0.21"/>
-      <dgm:constr type="sp" for="des" forName="hierRoot2" refType="sp" refFor="des" refForName="hierRoot1"/>
-      <dgm:constr type="sp" for="des" forName="hierRoot3" refType="sp" refFor="des" refForName="hierRoot1"/>
-      <dgm:constr type="sibSp" refType="w" refFor="des" refForName="rootComposite1" fact="0.21"/>
-      <dgm:constr type="sibSp" for="des" forName="hierChild2" refType="sibSp"/>
-      <dgm:constr type="sibSp" for="des" forName="hierChild3" refType="sibSp"/>
-      <dgm:constr type="sibSp" for="des" forName="hierChild4" refType="sibSp"/>
-      <dgm:constr type="sibSp" for="des" forName="hierChild5" refType="sibSp"/>
-      <dgm:constr type="sibSp" for="des" forName="hierChild6" refType="sibSp"/>
-      <dgm:constr type="sibSp" for="des" forName="hierChild7" refType="sibSp"/>
-      <dgm:constr type="secSibSp" refType="w" refFor="des" refForName="rootComposite1" fact="0.21"/>
-      <dgm:constr type="secSibSp" for="des" forName="hierChild2" refType="secSibSp"/>
-      <dgm:constr type="secSibSp" for="des" forName="hierChild3" refType="secSibSp"/>
-      <dgm:constr type="secSibSp" for="des" forName="hierChild4" refType="secSibSp"/>
-      <dgm:constr type="secSibSp" for="des" forName="hierChild5" refType="secSibSp"/>
-      <dgm:constr type="secSibSp" for="des" forName="hierChild6" refType="secSibSp"/>
-      <dgm:constr type="secSibSp" for="des" forName="hierChild7" refType="secSibSp"/>
-    </dgm:constrLst>
+    <dgm:constrLst/>
     <dgm:ruleLst/>
-    <dgm:forEach name="Name3" axis="ch">
-      <dgm:forEach name="Name4" axis="self" ptType="node">
-        <dgm:layoutNode name="hierRoot1">
-          <dgm:varLst>
-            <dgm:hierBranch val="init"/>
-          </dgm:varLst>
-          <dgm:choose name="Name5">
-            <dgm:if name="Name6" func="var" arg="hierBranch" op="equ" val="l">
-              <dgm:choose name="Name7">
-                <dgm:if name="Name8" axis="ch" ptType="asst" func="cnt" op="gte" val="1">
-                  <dgm:alg type="hierRoot">
-                    <dgm:param type="hierAlign" val="tR"/>
-                  </dgm:alg>
-                  <dgm:constrLst>
-                    <dgm:constr type="alignOff" val="0.65"/>
-                  </dgm:constrLst>
-                </dgm:if>
-                <dgm:else name="Name9">
-                  <dgm:alg type="hierRoot">
-                    <dgm:param type="hierAlign" val="tR"/>
-                  </dgm:alg>
-                  <dgm:constrLst>
-                    <dgm:constr type="alignOff" val="0.25"/>
-                  </dgm:constrLst>
-                </dgm:else>
-              </dgm:choose>
+    <dgm:layoutNode name="radial">
+      <dgm:varLst>
+        <dgm:animLvl val="ctr"/>
+      </dgm:varLst>
+      <dgm:choose name="Name0">
+        <dgm:if name="Name1" func="var" arg="dir" op="equ" val="norm">
+          <dgm:choose name="Name2">
+            <dgm:if name="Name3" axis="ch ch" ptType="node node" st="1 1" cnt="1 0" func="cnt" op="lte" val="1">
+              <dgm:alg type="cycle">
+                <dgm:param type="stAng" val="90"/>
+                <dgm:param type="spanAng" val="360"/>
+                <dgm:param type="ctrShpMap" val="fNode"/>
+              </dgm:alg>
             </dgm:if>
-            <dgm:if name="Name10" func="var" arg="hierBranch" op="equ" val="r">
-              <dgm:choose name="Name11">
-                <dgm:if name="Name12" axis="ch" ptType="asst" func="cnt" op="gte" val="1">
-                  <dgm:alg type="hierRoot">
-                    <dgm:param type="hierAlign" val="tL"/>
-                  </dgm:alg>
-                  <dgm:constrLst>
-                    <dgm:constr type="alignOff" val="0.65"/>
-                  </dgm:constrLst>
-                </dgm:if>
-                <dgm:else name="Name13">
-                  <dgm:alg type="hierRoot">
-                    <dgm:param type="hierAlign" val="tL"/>
-                  </dgm:alg>
-                  <dgm:constrLst>
-                    <dgm:constr type="alignOff" val="0.25"/>
-                  </dgm:constrLst>
-                </dgm:else>
-              </dgm:choose>
-            </dgm:if>
-            <dgm:if name="Name14" func="var" arg="hierBranch" op="equ" val="hang">
-              <dgm:alg type="hierRoot"/>
-              <dgm:constrLst>
-                <dgm:constr type="alignOff" val="0.65"/>
-              </dgm:constrLst>
-            </dgm:if>
-            <dgm:else name="Name15">
-              <dgm:alg type="hierRoot"/>
-              <dgm:constrLst>
-                <dgm:constr type="alignOff"/>
-                <dgm:constr type="bendDist" for="des" ptType="parTrans" refType="sp" fact="0.5"/>
-              </dgm:constrLst>
+            <dgm:else name="Name4">
+              <dgm:alg type="cycle">
+                <dgm:param type="stAng" val="0"/>
+                <dgm:param type="spanAng" val="360"/>
+                <dgm:param type="ctrShpMap" val="fNode"/>
+              </dgm:alg>
             </dgm:else>
           </dgm:choose>
-          <dgm:shape xmlns:r="http://schemas.openxmlformats.org/officeDocument/2006/relationships" r:blip="">
+        </dgm:if>
+        <dgm:else name="Name5">
+          <dgm:alg type="cycle">
+            <dgm:param type="stAng" val="0"/>
+            <dgm:param type="spanAng" val="-360"/>
+            <dgm:param type="ctrShpMap" val="fNode"/>
+          </dgm:alg>
+        </dgm:else>
+      </dgm:choose>
+      <dgm:shape xmlns:r="http://schemas.openxmlformats.org/officeDocument/2006/relationships" r:blip="">
+        <dgm:adjLst/>
+      </dgm:shape>
+      <dgm:presOf/>
+      <dgm:constrLst>
+        <dgm:constr type="w" for="ch" forName="centerShape" refType="w"/>
+        <dgm:constr type="h" for="ch" forName="centerShape" refType="h"/>
+        <dgm:constr type="w" for="ch" forName="node" refType="w" fact="0.5"/>
+        <dgm:constr type="h" for="ch" forName="node" refType="h" fact="0.5"/>
+        <dgm:constr type="sp" refType="w" refFor="ch" refForName="node" fact="-0.2"/>
+        <dgm:constr type="sibSp" refType="w" refFor="ch" refForName="node" fact="-0.2"/>
+        <dgm:constr type="primFontSz" for="ch" forName="centerShape" val="65"/>
+        <dgm:constr type="primFontSz" for="des" forName="node" val="65"/>
+        <dgm:constr type="primFontSz" for="ch" forName="node" refType="primFontSz" refFor="ch" refForName="centerShape" op="lte"/>
+      </dgm:constrLst>
+      <dgm:ruleLst/>
+      <dgm:forEach name="Name6" axis="ch" ptType="node" cnt="1">
+        <dgm:layoutNode name="centerShape" styleLbl="vennNode1">
+          <dgm:alg type="tx"/>
+          <dgm:shape xmlns:r="http://schemas.openxmlformats.org/officeDocument/2006/relationships" type="ellipse" r:blip="">
             <dgm:adjLst/>
           </dgm:shape>
-          <dgm:presOf/>
-          <dgm:ruleLst/>
-          <dgm:layoutNode name="rootComposite1">
-            <dgm:alg type="composite"/>
-            <dgm:shape xmlns:r="http://schemas.openxmlformats.org/officeDocument/2006/relationships" r:blip="">
+          <dgm:presOf axis="self"/>
+          <dgm:constrLst>
+            <dgm:constr type="tMarg" refType="primFontSz" fact="0.1"/>
+            <dgm:constr type="bMarg" refType="primFontSz" fact="0.1"/>
+            <dgm:constr type="lMarg" refType="primFontSz" fact="0.1"/>
+            <dgm:constr type="rMarg" refType="primFontSz" fact="0.1"/>
+          </dgm:constrLst>
+          <dgm:ruleLst>
+            <dgm:rule type="primFontSz" val="5" fact="NaN" max="NaN"/>
+          </dgm:ruleLst>
+        </dgm:layoutNode>
+        <dgm:forEach name="Name7" axis="ch" ptType="node">
+          <dgm:layoutNode name="node" styleLbl="vennNode1">
+            <dgm:varLst>
+              <dgm:bulletEnabled val="1"/>
+            </dgm:varLst>
+            <dgm:alg type="tx">
+              <dgm:param type="txAnchorVertCh" val="mid"/>
+            </dgm:alg>
+            <dgm:shape xmlns:r="http://schemas.openxmlformats.org/officeDocument/2006/relationships" type="ellipse" r:blip="">
               <dgm:adjLst/>
             </dgm:shape>
-            <dgm:presOf axis="self" ptType="node" cnt="1"/>
-            <dgm:choose name="Name16">
-              <dgm:if name="Name17" func="var" arg="hierBranch" op="equ" val="init">
-                <dgm:constrLst>
-                  <dgm:constr type="l" for="ch" forName="rootText1"/>
-                  <dgm:constr type="t" for="ch" forName="rootText1"/>
-                  <dgm:constr type="w" for="ch" forName="rootText1" refType="w"/>
-                  <dgm:constr type="h" for="ch" forName="rootText1" refType="h"/>
-                  <dgm:constr type="l" for="ch" forName="rootConnector1"/>
-                  <dgm:constr type="t" for="ch" forName="rootConnector1"/>
-                  <dgm:constr type="w" for="ch" forName="rootConnector1" refType="w" refFor="ch" refForName="rootText1" fact="0.2"/>
-                  <dgm:constr type="h" for="ch" forName="rootConnector1" refType="h" refFor="ch" refForName="rootText1"/>
-                </dgm:constrLst>
-              </dgm:if>
-              <dgm:if name="Name18" func="var" arg="hierBranch" op="equ" val="l">
-                <dgm:constrLst>
-                  <dgm:constr type="l" for="ch" forName="rootText1"/>
-                  <dgm:constr type="t" for="ch" forName="rootText1"/>
-                  <dgm:constr type="w" for="ch" forName="rootText1" refType="w"/>
-                  <dgm:constr type="h" for="ch" forName="rootText1" refType="h"/>
-                  <dgm:constr type="r" for="ch" forName="rootConnector1" refType="w"/>
-                  <dgm:constr type="t" for="ch" forName="rootConnector1"/>
-                  <dgm:constr type="w" for="ch" forName="rootConnector1" refType="w" refFor="ch" refForName="rootText1" fact="0.2"/>
-                  <dgm:constr type="h" for="ch" forName="rootConnector1" refType="h" refFor="ch" refForName="rootText1"/>
-                </dgm:constrLst>
-              </dgm:if>
-              <dgm:if name="Name19" func="var" arg="hierBranch" op="equ" val="r">
-                <dgm:constrLst>
-                  <dgm:constr type="l" for="ch" forName="rootText1"/>
-                  <dgm:constr type="t" for="ch" forName="rootText1"/>
-                  <dgm:constr type="w" for="ch" forName="rootText1" refType="w"/>
-                  <dgm:constr type="h" for="ch" forName="rootText1" refType="h"/>
-                  <dgm:constr type="l" for="ch" forName="rootConnector1"/>
-                  <dgm:constr type="t" for="ch" forName="rootConnector1"/>
-                  <dgm:constr type="w" for="ch" forName="rootConnector1" refType="w" refFor="ch" refForName="rootText1" fact="0.2"/>
-                  <dgm:constr type="h" for="ch" forName="rootConnector1" refType="h" refFor="ch" refForName="rootText1"/>
-                </dgm:constrLst>
-              </dgm:if>
-              <dgm:else name="Name20">
-                <dgm:constrLst>
-                  <dgm:constr type="l" for="ch" forName="rootText1"/>
-                  <dgm:constr type="t" for="ch" forName="rootText1"/>
-                  <dgm:constr type="w" for="ch" forName="rootText1" refType="w"/>
-                  <dgm:constr type="h" for="ch" forName="rootText1" refType="h"/>
-                  <dgm:constr type="r" for="ch" forName="rootConnector1" refType="w"/>
-                  <dgm:constr type="t" for="ch" forName="rootConnector1"/>
-                  <dgm:constr type="w" for="ch" forName="rootConnector1" refType="w" refFor="ch" refForName="rootText1" fact="0.2"/>
-                  <dgm:constr type="h" for="ch" forName="rootConnector1" refType="h" refFor="ch" refForName="rootText1"/>
-                </dgm:constrLst>
-              </dgm:else>
-            </dgm:choose>
-            <dgm:ruleLst/>
-            <dgm:layoutNode name="rootText1" styleLbl="node0">
-              <dgm:varLst>
-                <dgm:chPref val="3"/>
-              </dgm:varLst>
-              <dgm:alg type="tx"/>
-              <dgm:shape xmlns:r="http://schemas.openxmlformats.org/officeDocument/2006/relationships" type="rect" r:blip="">
-                <dgm:adjLst/>
-              </dgm:shape>
-              <dgm:presOf axis="self" ptType="node" cnt="1"/>
-              <dgm:constrLst>
-                <dgm:constr type="primFontSz" val="65"/>
-                <dgm:constr type="lMarg" refType="primFontSz" fact="0.05"/>
-                <dgm:constr type="rMarg" refType="primFontSz" fact="0.05"/>
-                <dgm:constr type="tMarg" refType="primFontSz" fact="0.05"/>
-                <dgm:constr type="bMarg" refType="primFontSz" fact="0.05"/>
-              </dgm:constrLst>
-              <dgm:ruleLst>
-                <dgm:rule type="primFontSz" val="5" fact="NaN" max="NaN"/>
-              </dgm:ruleLst>
-            </dgm:layoutNode>
-            <dgm:layoutNode name="rootConnector1" moveWith="rootText1">
-              <dgm:alg type="sp"/>
-              <dgm:shape xmlns:r="http://schemas.openxmlformats.org/officeDocument/2006/relationships" type="rect" r:blip="" hideGeom="1">
-                <dgm:adjLst/>
-              </dgm:shape>
-              <dgm:presOf axis="self" ptType="node" cnt="1"/>
-              <dgm:constrLst/>
-              <dgm:ruleLst/>
-            </dgm:layoutNode>
+            <dgm:presOf axis="desOrSelf" ptType="node"/>
+            <dgm:constrLst>
+              <dgm:constr type="tMarg" refType="primFontSz" fact="0.1"/>
+              <dgm:constr type="bMarg" refType="primFontSz" fact="0.1"/>
+              <dgm:constr type="lMarg" refType="primFontSz" fact="0.1"/>
+              <dgm:constr type="rMarg" refType="primFontSz" fact="0.1"/>
+            </dgm:constrLst>
+            <dgm:ruleLst>
+              <dgm:rule type="primFontSz" val="5" fact="NaN" max="NaN"/>
+            </dgm:ruleLst>
           </dgm:layoutNode>
-          <dgm:layoutNode name="hierChild2">
-            <dgm:choose name="Name21">
-              <dgm:if name="Name22" func="var" arg="hierBranch" op="equ" val="l">
-                <dgm:alg type="hierChild">
-                  <dgm:param type="chAlign" val="r"/>
-                  <dgm:param type="linDir" val="fromT"/>
-                </dgm:alg>
-              </dgm:if>
-              <dgm:if name="Name23" func="var" arg="hierBranch" op="equ" val="r">
-                <dgm:alg type="hierChild">
-                  <dgm:param type="chAlign" val="l"/>
-                  <dgm:param type="linDir" val="fromT"/>
-                </dgm:alg>
-              </dgm:if>
-              <dgm:if name="Name24" func="var" arg="hierBranch" op="equ" val="hang">
-                <dgm:choose name="Name25">
-                  <dgm:if name="Name26" func="var" arg="dir" op="equ" val="norm">
-                    <dgm:alg type="hierChild">
-                      <dgm:param type="chAlign" val="l"/>
-                      <dgm:param type="linDir" val="fromL"/>
-                      <dgm:param type="secChAlign" val="t"/>
-                      <dgm:param type="secLinDir" val="fromT"/>
-                    </dgm:alg>
-                  </dgm:if>
-                  <dgm:else name="Name27">
-                    <dgm:alg type="hierChild">
-                      <dgm:param type="chAlign" val="l"/>
-                      <dgm:param type="linDir" val="fromR"/>
-                      <dgm:param type="secChAlign" val="t"/>
-                      <dgm:param type="secLinDir" val="fromT"/>
-                    </dgm:alg>
-                  </dgm:else>
-                </dgm:choose>
-              </dgm:if>
-              <dgm:else name="Name28">
-                <dgm:choose name="Name29">
-                  <dgm:if name="Name30" func="var" arg="dir" op="equ" val="norm">
-                    <dgm:alg type="hierChild"/>
-                  </dgm:if>
-                  <dgm:else name="Name31">
-                    <dgm:alg type="hierChild">
-                      <dgm:param type="linDir" val="fromR"/>
-                    </dgm:alg>
-                  </dgm:else>
-                </dgm:choose>
-              </dgm:else>
-            </dgm:choose>
-            <dgm:shape xmlns:r="http://schemas.openxmlformats.org/officeDocument/2006/relationships" r:blip="">
-              <dgm:adjLst/>
-            </dgm:shape>
-            <dgm:presOf/>
-            <dgm:constrLst/>
-            <dgm:ruleLst/>
-            <dgm:forEach name="rep2a" axis="ch" ptType="nonAsst">
-              <dgm:forEach name="Name32" axis="precedSib" ptType="parTrans" st="-1" cnt="1">
-                <dgm:choose name="Name33">
-                  <dgm:if name="Name34" func="var" arg="hierBranch" op="equ" val="std">
-                    <dgm:layoutNode name="Name35">
-                      <dgm:alg type="conn">
-                        <dgm:param type="connRout" val="bend"/>
-                        <dgm:param type="dim" val="1D"/>
-                        <dgm:param type="endSty" val="noArr"/>
-                        <dgm:param type="begPts" val="bCtr"/>
-                        <dgm:param type="endPts" val="tCtr"/>
-                        <dgm:param type="bendPt" val="end"/>
-                      </dgm:alg>
-                      <dgm:shape xmlns:r="http://schemas.openxmlformats.org/officeDocument/2006/relationships" type="conn" r:blip="" zOrderOff="-99999">
-                        <dgm:adjLst/>
-                      </dgm:shape>
-                      <dgm:presOf axis="self"/>
-                      <dgm:constrLst>
-                        <dgm:constr type="begPad"/>
-                        <dgm:constr type="endPad"/>
-                      </dgm:constrLst>
-                      <dgm:ruleLst/>
-                    </dgm:layoutNode>
-                  </dgm:if>
-                  <dgm:if name="Name36" func="var" arg="hierBranch" op="equ" val="init">
-                    <dgm:layoutNode name="Name37">
-                      <dgm:choose name="Name38">
-                        <dgm:if name="Name39" axis="self" func="depth" op="lte" val="2">
-                          <dgm:alg type="conn">
-                            <dgm:param type="connRout" val="bend"/>
-                            <dgm:param type="dim" val="1D"/>
-                            <dgm:param type="endSty" val="noArr"/>
-                            <dgm:param type="begPts" val="bCtr"/>
-                            <dgm:param type="endPts" val="tCtr"/>
-                            <dgm:param type="bendPt" val="end"/>
-                          </dgm:alg>
-                        </dgm:if>
-                        <dgm:else name="Name40">
-                          <dgm:choose name="Name41">
-                            <dgm:if name="Name42" axis="par des" func="maxDepth" op="lte" val="1">
-                              <dgm:choose name="Name43">
-                                <dgm:if name="Name44" axis="par ch" ptType="node asst" func="cnt" op="gte" val="1">
-                                  <dgm:alg type="conn">
-                                    <dgm:param type="connRout" val="bend"/>
-                                    <dgm:param type="dim" val="1D"/>
-                                    <dgm:param type="endSty" val="noArr"/>
-                                    <dgm:param type="begPts" val="bCtr"/>
-                                    <dgm:param type="endPts" val="midL midR"/>
-                                  </dgm:alg>
-                                </dgm:if>
-                                <dgm:else name="Name45">
-                                  <dgm:alg type="conn">
-                                    <dgm:param type="connRout" val="bend"/>
-                                    <dgm:param type="dim" val="1D"/>
-                                    <dgm:param type="endSty" val="noArr"/>
-                                    <dgm:param type="begPts" val="bCtr"/>
-                                    <dgm:param type="endPts" val="midL midR"/>
-                                    <dgm:param type="srcNode" val="rootConnector"/>
-                                  </dgm:alg>
-                                </dgm:else>
-                              </dgm:choose>
-                            </dgm:if>
-                            <dgm:else name="Name46">
-                              <dgm:alg type="conn">
-                                <dgm:param type="connRout" val="bend"/>
-                                <dgm:param type="dim" val="1D"/>
-                                <dgm:param type="endSty" val="noArr"/>
-                                <dgm:param type="begPts" val="bCtr"/>
-                                <dgm:param type="endPts" val="tCtr"/>
-                                <dgm:param type="bendPt" val="end"/>
-                              </dgm:alg>
-                            </dgm:else>
-                          </dgm:choose>
-                        </dgm:else>
-                      </dgm:choose>
-                      <dgm:shape xmlns:r="http://schemas.openxmlformats.org/officeDocument/2006/relationships" type="conn" r:blip="" zOrderOff="-99999">
-                        <dgm:adjLst/>
-                      </dgm:shape>
-                      <dgm:presOf axis="self"/>
-                      <dgm:constrLst>
-                        <dgm:constr type="begPad"/>
-                        <dgm:constr type="endPad"/>
-                      </dgm:constrLst>
-                      <dgm:ruleLst/>
-                    </dgm:layoutNode>
-                  </dgm:if>
-                  <dgm:if name="Name47" func="var" arg="hierBranch" op="equ" val="hang">
-                    <dgm:layoutNode name="Name48">
-                      <dgm:alg type="conn">
-                        <dgm:param type="connRout" val="bend"/>
-                        <dgm:param type="dim" val="1D"/>
-                        <dgm:param type="endSty" val="noArr"/>
-                        <dgm:param type="begPts" val="bCtr"/>
-                        <dgm:param type="endPts" val="midL midR"/>
-                      </dgm:alg>
-                      <dgm:shape xmlns:r="http://schemas.openxmlformats.org/officeDocument/2006/relationships" type="conn" r:blip="" zOrderOff="-99999">
-                        <dgm:adjLst/>
-                      </dgm:shape>
-                      <dgm:presOf axis="self"/>
-                      <dgm:constrLst>
-                        <dgm:constr type="begPad"/>
-                        <dgm:constr type="endPad"/>
-                      </dgm:constrLst>
-                      <dgm:ruleLst/>
-                    </dgm:layoutNode>
-                  </dgm:if>
-                  <dgm:else name="Name49">
-                    <dgm:layoutNode name="Name50">
-                      <dgm:choose name="Name51">
-                        <dgm:if name="Name52" axis="self" func="depth" op="lte" val="2">
-                          <dgm:choose name="Name53">
-                            <dgm:if name="Name54" axis="par ch" ptType="node asst" func="cnt" op="gte" val="1">
-                              <dgm:alg type="conn">
-                                <dgm:param type="connRout" val="bend"/>
-                                <dgm:param type="dim" val="1D"/>
-                                <dgm:param type="endSty" val="noArr"/>
-                                <dgm:param type="begPts" val="bCtr"/>
-                                <dgm:param type="endPts" val="midL midR"/>
-                              </dgm:alg>
-                            </dgm:if>
-                            <dgm:else name="Name55">
-                              <dgm:alg type="conn">
-                                <dgm:param type="connRout" val="bend"/>
-                                <dgm:param type="dim" val="1D"/>
-                                <dgm:param type="endSty" val="noArr"/>
-                                <dgm:param type="begPts" val="bCtr"/>
-                                <dgm:param type="endPts" val="midL midR"/>
-                                <dgm:param type="srcNode" val="rootConnector1"/>
-                              </dgm:alg>
-                            </dgm:else>
-                          </dgm:choose>
-                        </dgm:if>
-                        <dgm:else name="Name56">
-                          <dgm:choose name="Name57">
-                            <dgm:if name="Name58" axis="par ch" ptType="node asst" func="cnt" op="gte" val="1">
-                              <dgm:alg type="conn">
-                                <dgm:param type="connRout" val="bend"/>
-                                <dgm:param type="dim" val="1D"/>
-                                <dgm:param type="endSty" val="noArr"/>
-                                <dgm:param type="begPts" val="bCtr"/>
-                                <dgm:param type="endPts" val="midL midR"/>
-                              </dgm:alg>
-                            </dgm:if>
-                            <dgm:else name="Name59">
-                              <dgm:alg type="conn">
-                                <dgm:param type="connRout" val="bend"/>
-                                <dgm:param type="dim" val="1D"/>
-                                <dgm:param type="endSty" val="noArr"/>
-                                <dgm:param type="begPts" val="bCtr"/>
-                                <dgm:param type="endPts" val="midL midR"/>
-                                <dgm:param type="srcNode" val="rootConnector"/>
-                              </dgm:alg>
-                            </dgm:else>
-                          </dgm:choose>
-                        </dgm:else>
-                      </dgm:choose>
-                      <dgm:shape xmlns:r="http://schemas.openxmlformats.org/officeDocument/2006/relationships" type="conn" r:blip="" zOrderOff="-99999">
-                        <dgm:adjLst/>
-                      </dgm:shape>
-                      <dgm:presOf axis="self"/>
-                      <dgm:constrLst>
-                        <dgm:constr type="begPad"/>
-                        <dgm:constr type="endPad"/>
-                      </dgm:constrLst>
-                      <dgm:ruleLst/>
-                    </dgm:layoutNode>
-                  </dgm:else>
-                </dgm:choose>
-              </dgm:forEach>
-              <dgm:layoutNode name="hierRoot2">
-                <dgm:varLst>
-                  <dgm:hierBranch val="init"/>
-                </dgm:varLst>
-                <dgm:choose name="Name60">
-                  <dgm:if name="Name61" func="var" arg="hierBranch" op="equ" val="l">
-                    <dgm:choose name="Name62">
-                      <dgm:if name="Name63" axis="ch" ptType="asst" func="cnt" op="gte" val="1">
-                        <dgm:alg type="hierRoot">
-                          <dgm:param type="hierAlign" val="tR"/>
-                        </dgm:alg>
-                        <dgm:shape xmlns:r="http://schemas.openxmlformats.org/officeDocument/2006/relationships" r:blip="">
-                          <dgm:adjLst/>
-                        </dgm:shape>
-                        <dgm:presOf/>
-                        <dgm:constrLst>
-                          <dgm:constr type="alignOff" val="0.65"/>
-                        </dgm:constrLst>
-                      </dgm:if>
-                      <dgm:else name="Name64">
-                        <dgm:alg type="hierRoot">
-                          <dgm:param type="hierAlign" val="tR"/>
-                        </dgm:alg>
-                        <dgm:shape xmlns:r="http://schemas.openxmlformats.org/officeDocument/2006/relationships" r:blip="">
-                          <dgm:adjLst/>
-                        </dgm:shape>
-                        <dgm:presOf/>
-                        <dgm:constrLst>
-                          <dgm:constr type="alignOff" val="0.25"/>
-                        </dgm:constrLst>
-                      </dgm:else>
-                    </dgm:choose>
-                  </dgm:if>
-                  <dgm:if name="Name65" func="var" arg="hierBranch" op="equ" val="r">
-                    <dgm:choose name="Name66">
-                      <dgm:if name="Name67" axis="ch" ptType="asst" func="cnt" op="gte" val="1">
-                        <dgm:alg type="hierRoot">
-                          <dgm:param type="hierAlign" val="tL"/>
-                        </dgm:alg>
-                        <dgm:shape xmlns:r="http://schemas.openxmlformats.org/officeDocument/2006/relationships" r:blip="">
-                          <dgm:adjLst/>
-                        </dgm:shape>
-                        <dgm:presOf/>
-                        <dgm:constrLst>
-                          <dgm:constr type="alignOff" val="0.65"/>
-                        </dgm:constrLst>
-                      </dgm:if>
-                      <dgm:else name="Name68">
-                        <dgm:alg type="hierRoot">
-                          <dgm:param type="hierAlign" val="tL"/>
-                        </dgm:alg>
-                        <dgm:shape xmlns:r="http://schemas.openxmlformats.org/officeDocument/2006/relationships" r:blip="">
-                          <dgm:adjLst/>
-                        </dgm:shape>
-                        <dgm:presOf/>
-                        <dgm:constrLst>
-                          <dgm:constr type="alignOff" val="0.25"/>
-                        </dgm:constrLst>
-                      </dgm:else>
-                    </dgm:choose>
-                  </dgm:if>
-                  <dgm:if name="Name69" func="var" arg="hierBranch" op="equ" val="std">
-                    <dgm:alg type="hierRoot"/>
-                    <dgm:shape xmlns:r="http://schemas.openxmlformats.org/officeDocument/2006/relationships" r:blip="">
-                      <dgm:adjLst/>
-                    </dgm:shape>
-                    <dgm:presOf/>
-                    <dgm:constrLst>
-                      <dgm:constr type="alignOff"/>
-                      <dgm:constr type="bendDist" for="des" ptType="parTrans" refType="sp" fact="0.5"/>
-                    </dgm:constrLst>
-                  </dgm:if>
-                  <dgm:if name="Name70" func="var" arg="hierBranch" op="equ" val="init">
-                    <dgm:choose name="Name71">
-                      <dgm:if name="Name72" axis="des" func="maxDepth" op="lte" val="1">
-                        <dgm:choose name="Name73">
-                          <dgm:if name="Name74" axis="ch" ptType="asst" func="cnt" op="gte" val="1">
-                            <dgm:alg type="hierRoot">
-                              <dgm:param type="hierAlign" val="tL"/>
-                            </dgm:alg>
-                            <dgm:shape xmlns:r="http://schemas.openxmlformats.org/officeDocument/2006/relationships" r:blip="">
-                              <dgm:adjLst/>
-                            </dgm:shape>
-                            <dgm:presOf/>
-                            <dgm:constrLst>
-                              <dgm:constr type="alignOff" val="0.65"/>
-                            </dgm:constrLst>
-                          </dgm:if>
-                          <dgm:else name="Name75">
-                            <dgm:alg type="hierRoot">
-                              <dgm:param type="hierAlign" val="tL"/>
-                            </dgm:alg>
-                            <dgm:shape xmlns:r="http://schemas.openxmlformats.org/officeDocument/2006/relationships" r:blip="">
-                              <dgm:adjLst/>
-                            </dgm:shape>
-                            <dgm:presOf/>
-                            <dgm:constrLst>
-                              <dgm:constr type="alignOff" val="0.25"/>
-                            </dgm:constrLst>
-                          </dgm:else>
-                        </dgm:choose>
-                      </dgm:if>
-                      <dgm:else name="Name76">
-                        <dgm:alg type="hierRoot"/>
-                        <dgm:shape xmlns:r="http://schemas.openxmlformats.org/officeDocument/2006/relationships" r:blip="">
-                          <dgm:adjLst/>
-                        </dgm:shape>
-                        <dgm:presOf/>
-                        <dgm:constrLst>
-                          <dgm:constr type="alignOff"/>
-                          <dgm:constr type="bendDist" for="des" ptType="parTrans" refType="sp" fact="0.5"/>
-                        </dgm:constrLst>
-                      </dgm:else>
-                    </dgm:choose>
-                  </dgm:if>
-                  <dgm:else name="Name77">
-                    <dgm:alg type="hierRoot"/>
-                    <dgm:shape xmlns:r="http://schemas.openxmlformats.org/officeDocument/2006/relationships" r:blip="">
-                      <dgm:adjLst/>
-                    </dgm:shape>
-                    <dgm:presOf/>
-                    <dgm:constrLst>
-                      <dgm:constr type="alignOff" val="0.65"/>
-                    </dgm:constrLst>
-                  </dgm:else>
-                </dgm:choose>
-                <dgm:ruleLst/>
-                <dgm:layoutNode name="rootComposite">
-                  <dgm:alg type="composite"/>
-                  <dgm:shape xmlns:r="http://schemas.openxmlformats.org/officeDocument/2006/relationships" r:blip="">
-                    <dgm:adjLst/>
-                  </dgm:shape>
-                  <dgm:presOf axis="self" ptType="node" cnt="1"/>
-                  <dgm:choose name="Name78">
-                    <dgm:if name="Name79" func="var" arg="hierBranch" op="equ" val="init">
-                      <dgm:constrLst>
-                        <dgm:constr type="l" for="ch" forName="rootText"/>
-                        <dgm:constr type="t" for="ch" forName="rootText"/>
-                        <dgm:constr type="w" for="ch" forName="rootText" refType="w"/>
-                        <dgm:constr type="h" for="ch" forName="rootText" refType="h"/>
-                        <dgm:constr type="l" for="ch" forName="rootConnector"/>
-                        <dgm:constr type="t" for="ch" forName="rootConnector"/>
-                        <dgm:constr type="w" for="ch" forName="rootConnector" refType="w" refFor="ch" refForName="rootText" fact="0.2"/>
-                        <dgm:constr type="h" for="ch" forName="rootConnector" refType="h" refFor="ch" refForName="rootText"/>
-                      </dgm:constrLst>
-                    </dgm:if>
-                    <dgm:if name="Name80" func="var" arg="hierBranch" op="equ" val="l">
-                      <dgm:constrLst>
-                        <dgm:constr type="l" for="ch" forName="rootText"/>
-                        <dgm:constr type="t" for="ch" forName="rootText"/>
-                        <dgm:constr type="w" for="ch" forName="rootText" refType="w"/>
-                        <dgm:constr type="h" for="ch" forName="rootText" refType="h"/>
-                        <dgm:constr type="r" for="ch" forName="rootConnector" refType="w"/>
-                        <dgm:constr type="t" for="ch" forName="rootConnector"/>
-                        <dgm:constr type="w" for="ch" forName="rootConnector" refType="w" refFor="ch" refForName="rootText" fact="0.2"/>
-                        <dgm:constr type="h" for="ch" forName="rootConnector" refType="h" refFor="ch" refForName="rootText"/>
-                      </dgm:constrLst>
-                    </dgm:if>
-                    <dgm:if name="Name81" func="var" arg="hierBranch" op="equ" val="r">
-                      <dgm:constrLst>
-                        <dgm:constr type="l" for="ch" forName="rootText"/>
-                        <dgm:constr type="t" for="ch" forName="rootText"/>
-                        <dgm:constr type="w" for="ch" forName="rootText" refType="w"/>
-                        <dgm:constr type="h" for="ch" forName="rootText" refType="h"/>
-                        <dgm:constr type="l" for="ch" forName="rootConnector"/>
-                        <dgm:constr type="t" for="ch" forName="rootConnector"/>
-                        <dgm:constr type="w" for="ch" forName="rootConnector" refType="w" refFor="ch" refForName="rootText" fact="0.2"/>
-                        <dgm:constr type="h" for="ch" forName="rootConnector" refType="h" refFor="ch" refForName="rootText"/>
-                      </dgm:constrLst>
-                    </dgm:if>
-                    <dgm:else name="Name82">
-                      <dgm:constrLst>
-                        <dgm:constr type="l" for="ch" forName="rootText"/>
-                        <dgm:constr type="t" for="ch" forName="rootText"/>
-                        <dgm:constr type="w" for="ch" forName="rootText" refType="w"/>
-                        <dgm:constr type="h" for="ch" forName="rootText" refType="h"/>
-                        <dgm:constr type="r" for="ch" forName="rootConnector" refType="w"/>
-                        <dgm:constr type="t" for="ch" forName="rootConnector"/>
-                        <dgm:constr type="w" for="ch" forName="rootConnector" refType="w" refFor="ch" refForName="rootText" fact="0.2"/>
-                        <dgm:constr type="h" for="ch" forName="rootConnector" refType="h" refFor="ch" refForName="rootText"/>
-                      </dgm:constrLst>
-                    </dgm:else>
-                  </dgm:choose>
-                  <dgm:ruleLst/>
-                  <dgm:layoutNode name="rootText">
-                    <dgm:varLst>
-                      <dgm:chPref val="3"/>
-                    </dgm:varLst>
-                    <dgm:alg type="tx"/>
-                    <dgm:shape xmlns:r="http://schemas.openxmlformats.org/officeDocument/2006/relationships" type="rect" r:blip="">
-                      <dgm:adjLst/>
-                    </dgm:shape>
-                    <dgm:presOf axis="self" ptType="node" cnt="1"/>
-                    <dgm:constrLst>
-                      <dgm:constr type="primFontSz" val="65"/>
-                      <dgm:constr type="lMarg" refType="primFontSz" fact="0.05"/>
-                      <dgm:constr type="rMarg" refType="primFontSz" fact="0.05"/>
-                      <dgm:constr type="tMarg" refType="primFontSz" fact="0.05"/>
-                      <dgm:constr type="bMarg" refType="primFontSz" fact="0.05"/>
-                    </dgm:constrLst>
-                    <dgm:ruleLst>
-                      <dgm:rule type="primFontSz" val="5" fact="NaN" max="NaN"/>
-                    </dgm:ruleLst>
-                  </dgm:layoutNode>
-                  <dgm:layoutNode name="rootConnector" moveWith="rootText">
-                    <dgm:alg type="sp"/>
-                    <dgm:shape xmlns:r="http://schemas.openxmlformats.org/officeDocument/2006/relationships" type="rect" r:blip="" hideGeom="1">
-                      <dgm:adjLst/>
-                    </dgm:shape>
-                    <dgm:presOf axis="self" ptType="node" cnt="1"/>
-                    <dgm:constrLst/>
-                    <dgm:ruleLst/>
-                  </dgm:layoutNode>
-                </dgm:layoutNode>
-                <dgm:layoutNode name="hierChild4">
-                  <dgm:choose name="Name83">
-                    <dgm:if name="Name84" func="var" arg="hierBranch" op="equ" val="l">
-                      <dgm:alg type="hierChild">
-                        <dgm:param type="chAlign" val="r"/>
-                        <dgm:param type="linDir" val="fromT"/>
-                      </dgm:alg>
-                    </dgm:if>
-                    <dgm:if name="Name85" func="var" arg="hierBranch" op="equ" val="r">
-                      <dgm:alg type="hierChild">
-                        <dgm:param type="chAlign" val="l"/>
-                        <dgm:param type="linDir" val="fromT"/>
-                      </dgm:alg>
-                    </dgm:if>
-                    <dgm:if name="Name86" func="var" arg="hierBranch" op="equ" val="hang">
-                      <dgm:choose name="Name87">
-                        <dgm:if name="Name88" func="var" arg="dir" op="equ" val="norm">
-                          <dgm:alg type="hierChild">
-                            <dgm:param type="chAlign" val="l"/>
-                            <dgm:param type="linDir" val="fromL"/>
-                            <dgm:param type="secChAlign" val="t"/>
-                            <dgm:param type="secLinDir" val="fromT"/>
-                          </dgm:alg>
-                        </dgm:if>
-                        <dgm:else name="Name89">
-                          <dgm:alg type="hierChild">
-                            <dgm:param type="chAlign" val="l"/>
-                            <dgm:param type="linDir" val="fromR"/>
-                            <dgm:param type="secChAlign" val="t"/>
-                            <dgm:param type="secLinDir" val="fromT"/>
-                          </dgm:alg>
-                        </dgm:else>
-                      </dgm:choose>
-                    </dgm:if>
-                    <dgm:if name="Name90" func="var" arg="hierBranch" op="equ" val="std">
-                      <dgm:choose name="Name91">
-                        <dgm:if name="Name92" func="var" arg="dir" op="equ" val="norm">
-                          <dgm:alg type="hierChild"/>
-                        </dgm:if>
-                        <dgm:else name="Name93">
-                          <dgm:alg type="hierChild">
-                            <dgm:param type="linDir" val="fromR"/>
-                          </dgm:alg>
-                        </dgm:else>
-                      </dgm:choose>
-                    </dgm:if>
-                    <dgm:if name="Name94" func="var" arg="hierBranch" op="equ" val="init">
-                      <dgm:choose name="Name95">
-                        <dgm:if name="Name96" axis="des" func="maxDepth" op="lte" val="1">
-                          <dgm:alg type="hierChild">
-                            <dgm:param type="chAlign" val="l"/>
-                            <dgm:param type="linDir" val="fromT"/>
-                          </dgm:alg>
-                        </dgm:if>
-                        <dgm:else name="Name97">
-                          <dgm:choose name="Name98">
-                            <dgm:if name="Name99" func="var" arg="dir" op="equ" val="norm">
-                              <dgm:alg type="hierChild"/>
-                            </dgm:if>
-                            <dgm:else name="Name100">
-                              <dgm:alg type="hierChild">
-                                <dgm:param type="linDir" val="fromR"/>
-                              </dgm:alg>
-                            </dgm:else>
-                          </dgm:choose>
-                        </dgm:else>
-                      </dgm:choose>
-                    </dgm:if>
-                    <dgm:else name="Name101"/>
-                  </dgm:choose>
-                  <dgm:shape xmlns:r="http://schemas.openxmlformats.org/officeDocument/2006/relationships" r:blip="">
-                    <dgm:adjLst/>
-                  </dgm:shape>
-                  <dgm:presOf/>
-                  <dgm:constrLst/>
-                  <dgm:ruleLst/>
-                  <dgm:forEach name="Name102" ref="rep2a"/>
-                </dgm:layoutNode>
-                <dgm:layoutNode name="hierChild5">
-                  <dgm:choose name="Name103">
-                    <dgm:if name="Name104" func="var" arg="dir" op="equ" val="norm">
-                      <dgm:alg type="hierChild">
-                        <dgm:param type="chAlign" val="l"/>
-                        <dgm:param type="linDir" val="fromL"/>
-                        <dgm:param type="secChAlign" val="t"/>
-                        <dgm:param type="secLinDir" val="fromT"/>
-                      </dgm:alg>
-                    </dgm:if>
-                    <dgm:else name="Name105">
-                      <dgm:alg type="hierChild">
-                        <dgm:param type="chAlign" val="l"/>
-                        <dgm:param type="linDir" val="fromR"/>
-                        <dgm:param type="secChAlign" val="t"/>
-                        <dgm:param type="secLinDir" val="fromT"/>
-                      </dgm:alg>
-                    </dgm:else>
-                  </dgm:choose>
-                  <dgm:shape xmlns:r="http://schemas.openxmlformats.org/officeDocument/2006/relationships" r:blip="">
-                    <dgm:adjLst/>
-                  </dgm:shape>
-                  <dgm:presOf/>
-                  <dgm:constrLst/>
-                  <dgm:ruleLst/>
-                  <dgm:forEach name="Name106" ref="rep2b"/>
-                </dgm:layoutNode>
-              </dgm:layoutNode>
-            </dgm:forEach>
-          </dgm:layoutNode>
-          <dgm:layoutNode name="hierChild3">
-            <dgm:choose name="Name107">
-              <dgm:if name="Name108" func="var" arg="dir" op="equ" val="norm">
-                <dgm:alg type="hierChild">
-                  <dgm:param type="chAlign" val="l"/>
-                  <dgm:param type="linDir" val="fromL"/>
-                  <dgm:param type="secChAlign" val="t"/>
-                  <dgm:param type="secLinDir" val="fromT"/>
-                </dgm:alg>
-              </dgm:if>
-              <dgm:else name="Name109">
-                <dgm:alg type="hierChild">
-                  <dgm:param type="chAlign" val="l"/>
-                  <dgm:param type="linDir" val="fromR"/>
-                  <dgm:param type="secChAlign" val="t"/>
-                  <dgm:param type="secLinDir" val="fromT"/>
-                </dgm:alg>
-              </dgm:else>
-            </dgm:choose>
-            <dgm:shape xmlns:r="http://schemas.openxmlformats.org/officeDocument/2006/relationships" r:blip="">
-              <dgm:adjLst/>
-            </dgm:shape>
-            <dgm:presOf/>
-            <dgm:constrLst/>
-            <dgm:ruleLst/>
-            <dgm:forEach name="rep2b" axis="ch" ptType="asst">
-              <dgm:forEach name="Name110" axis="precedSib" ptType="parTrans" st="-1" cnt="1">
-                <dgm:layoutNode name="Name111">
-                  <dgm:alg type="conn">
-                    <dgm:param type="connRout" val="bend"/>
-                    <dgm:param type="dim" val="1D"/>
-                    <dgm:param type="endSty" val="noArr"/>
-                    <dgm:param type="begPts" val="bCtr"/>
-                    <dgm:param type="endPts" val="midL midR"/>
-                  </dgm:alg>
-                  <dgm:shape xmlns:r="http://schemas.openxmlformats.org/officeDocument/2006/relationships" type="conn" r:blip="" zOrderOff="-99999">
-                    <dgm:adjLst/>
-                  </dgm:shape>
-                  <dgm:presOf axis="self"/>
-                  <dgm:constrLst>
-                    <dgm:constr type="begPad"/>
-                    <dgm:constr type="endPad"/>
-                  </dgm:constrLst>
-                  <dgm:ruleLst/>
-                </dgm:layoutNode>
-              </dgm:forEach>
-              <dgm:layoutNode name="hierRoot3">
-                <dgm:varLst>
-                  <dgm:hierBranch val="init"/>
-                </dgm:varLst>
-                <dgm:choose name="Name112">
-                  <dgm:if name="Name113" func="var" arg="hierBranch" op="equ" val="l">
-                    <dgm:alg type="hierRoot">
-                      <dgm:param type="hierAlign" val="tR"/>
-                    </dgm:alg>
-                    <dgm:shape xmlns:r="http://schemas.openxmlformats.org/officeDocument/2006/relationships" r:blip="">
-                      <dgm:adjLst/>
-                    </dgm:shape>
-                    <dgm:presOf/>
-                    <dgm:constrLst>
-                      <dgm:constr type="alignOff" val="0.65"/>
-                    </dgm:constrLst>
-                  </dgm:if>
-                  <dgm:if name="Name114" func="var" arg="hierBranch" op="equ" val="r">
-                    <dgm:alg type="hierRoot">
-                      <dgm:param type="hierAlign" val="tL"/>
-                    </dgm:alg>
-                    <dgm:shape xmlns:r="http://schemas.openxmlformats.org/officeDocument/2006/relationships" r:blip="">
-                      <dgm:adjLst/>
-                    </dgm:shape>
-                    <dgm:presOf/>
-                    <dgm:constrLst>
-                      <dgm:constr type="alignOff" val="0.65"/>
-                    </dgm:constrLst>
-                  </dgm:if>
-                  <dgm:if name="Name115" func="var" arg="hierBranch" op="equ" val="hang">
-                    <dgm:alg type="hierRoot"/>
-                    <dgm:shape xmlns:r="http://schemas.openxmlformats.org/officeDocument/2006/relationships" r:blip="">
-                      <dgm:adjLst/>
-                    </dgm:shape>
-                    <dgm:presOf/>
-                    <dgm:constrLst>
-                      <dgm:constr type="alignOff" val="0.65"/>
-                    </dgm:constrLst>
-                  </dgm:if>
-                  <dgm:if name="Name116" func="var" arg="hierBranch" op="equ" val="std">
-                    <dgm:alg type="hierRoot"/>
-                    <dgm:shape xmlns:r="http://schemas.openxmlformats.org/officeDocument/2006/relationships" r:blip="">
-                      <dgm:adjLst/>
-                    </dgm:shape>
-                    <dgm:presOf/>
-                    <dgm:constrLst>
-                      <dgm:constr type="alignOff"/>
-                      <dgm:constr type="bendDist" for="des" ptType="parTrans" refType="sp" fact="0.5"/>
-                    </dgm:constrLst>
-                  </dgm:if>
-                  <dgm:if name="Name117" func="var" arg="hierBranch" op="equ" val="init">
-                    <dgm:choose name="Name118">
-                      <dgm:if name="Name119" axis="des" func="maxDepth" op="lte" val="1">
-                        <dgm:alg type="hierRoot">
-                          <dgm:param type="hierAlign" val="tL"/>
-                        </dgm:alg>
-                        <dgm:shape xmlns:r="http://schemas.openxmlformats.org/officeDocument/2006/relationships" r:blip="">
-                          <dgm:adjLst/>
-                        </dgm:shape>
-                        <dgm:presOf/>
-                        <dgm:constrLst>
-                          <dgm:constr type="alignOff" val="0.65"/>
-                        </dgm:constrLst>
-                      </dgm:if>
-                      <dgm:else name="Name120">
-                        <dgm:alg type="hierRoot"/>
-                        <dgm:shape xmlns:r="http://schemas.openxmlformats.org/officeDocument/2006/relationships" r:blip="">
-                          <dgm:adjLst/>
-                        </dgm:shape>
-                        <dgm:presOf/>
-                        <dgm:constrLst>
-                          <dgm:constr type="alignOff"/>
-                          <dgm:constr type="bendDist" for="des" ptType="parTrans" refType="sp" fact="0.5"/>
-                        </dgm:constrLst>
-                      </dgm:else>
-                    </dgm:choose>
-                  </dgm:if>
-                  <dgm:else name="Name121"/>
-                </dgm:choose>
-                <dgm:ruleLst/>
-                <dgm:layoutNode name="rootComposite3">
-                  <dgm:alg type="composite"/>
-                  <dgm:shape xmlns:r="http://schemas.openxmlformats.org/officeDocument/2006/relationships" r:blip="">
-                    <dgm:adjLst/>
-                  </dgm:shape>
-                  <dgm:presOf axis="self" ptType="node" cnt="1"/>
-                  <dgm:choose name="Name122">
-                    <dgm:if name="Name123" func="var" arg="hierBranch" op="equ" val="init">
-                      <dgm:constrLst>
-                        <dgm:constr type="l" for="ch" forName="rootText3"/>
-                        <dgm:constr type="t" for="ch" forName="rootText3"/>
-                        <dgm:constr type="w" for="ch" forName="rootText3" refType="w"/>
-                        <dgm:constr type="h" for="ch" forName="rootText3" refType="h"/>
-                        <dgm:constr type="l" for="ch" forName="rootConnector3"/>
-                        <dgm:constr type="t" for="ch" forName="rootConnector3"/>
-                        <dgm:constr type="w" for="ch" forName="rootConnector3" refType="w" refFor="ch" refForName="rootText3" fact="0.2"/>
-                        <dgm:constr type="h" for="ch" forName="rootConnector3" refType="h" refFor="ch" refForName="rootText3"/>
-                      </dgm:constrLst>
-                    </dgm:if>
-                    <dgm:if name="Name124" func="var" arg="hierBranch" op="equ" val="l">
-                      <dgm:constrLst>
-                        <dgm:constr type="l" for="ch" forName="rootText3"/>
-                        <dgm:constr type="t" for="ch" forName="rootText3"/>
-                        <dgm:constr type="w" for="ch" forName="rootText3" refType="w"/>
-                        <dgm:constr type="h" for="ch" forName="rootText3" refType="h"/>
-                        <dgm:constr type="r" for="ch" forName="rootConnector3" refType="w"/>
-                        <dgm:constr type="t" for="ch" forName="rootConnector3"/>
-                        <dgm:constr type="w" for="ch" forName="rootConnector3" refType="w" refFor="ch" refForName="rootText3" fact="0.2"/>
-                        <dgm:constr type="h" for="ch" forName="rootConnector3" refType="h" refFor="ch" refForName="rootText3"/>
-                      </dgm:constrLst>
-                    </dgm:if>
-                    <dgm:if name="Name125" func="var" arg="hierBranch" op="equ" val="r">
-                      <dgm:constrLst>
-                        <dgm:constr type="l" for="ch" forName="rootText3"/>
-                        <dgm:constr type="t" for="ch" forName="rootText3"/>
-                        <dgm:constr type="w" for="ch" forName="rootText3" refType="w"/>
-                        <dgm:constr type="h" for="ch" forName="rootText3" refType="h"/>
-                        <dgm:constr type="l" for="ch" forName="rootConnector3"/>
-                        <dgm:constr type="t" for="ch" forName="rootConnector3"/>
-                        <dgm:constr type="w" for="ch" forName="rootConnector3" refType="w" refFor="ch" refForName="rootText3" fact="0.2"/>
-                        <dgm:constr type="h" for="ch" forName="rootConnector3" refType="h" refFor="ch" refForName="rootText3"/>
-                      </dgm:constrLst>
-                    </dgm:if>
-                    <dgm:else name="Name126">
-                      <dgm:constrLst>
-                        <dgm:constr type="l" for="ch" forName="rootText3"/>
-                        <dgm:constr type="t" for="ch" forName="rootText3"/>
-                        <dgm:constr type="w" for="ch" forName="rootText3" refType="w"/>
-                        <dgm:constr type="h" for="ch" forName="rootText3" refType="h"/>
-                        <dgm:constr type="r" for="ch" forName="rootConnector3" refType="w"/>
-                        <dgm:constr type="t" for="ch" forName="rootConnector3"/>
-                        <dgm:constr type="w" for="ch" forName="rootConnector3" refType="w" refFor="ch" refForName="rootText3" fact="0.2"/>
-                        <dgm:constr type="h" for="ch" forName="rootConnector3" refType="h" refFor="ch" refForName="rootText3"/>
-                      </dgm:constrLst>
-                    </dgm:else>
-                  </dgm:choose>
-                  <dgm:ruleLst/>
-                  <dgm:layoutNode name="rootText3">
-                    <dgm:varLst>
-                      <dgm:chPref val="3"/>
-                    </dgm:varLst>
-                    <dgm:alg type="tx"/>
-                    <dgm:shape xmlns:r="http://schemas.openxmlformats.org/officeDocument/2006/relationships" type="rect" r:blip="">
-                      <dgm:adjLst/>
-                    </dgm:shape>
-                    <dgm:presOf axis="self" ptType="node" cnt="1"/>
-                    <dgm:constrLst>
-                      <dgm:constr type="primFontSz" val="65"/>
-                      <dgm:constr type="lMarg" refType="primFontSz" fact="0.05"/>
-                      <dgm:constr type="rMarg" refType="primFontSz" fact="0.05"/>
-                      <dgm:constr type="tMarg" refType="primFontSz" fact="0.05"/>
-                      <dgm:constr type="bMarg" refType="primFontSz" fact="0.05"/>
-                    </dgm:constrLst>
-                    <dgm:ruleLst>
-                      <dgm:rule type="primFontSz" val="5" fact="NaN" max="NaN"/>
-                    </dgm:ruleLst>
-                  </dgm:layoutNode>
-                  <dgm:layoutNode name="rootConnector3" moveWith="rootText1">
-                    <dgm:alg type="sp"/>
-                    <dgm:shape xmlns:r="http://schemas.openxmlformats.org/officeDocument/2006/relationships" type="rect" r:blip="" hideGeom="1">
-                      <dgm:adjLst/>
-                    </dgm:shape>
-                    <dgm:presOf axis="self" ptType="node" cnt="1"/>
-                    <dgm:constrLst/>
-                    <dgm:ruleLst/>
-                  </dgm:layoutNode>
-                </dgm:layoutNode>
-                <dgm:layoutNode name="hierChild6">
-                  <dgm:choose name="Name127">
-                    <dgm:if name="Name128" func="var" arg="hierBranch" op="equ" val="l">
-                      <dgm:alg type="hierChild">
-                        <dgm:param type="chAlign" val="r"/>
-                        <dgm:param type="linDir" val="fromT"/>
-                      </dgm:alg>
-                    </dgm:if>
-                    <dgm:if name="Name129" func="var" arg="hierBranch" op="equ" val="r">
-                      <dgm:alg type="hierChild">
-                        <dgm:param type="chAlign" val="l"/>
-                        <dgm:param type="linDir" val="fromT"/>
-                      </dgm:alg>
-                    </dgm:if>
-                    <dgm:if name="Name130" func="var" arg="hierBranch" op="equ" val="hang">
-                      <dgm:choose name="Name131">
-                        <dgm:if name="Name132" func="var" arg="dir" op="equ" val="norm">
-                          <dgm:alg type="hierChild">
-                            <dgm:param type="chAlign" val="l"/>
-                            <dgm:param type="linDir" val="fromL"/>
-                            <dgm:param type="secChAlign" val="t"/>
-                            <dgm:param type="secLinDir" val="fromT"/>
-                          </dgm:alg>
-                        </dgm:if>
-                        <dgm:else name="Name133">
-                          <dgm:alg type="hierChild">
-                            <dgm:param type="chAlign" val="l"/>
-                            <dgm:param type="linDir" val="fromR"/>
-                            <dgm:param type="secChAlign" val="t"/>
-                            <dgm:param type="secLinDir" val="fromT"/>
-                          </dgm:alg>
-                        </dgm:else>
-                      </dgm:choose>
-                    </dgm:if>
-                    <dgm:if name="Name134" func="var" arg="hierBranch" op="equ" val="std">
-                      <dgm:choose name="Name135">
-                        <dgm:if name="Name136" func="var" arg="dir" op="equ" val="norm">
-                          <dgm:alg type="hierChild"/>
-                        </dgm:if>
-                        <dgm:else name="Name137">
-                          <dgm:alg type="hierChild">
-                            <dgm:param type="linDir" val="fromR"/>
-                          </dgm:alg>
-                        </dgm:else>
-                      </dgm:choose>
-                    </dgm:if>
-                    <dgm:if name="Name138" func="var" arg="hierBranch" op="equ" val="init">
-                      <dgm:choose name="Name139">
-                        <dgm:if name="Name140" axis="des" func="maxDepth" op="lte" val="1">
-                          <dgm:alg type="hierChild">
-                            <dgm:param type="chAlign" val="l"/>
-                            <dgm:param type="linDir" val="fromT"/>
-                          </dgm:alg>
-                        </dgm:if>
-                        <dgm:else name="Name141">
-                          <dgm:alg type="hierChild"/>
-                        </dgm:else>
-                      </dgm:choose>
-                    </dgm:if>
-                    <dgm:else name="Name142"/>
-                  </dgm:choose>
-                  <dgm:shape xmlns:r="http://schemas.openxmlformats.org/officeDocument/2006/relationships" r:blip="">
-                    <dgm:adjLst/>
-                  </dgm:shape>
-                  <dgm:presOf/>
-                  <dgm:constrLst/>
-                  <dgm:ruleLst/>
-                  <dgm:forEach name="Name143" ref="rep2a"/>
-                </dgm:layoutNode>
-                <dgm:layoutNode name="hierChild7">
-                  <dgm:choose name="Name144">
-                    <dgm:if name="Name145" func="var" arg="dir" op="equ" val="norm">
-                      <dgm:alg type="hierChild">
-                        <dgm:param type="chAlign" val="l"/>
-                        <dgm:param type="linDir" val="fromL"/>
-                        <dgm:param type="secChAlign" val="t"/>
-                        <dgm:param type="secLinDir" val="fromT"/>
-                      </dgm:alg>
-                    </dgm:if>
-                    <dgm:else name="Name146">
-                      <dgm:alg type="hierChild">
-                        <dgm:param type="chAlign" val="l"/>
-                        <dgm:param type="linDir" val="fromR"/>
-                        <dgm:param type="secChAlign" val="t"/>
-                        <dgm:param type="secLinDir" val="fromT"/>
-                      </dgm:alg>
-                    </dgm:else>
-                  </dgm:choose>
-                  <dgm:shape xmlns:r="http://schemas.openxmlformats.org/officeDocument/2006/relationships" r:blip="">
-                    <dgm:adjLst/>
-                  </dgm:shape>
-                  <dgm:presOf/>
-                  <dgm:constrLst/>
-                  <dgm:ruleLst/>
-                  <dgm:forEach name="Name147" ref="rep2b"/>
-                </dgm:layoutNode>
-              </dgm:layoutNode>
-            </dgm:forEach>
-          </dgm:layoutNode>
-        </dgm:layoutNode>
+        </dgm:forEach>
       </dgm:forEach>
-    </dgm:forEach>
+    </dgm:layoutNode>
   </dgm:layoutNode>
 </dgm:layoutDef>
 </file>
@@ -16859,6 +15889,440 @@
     </dgm:style>
   </dgm:styleLbl>
 </dgm:styleDef>
+</file>
+
+<file path=ppt/notesMasters/notesMaster1.xml><?xml version="1.0" encoding="utf-8"?>
+<p:notesMaster xmlns:a="http://schemas.openxmlformats.org/drawingml/2006/main" xmlns:r="http://schemas.openxmlformats.org/officeDocument/2006/relationships" xmlns:p="http://schemas.openxmlformats.org/presentationml/2006/main">
+  <p:cSld>
+    <p:bg>
+      <p:bgRef idx="1001">
+        <a:schemeClr val="bg1"/>
+      </p:bgRef>
+    </p:bg>
+    <p:spTree>
+      <p:nvGrpSpPr>
+        <p:cNvPr id="1" name=""/>
+        <p:cNvGrpSpPr/>
+        <p:nvPr/>
+      </p:nvGrpSpPr>
+      <p:grpSpPr>
+        <a:xfrm>
+          <a:off x="0" y="0"/>
+          <a:ext cx="0" cy="0"/>
+          <a:chOff x="0" y="0"/>
+          <a:chExt cx="0" cy="0"/>
+        </a:xfrm>
+      </p:grpSpPr>
+      <p:sp>
+        <p:nvSpPr>
+          <p:cNvPr id="2" name="Espace réservé de l'en-tête 1"/>
+          <p:cNvSpPr>
+            <a:spLocks noGrp="1"/>
+          </p:cNvSpPr>
+          <p:nvPr>
+            <p:ph type="hdr" sz="quarter"/>
+          </p:nvPr>
+        </p:nvSpPr>
+        <p:spPr>
+          <a:xfrm>
+            <a:off x="0" y="0"/>
+            <a:ext cx="2971800" cy="458788"/>
+          </a:xfrm>
+          <a:prstGeom prst="rect">
+            <a:avLst/>
+          </a:prstGeom>
+        </p:spPr>
+        <p:txBody>
+          <a:bodyPr vert="horz" lIns="91440" tIns="45720" rIns="91440" bIns="45720" rtlCol="0"/>
+          <a:lstStyle>
+            <a:lvl1pPr algn="l">
+              <a:defRPr sz="1200"/>
+            </a:lvl1pPr>
+          </a:lstStyle>
+          <a:p>
+            <a:endParaRPr lang="fr-CH"/>
+          </a:p>
+        </p:txBody>
+      </p:sp>
+      <p:sp>
+        <p:nvSpPr>
+          <p:cNvPr id="3" name="Espace réservé de la date 2"/>
+          <p:cNvSpPr>
+            <a:spLocks noGrp="1"/>
+          </p:cNvSpPr>
+          <p:nvPr>
+            <p:ph type="dt" idx="1"/>
+          </p:nvPr>
+        </p:nvSpPr>
+        <p:spPr>
+          <a:xfrm>
+            <a:off x="3884613" y="0"/>
+            <a:ext cx="2971800" cy="458788"/>
+          </a:xfrm>
+          <a:prstGeom prst="rect">
+            <a:avLst/>
+          </a:prstGeom>
+        </p:spPr>
+        <p:txBody>
+          <a:bodyPr vert="horz" lIns="91440" tIns="45720" rIns="91440" bIns="45720" rtlCol="0"/>
+          <a:lstStyle>
+            <a:lvl1pPr algn="r">
+              <a:defRPr sz="1200"/>
+            </a:lvl1pPr>
+          </a:lstStyle>
+          <a:p>
+            <a:fld id="{3B398B04-8A28-4494-830D-43210B650CDF}" type="datetimeFigureOut">
+              <a:rPr lang="fr-CH" smtClean="0"/>
+              <a:t>15.01.2026</a:t>
+            </a:fld>
+            <a:endParaRPr lang="fr-CH"/>
+          </a:p>
+        </p:txBody>
+      </p:sp>
+      <p:sp>
+        <p:nvSpPr>
+          <p:cNvPr id="4" name="Espace réservé de l'image des diapositives 3"/>
+          <p:cNvSpPr>
+            <a:spLocks noGrp="1" noRot="1" noChangeAspect="1"/>
+          </p:cNvSpPr>
+          <p:nvPr>
+            <p:ph type="sldImg" idx="2"/>
+          </p:nvPr>
+        </p:nvSpPr>
+        <p:spPr>
+          <a:xfrm>
+            <a:off x="685800" y="1143000"/>
+            <a:ext cx="5486400" cy="3086100"/>
+          </a:xfrm>
+          <a:prstGeom prst="rect">
+            <a:avLst/>
+          </a:prstGeom>
+          <a:noFill/>
+          <a:ln w="12700">
+            <a:solidFill>
+              <a:prstClr val="black"/>
+            </a:solidFill>
+          </a:ln>
+        </p:spPr>
+        <p:txBody>
+          <a:bodyPr vert="horz" lIns="91440" tIns="45720" rIns="91440" bIns="45720" rtlCol="0" anchor="ctr"/>
+          <a:lstStyle/>
+          <a:p>
+            <a:endParaRPr lang="fr-CH"/>
+          </a:p>
+        </p:txBody>
+      </p:sp>
+      <p:sp>
+        <p:nvSpPr>
+          <p:cNvPr id="5" name="Espace réservé des notes 4"/>
+          <p:cNvSpPr>
+            <a:spLocks noGrp="1"/>
+          </p:cNvSpPr>
+          <p:nvPr>
+            <p:ph type="body" sz="quarter" idx="3"/>
+          </p:nvPr>
+        </p:nvSpPr>
+        <p:spPr>
+          <a:xfrm>
+            <a:off x="685800" y="4400550"/>
+            <a:ext cx="5486400" cy="3600450"/>
+          </a:xfrm>
+          <a:prstGeom prst="rect">
+            <a:avLst/>
+          </a:prstGeom>
+        </p:spPr>
+        <p:txBody>
+          <a:bodyPr vert="horz" lIns="91440" tIns="45720" rIns="91440" bIns="45720" rtlCol="0"/>
+          <a:lstStyle/>
+          <a:p>
+            <a:pPr lvl="0"/>
+            <a:r>
+              <a:rPr lang="fr-FR"/>
+              <a:t>Cliquez pour modifier les styles du texte du masque</a:t>
+            </a:r>
+          </a:p>
+          <a:p>
+            <a:pPr lvl="1"/>
+            <a:r>
+              <a:rPr lang="fr-FR"/>
+              <a:t>Deuxième niveau</a:t>
+            </a:r>
+          </a:p>
+          <a:p>
+            <a:pPr lvl="2"/>
+            <a:r>
+              <a:rPr lang="fr-FR"/>
+              <a:t>Troisième niveau</a:t>
+            </a:r>
+          </a:p>
+          <a:p>
+            <a:pPr lvl="3"/>
+            <a:r>
+              <a:rPr lang="fr-FR"/>
+              <a:t>Quatrième niveau</a:t>
+            </a:r>
+          </a:p>
+          <a:p>
+            <a:pPr lvl="4"/>
+            <a:r>
+              <a:rPr lang="fr-FR"/>
+              <a:t>Cinquième niveau</a:t>
+            </a:r>
+            <a:endParaRPr lang="fr-CH"/>
+          </a:p>
+        </p:txBody>
+      </p:sp>
+      <p:sp>
+        <p:nvSpPr>
+          <p:cNvPr id="6" name="Espace réservé du pied de page 5"/>
+          <p:cNvSpPr>
+            <a:spLocks noGrp="1"/>
+          </p:cNvSpPr>
+          <p:nvPr>
+            <p:ph type="ftr" sz="quarter" idx="4"/>
+          </p:nvPr>
+        </p:nvSpPr>
+        <p:spPr>
+          <a:xfrm>
+            <a:off x="0" y="8685213"/>
+            <a:ext cx="2971800" cy="458787"/>
+          </a:xfrm>
+          <a:prstGeom prst="rect">
+            <a:avLst/>
+          </a:prstGeom>
+        </p:spPr>
+        <p:txBody>
+          <a:bodyPr vert="horz" lIns="91440" tIns="45720" rIns="91440" bIns="45720" rtlCol="0" anchor="b"/>
+          <a:lstStyle>
+            <a:lvl1pPr algn="l">
+              <a:defRPr sz="1200"/>
+            </a:lvl1pPr>
+          </a:lstStyle>
+          <a:p>
+            <a:endParaRPr lang="fr-CH"/>
+          </a:p>
+        </p:txBody>
+      </p:sp>
+      <p:sp>
+        <p:nvSpPr>
+          <p:cNvPr id="7" name="Espace réservé du numéro de diapositive 6"/>
+          <p:cNvSpPr>
+            <a:spLocks noGrp="1"/>
+          </p:cNvSpPr>
+          <p:nvPr>
+            <p:ph type="sldNum" sz="quarter" idx="5"/>
+          </p:nvPr>
+        </p:nvSpPr>
+        <p:spPr>
+          <a:xfrm>
+            <a:off x="3884613" y="8685213"/>
+            <a:ext cx="2971800" cy="458787"/>
+          </a:xfrm>
+          <a:prstGeom prst="rect">
+            <a:avLst/>
+          </a:prstGeom>
+        </p:spPr>
+        <p:txBody>
+          <a:bodyPr vert="horz" lIns="91440" tIns="45720" rIns="91440" bIns="45720" rtlCol="0" anchor="b"/>
+          <a:lstStyle>
+            <a:lvl1pPr algn="r">
+              <a:defRPr sz="1200"/>
+            </a:lvl1pPr>
+          </a:lstStyle>
+          <a:p>
+            <a:fld id="{A111939F-BD45-46C3-B2B9-C07375D8EE58}" type="slidenum">
+              <a:rPr lang="fr-CH" smtClean="0"/>
+              <a:t>‹N°›</a:t>
+            </a:fld>
+            <a:endParaRPr lang="fr-CH"/>
+          </a:p>
+        </p:txBody>
+      </p:sp>
+    </p:spTree>
+    <p:extLst>
+      <p:ext uri="{BB962C8B-B14F-4D97-AF65-F5344CB8AC3E}">
+        <p14:creationId xmlns:p14="http://schemas.microsoft.com/office/powerpoint/2010/main" val="2771211359"/>
+      </p:ext>
+    </p:extLst>
+  </p:cSld>
+  <p:clrMap bg1="lt1" tx1="dk1" bg2="lt2" tx2="dk2" accent1="accent1" accent2="accent2" accent3="accent3" accent4="accent4" accent5="accent5" accent6="accent6" hlink="hlink" folHlink="folHlink"/>
+  <p:notesStyle>
+    <a:lvl1pPr marL="0" algn="l" defTabSz="914400" rtl="0" eaLnBrk="1" latinLnBrk="0" hangingPunct="1">
+      <a:defRPr sz="1200" kern="1200">
+        <a:solidFill>
+          <a:schemeClr val="tx1"/>
+        </a:solidFill>
+        <a:latin typeface="+mn-lt"/>
+        <a:ea typeface="+mn-ea"/>
+        <a:cs typeface="+mn-cs"/>
+      </a:defRPr>
+    </a:lvl1pPr>
+    <a:lvl2pPr marL="457200" algn="l" defTabSz="914400" rtl="0" eaLnBrk="1" latinLnBrk="0" hangingPunct="1">
+      <a:defRPr sz="1200" kern="1200">
+        <a:solidFill>
+          <a:schemeClr val="tx1"/>
+        </a:solidFill>
+        <a:latin typeface="+mn-lt"/>
+        <a:ea typeface="+mn-ea"/>
+        <a:cs typeface="+mn-cs"/>
+      </a:defRPr>
+    </a:lvl2pPr>
+    <a:lvl3pPr marL="914400" algn="l" defTabSz="914400" rtl="0" eaLnBrk="1" latinLnBrk="0" hangingPunct="1">
+      <a:defRPr sz="1200" kern="1200">
+        <a:solidFill>
+          <a:schemeClr val="tx1"/>
+        </a:solidFill>
+        <a:latin typeface="+mn-lt"/>
+        <a:ea typeface="+mn-ea"/>
+        <a:cs typeface="+mn-cs"/>
+      </a:defRPr>
+    </a:lvl3pPr>
+    <a:lvl4pPr marL="1371600" algn="l" defTabSz="914400" rtl="0" eaLnBrk="1" latinLnBrk="0" hangingPunct="1">
+      <a:defRPr sz="1200" kern="1200">
+        <a:solidFill>
+          <a:schemeClr val="tx1"/>
+        </a:solidFill>
+        <a:latin typeface="+mn-lt"/>
+        <a:ea typeface="+mn-ea"/>
+        <a:cs typeface="+mn-cs"/>
+      </a:defRPr>
+    </a:lvl4pPr>
+    <a:lvl5pPr marL="1828800" algn="l" defTabSz="914400" rtl="0" eaLnBrk="1" latinLnBrk="0" hangingPunct="1">
+      <a:defRPr sz="1200" kern="1200">
+        <a:solidFill>
+          <a:schemeClr val="tx1"/>
+        </a:solidFill>
+        <a:latin typeface="+mn-lt"/>
+        <a:ea typeface="+mn-ea"/>
+        <a:cs typeface="+mn-cs"/>
+      </a:defRPr>
+    </a:lvl5pPr>
+    <a:lvl6pPr marL="2286000" algn="l" defTabSz="914400" rtl="0" eaLnBrk="1" latinLnBrk="0" hangingPunct="1">
+      <a:defRPr sz="1200" kern="1200">
+        <a:solidFill>
+          <a:schemeClr val="tx1"/>
+        </a:solidFill>
+        <a:latin typeface="+mn-lt"/>
+        <a:ea typeface="+mn-ea"/>
+        <a:cs typeface="+mn-cs"/>
+      </a:defRPr>
+    </a:lvl6pPr>
+    <a:lvl7pPr marL="2743200" algn="l" defTabSz="914400" rtl="0" eaLnBrk="1" latinLnBrk="0" hangingPunct="1">
+      <a:defRPr sz="1200" kern="1200">
+        <a:solidFill>
+          <a:schemeClr val="tx1"/>
+        </a:solidFill>
+        <a:latin typeface="+mn-lt"/>
+        <a:ea typeface="+mn-ea"/>
+        <a:cs typeface="+mn-cs"/>
+      </a:defRPr>
+    </a:lvl7pPr>
+    <a:lvl8pPr marL="3200400" algn="l" defTabSz="914400" rtl="0" eaLnBrk="1" latinLnBrk="0" hangingPunct="1">
+      <a:defRPr sz="1200" kern="1200">
+        <a:solidFill>
+          <a:schemeClr val="tx1"/>
+        </a:solidFill>
+        <a:latin typeface="+mn-lt"/>
+        <a:ea typeface="+mn-ea"/>
+        <a:cs typeface="+mn-cs"/>
+      </a:defRPr>
+    </a:lvl8pPr>
+    <a:lvl9pPr marL="3657600" algn="l" defTabSz="914400" rtl="0" eaLnBrk="1" latinLnBrk="0" hangingPunct="1">
+      <a:defRPr sz="1200" kern="1200">
+        <a:solidFill>
+          <a:schemeClr val="tx1"/>
+        </a:solidFill>
+        <a:latin typeface="+mn-lt"/>
+        <a:ea typeface="+mn-ea"/>
+        <a:cs typeface="+mn-cs"/>
+      </a:defRPr>
+    </a:lvl9pPr>
+  </p:notesStyle>
+</p:notesMaster>
+</file>
+
+<file path=ppt/notesSlides/notesSlide1.xml><?xml version="1.0" encoding="utf-8"?>
+<p:notes xmlns:a="http://schemas.openxmlformats.org/drawingml/2006/main" xmlns:r="http://schemas.openxmlformats.org/officeDocument/2006/relationships" xmlns:p="http://schemas.openxmlformats.org/presentationml/2006/main">
+  <p:cSld>
+    <p:spTree>
+      <p:nvGrpSpPr>
+        <p:cNvPr id="1" name=""/>
+        <p:cNvGrpSpPr/>
+        <p:nvPr/>
+      </p:nvGrpSpPr>
+      <p:grpSpPr>
+        <a:xfrm>
+          <a:off x="0" y="0"/>
+          <a:ext cx="0" cy="0"/>
+          <a:chOff x="0" y="0"/>
+          <a:chExt cx="0" cy="0"/>
+        </a:xfrm>
+      </p:grpSpPr>
+      <p:sp>
+        <p:nvSpPr>
+          <p:cNvPr id="2" name="Espace réservé de l'image des diapositives 1"/>
+          <p:cNvSpPr>
+            <a:spLocks noGrp="1" noRot="1" noChangeAspect="1"/>
+          </p:cNvSpPr>
+          <p:nvPr>
+            <p:ph type="sldImg"/>
+          </p:nvPr>
+        </p:nvSpPr>
+        <p:spPr/>
+      </p:sp>
+      <p:sp>
+        <p:nvSpPr>
+          <p:cNvPr id="3" name="Espace réservé des notes 2"/>
+          <p:cNvSpPr>
+            <a:spLocks noGrp="1"/>
+          </p:cNvSpPr>
+          <p:nvPr>
+            <p:ph type="body" idx="1"/>
+          </p:nvPr>
+        </p:nvSpPr>
+        <p:spPr/>
+        <p:txBody>
+          <a:bodyPr/>
+          <a:lstStyle/>
+          <a:p>
+            <a:endParaRPr lang="fr-CH" dirty="0"/>
+          </a:p>
+        </p:txBody>
+      </p:sp>
+      <p:sp>
+        <p:nvSpPr>
+          <p:cNvPr id="4" name="Espace réservé du numéro de diapositive 3"/>
+          <p:cNvSpPr>
+            <a:spLocks noGrp="1"/>
+          </p:cNvSpPr>
+          <p:nvPr>
+            <p:ph type="sldNum" sz="quarter" idx="5"/>
+          </p:nvPr>
+        </p:nvSpPr>
+        <p:spPr/>
+        <p:txBody>
+          <a:bodyPr/>
+          <a:lstStyle/>
+          <a:p>
+            <a:fld id="{A111939F-BD45-46C3-B2B9-C07375D8EE58}" type="slidenum">
+              <a:rPr lang="fr-CH" smtClean="0"/>
+              <a:t>3</a:t>
+            </a:fld>
+            <a:endParaRPr lang="fr-CH"/>
+          </a:p>
+        </p:txBody>
+      </p:sp>
+    </p:spTree>
+    <p:extLst>
+      <p:ext uri="{BB962C8B-B14F-4D97-AF65-F5344CB8AC3E}">
+        <p14:creationId xmlns:p14="http://schemas.microsoft.com/office/powerpoint/2010/main" val="637974875"/>
+      </p:ext>
+    </p:extLst>
+  </p:cSld>
+  <p:clrMapOvr>
+    <a:masterClrMapping/>
+  </p:clrMapOvr>
+</p:notes>
 </file>
 
 <file path=ppt/slideLayouts/slideLayout1.xml><?xml version="1.0" encoding="utf-8"?>
@@ -17010,7 +16474,7 @@
           <a:p>
             <a:fld id="{14640CD4-2B03-4141-A29F-3F1AF3976BD9}" type="datetimeFigureOut">
               <a:rPr lang="fr-CH" smtClean="0"/>
-              <a:t>09.01.2026</a:t>
+              <a:t>15.01.2026</a:t>
             </a:fld>
             <a:endParaRPr lang="fr-CH"/>
           </a:p>
@@ -17210,7 +16674,7 @@
           <a:p>
             <a:fld id="{14640CD4-2B03-4141-A29F-3F1AF3976BD9}" type="datetimeFigureOut">
               <a:rPr lang="fr-CH" smtClean="0"/>
-              <a:t>09.01.2026</a:t>
+              <a:t>15.01.2026</a:t>
             </a:fld>
             <a:endParaRPr lang="fr-CH"/>
           </a:p>
@@ -17420,7 +16884,7 @@
           <a:p>
             <a:fld id="{14640CD4-2B03-4141-A29F-3F1AF3976BD9}" type="datetimeFigureOut">
               <a:rPr lang="fr-CH" smtClean="0"/>
-              <a:t>09.01.2026</a:t>
+              <a:t>15.01.2026</a:t>
             </a:fld>
             <a:endParaRPr lang="fr-CH"/>
           </a:p>
@@ -17620,7 +17084,7 @@
           <a:p>
             <a:fld id="{14640CD4-2B03-4141-A29F-3F1AF3976BD9}" type="datetimeFigureOut">
               <a:rPr lang="fr-CH" smtClean="0"/>
-              <a:t>09.01.2026</a:t>
+              <a:t>15.01.2026</a:t>
             </a:fld>
             <a:endParaRPr lang="fr-CH"/>
           </a:p>
@@ -17896,7 +17360,7 @@
           <a:p>
             <a:fld id="{14640CD4-2B03-4141-A29F-3F1AF3976BD9}" type="datetimeFigureOut">
               <a:rPr lang="fr-CH" smtClean="0"/>
-              <a:t>09.01.2026</a:t>
+              <a:t>15.01.2026</a:t>
             </a:fld>
             <a:endParaRPr lang="fr-CH"/>
           </a:p>
@@ -18164,7 +17628,7 @@
           <a:p>
             <a:fld id="{14640CD4-2B03-4141-A29F-3F1AF3976BD9}" type="datetimeFigureOut">
               <a:rPr lang="fr-CH" smtClean="0"/>
-              <a:t>09.01.2026</a:t>
+              <a:t>15.01.2026</a:t>
             </a:fld>
             <a:endParaRPr lang="fr-CH"/>
           </a:p>
@@ -18579,7 +18043,7 @@
           <a:p>
             <a:fld id="{14640CD4-2B03-4141-A29F-3F1AF3976BD9}" type="datetimeFigureOut">
               <a:rPr lang="fr-CH" smtClean="0"/>
-              <a:t>09.01.2026</a:t>
+              <a:t>15.01.2026</a:t>
             </a:fld>
             <a:endParaRPr lang="fr-CH"/>
           </a:p>
@@ -18721,7 +18185,7 @@
           <a:p>
             <a:fld id="{14640CD4-2B03-4141-A29F-3F1AF3976BD9}" type="datetimeFigureOut">
               <a:rPr lang="fr-CH" smtClean="0"/>
-              <a:t>09.01.2026</a:t>
+              <a:t>15.01.2026</a:t>
             </a:fld>
             <a:endParaRPr lang="fr-CH"/>
           </a:p>
@@ -18834,7 +18298,7 @@
           <a:p>
             <a:fld id="{14640CD4-2B03-4141-A29F-3F1AF3976BD9}" type="datetimeFigureOut">
               <a:rPr lang="fr-CH" smtClean="0"/>
-              <a:t>09.01.2026</a:t>
+              <a:t>15.01.2026</a:t>
             </a:fld>
             <a:endParaRPr lang="fr-CH"/>
           </a:p>
@@ -19147,7 +18611,7 @@
           <a:p>
             <a:fld id="{14640CD4-2B03-4141-A29F-3F1AF3976BD9}" type="datetimeFigureOut">
               <a:rPr lang="fr-CH" smtClean="0"/>
-              <a:t>09.01.2026</a:t>
+              <a:t>15.01.2026</a:t>
             </a:fld>
             <a:endParaRPr lang="fr-CH"/>
           </a:p>
@@ -19436,7 +18900,7 @@
           <a:p>
             <a:fld id="{14640CD4-2B03-4141-A29F-3F1AF3976BD9}" type="datetimeFigureOut">
               <a:rPr lang="fr-CH" smtClean="0"/>
-              <a:t>09.01.2026</a:t>
+              <a:t>15.01.2026</a:t>
             </a:fld>
             <a:endParaRPr lang="fr-CH"/>
           </a:p>
@@ -19679,7 +19143,7 @@
           <a:p>
             <a:fld id="{14640CD4-2B03-4141-A29F-3F1AF3976BD9}" type="datetimeFigureOut">
               <a:rPr lang="fr-CH" smtClean="0"/>
-              <a:t>09.01.2026</a:t>
+              <a:t>15.01.2026</a:t>
             </a:fld>
             <a:endParaRPr lang="fr-CH"/>
           </a:p>
@@ -20665,7 +20129,7 @@
           <p:cNvPr id="2" name="Titre 1">
             <a:extLst>
               <a:ext uri="{FF2B5EF4-FFF2-40B4-BE49-F238E27FC236}">
-                <a16:creationId xmlns:a16="http://schemas.microsoft.com/office/drawing/2014/main" id="{17F270D1-0CA7-03A1-6859-A144A6210720}"/>
+                <a16:creationId xmlns:a16="http://schemas.microsoft.com/office/drawing/2014/main" id="{40129B73-BCE8-D790-BBBE-69AF10DF2B57}"/>
               </a:ext>
             </a:extLst>
           </p:cNvPr>
@@ -20683,17 +20147,17 @@
           <a:p>
             <a:r>
               <a:rPr lang="fr-CH" dirty="0"/>
-              <a:t>Fonctionnement technique</a:t>
+              <a:t>Technologies utilisées</a:t>
             </a:r>
           </a:p>
         </p:txBody>
       </p:sp>
       <p:graphicFrame>
         <p:nvGraphicFramePr>
-          <p:cNvPr id="4" name="Espace réservé du contenu 3">
+          <p:cNvPr id="6" name="Espace réservé du contenu 5">
             <a:extLst>
               <a:ext uri="{FF2B5EF4-FFF2-40B4-BE49-F238E27FC236}">
-                <a16:creationId xmlns:a16="http://schemas.microsoft.com/office/drawing/2014/main" id="{404BA634-7BDD-A11E-527F-2DEAA7AD57C7}"/>
+                <a16:creationId xmlns:a16="http://schemas.microsoft.com/office/drawing/2014/main" id="{299D0AC9-B03D-686E-B688-1D7D503DD010}"/>
               </a:ext>
             </a:extLst>
           </p:cNvPr>
@@ -20704,14 +20168,14 @@
             <p:ph idx="1"/>
             <p:extLst>
               <p:ext uri="{D42A27DB-BD31-4B8C-83A1-F6EECF244321}">
-                <p14:modId xmlns:p14="http://schemas.microsoft.com/office/powerpoint/2010/main" val="1778014799"/>
+                <p14:modId xmlns:p14="http://schemas.microsoft.com/office/powerpoint/2010/main" val="2364204941"/>
               </p:ext>
             </p:extLst>
           </p:nvPr>
         </p:nvGraphicFramePr>
         <p:xfrm>
-          <a:off x="838200" y="1825625"/>
-          <a:ext cx="10515600" cy="4351338"/>
+          <a:off x="0" y="1014984"/>
+          <a:ext cx="12192000" cy="5843016"/>
         </p:xfrm>
         <a:graphic>
           <a:graphicData uri="http://schemas.openxmlformats.org/drawingml/2006/diagram">
@@ -20722,7 +20186,7 @@
     </p:spTree>
     <p:extLst>
       <p:ext uri="{BB962C8B-B14F-4D97-AF65-F5344CB8AC3E}">
-        <p14:creationId xmlns:p14="http://schemas.microsoft.com/office/powerpoint/2010/main" val="3121260333"/>
+        <p14:creationId xmlns:p14="http://schemas.microsoft.com/office/powerpoint/2010/main" val="4109257534"/>
       </p:ext>
     </p:extLst>
   </p:cSld>
@@ -20754,7 +20218,7 @@
           <p:cNvPr id="2" name="Titre 1">
             <a:extLst>
               <a:ext uri="{FF2B5EF4-FFF2-40B4-BE49-F238E27FC236}">
-                <a16:creationId xmlns:a16="http://schemas.microsoft.com/office/drawing/2014/main" id="{9C19A680-CD02-A252-E514-CCC6E873EEBD}"/>
+                <a16:creationId xmlns:a16="http://schemas.microsoft.com/office/drawing/2014/main" id="{17F270D1-0CA7-03A1-6859-A144A6210720}"/>
               </a:ext>
             </a:extLst>
           </p:cNvPr>
@@ -20770,46 +20234,374 @@
           <a:bodyPr/>
           <a:lstStyle/>
           <a:p>
+            <a:r>
+              <a:rPr lang="fr-CH" dirty="0"/>
+              <a:t>Descente de code</a:t>
+            </a:r>
+          </a:p>
+        </p:txBody>
+      </p:sp>
+      <p:sp>
+        <p:nvSpPr>
+          <p:cNvPr id="5" name="Espace réservé du contenu 4">
+            <a:extLst>
+              <a:ext uri="{FF2B5EF4-FFF2-40B4-BE49-F238E27FC236}">
+                <a16:creationId xmlns:a16="http://schemas.microsoft.com/office/drawing/2014/main" id="{02935AF0-3BCB-0415-D333-65939DC9DB45}"/>
+              </a:ext>
+            </a:extLst>
+          </p:cNvPr>
+          <p:cNvSpPr>
+            <a:spLocks noGrp="1"/>
+          </p:cNvSpPr>
+          <p:nvPr>
+            <p:ph idx="1"/>
+          </p:nvPr>
+        </p:nvSpPr>
+        <p:spPr/>
+        <p:txBody>
+          <a:bodyPr/>
+          <a:lstStyle/>
+          <a:p>
             <a:endParaRPr lang="fr-CH"/>
           </a:p>
         </p:txBody>
       </p:sp>
-      <p:pic>
-        <p:nvPicPr>
-          <p:cNvPr id="4" name="Espace réservé du contenu 3">
+    </p:spTree>
+    <p:extLst>
+      <p:ext uri="{BB962C8B-B14F-4D97-AF65-F5344CB8AC3E}">
+        <p14:creationId xmlns:p14="http://schemas.microsoft.com/office/powerpoint/2010/main" val="3121260333"/>
+      </p:ext>
+    </p:extLst>
+  </p:cSld>
+  <p:clrMapOvr>
+    <a:masterClrMapping/>
+  </p:clrMapOvr>
+</p:sld>
+</file>
+
+<file path=ppt/slides/slide13.xml><?xml version="1.0" encoding="utf-8"?>
+<p:sld xmlns:a="http://schemas.openxmlformats.org/drawingml/2006/main" xmlns:r="http://schemas.openxmlformats.org/officeDocument/2006/relationships" xmlns:p="http://schemas.openxmlformats.org/presentationml/2006/main">
+  <p:cSld>
+    <p:spTree>
+      <p:nvGrpSpPr>
+        <p:cNvPr id="1" name=""/>
+        <p:cNvGrpSpPr/>
+        <p:nvPr/>
+      </p:nvGrpSpPr>
+      <p:grpSpPr>
+        <a:xfrm>
+          <a:off x="0" y="0"/>
+          <a:ext cx="0" cy="0"/>
+          <a:chOff x="0" y="0"/>
+          <a:chExt cx="0" cy="0"/>
+        </a:xfrm>
+      </p:grpSpPr>
+      <p:sp>
+        <p:nvSpPr>
+          <p:cNvPr id="2" name="Titre 1">
             <a:extLst>
               <a:ext uri="{FF2B5EF4-FFF2-40B4-BE49-F238E27FC236}">
-                <a16:creationId xmlns:a16="http://schemas.microsoft.com/office/drawing/2014/main" id="{8ECCB583-11AB-270D-5CEA-6E5ACAFA83E6}"/>
+                <a16:creationId xmlns:a16="http://schemas.microsoft.com/office/drawing/2014/main" id="{19D07843-54EF-C1B9-CB90-F7DA05997E81}"/>
               </a:ext>
             </a:extLst>
           </p:cNvPr>
-          <p:cNvPicPr>
-            <a:picLocks noGrp="1" noChangeAspect="1"/>
-          </p:cNvPicPr>
+          <p:cNvSpPr>
+            <a:spLocks noGrp="1"/>
+          </p:cNvSpPr>
+          <p:nvPr>
+            <p:ph type="title"/>
+          </p:nvPr>
+        </p:nvSpPr>
+        <p:spPr/>
+        <p:txBody>
+          <a:bodyPr/>
+          <a:lstStyle/>
+          <a:p>
+            <a:r>
+              <a:rPr lang="fr-CH" dirty="0"/>
+              <a:t>Organisation et suivis</a:t>
+            </a:r>
+          </a:p>
+        </p:txBody>
+      </p:sp>
+      <p:sp>
+        <p:nvSpPr>
+          <p:cNvPr id="3" name="Espace réservé du contenu 2">
+            <a:extLst>
+              <a:ext uri="{FF2B5EF4-FFF2-40B4-BE49-F238E27FC236}">
+                <a16:creationId xmlns:a16="http://schemas.microsoft.com/office/drawing/2014/main" id="{762FF5C7-ADBB-B8A1-243A-0FE911468AC1}"/>
+              </a:ext>
+            </a:extLst>
+          </p:cNvPr>
+          <p:cNvSpPr>
+            <a:spLocks noGrp="1"/>
+          </p:cNvSpPr>
           <p:nvPr>
             <p:ph idx="1"/>
           </p:nvPr>
-        </p:nvPicPr>
-        <p:blipFill>
-          <a:blip r:embed="rId2"/>
-          <a:stretch>
-            <a:fillRect/>
-          </a:stretch>
-        </p:blipFill>
-        <p:spPr>
-          <a:xfrm>
-            <a:off x="3542943" y="2853371"/>
-            <a:ext cx="5106113" cy="2295845"/>
-          </a:xfrm>
-          <a:prstGeom prst="rect">
-            <a:avLst/>
-          </a:prstGeom>
-        </p:spPr>
-      </p:pic>
+        </p:nvSpPr>
+        <p:spPr/>
+        <p:txBody>
+          <a:bodyPr/>
+          <a:lstStyle/>
+          <a:p>
+            <a:endParaRPr lang="fr-CH" dirty="0"/>
+          </a:p>
+        </p:txBody>
+      </p:sp>
     </p:spTree>
     <p:extLst>
       <p:ext uri="{BB962C8B-B14F-4D97-AF65-F5344CB8AC3E}">
-        <p14:creationId xmlns:p14="http://schemas.microsoft.com/office/powerpoint/2010/main" val="495223664"/>
+        <p14:creationId xmlns:p14="http://schemas.microsoft.com/office/powerpoint/2010/main" val="4056528422"/>
+      </p:ext>
+    </p:extLst>
+  </p:cSld>
+  <p:clrMapOvr>
+    <a:masterClrMapping/>
+  </p:clrMapOvr>
+</p:sld>
+</file>
+
+<file path=ppt/slides/slide14.xml><?xml version="1.0" encoding="utf-8"?>
+<p:sld xmlns:a="http://schemas.openxmlformats.org/drawingml/2006/main" xmlns:r="http://schemas.openxmlformats.org/officeDocument/2006/relationships" xmlns:p="http://schemas.openxmlformats.org/presentationml/2006/main">
+  <p:cSld>
+    <p:spTree>
+      <p:nvGrpSpPr>
+        <p:cNvPr id="1" name=""/>
+        <p:cNvGrpSpPr/>
+        <p:nvPr/>
+      </p:nvGrpSpPr>
+      <p:grpSpPr>
+        <a:xfrm>
+          <a:off x="0" y="0"/>
+          <a:ext cx="0" cy="0"/>
+          <a:chOff x="0" y="0"/>
+          <a:chExt cx="0" cy="0"/>
+        </a:xfrm>
+      </p:grpSpPr>
+      <p:sp>
+        <p:nvSpPr>
+          <p:cNvPr id="2" name="Titre 1">
+            <a:extLst>
+              <a:ext uri="{FF2B5EF4-FFF2-40B4-BE49-F238E27FC236}">
+                <a16:creationId xmlns:a16="http://schemas.microsoft.com/office/drawing/2014/main" id="{05CDB1F2-CE14-F9C4-1935-311A18C0F10B}"/>
+              </a:ext>
+            </a:extLst>
+          </p:cNvPr>
+          <p:cNvSpPr>
+            <a:spLocks noGrp="1"/>
+          </p:cNvSpPr>
+          <p:nvPr>
+            <p:ph type="title"/>
+          </p:nvPr>
+        </p:nvSpPr>
+        <p:spPr/>
+        <p:txBody>
+          <a:bodyPr/>
+          <a:lstStyle/>
+          <a:p>
+            <a:r>
+              <a:rPr lang="fr-CH"/>
+              <a:t>Conclusion </a:t>
+            </a:r>
+          </a:p>
+        </p:txBody>
+      </p:sp>
+      <p:sp>
+        <p:nvSpPr>
+          <p:cNvPr id="3" name="Espace réservé du contenu 2">
+            <a:extLst>
+              <a:ext uri="{FF2B5EF4-FFF2-40B4-BE49-F238E27FC236}">
+                <a16:creationId xmlns:a16="http://schemas.microsoft.com/office/drawing/2014/main" id="{AE60802A-A942-9A5D-4EEC-B54167A75C02}"/>
+              </a:ext>
+            </a:extLst>
+          </p:cNvPr>
+          <p:cNvSpPr>
+            <a:spLocks noGrp="1"/>
+          </p:cNvSpPr>
+          <p:nvPr>
+            <p:ph idx="1"/>
+          </p:nvPr>
+        </p:nvSpPr>
+        <p:spPr/>
+        <p:txBody>
+          <a:bodyPr/>
+          <a:lstStyle/>
+          <a:p>
+            <a:endParaRPr lang="fr-CH"/>
+          </a:p>
+        </p:txBody>
+      </p:sp>
+    </p:spTree>
+    <p:extLst>
+      <p:ext uri="{BB962C8B-B14F-4D97-AF65-F5344CB8AC3E}">
+        <p14:creationId xmlns:p14="http://schemas.microsoft.com/office/powerpoint/2010/main" val="1632674340"/>
+      </p:ext>
+    </p:extLst>
+  </p:cSld>
+  <p:clrMapOvr>
+    <a:masterClrMapping/>
+  </p:clrMapOvr>
+</p:sld>
+</file>
+
+<file path=ppt/slides/slide15.xml><?xml version="1.0" encoding="utf-8"?>
+<p:sld xmlns:a="http://schemas.openxmlformats.org/drawingml/2006/main" xmlns:r="http://schemas.openxmlformats.org/officeDocument/2006/relationships" xmlns:p="http://schemas.openxmlformats.org/presentationml/2006/main">
+  <p:cSld>
+    <p:spTree>
+      <p:nvGrpSpPr>
+        <p:cNvPr id="1" name=""/>
+        <p:cNvGrpSpPr/>
+        <p:nvPr/>
+      </p:nvGrpSpPr>
+      <p:grpSpPr>
+        <a:xfrm>
+          <a:off x="0" y="0"/>
+          <a:ext cx="0" cy="0"/>
+          <a:chOff x="0" y="0"/>
+          <a:chExt cx="0" cy="0"/>
+        </a:xfrm>
+      </p:grpSpPr>
+      <p:sp>
+        <p:nvSpPr>
+          <p:cNvPr id="2" name="Titre 1">
+            <a:extLst>
+              <a:ext uri="{FF2B5EF4-FFF2-40B4-BE49-F238E27FC236}">
+                <a16:creationId xmlns:a16="http://schemas.microsoft.com/office/drawing/2014/main" id="{AFB79645-01DA-D966-1820-766E98972873}"/>
+              </a:ext>
+            </a:extLst>
+          </p:cNvPr>
+          <p:cNvSpPr>
+            <a:spLocks noGrp="1"/>
+          </p:cNvSpPr>
+          <p:nvPr>
+            <p:ph type="title"/>
+          </p:nvPr>
+        </p:nvSpPr>
+        <p:spPr/>
+        <p:txBody>
+          <a:bodyPr/>
+          <a:lstStyle/>
+          <a:p>
+            <a:r>
+              <a:rPr lang="fr-CH" dirty="0"/>
+              <a:t>Questions / Remerciements</a:t>
+            </a:r>
+          </a:p>
+        </p:txBody>
+      </p:sp>
+      <p:sp>
+        <p:nvSpPr>
+          <p:cNvPr id="3" name="Espace réservé du contenu 2">
+            <a:extLst>
+              <a:ext uri="{FF2B5EF4-FFF2-40B4-BE49-F238E27FC236}">
+                <a16:creationId xmlns:a16="http://schemas.microsoft.com/office/drawing/2014/main" id="{9BEC85FE-FF72-CAC5-2318-18867454A3F4}"/>
+              </a:ext>
+            </a:extLst>
+          </p:cNvPr>
+          <p:cNvSpPr>
+            <a:spLocks noGrp="1"/>
+          </p:cNvSpPr>
+          <p:nvPr>
+            <p:ph idx="1"/>
+          </p:nvPr>
+        </p:nvSpPr>
+        <p:spPr/>
+        <p:txBody>
+          <a:bodyPr/>
+          <a:lstStyle/>
+          <a:p>
+            <a:endParaRPr lang="fr-CH"/>
+          </a:p>
+        </p:txBody>
+      </p:sp>
+    </p:spTree>
+    <p:extLst>
+      <p:ext uri="{BB962C8B-B14F-4D97-AF65-F5344CB8AC3E}">
+        <p14:creationId xmlns:p14="http://schemas.microsoft.com/office/powerpoint/2010/main" val="2341187373"/>
+      </p:ext>
+    </p:extLst>
+  </p:cSld>
+  <p:clrMapOvr>
+    <a:masterClrMapping/>
+  </p:clrMapOvr>
+</p:sld>
+</file>
+
+<file path=ppt/slides/slide16.xml><?xml version="1.0" encoding="utf-8"?>
+<p:sld xmlns:a="http://schemas.openxmlformats.org/drawingml/2006/main" xmlns:r="http://schemas.openxmlformats.org/officeDocument/2006/relationships" xmlns:p="http://schemas.openxmlformats.org/presentationml/2006/main">
+  <p:cSld>
+    <p:spTree>
+      <p:nvGrpSpPr>
+        <p:cNvPr id="1" name=""/>
+        <p:cNvGrpSpPr/>
+        <p:nvPr/>
+      </p:nvGrpSpPr>
+      <p:grpSpPr>
+        <a:xfrm>
+          <a:off x="0" y="0"/>
+          <a:ext cx="0" cy="0"/>
+          <a:chOff x="0" y="0"/>
+          <a:chExt cx="0" cy="0"/>
+        </a:xfrm>
+      </p:grpSpPr>
+      <p:sp>
+        <p:nvSpPr>
+          <p:cNvPr id="2" name="Titre 1">
+            <a:extLst>
+              <a:ext uri="{FF2B5EF4-FFF2-40B4-BE49-F238E27FC236}">
+                <a16:creationId xmlns:a16="http://schemas.microsoft.com/office/drawing/2014/main" id="{586FC6C0-BEC1-80E3-2D12-F0027A0CD195}"/>
+              </a:ext>
+            </a:extLst>
+          </p:cNvPr>
+          <p:cNvSpPr>
+            <a:spLocks noGrp="1"/>
+          </p:cNvSpPr>
+          <p:nvPr>
+            <p:ph type="title"/>
+          </p:nvPr>
+        </p:nvSpPr>
+        <p:spPr/>
+        <p:txBody>
+          <a:bodyPr/>
+          <a:lstStyle/>
+          <a:p>
+            <a:r>
+              <a:rPr lang="fr-CH" dirty="0"/>
+              <a:t>Démonstration</a:t>
+            </a:r>
+          </a:p>
+        </p:txBody>
+      </p:sp>
+      <p:sp>
+        <p:nvSpPr>
+          <p:cNvPr id="3" name="Espace réservé du contenu 2">
+            <a:extLst>
+              <a:ext uri="{FF2B5EF4-FFF2-40B4-BE49-F238E27FC236}">
+                <a16:creationId xmlns:a16="http://schemas.microsoft.com/office/drawing/2014/main" id="{4DCBCBC0-37A6-4E01-CC96-8FFC8F368E9F}"/>
+              </a:ext>
+            </a:extLst>
+          </p:cNvPr>
+          <p:cNvSpPr>
+            <a:spLocks noGrp="1"/>
+          </p:cNvSpPr>
+          <p:nvPr>
+            <p:ph idx="1"/>
+          </p:nvPr>
+        </p:nvSpPr>
+        <p:spPr/>
+        <p:txBody>
+          <a:bodyPr/>
+          <a:lstStyle/>
+          <a:p>
+            <a:endParaRPr lang="fr-CH"/>
+          </a:p>
+        </p:txBody>
+      </p:sp>
+    </p:spTree>
+    <p:extLst>
+      <p:ext uri="{BB962C8B-B14F-4D97-AF65-F5344CB8AC3E}">
+        <p14:creationId xmlns:p14="http://schemas.microsoft.com/office/powerpoint/2010/main" val="3726013960"/>
       </p:ext>
     </p:extLst>
   </p:cSld>
@@ -21358,7 +21150,7 @@
             <p:ph idx="1"/>
             <p:extLst>
               <p:ext uri="{D42A27DB-BD31-4B8C-83A1-F6EECF244321}">
-                <p14:modId xmlns:p14="http://schemas.microsoft.com/office/powerpoint/2010/main" val="2147130853"/>
+                <p14:modId xmlns:p14="http://schemas.microsoft.com/office/powerpoint/2010/main" val="2321812782"/>
               </p:ext>
             </p:extLst>
           </p:nvPr>
@@ -22161,7 +21953,7 @@
           <p:nvPr>
             <p:extLst>
               <p:ext uri="{D42A27DB-BD31-4B8C-83A1-F6EECF244321}">
-                <p14:modId xmlns:p14="http://schemas.microsoft.com/office/powerpoint/2010/main" val="2457375853"/>
+                <p14:modId xmlns:p14="http://schemas.microsoft.com/office/powerpoint/2010/main" val="3885122108"/>
               </p:ext>
             </p:extLst>
           </p:nvPr>
@@ -22172,7 +21964,7 @@
         </p:xfrm>
         <a:graphic>
           <a:graphicData uri="http://schemas.openxmlformats.org/drawingml/2006/diagram">
-            <dgm:relIds xmlns:dgm="http://schemas.openxmlformats.org/drawingml/2006/diagram" xmlns:r="http://schemas.openxmlformats.org/officeDocument/2006/relationships" r:dm="rId2" r:lo="rId3" r:qs="rId4" r:cs="rId5"/>
+            <dgm:relIds xmlns:dgm="http://schemas.openxmlformats.org/drawingml/2006/diagram" xmlns:r="http://schemas.openxmlformats.org/officeDocument/2006/relationships" r:dm="rId3" r:lo="rId4" r:qs="rId5" r:cs="rId6"/>
           </a:graphicData>
         </a:graphic>
       </p:graphicFrame>
@@ -22603,6 +22395,14 @@
 <file path=ppt/slides/slide5.xml><?xml version="1.0" encoding="utf-8"?>
 <p:sld xmlns:a="http://schemas.openxmlformats.org/drawingml/2006/main" xmlns:r="http://schemas.openxmlformats.org/officeDocument/2006/relationships" xmlns:p="http://schemas.openxmlformats.org/presentationml/2006/main">
   <p:cSld>
+    <p:bg>
+      <p:bgPr>
+        <a:solidFill>
+          <a:schemeClr val="bg1"/>
+        </a:solidFill>
+        <a:effectLst/>
+      </p:bgPr>
+    </p:bg>
     <p:spTree>
       <p:nvGrpSpPr>
         <p:cNvPr id="1" name=""/>
@@ -22619,10 +22419,73 @@
       </p:grpSpPr>
       <p:sp>
         <p:nvSpPr>
+          <p:cNvPr id="10" name="Rectangle 9">
+            <a:extLst>
+              <a:ext uri="{FF2B5EF4-FFF2-40B4-BE49-F238E27FC236}">
+                <a16:creationId xmlns:a16="http://schemas.microsoft.com/office/drawing/2014/main" id="{A4AC5506-6312-4701-8D3C-40187889A947}"/>
+              </a:ext>
+              <a:ext uri="{C183D7F6-B498-43B3-948B-1728B52AA6E4}">
+                <adec:decorative xmlns:adec="http://schemas.microsoft.com/office/drawing/2017/decorative" val="1"/>
+              </a:ext>
+            </a:extLst>
+          </p:cNvPr>
+          <p:cNvSpPr>
+            <a:spLocks noGrp="1" noRot="1" noChangeAspect="1" noMove="1" noResize="1" noEditPoints="1" noAdjustHandles="1" noChangeArrowheads="1" noChangeShapeType="1" noTextEdit="1"/>
+          </p:cNvSpPr>
+          <p:nvPr>
+            <p:extLst>
+              <p:ext uri="{386F3935-93C4-4BCD-93E2-E3B085C9AB24}">
+                <p16:designElem xmlns:p16="http://schemas.microsoft.com/office/powerpoint/2015/main" val="1"/>
+              </p:ext>
+            </p:extLst>
+          </p:nvPr>
+        </p:nvSpPr>
+        <p:spPr>
+          <a:xfrm>
+            <a:off x="0" y="651752"/>
+            <a:ext cx="12192000" cy="736551"/>
+          </a:xfrm>
+          <a:prstGeom prst="rect">
+            <a:avLst/>
+          </a:prstGeom>
+          <a:solidFill>
+            <a:schemeClr val="tx1"/>
+          </a:solidFill>
+          <a:ln>
+            <a:noFill/>
+          </a:ln>
+        </p:spPr>
+        <p:style>
+          <a:lnRef idx="2">
+            <a:schemeClr val="accent1">
+              <a:shade val="50000"/>
+            </a:schemeClr>
+          </a:lnRef>
+          <a:fillRef idx="1">
+            <a:schemeClr val="accent1"/>
+          </a:fillRef>
+          <a:effectRef idx="0">
+            <a:schemeClr val="accent1"/>
+          </a:effectRef>
+          <a:fontRef idx="minor">
+            <a:schemeClr val="lt1"/>
+          </a:fontRef>
+        </p:style>
+        <p:txBody>
+          <a:bodyPr rtlCol="0" anchor="ctr"/>
+          <a:lstStyle/>
+          <a:p>
+            <a:pPr algn="ctr"/>
+            <a:endParaRPr lang="en-US"/>
+          </a:p>
+        </p:txBody>
+      </p:sp>
+      <p:sp>
+        <p:nvSpPr>
           <p:cNvPr id="2" name="Titre 1">
             <a:extLst>
               <a:ext uri="{FF2B5EF4-FFF2-40B4-BE49-F238E27FC236}">
-                <a16:creationId xmlns:a16="http://schemas.microsoft.com/office/drawing/2014/main" id="{8EC08DBA-7445-3921-E8D8-7EBDA83B3C38}"/>
+                <a16:creationId xmlns:a16="http://schemas.microsoft.com/office/drawing/2014/main" id="{2FCCFBCC-6A66-7D0B-AD37-5E149DC29CDF}"/>
               </a:ext>
             </a:extLst>
           </p:cNvPr>
@@ -22633,47 +22496,69 @@
             <p:ph type="title"/>
           </p:nvPr>
         </p:nvSpPr>
-        <p:spPr/>
+        <p:spPr>
+          <a:xfrm>
+            <a:off x="556532" y="643467"/>
+            <a:ext cx="11210925" cy="744836"/>
+          </a:xfrm>
+        </p:spPr>
         <p:txBody>
-          <a:bodyPr/>
+          <a:bodyPr vert="horz" lIns="91440" tIns="45720" rIns="91440" bIns="45720" rtlCol="0" anchor="ctr">
+            <a:normAutofit/>
+          </a:bodyPr>
           <a:lstStyle/>
           <a:p>
+            <a:pPr algn="ctr"/>
             <a:r>
-              <a:rPr lang="fr-CH" dirty="0"/>
-              <a:t>Objectifs pédagogiques</a:t>
+              <a:rPr lang="en-US" sz="3200" kern="1200">
+                <a:solidFill>
+                  <a:schemeClr val="bg1"/>
+                </a:solidFill>
+                <a:latin typeface="+mj-lt"/>
+                <a:ea typeface="+mj-ea"/>
+                <a:cs typeface="+mj-cs"/>
+              </a:rPr>
+              <a:t>Architecture du système</a:t>
             </a:r>
           </a:p>
         </p:txBody>
       </p:sp>
-      <p:sp>
-        <p:nvSpPr>
-          <p:cNvPr id="3" name="Espace réservé du contenu 2">
+      <p:pic>
+        <p:nvPicPr>
+          <p:cNvPr id="5" name="Espace réservé du contenu 4" descr="Une image contenant capture d’écran, texte, conception&#10;&#10;Le contenu généré par l’IA peut être incorrect.">
             <a:extLst>
               <a:ext uri="{FF2B5EF4-FFF2-40B4-BE49-F238E27FC236}">
-                <a16:creationId xmlns:a16="http://schemas.microsoft.com/office/drawing/2014/main" id="{BF0DA253-4C55-BD47-4C67-1029CC43E10D}"/>
+                <a16:creationId xmlns:a16="http://schemas.microsoft.com/office/drawing/2014/main" id="{16603F72-BFB4-163C-6FB2-320965E43EBC}"/>
               </a:ext>
             </a:extLst>
           </p:cNvPr>
-          <p:cNvSpPr>
-            <a:spLocks noGrp="1"/>
-          </p:cNvSpPr>
+          <p:cNvPicPr>
+            <a:picLocks noGrp="1" noChangeAspect="1"/>
+          </p:cNvPicPr>
           <p:nvPr>
             <p:ph idx="1"/>
           </p:nvPr>
-        </p:nvSpPr>
-        <p:spPr/>
-        <p:txBody>
-          <a:bodyPr/>
-          <a:lstStyle/>
-          <a:p>
-            <a:endParaRPr lang="fr-CH" dirty="0"/>
-          </a:p>
-        </p:txBody>
-      </p:sp>
+        </p:nvPicPr>
+        <p:blipFill>
+          <a:blip r:embed="rId2"/>
+          <a:stretch>
+            <a:fillRect/>
+          </a:stretch>
+        </p:blipFill>
+        <p:spPr>
+          <a:xfrm>
+            <a:off x="1057275" y="1524702"/>
+            <a:ext cx="10077449" cy="5190494"/>
+          </a:xfrm>
+          <a:prstGeom prst="rect">
+            <a:avLst/>
+          </a:prstGeom>
+        </p:spPr>
+      </p:pic>
     </p:spTree>
     <p:extLst>
       <p:ext uri="{BB962C8B-B14F-4D97-AF65-F5344CB8AC3E}">
-        <p14:creationId xmlns:p14="http://schemas.microsoft.com/office/powerpoint/2010/main" val="3692399880"/>
+        <p14:creationId xmlns:p14="http://schemas.microsoft.com/office/powerpoint/2010/main" val="1368616076"/>
       </p:ext>
     </p:extLst>
   </p:cSld>
@@ -23066,7 +22951,7 @@
             <p:ph idx="1"/>
             <p:extLst>
               <p:ext uri="{D42A27DB-BD31-4B8C-83A1-F6EECF244321}">
-                <p14:modId xmlns:p14="http://schemas.microsoft.com/office/powerpoint/2010/main" val="3259580818"/>
+                <p14:modId xmlns:p14="http://schemas.microsoft.com/office/powerpoint/2010/main" val="3194968391"/>
               </p:ext>
             </p:extLst>
           </p:nvPr>
@@ -24091,4 +23976,319 @@
     </a:ext>
   </a:extLst>
 </a:theme>
+</file>
+
+<file path=ppt/theme/theme2.xml><?xml version="1.0" encoding="utf-8"?>
+<a:theme xmlns:a="http://schemas.openxmlformats.org/drawingml/2006/main" name="Thème Office">
+  <a:themeElements>
+    <a:clrScheme name="Office">
+      <a:dk1>
+        <a:sysClr val="windowText" lastClr="000000"/>
+      </a:dk1>
+      <a:lt1>
+        <a:sysClr val="window" lastClr="FFFFFF"/>
+      </a:lt1>
+      <a:dk2>
+        <a:srgbClr val="0E2841"/>
+      </a:dk2>
+      <a:lt2>
+        <a:srgbClr val="E8E8E8"/>
+      </a:lt2>
+      <a:accent1>
+        <a:srgbClr val="156082"/>
+      </a:accent1>
+      <a:accent2>
+        <a:srgbClr val="E97132"/>
+      </a:accent2>
+      <a:accent3>
+        <a:srgbClr val="196B24"/>
+      </a:accent3>
+      <a:accent4>
+        <a:srgbClr val="0F9ED5"/>
+      </a:accent4>
+      <a:accent5>
+        <a:srgbClr val="A02B93"/>
+      </a:accent5>
+      <a:accent6>
+        <a:srgbClr val="4EA72E"/>
+      </a:accent6>
+      <a:hlink>
+        <a:srgbClr val="467886"/>
+      </a:hlink>
+      <a:folHlink>
+        <a:srgbClr val="96607D"/>
+      </a:folHlink>
+    </a:clrScheme>
+    <a:fontScheme name="Office">
+      <a:majorFont>
+        <a:latin typeface="Aptos Display" panose="02110004020202020204"/>
+        <a:ea typeface=""/>
+        <a:cs typeface=""/>
+        <a:font script="Jpan" typeface="游ゴシック Light"/>
+        <a:font script="Hang" typeface="맑은 고딕"/>
+        <a:font script="Hans" typeface="等线 Light"/>
+        <a:font script="Hant" typeface="新細明體"/>
+        <a:font script="Arab" typeface="Times New Roman"/>
+        <a:font script="Hebr" typeface="Times New Roman"/>
+        <a:font script="Thai" typeface="Angsana New"/>
+        <a:font script="Ethi" typeface="Nyala"/>
+        <a:font script="Beng" typeface="Vrinda"/>
+        <a:font script="Gujr" typeface="Shruti"/>
+        <a:font script="Khmr" typeface="MoolBoran"/>
+        <a:font script="Knda" typeface="Tunga"/>
+        <a:font script="Guru" typeface="Raavi"/>
+        <a:font script="Cans" typeface="Euphemia"/>
+        <a:font script="Cher" typeface="Plantagenet Cherokee"/>
+        <a:font script="Yiii" typeface="Microsoft Yi Baiti"/>
+        <a:font script="Tibt" typeface="Microsoft Himalaya"/>
+        <a:font script="Thaa" typeface="MV Boli"/>
+        <a:font script="Deva" typeface="Mangal"/>
+        <a:font script="Telu" typeface="Gautami"/>
+        <a:font script="Taml" typeface="Latha"/>
+        <a:font script="Syrc" typeface="Estrangelo Edessa"/>
+        <a:font script="Orya" typeface="Kalinga"/>
+        <a:font script="Mlym" typeface="Kartika"/>
+        <a:font script="Laoo" typeface="DokChampa"/>
+        <a:font script="Sinh" typeface="Iskoola Pota"/>
+        <a:font script="Mong" typeface="Mongolian Baiti"/>
+        <a:font script="Viet" typeface="Times New Roman"/>
+        <a:font script="Uigh" typeface="Microsoft Uighur"/>
+        <a:font script="Geor" typeface="Sylfaen"/>
+        <a:font script="Armn" typeface="Arial"/>
+        <a:font script="Bugi" typeface="Leelawadee UI"/>
+        <a:font script="Bopo" typeface="Microsoft JhengHei"/>
+        <a:font script="Java" typeface="Javanese Text"/>
+        <a:font script="Lisu" typeface="Segoe UI"/>
+        <a:font script="Mymr" typeface="Myanmar Text"/>
+        <a:font script="Nkoo" typeface="Ebrima"/>
+        <a:font script="Olck" typeface="Nirmala UI"/>
+        <a:font script="Osma" typeface="Ebrima"/>
+        <a:font script="Phag" typeface="Phagspa"/>
+        <a:font script="Syrn" typeface="Estrangelo Edessa"/>
+        <a:font script="Syrj" typeface="Estrangelo Edessa"/>
+        <a:font script="Syre" typeface="Estrangelo Edessa"/>
+        <a:font script="Sora" typeface="Nirmala UI"/>
+        <a:font script="Tale" typeface="Microsoft Tai Le"/>
+        <a:font script="Talu" typeface="Microsoft New Tai Lue"/>
+        <a:font script="Tfng" typeface="Ebrima"/>
+      </a:majorFont>
+      <a:minorFont>
+        <a:latin typeface="Aptos" panose="02110004020202020204"/>
+        <a:ea typeface=""/>
+        <a:cs typeface=""/>
+        <a:font script="Jpan" typeface="游ゴシック"/>
+        <a:font script="Hang" typeface="맑은 고딕"/>
+        <a:font script="Hans" typeface="等线"/>
+        <a:font script="Hant" typeface="新細明體"/>
+        <a:font script="Arab" typeface="Arial"/>
+        <a:font script="Hebr" typeface="Arial"/>
+        <a:font script="Thai" typeface="Cordia New"/>
+        <a:font script="Ethi" typeface="Nyala"/>
+        <a:font script="Beng" typeface="Vrinda"/>
+        <a:font script="Gujr" typeface="Shruti"/>
+        <a:font script="Khmr" typeface="DaunPenh"/>
+        <a:font script="Knda" typeface="Tunga"/>
+        <a:font script="Guru" typeface="Raavi"/>
+        <a:font script="Cans" typeface="Euphemia"/>
+        <a:font script="Cher" typeface="Plantagenet Cherokee"/>
+        <a:font script="Yiii" typeface="Microsoft Yi Baiti"/>
+        <a:font script="Tibt" typeface="Microsoft Himalaya"/>
+        <a:font script="Thaa" typeface="MV Boli"/>
+        <a:font script="Deva" typeface="Mangal"/>
+        <a:font script="Telu" typeface="Gautami"/>
+        <a:font script="Taml" typeface="Latha"/>
+        <a:font script="Syrc" typeface="Estrangelo Edessa"/>
+        <a:font script="Orya" typeface="Kalinga"/>
+        <a:font script="Mlym" typeface="Kartika"/>
+        <a:font script="Laoo" typeface="DokChampa"/>
+        <a:font script="Sinh" typeface="Iskoola Pota"/>
+        <a:font script="Mong" typeface="Mongolian Baiti"/>
+        <a:font script="Viet" typeface="Arial"/>
+        <a:font script="Uigh" typeface="Microsoft Uighur"/>
+        <a:font script="Geor" typeface="Sylfaen"/>
+        <a:font script="Armn" typeface="Arial"/>
+        <a:font script="Bugi" typeface="Leelawadee UI"/>
+        <a:font script="Bopo" typeface="Microsoft JhengHei"/>
+        <a:font script="Java" typeface="Javanese Text"/>
+        <a:font script="Lisu" typeface="Segoe UI"/>
+        <a:font script="Mymr" typeface="Myanmar Text"/>
+        <a:font script="Nkoo" typeface="Ebrima"/>
+        <a:font script="Olck" typeface="Nirmala UI"/>
+        <a:font script="Osma" typeface="Ebrima"/>
+        <a:font script="Phag" typeface="Phagspa"/>
+        <a:font script="Syrn" typeface="Estrangelo Edessa"/>
+        <a:font script="Syrj" typeface="Estrangelo Edessa"/>
+        <a:font script="Syre" typeface="Estrangelo Edessa"/>
+        <a:font script="Sora" typeface="Nirmala UI"/>
+        <a:font script="Tale" typeface="Microsoft Tai Le"/>
+        <a:font script="Talu" typeface="Microsoft New Tai Lue"/>
+        <a:font script="Tfng" typeface="Ebrima"/>
+      </a:minorFont>
+    </a:fontScheme>
+    <a:fmtScheme name="Office">
+      <a:fillStyleLst>
+        <a:solidFill>
+          <a:schemeClr val="phClr"/>
+        </a:solidFill>
+        <a:gradFill rotWithShape="1">
+          <a:gsLst>
+            <a:gs pos="0">
+              <a:schemeClr val="phClr">
+                <a:lumMod val="110000"/>
+                <a:satMod val="105000"/>
+                <a:tint val="67000"/>
+              </a:schemeClr>
+            </a:gs>
+            <a:gs pos="50000">
+              <a:schemeClr val="phClr">
+                <a:lumMod val="105000"/>
+                <a:satMod val="103000"/>
+                <a:tint val="73000"/>
+              </a:schemeClr>
+            </a:gs>
+            <a:gs pos="100000">
+              <a:schemeClr val="phClr">
+                <a:lumMod val="105000"/>
+                <a:satMod val="109000"/>
+                <a:tint val="81000"/>
+              </a:schemeClr>
+            </a:gs>
+          </a:gsLst>
+          <a:lin ang="5400000" scaled="0"/>
+        </a:gradFill>
+        <a:gradFill rotWithShape="1">
+          <a:gsLst>
+            <a:gs pos="0">
+              <a:schemeClr val="phClr">
+                <a:satMod val="103000"/>
+                <a:lumMod val="102000"/>
+                <a:tint val="94000"/>
+              </a:schemeClr>
+            </a:gs>
+            <a:gs pos="50000">
+              <a:schemeClr val="phClr">
+                <a:satMod val="110000"/>
+                <a:lumMod val="100000"/>
+                <a:shade val="100000"/>
+              </a:schemeClr>
+            </a:gs>
+            <a:gs pos="100000">
+              <a:schemeClr val="phClr">
+                <a:lumMod val="99000"/>
+                <a:satMod val="120000"/>
+                <a:shade val="78000"/>
+              </a:schemeClr>
+            </a:gs>
+          </a:gsLst>
+          <a:lin ang="5400000" scaled="0"/>
+        </a:gradFill>
+      </a:fillStyleLst>
+      <a:lnStyleLst>
+        <a:ln w="12700" cap="flat" cmpd="sng" algn="ctr">
+          <a:solidFill>
+            <a:schemeClr val="phClr"/>
+          </a:solidFill>
+          <a:prstDash val="solid"/>
+          <a:miter lim="800000"/>
+        </a:ln>
+        <a:ln w="19050" cap="flat" cmpd="sng" algn="ctr">
+          <a:solidFill>
+            <a:schemeClr val="phClr"/>
+          </a:solidFill>
+          <a:prstDash val="solid"/>
+          <a:miter lim="800000"/>
+        </a:ln>
+        <a:ln w="25400" cap="flat" cmpd="sng" algn="ctr">
+          <a:solidFill>
+            <a:schemeClr val="phClr"/>
+          </a:solidFill>
+          <a:prstDash val="solid"/>
+          <a:miter lim="800000"/>
+        </a:ln>
+      </a:lnStyleLst>
+      <a:effectStyleLst>
+        <a:effectStyle>
+          <a:effectLst/>
+        </a:effectStyle>
+        <a:effectStyle>
+          <a:effectLst/>
+        </a:effectStyle>
+        <a:effectStyle>
+          <a:effectLst>
+            <a:outerShdw blurRad="57150" dist="19050" dir="5400000" algn="ctr" rotWithShape="0">
+              <a:srgbClr val="000000">
+                <a:alpha val="63000"/>
+              </a:srgbClr>
+            </a:outerShdw>
+          </a:effectLst>
+        </a:effectStyle>
+      </a:effectStyleLst>
+      <a:bgFillStyleLst>
+        <a:solidFill>
+          <a:schemeClr val="phClr"/>
+        </a:solidFill>
+        <a:solidFill>
+          <a:schemeClr val="phClr">
+            <a:tint val="95000"/>
+            <a:satMod val="170000"/>
+          </a:schemeClr>
+        </a:solidFill>
+        <a:gradFill rotWithShape="1">
+          <a:gsLst>
+            <a:gs pos="0">
+              <a:schemeClr val="phClr">
+                <a:tint val="93000"/>
+                <a:satMod val="150000"/>
+                <a:shade val="98000"/>
+                <a:lumMod val="102000"/>
+              </a:schemeClr>
+            </a:gs>
+            <a:gs pos="50000">
+              <a:schemeClr val="phClr">
+                <a:tint val="98000"/>
+                <a:satMod val="130000"/>
+                <a:shade val="90000"/>
+                <a:lumMod val="103000"/>
+              </a:schemeClr>
+            </a:gs>
+            <a:gs pos="100000">
+              <a:schemeClr val="phClr">
+                <a:shade val="63000"/>
+                <a:satMod val="120000"/>
+              </a:schemeClr>
+            </a:gs>
+          </a:gsLst>
+          <a:lin ang="5400000" scaled="0"/>
+        </a:gradFill>
+      </a:bgFillStyleLst>
+    </a:fmtScheme>
+  </a:themeElements>
+  <a:objectDefaults>
+    <a:lnDef>
+      <a:spPr/>
+      <a:bodyPr/>
+      <a:lstStyle/>
+      <a:style>
+        <a:lnRef idx="2">
+          <a:schemeClr val="accent1"/>
+        </a:lnRef>
+        <a:fillRef idx="0">
+          <a:schemeClr val="accent1"/>
+        </a:fillRef>
+        <a:effectRef idx="1">
+          <a:schemeClr val="accent1"/>
+        </a:effectRef>
+        <a:fontRef idx="minor">
+          <a:schemeClr val="tx1"/>
+        </a:fontRef>
+      </a:style>
+    </a:lnDef>
+  </a:objectDefaults>
+  <a:extraClrSchemeLst/>
+  <a:extLst>
+    <a:ext uri="{05A4C25C-085E-4340-85A3-A5531E510DB2}">
+      <thm15:themeFamily xmlns:thm15="http://schemas.microsoft.com/office/thememl/2012/main" name="Office Theme" id="{2E142A2C-CD16-42D6-873A-C26D2A0506FA}" vid="{1BDDFF52-6CD6-40A5-AB3C-68EB2F1E4D0A}"/>
+    </a:ext>
+  </a:extLst>
+</a:theme>
 </file>
--- a/documentation/ArcadiaboxPresentation.pptx
+++ b/documentation/ArcadiaboxPresentation.pptx
@@ -5,7 +5,7 @@
     <p:sldMasterId id="2147483648" r:id="rId1"/>
   </p:sldMasterIdLst>
   <p:notesMasterIdLst>
-    <p:notesMasterId r:id="rId18"/>
+    <p:notesMasterId r:id="rId19"/>
   </p:notesMasterIdLst>
   <p:sldIdLst>
     <p:sldId id="256" r:id="rId2"/>
@@ -21,9 +21,10 @@
     <p:sldId id="268" r:id="rId12"/>
     <p:sldId id="266" r:id="rId13"/>
     <p:sldId id="270" r:id="rId14"/>
-    <p:sldId id="271" r:id="rId15"/>
-    <p:sldId id="272" r:id="rId16"/>
-    <p:sldId id="273" r:id="rId17"/>
+    <p:sldId id="274" r:id="rId15"/>
+    <p:sldId id="271" r:id="rId16"/>
+    <p:sldId id="272" r:id="rId17"/>
+    <p:sldId id="273" r:id="rId18"/>
   </p:sldIdLst>
   <p:sldSz cx="12192000" cy="6858000"/>
   <p:notesSz cx="6858000" cy="9144000"/>
@@ -133,7 +134,7 @@
 <file path=ppt/revisionInfo.xml><?xml version="1.0" encoding="utf-8"?>
 <p1510:revInfo xmlns:a="http://schemas.openxmlformats.org/drawingml/2006/main" xmlns:r="http://schemas.openxmlformats.org/officeDocument/2006/relationships" xmlns:p1510="http://schemas.microsoft.com/office/powerpoint/2015/10/main">
   <p1510:revLst>
-    <p1510:client id="{DFF46C2B-868E-437C-A61C-80E0DE7D83CF}" v="53" dt="2026-01-15T13:45:55.054"/>
+    <p1510:client id="{DFF46C2B-868E-437C-A61C-80E0DE7D83CF}" v="54" dt="2026-01-16T07:02:47.539"/>
   </p1510:revLst>
 </p1510:revInfo>
 </file>
@@ -143,7 +144,7 @@
   <pc:docChgLst>
     <pc:chgData name="Barras Matias" userId="8eac776d-deeb-4346-aa0f-eaa1e7f5da8d" providerId="ADAL" clId="{425534FE-2470-4743-8B71-83B1ED8770FD}"/>
     <pc:docChg chg="undo redo custSel addSld delSld modSld sldOrd">
-      <pc:chgData name="Barras Matias" userId="8eac776d-deeb-4346-aa0f-eaa1e7f5da8d" providerId="ADAL" clId="{425534FE-2470-4743-8B71-83B1ED8770FD}" dt="2026-01-15T13:45:55.054" v="1569"/>
+      <pc:chgData name="Barras Matias" userId="8eac776d-deeb-4346-aa0f-eaa1e7f5da8d" providerId="ADAL" clId="{425534FE-2470-4743-8B71-83B1ED8770FD}" dt="2026-01-16T07:03:52.005" v="1606" actId="26606"/>
       <pc:docMkLst>
         <pc:docMk/>
       </pc:docMkLst>
@@ -731,20 +732,244 @@
           </ac:spMkLst>
         </pc:spChg>
       </pc:sldChg>
-      <pc:sldChg chg="modSp new mod">
-        <pc:chgData name="Barras Matias" userId="8eac776d-deeb-4346-aa0f-eaa1e7f5da8d" providerId="ADAL" clId="{425534FE-2470-4743-8B71-83B1ED8770FD}" dt="2026-01-15T12:54:31.284" v="1506" actId="20577"/>
+      <pc:sldChg chg="addSp delSp modSp new mod setBg">
+        <pc:chgData name="Barras Matias" userId="8eac776d-deeb-4346-aa0f-eaa1e7f5da8d" providerId="ADAL" clId="{425534FE-2470-4743-8B71-83B1ED8770FD}" dt="2026-01-16T07:02:55.312" v="1604" actId="26606"/>
         <pc:sldMkLst>
           <pc:docMk/>
           <pc:sldMk cId="4056528422" sldId="270"/>
         </pc:sldMkLst>
         <pc:spChg chg="mod">
-          <ac:chgData name="Barras Matias" userId="8eac776d-deeb-4346-aa0f-eaa1e7f5da8d" providerId="ADAL" clId="{425534FE-2470-4743-8B71-83B1ED8770FD}" dt="2026-01-15T12:54:31.284" v="1506" actId="20577"/>
+          <ac:chgData name="Barras Matias" userId="8eac776d-deeb-4346-aa0f-eaa1e7f5da8d" providerId="ADAL" clId="{425534FE-2470-4743-8B71-83B1ED8770FD}" dt="2026-01-16T07:02:55.312" v="1604" actId="26606"/>
           <ac:spMkLst>
             <pc:docMk/>
             <pc:sldMk cId="4056528422" sldId="270"/>
             <ac:spMk id="2" creationId="{19D07843-54EF-C1B9-CB90-F7DA05997E81}"/>
           </ac:spMkLst>
         </pc:spChg>
+        <pc:spChg chg="del">
+          <ac:chgData name="Barras Matias" userId="8eac776d-deeb-4346-aa0f-eaa1e7f5da8d" providerId="ADAL" clId="{425534FE-2470-4743-8B71-83B1ED8770FD}" dt="2026-01-16T07:01:18.155" v="1570" actId="22"/>
+          <ac:spMkLst>
+            <pc:docMk/>
+            <pc:sldMk cId="4056528422" sldId="270"/>
+            <ac:spMk id="3" creationId="{762FF5C7-ADBB-B8A1-243A-0FE911468AC1}"/>
+          </ac:spMkLst>
+        </pc:spChg>
+        <pc:spChg chg="add del">
+          <ac:chgData name="Barras Matias" userId="8eac776d-deeb-4346-aa0f-eaa1e7f5da8d" providerId="ADAL" clId="{425534FE-2470-4743-8B71-83B1ED8770FD}" dt="2026-01-16T07:01:46.332" v="1577" actId="478"/>
+          <ac:spMkLst>
+            <pc:docMk/>
+            <pc:sldMk cId="4056528422" sldId="270"/>
+            <ac:spMk id="11" creationId="{1886676A-1E18-722E-B9D7-622E539864E0}"/>
+          </ac:spMkLst>
+        </pc:spChg>
+        <pc:spChg chg="add del">
+          <ac:chgData name="Barras Matias" userId="8eac776d-deeb-4346-aa0f-eaa1e7f5da8d" providerId="ADAL" clId="{425534FE-2470-4743-8B71-83B1ED8770FD}" dt="2026-01-16T07:01:51.622" v="1578" actId="26606"/>
+          <ac:spMkLst>
+            <pc:docMk/>
+            <pc:sldMk cId="4056528422" sldId="270"/>
+            <ac:spMk id="14" creationId="{922F19F4-FE70-43DC-856F-2CE5F521DC48}"/>
+          </ac:spMkLst>
+        </pc:spChg>
+        <pc:spChg chg="add del">
+          <ac:chgData name="Barras Matias" userId="8eac776d-deeb-4346-aa0f-eaa1e7f5da8d" providerId="ADAL" clId="{425534FE-2470-4743-8B71-83B1ED8770FD}" dt="2026-01-16T07:01:51.622" v="1578" actId="26606"/>
+          <ac:spMkLst>
+            <pc:docMk/>
+            <pc:sldMk cId="4056528422" sldId="270"/>
+            <ac:spMk id="21" creationId="{D5B0017B-2ECA-49AF-B397-DC140825DF8D}"/>
+          </ac:spMkLst>
+        </pc:spChg>
+        <pc:spChg chg="add del">
+          <ac:chgData name="Barras Matias" userId="8eac776d-deeb-4346-aa0f-eaa1e7f5da8d" providerId="ADAL" clId="{425534FE-2470-4743-8B71-83B1ED8770FD}" dt="2026-01-16T07:01:51.622" v="1578" actId="26606"/>
+          <ac:spMkLst>
+            <pc:docMk/>
+            <pc:sldMk cId="4056528422" sldId="270"/>
+            <ac:spMk id="23" creationId="{395ECC94-3D5E-46A7-A7A1-DE807E1563B4}"/>
+          </ac:spMkLst>
+        </pc:spChg>
+        <pc:spChg chg="add del">
+          <ac:chgData name="Barras Matias" userId="8eac776d-deeb-4346-aa0f-eaa1e7f5da8d" providerId="ADAL" clId="{425534FE-2470-4743-8B71-83B1ED8770FD}" dt="2026-01-16T07:01:51.622" v="1578" actId="26606"/>
+          <ac:spMkLst>
+            <pc:docMk/>
+            <pc:sldMk cId="4056528422" sldId="270"/>
+            <ac:spMk id="25" creationId="{7E549738-9961-462D-81B7-4A7A44691102}"/>
+          </ac:spMkLst>
+        </pc:spChg>
+        <pc:spChg chg="add del">
+          <ac:chgData name="Barras Matias" userId="8eac776d-deeb-4346-aa0f-eaa1e7f5da8d" providerId="ADAL" clId="{425534FE-2470-4743-8B71-83B1ED8770FD}" dt="2026-01-16T07:02:08.945" v="1584" actId="26606"/>
+          <ac:spMkLst>
+            <pc:docMk/>
+            <pc:sldMk cId="4056528422" sldId="270"/>
+            <ac:spMk id="32" creationId="{C4879EFC-8E62-4E00-973C-C45EE9EC676D}"/>
+          </ac:spMkLst>
+        </pc:spChg>
+        <pc:spChg chg="add del">
+          <ac:chgData name="Barras Matias" userId="8eac776d-deeb-4346-aa0f-eaa1e7f5da8d" providerId="ADAL" clId="{425534FE-2470-4743-8B71-83B1ED8770FD}" dt="2026-01-16T07:02:08.945" v="1584" actId="26606"/>
+          <ac:spMkLst>
+            <pc:docMk/>
+            <pc:sldMk cId="4056528422" sldId="270"/>
+            <ac:spMk id="34" creationId="{D6A9C53F-5F90-40A5-8C85-5412D39C8C68}"/>
+          </ac:spMkLst>
+        </pc:spChg>
+        <pc:spChg chg="add del">
+          <ac:chgData name="Barras Matias" userId="8eac776d-deeb-4346-aa0f-eaa1e7f5da8d" providerId="ADAL" clId="{425534FE-2470-4743-8B71-83B1ED8770FD}" dt="2026-01-16T07:02:08.945" v="1583" actId="26606"/>
+          <ac:spMkLst>
+            <pc:docMk/>
+            <pc:sldMk cId="4056528422" sldId="270"/>
+            <ac:spMk id="39" creationId="{E18F6E8B-15ED-43C7-94BA-91549A651C73}"/>
+          </ac:spMkLst>
+        </pc:spChg>
+        <pc:spChg chg="add del">
+          <ac:chgData name="Barras Matias" userId="8eac776d-deeb-4346-aa0f-eaa1e7f5da8d" providerId="ADAL" clId="{425534FE-2470-4743-8B71-83B1ED8770FD}" dt="2026-01-16T07:02:55.312" v="1604" actId="26606"/>
+          <ac:spMkLst>
+            <pc:docMk/>
+            <pc:sldMk cId="4056528422" sldId="270"/>
+            <ac:spMk id="45" creationId="{D3539FEE-81D3-4406-802E-60B20B16F4F6}"/>
+          </ac:spMkLst>
+        </pc:spChg>
+        <pc:spChg chg="add del">
+          <ac:chgData name="Barras Matias" userId="8eac776d-deeb-4346-aa0f-eaa1e7f5da8d" providerId="ADAL" clId="{425534FE-2470-4743-8B71-83B1ED8770FD}" dt="2026-01-16T07:02:08.945" v="1583" actId="26606"/>
+          <ac:spMkLst>
+            <pc:docMk/>
+            <pc:sldMk cId="4056528422" sldId="270"/>
+            <ac:spMk id="46" creationId="{B81933D1-5615-42C7-9C0B-4EB7105CCE2D}"/>
+          </ac:spMkLst>
+        </pc:spChg>
+        <pc:spChg chg="add del">
+          <ac:chgData name="Barras Matias" userId="8eac776d-deeb-4346-aa0f-eaa1e7f5da8d" providerId="ADAL" clId="{425534FE-2470-4743-8B71-83B1ED8770FD}" dt="2026-01-16T07:02:55.312" v="1604" actId="26606"/>
+          <ac:spMkLst>
+            <pc:docMk/>
+            <pc:sldMk cId="4056528422" sldId="270"/>
+            <ac:spMk id="47" creationId="{DC701763-729E-462F-A5A8-E0DEFEB1E2E4}"/>
+          </ac:spMkLst>
+        </pc:spChg>
+        <pc:spChg chg="add del">
+          <ac:chgData name="Barras Matias" userId="8eac776d-deeb-4346-aa0f-eaa1e7f5da8d" providerId="ADAL" clId="{425534FE-2470-4743-8B71-83B1ED8770FD}" dt="2026-01-16T07:02:08.945" v="1583" actId="26606"/>
+          <ac:spMkLst>
+            <pc:docMk/>
+            <pc:sldMk cId="4056528422" sldId="270"/>
+            <ac:spMk id="48" creationId="{B089A89A-1E9C-4761-9DFF-53C275FBF870}"/>
+          </ac:spMkLst>
+        </pc:spChg>
+        <pc:spChg chg="add del">
+          <ac:chgData name="Barras Matias" userId="8eac776d-deeb-4346-aa0f-eaa1e7f5da8d" providerId="ADAL" clId="{425534FE-2470-4743-8B71-83B1ED8770FD}" dt="2026-01-16T07:02:08.945" v="1583" actId="26606"/>
+          <ac:spMkLst>
+            <pc:docMk/>
+            <pc:sldMk cId="4056528422" sldId="270"/>
+            <ac:spMk id="50" creationId="{19C9EAEA-39D0-4B0E-A0EB-51E7B26740B1}"/>
+          </ac:spMkLst>
+        </pc:spChg>
+        <pc:spChg chg="add del">
+          <ac:chgData name="Barras Matias" userId="8eac776d-deeb-4346-aa0f-eaa1e7f5da8d" providerId="ADAL" clId="{425534FE-2470-4743-8B71-83B1ED8770FD}" dt="2026-01-16T07:02:55.312" v="1604" actId="26606"/>
+          <ac:spMkLst>
+            <pc:docMk/>
+            <pc:sldMk cId="4056528422" sldId="270"/>
+            <ac:spMk id="52" creationId="{2151139A-886F-4B97-8815-729AD3831BBD}"/>
+          </ac:spMkLst>
+        </pc:spChg>
+        <pc:spChg chg="add del">
+          <ac:chgData name="Barras Matias" userId="8eac776d-deeb-4346-aa0f-eaa1e7f5da8d" providerId="ADAL" clId="{425534FE-2470-4743-8B71-83B1ED8770FD}" dt="2026-01-16T07:02:55.312" v="1604" actId="26606"/>
+          <ac:spMkLst>
+            <pc:docMk/>
+            <pc:sldMk cId="4056528422" sldId="270"/>
+            <ac:spMk id="53" creationId="{AB5E08C4-8CDD-4623-A5B8-E998C6DEE3B7}"/>
+          </ac:spMkLst>
+        </pc:spChg>
+        <pc:spChg chg="add del">
+          <ac:chgData name="Barras Matias" userId="8eac776d-deeb-4346-aa0f-eaa1e7f5da8d" providerId="ADAL" clId="{425534FE-2470-4743-8B71-83B1ED8770FD}" dt="2026-01-16T07:02:55.312" v="1604" actId="26606"/>
+          <ac:spMkLst>
+            <pc:docMk/>
+            <pc:sldMk cId="4056528422" sldId="270"/>
+            <ac:spMk id="54" creationId="{15F33878-D502-4FFA-8ACE-F2AECDB2A23F}"/>
+          </ac:spMkLst>
+        </pc:spChg>
+        <pc:spChg chg="add del">
+          <ac:chgData name="Barras Matias" userId="8eac776d-deeb-4346-aa0f-eaa1e7f5da8d" providerId="ADAL" clId="{425534FE-2470-4743-8B71-83B1ED8770FD}" dt="2026-01-16T07:02:54.779" v="1601" actId="26606"/>
+          <ac:spMkLst>
+            <pc:docMk/>
+            <pc:sldMk cId="4056528422" sldId="270"/>
+            <ac:spMk id="59" creationId="{53F29798-D584-4792-9B62-3F5F5C36D619}"/>
+          </ac:spMkLst>
+        </pc:spChg>
+        <pc:spChg chg="add del">
+          <ac:chgData name="Barras Matias" userId="8eac776d-deeb-4346-aa0f-eaa1e7f5da8d" providerId="ADAL" clId="{425534FE-2470-4743-8B71-83B1ED8770FD}" dt="2026-01-16T07:02:55.312" v="1603" actId="26606"/>
+          <ac:spMkLst>
+            <pc:docMk/>
+            <pc:sldMk cId="4056528422" sldId="270"/>
+            <ac:spMk id="61" creationId="{1199E1B1-A8C0-4FE8-A5A8-1CB41D69F857}"/>
+          </ac:spMkLst>
+        </pc:spChg>
+        <pc:spChg chg="add del">
+          <ac:chgData name="Barras Matias" userId="8eac776d-deeb-4346-aa0f-eaa1e7f5da8d" providerId="ADAL" clId="{425534FE-2470-4743-8B71-83B1ED8770FD}" dt="2026-01-16T07:02:55.312" v="1603" actId="26606"/>
+          <ac:spMkLst>
+            <pc:docMk/>
+            <pc:sldMk cId="4056528422" sldId="270"/>
+            <ac:spMk id="62" creationId="{A8384FB5-9ADC-4DDC-881B-597D56F5B15D}"/>
+          </ac:spMkLst>
+        </pc:spChg>
+        <pc:spChg chg="add del">
+          <ac:chgData name="Barras Matias" userId="8eac776d-deeb-4346-aa0f-eaa1e7f5da8d" providerId="ADAL" clId="{425534FE-2470-4743-8B71-83B1ED8770FD}" dt="2026-01-16T07:02:55.312" v="1603" actId="26606"/>
+          <ac:spMkLst>
+            <pc:docMk/>
+            <pc:sldMk cId="4056528422" sldId="270"/>
+            <ac:spMk id="63" creationId="{84A8DE83-DE75-4B41-9DB4-A7EC0B0DEC0B}"/>
+          </ac:spMkLst>
+        </pc:spChg>
+        <pc:spChg chg="add del">
+          <ac:chgData name="Barras Matias" userId="8eac776d-deeb-4346-aa0f-eaa1e7f5da8d" providerId="ADAL" clId="{425534FE-2470-4743-8B71-83B1ED8770FD}" dt="2026-01-16T07:02:55.312" v="1603" actId="26606"/>
+          <ac:spMkLst>
+            <pc:docMk/>
+            <pc:sldMk cId="4056528422" sldId="270"/>
+            <ac:spMk id="65" creationId="{A7009A0A-BEF5-4EAC-AF15-E4F9F002E239}"/>
+          </ac:spMkLst>
+        </pc:spChg>
+        <pc:spChg chg="add">
+          <ac:chgData name="Barras Matias" userId="8eac776d-deeb-4346-aa0f-eaa1e7f5da8d" providerId="ADAL" clId="{425534FE-2470-4743-8B71-83B1ED8770FD}" dt="2026-01-16T07:02:55.312" v="1604" actId="26606"/>
+          <ac:spMkLst>
+            <pc:docMk/>
+            <pc:sldMk cId="4056528422" sldId="270"/>
+            <ac:spMk id="67" creationId="{A4AC5506-6312-4701-8D3C-40187889A947}"/>
+          </ac:spMkLst>
+        </pc:spChg>
+        <pc:grpChg chg="add del">
+          <ac:chgData name="Barras Matias" userId="8eac776d-deeb-4346-aa0f-eaa1e7f5da8d" providerId="ADAL" clId="{425534FE-2470-4743-8B71-83B1ED8770FD}" dt="2026-01-16T07:01:51.622" v="1578" actId="26606"/>
+          <ac:grpSpMkLst>
+            <pc:docMk/>
+            <pc:sldMk cId="4056528422" sldId="270"/>
+            <ac:grpSpMk id="16" creationId="{AE1C45F0-260A-458C-96ED-C1F6D2151219}"/>
+          </ac:grpSpMkLst>
+        </pc:grpChg>
+        <pc:grpChg chg="add del">
+          <ac:chgData name="Barras Matias" userId="8eac776d-deeb-4346-aa0f-eaa1e7f5da8d" providerId="ADAL" clId="{425534FE-2470-4743-8B71-83B1ED8770FD}" dt="2026-01-16T07:02:08.945" v="1583" actId="26606"/>
+          <ac:grpSpMkLst>
+            <pc:docMk/>
+            <pc:sldMk cId="4056528422" sldId="270"/>
+            <ac:grpSpMk id="41" creationId="{032D8612-31EB-44CF-A1D0-14FD4C705424}"/>
+          </ac:grpSpMkLst>
+        </pc:grpChg>
+        <pc:picChg chg="add mod ord">
+          <ac:chgData name="Barras Matias" userId="8eac776d-deeb-4346-aa0f-eaa1e7f5da8d" providerId="ADAL" clId="{425534FE-2470-4743-8B71-83B1ED8770FD}" dt="2026-01-16T07:02:55.312" v="1604" actId="26606"/>
+          <ac:picMkLst>
+            <pc:docMk/>
+            <pc:sldMk cId="4056528422" sldId="270"/>
+            <ac:picMk id="5" creationId="{187C5AD4-7611-4B2E-8EBE-A9AB0323E366}"/>
+          </ac:picMkLst>
+        </pc:picChg>
+        <pc:picChg chg="add del mod ord">
+          <ac:chgData name="Barras Matias" userId="8eac776d-deeb-4346-aa0f-eaa1e7f5da8d" providerId="ADAL" clId="{425534FE-2470-4743-8B71-83B1ED8770FD}" dt="2026-01-16T07:02:45.008" v="1597" actId="21"/>
+          <ac:picMkLst>
+            <pc:docMk/>
+            <pc:sldMk cId="4056528422" sldId="270"/>
+            <ac:picMk id="7" creationId="{B5A8074D-2E9D-F259-D164-EB1E7BD97281}"/>
+          </ac:picMkLst>
+        </pc:picChg>
+        <pc:cxnChg chg="add">
+          <ac:chgData name="Barras Matias" userId="8eac776d-deeb-4346-aa0f-eaa1e7f5da8d" providerId="ADAL" clId="{425534FE-2470-4743-8B71-83B1ED8770FD}" dt="2026-01-16T07:01:43.927" v="1576" actId="26606"/>
+          <ac:cxnSpMkLst>
+            <pc:docMk/>
+            <pc:sldMk cId="4056528422" sldId="270"/>
+            <ac:cxnSpMk id="27" creationId="{6CF1BAF6-AD41-4082-B212-8A1F9A2E8779}"/>
+          </ac:cxnSpMkLst>
+        </pc:cxnChg>
       </pc:sldChg>
       <pc:sldChg chg="new del ord">
         <pc:chgData name="Barras Matias" userId="8eac776d-deeb-4346-aa0f-eaa1e7f5da8d" providerId="ADAL" clId="{425534FE-2470-4743-8B71-83B1ED8770FD}" dt="2026-01-15T12:54:57.646" v="1515" actId="2696"/>
@@ -753,35 +978,91 @@
           <pc:sldMk cId="1168794504" sldId="271"/>
         </pc:sldMkLst>
       </pc:sldChg>
-      <pc:sldChg chg="modSp new">
-        <pc:chgData name="Barras Matias" userId="8eac776d-deeb-4346-aa0f-eaa1e7f5da8d" providerId="ADAL" clId="{425534FE-2470-4743-8B71-83B1ED8770FD}" dt="2026-01-15T12:55:06.711" v="1517"/>
+      <pc:sldChg chg="addSp delSp modSp new mod setBg setClrOvrMap">
+        <pc:chgData name="Barras Matias" userId="8eac776d-deeb-4346-aa0f-eaa1e7f5da8d" providerId="ADAL" clId="{425534FE-2470-4743-8B71-83B1ED8770FD}" dt="2026-01-16T07:03:52.005" v="1606" actId="26606"/>
         <pc:sldMkLst>
           <pc:docMk/>
           <pc:sldMk cId="1632674340" sldId="271"/>
         </pc:sldMkLst>
         <pc:spChg chg="mod">
-          <ac:chgData name="Barras Matias" userId="8eac776d-deeb-4346-aa0f-eaa1e7f5da8d" providerId="ADAL" clId="{425534FE-2470-4743-8B71-83B1ED8770FD}" dt="2026-01-15T12:55:06.711" v="1517"/>
+          <ac:chgData name="Barras Matias" userId="8eac776d-deeb-4346-aa0f-eaa1e7f5da8d" providerId="ADAL" clId="{425534FE-2470-4743-8B71-83B1ED8770FD}" dt="2026-01-16T07:03:52.005" v="1606" actId="26606"/>
           <ac:spMkLst>
             <pc:docMk/>
             <pc:sldMk cId="1632674340" sldId="271"/>
             <ac:spMk id="2" creationId="{05CDB1F2-CE14-F9C4-1935-311A18C0F10B}"/>
           </ac:spMkLst>
         </pc:spChg>
+        <pc:spChg chg="del">
+          <ac:chgData name="Barras Matias" userId="8eac776d-deeb-4346-aa0f-eaa1e7f5da8d" providerId="ADAL" clId="{425534FE-2470-4743-8B71-83B1ED8770FD}" dt="2026-01-16T07:03:52.005" v="1606" actId="26606"/>
+          <ac:spMkLst>
+            <pc:docMk/>
+            <pc:sldMk cId="1632674340" sldId="271"/>
+            <ac:spMk id="3" creationId="{AE60802A-A942-9A5D-4EEC-B54167A75C02}"/>
+          </ac:spMkLst>
+        </pc:spChg>
+        <pc:spChg chg="add">
+          <ac:chgData name="Barras Matias" userId="8eac776d-deeb-4346-aa0f-eaa1e7f5da8d" providerId="ADAL" clId="{425534FE-2470-4743-8B71-83B1ED8770FD}" dt="2026-01-16T07:03:52.005" v="1606" actId="26606"/>
+          <ac:spMkLst>
+            <pc:docMk/>
+            <pc:sldMk cId="1632674340" sldId="271"/>
+            <ac:spMk id="8" creationId="{66B332A4-D438-4773-A77F-5ED49A448D9D}"/>
+          </ac:spMkLst>
+        </pc:spChg>
+        <pc:spChg chg="add">
+          <ac:chgData name="Barras Matias" userId="8eac776d-deeb-4346-aa0f-eaa1e7f5da8d" providerId="ADAL" clId="{425534FE-2470-4743-8B71-83B1ED8770FD}" dt="2026-01-16T07:03:52.005" v="1606" actId="26606"/>
+          <ac:spMkLst>
+            <pc:docMk/>
+            <pc:sldMk cId="1632674340" sldId="271"/>
+            <ac:spMk id="10" creationId="{DF9AD32D-FF05-44F4-BD4D-9CEE89B71EB9}"/>
+          </ac:spMkLst>
+        </pc:spChg>
       </pc:sldChg>
-      <pc:sldChg chg="modSp new mod">
-        <pc:chgData name="Barras Matias" userId="8eac776d-deeb-4346-aa0f-eaa1e7f5da8d" providerId="ADAL" clId="{425534FE-2470-4743-8B71-83B1ED8770FD}" dt="2026-01-15T12:55:18.164" v="1520" actId="20577"/>
+      <pc:sldChg chg="addSp delSp modSp new mod setBg">
+        <pc:chgData name="Barras Matias" userId="8eac776d-deeb-4346-aa0f-eaa1e7f5da8d" providerId="ADAL" clId="{425534FE-2470-4743-8B71-83B1ED8770FD}" dt="2026-01-16T07:03:05.981" v="1605" actId="26606"/>
         <pc:sldMkLst>
           <pc:docMk/>
           <pc:sldMk cId="2341187373" sldId="272"/>
         </pc:sldMkLst>
         <pc:spChg chg="mod">
-          <ac:chgData name="Barras Matias" userId="8eac776d-deeb-4346-aa0f-eaa1e7f5da8d" providerId="ADAL" clId="{425534FE-2470-4743-8B71-83B1ED8770FD}" dt="2026-01-15T12:55:18.164" v="1520" actId="20577"/>
+          <ac:chgData name="Barras Matias" userId="8eac776d-deeb-4346-aa0f-eaa1e7f5da8d" providerId="ADAL" clId="{425534FE-2470-4743-8B71-83B1ED8770FD}" dt="2026-01-16T07:03:05.981" v="1605" actId="26606"/>
           <ac:spMkLst>
             <pc:docMk/>
             <pc:sldMk cId="2341187373" sldId="272"/>
             <ac:spMk id="2" creationId="{AFB79645-01DA-D966-1820-766E98972873}"/>
           </ac:spMkLst>
         </pc:spChg>
+        <pc:spChg chg="del">
+          <ac:chgData name="Barras Matias" userId="8eac776d-deeb-4346-aa0f-eaa1e7f5da8d" providerId="ADAL" clId="{425534FE-2470-4743-8B71-83B1ED8770FD}" dt="2026-01-16T07:03:05.981" v="1605" actId="26606"/>
+          <ac:spMkLst>
+            <pc:docMk/>
+            <pc:sldMk cId="2341187373" sldId="272"/>
+            <ac:spMk id="3" creationId="{9BEC85FE-FF72-CAC5-2318-18867454A3F4}"/>
+          </ac:spMkLst>
+        </pc:spChg>
+        <pc:spChg chg="add">
+          <ac:chgData name="Barras Matias" userId="8eac776d-deeb-4346-aa0f-eaa1e7f5da8d" providerId="ADAL" clId="{425534FE-2470-4743-8B71-83B1ED8770FD}" dt="2026-01-16T07:03:05.981" v="1605" actId="26606"/>
+          <ac:spMkLst>
+            <pc:docMk/>
+            <pc:sldMk cId="2341187373" sldId="272"/>
+            <ac:spMk id="9" creationId="{C1DD1A8A-57D5-4A81-AD04-532B043C5611}"/>
+          </ac:spMkLst>
+        </pc:spChg>
+        <pc:spChg chg="add">
+          <ac:chgData name="Barras Matias" userId="8eac776d-deeb-4346-aa0f-eaa1e7f5da8d" providerId="ADAL" clId="{425534FE-2470-4743-8B71-83B1ED8770FD}" dt="2026-01-16T07:03:05.981" v="1605" actId="26606"/>
+          <ac:spMkLst>
+            <pc:docMk/>
+            <pc:sldMk cId="2341187373" sldId="272"/>
+            <ac:spMk id="11" creationId="{007891EC-4501-44ED-A8C8-B11B6DB767AB}"/>
+          </ac:spMkLst>
+        </pc:spChg>
+        <pc:picChg chg="add">
+          <ac:chgData name="Barras Matias" userId="8eac776d-deeb-4346-aa0f-eaa1e7f5da8d" providerId="ADAL" clId="{425534FE-2470-4743-8B71-83B1ED8770FD}" dt="2026-01-16T07:03:05.981" v="1605" actId="26606"/>
+          <ac:picMkLst>
+            <pc:docMk/>
+            <pc:sldMk cId="2341187373" sldId="272"/>
+            <ac:picMk id="5" creationId="{7216084A-04EF-9173-D17D-E70B1A5F73C5}"/>
+          </ac:picMkLst>
+        </pc:picChg>
       </pc:sldChg>
       <pc:sldChg chg="modSp new mod">
         <pc:chgData name="Barras Matias" userId="8eac776d-deeb-4346-aa0f-eaa1e7f5da8d" providerId="ADAL" clId="{425534FE-2470-4743-8B71-83B1ED8770FD}" dt="2026-01-15T12:55:28.488" v="1523" actId="20577"/>
@@ -797,6 +1078,37 @@
             <ac:spMk id="2" creationId="{586FC6C0-BEC1-80E3-2D12-F0027A0CD195}"/>
           </ac:spMkLst>
         </pc:spChg>
+      </pc:sldChg>
+      <pc:sldChg chg="addSp delSp modSp new mod setBg">
+        <pc:chgData name="Barras Matias" userId="8eac776d-deeb-4346-aa0f-eaa1e7f5da8d" providerId="ADAL" clId="{425534FE-2470-4743-8B71-83B1ED8770FD}" dt="2026-01-16T07:02:49.709" v="1599" actId="26606"/>
+        <pc:sldMkLst>
+          <pc:docMk/>
+          <pc:sldMk cId="3958757487" sldId="274"/>
+        </pc:sldMkLst>
+        <pc:spChg chg="del">
+          <ac:chgData name="Barras Matias" userId="8eac776d-deeb-4346-aa0f-eaa1e7f5da8d" providerId="ADAL" clId="{425534FE-2470-4743-8B71-83B1ED8770FD}" dt="2026-01-16T07:02:49.709" v="1599" actId="26606"/>
+          <ac:spMkLst>
+            <pc:docMk/>
+            <pc:sldMk cId="3958757487" sldId="274"/>
+            <ac:spMk id="2" creationId="{93C3E022-CF9F-501F-F022-8B96A2FF6D56}"/>
+          </ac:spMkLst>
+        </pc:spChg>
+        <pc:spChg chg="del">
+          <ac:chgData name="Barras Matias" userId="8eac776d-deeb-4346-aa0f-eaa1e7f5da8d" providerId="ADAL" clId="{425534FE-2470-4743-8B71-83B1ED8770FD}" dt="2026-01-16T07:02:47.539" v="1598"/>
+          <ac:spMkLst>
+            <pc:docMk/>
+            <pc:sldMk cId="3958757487" sldId="274"/>
+            <ac:spMk id="3" creationId="{56A5E55C-C255-AA94-B723-71B80D43F171}"/>
+          </ac:spMkLst>
+        </pc:spChg>
+        <pc:picChg chg="add mod">
+          <ac:chgData name="Barras Matias" userId="8eac776d-deeb-4346-aa0f-eaa1e7f5da8d" providerId="ADAL" clId="{425534FE-2470-4743-8B71-83B1ED8770FD}" dt="2026-01-16T07:02:49.709" v="1599" actId="26606"/>
+          <ac:picMkLst>
+            <pc:docMk/>
+            <pc:sldMk cId="3958757487" sldId="274"/>
+            <ac:picMk id="7" creationId="{B5A8074D-2E9D-F259-D164-EB1E7BD97281}"/>
+          </ac:picMkLst>
+        </pc:picChg>
       </pc:sldChg>
     </pc:docChg>
   </pc:docChgLst>
@@ -5393,11 +5705,7 @@
         <a:p>
           <a:r>
             <a:rPr lang="fr-CH" sz="3200" dirty="0"/>
-            <a:t>Matias </a:t>
-          </a:r>
-          <a:r>
-            <a:rPr lang="fr-CH" sz="3200"/>
-            <a:t>Barras Développer</a:t>
+            <a:t>Matias Barras Développer</a:t>
           </a:r>
           <a:endParaRPr lang="en-US" sz="3200" dirty="0"/>
         </a:p>
@@ -6553,18 +6861,18 @@
     <dgm:cxn modelId="{37832274-F6CD-4884-8F3F-E2E12ABD4217}" srcId="{C294A339-4233-44F1-BF40-33906DC0FBF9}" destId="{5A8D0FB7-D0E2-4F93-908B-DDA902F6A211}" srcOrd="0" destOrd="0" parTransId="{869B62B8-B178-4157-AE44-5C7658AC636C}" sibTransId="{A95A6DE4-65E1-43A1-A2E4-AC909A0FBE63}"/>
     <dgm:cxn modelId="{A52F1C77-EEE5-4863-A5F3-9BFD90CF0F65}" type="presOf" srcId="{97F3D19F-E753-407F-88FB-08ADF1415C07}" destId="{1A6CC25B-F191-42A0-A11D-C445D26F1805}" srcOrd="0" destOrd="3" presId="urn:microsoft.com/office/officeart/2005/8/layout/radial3"/>
     <dgm:cxn modelId="{0BF8BA7C-548F-4A77-ABE4-BD9FBA630206}" srcId="{17813B69-B63D-4349-BA4A-7DC7B7681356}" destId="{73AACA69-716C-436E-9C39-A41849F9B521}" srcOrd="0" destOrd="0" parTransId="{30563F89-A07C-4B92-8410-FCB70F9CD915}" sibTransId="{A4E64B2C-E09E-4775-88BC-B8350A9F0899}"/>
+    <dgm:cxn modelId="{4950757D-D897-4892-921F-47B557175F35}" type="presOf" srcId="{5A8D0FB7-D0E2-4F93-908B-DDA902F6A211}" destId="{5735A83D-DE7C-4276-B89E-6FA32FA61490}" srcOrd="0" destOrd="0" presId="urn:microsoft.com/office/officeart/2005/8/layout/radial3"/>
     <dgm:cxn modelId="{334E7B86-E50F-44EF-BE7A-4D446ABEF620}" type="presOf" srcId="{2216ADA2-6E46-4F88-BD3D-D56A0EA999A5}" destId="{2D9D78DB-72D8-4C89-9727-8087BF458406}" srcOrd="0" destOrd="1" presId="urn:microsoft.com/office/officeart/2005/8/layout/radial3"/>
     <dgm:cxn modelId="{CC70238E-2CE8-4A1B-87A7-836AE722914A}" type="presOf" srcId="{73AACA69-716C-436E-9C39-A41849F9B521}" destId="{1A6CC25B-F191-42A0-A11D-C445D26F1805}" srcOrd="0" destOrd="1" presId="urn:microsoft.com/office/officeart/2005/8/layout/radial3"/>
     <dgm:cxn modelId="{34C169A4-F752-4C57-AA53-1C000C3D1294}" srcId="{17813B69-B63D-4349-BA4A-7DC7B7681356}" destId="{97F3D19F-E753-407F-88FB-08ADF1415C07}" srcOrd="2" destOrd="0" parTransId="{18BC992C-FB7A-4457-A125-1709F6C47005}" sibTransId="{00917E5C-1252-4932-8AC4-1BEEB0FEBD98}"/>
     <dgm:cxn modelId="{E9F295A6-C3E3-4E5E-8B92-D880E116C144}" srcId="{D1742936-6C8D-4BC2-9770-FE5184F0B783}" destId="{8C32FCB0-1953-4973-8759-3923E17516C7}" srcOrd="1" destOrd="0" parTransId="{13CCE57B-A5E1-44F3-AC2F-E05F86F8D69C}" sibTransId="{6EFD9E0E-6456-4A31-8E78-74C10227AFAA}"/>
     <dgm:cxn modelId="{378575C4-2C7D-4BAC-82C6-06365BFF7071}" srcId="{5A8D0FB7-D0E2-4F93-908B-DDA902F6A211}" destId="{22A0A8E4-2844-4871-A299-EC5CAEB21E60}" srcOrd="1" destOrd="0" parTransId="{23DE8A99-C995-4109-9E23-5B9F500CFF1A}" sibTransId="{99D6141C-248C-4936-9710-EEFAFA0B3ADE}"/>
     <dgm:cxn modelId="{F67FA9C5-A1D4-4700-B836-59B4661EC2E6}" type="presOf" srcId="{147AD012-06B2-4E75-8AEE-23B0DCF4C93B}" destId="{1A6CC25B-F191-42A0-A11D-C445D26F1805}" srcOrd="0" destOrd="4" presId="urn:microsoft.com/office/officeart/2005/8/layout/radial3"/>
-    <dgm:cxn modelId="{6A5CE9D6-53A9-4A06-826E-9B119CBB937E}" type="presOf" srcId="{5A8D0FB7-D0E2-4F93-908B-DDA902F6A211}" destId="{5735A83D-DE7C-4276-B89E-6FA32FA61490}" srcOrd="0" destOrd="0" presId="urn:microsoft.com/office/officeart/2005/8/layout/radial3"/>
     <dgm:cxn modelId="{265AD7D7-53C9-4109-AFE5-329D5EBDFF74}" srcId="{5A8D0FB7-D0E2-4F93-908B-DDA902F6A211}" destId="{D1742936-6C8D-4BC2-9770-FE5184F0B783}" srcOrd="2" destOrd="0" parTransId="{8F54EBD3-F727-4CA5-8BCF-21BAA9115623}" sibTransId="{0BAA8EE8-41B5-4AF6-A2BF-A809B44BF6C1}"/>
     <dgm:cxn modelId="{BAAB8BD8-4094-4527-99A4-8B3C67C23531}" srcId="{22A0A8E4-2844-4871-A299-EC5CAEB21E60}" destId="{7341318C-58E7-4D78-AA19-8BC286032BA2}" srcOrd="0" destOrd="0" parTransId="{5288F07B-7A87-4135-8034-F1D52FE7D828}" sibTransId="{2EF8ADED-60D5-4A06-98E1-EF4983A7DDA4}"/>
     <dgm:cxn modelId="{6B1103E8-5FBD-4314-931C-EE10DFD5C92F}" srcId="{17813B69-B63D-4349-BA4A-7DC7B7681356}" destId="{147AD012-06B2-4E75-8AEE-23B0DCF4C93B}" srcOrd="3" destOrd="0" parTransId="{62621FC0-5A8B-4E73-8250-BD6936C003F0}" sibTransId="{065A0BA1-5932-4C8B-BE06-3702DEACBB9D}"/>
     <dgm:cxn modelId="{1144AB40-5E2E-4FCD-AFC0-66C5283047E2}" type="presParOf" srcId="{890BED70-C600-49BD-954C-01242C863D37}" destId="{33BB8D2B-D40D-4146-BC5E-193F1B453721}" srcOrd="0" destOrd="0" presId="urn:microsoft.com/office/officeart/2005/8/layout/radial3"/>
-    <dgm:cxn modelId="{3A2E1A03-7887-4B6C-8BEF-304E193AEC33}" type="presParOf" srcId="{33BB8D2B-D40D-4146-BC5E-193F1B453721}" destId="{5735A83D-DE7C-4276-B89E-6FA32FA61490}" srcOrd="0" destOrd="0" presId="urn:microsoft.com/office/officeart/2005/8/layout/radial3"/>
+    <dgm:cxn modelId="{814C58E7-56CE-4360-BDA1-CCC133860C35}" type="presParOf" srcId="{33BB8D2B-D40D-4146-BC5E-193F1B453721}" destId="{5735A83D-DE7C-4276-B89E-6FA32FA61490}" srcOrd="0" destOrd="0" presId="urn:microsoft.com/office/officeart/2005/8/layout/radial3"/>
     <dgm:cxn modelId="{2F246D23-0852-4B46-A98D-DD6525445F6C}" type="presParOf" srcId="{33BB8D2B-D40D-4146-BC5E-193F1B453721}" destId="{1A6CC25B-F191-42A0-A11D-C445D26F1805}" srcOrd="1" destOrd="0" presId="urn:microsoft.com/office/officeart/2005/8/layout/radial3"/>
     <dgm:cxn modelId="{32E08FAF-0195-4BE5-8EE5-2FF9B0E35571}" type="presParOf" srcId="{33BB8D2B-D40D-4146-BC5E-193F1B453721}" destId="{7BC12D59-D7BD-45F7-891F-2B8F67E03670}" srcOrd="2" destOrd="0" presId="urn:microsoft.com/office/officeart/2005/8/layout/radial3"/>
     <dgm:cxn modelId="{5D25268B-72BF-4F45-921F-7DBE923B5581}" type="presParOf" srcId="{33BB8D2B-D40D-4146-BC5E-193F1B453721}" destId="{2D9D78DB-72D8-4C89-9727-8087BF458406}" srcOrd="3" destOrd="0" presId="urn:microsoft.com/office/officeart/2005/8/layout/radial3"/>
@@ -7885,11 +8193,7 @@
           </a:pPr>
           <a:r>
             <a:rPr lang="fr-CH" sz="3200" kern="1200" dirty="0"/>
-            <a:t>Matias </a:t>
-          </a:r>
-          <a:r>
-            <a:rPr lang="fr-CH" sz="3200" kern="1200"/>
-            <a:t>Barras Développer</a:t>
+            <a:t>Matias Barras Développer</a:t>
           </a:r>
           <a:endParaRPr lang="en-US" sz="3200" kern="1200" dirty="0"/>
         </a:p>
@@ -20282,6 +20586,14 @@
 <file path=ppt/slides/slide13.xml><?xml version="1.0" encoding="utf-8"?>
 <p:sld xmlns:a="http://schemas.openxmlformats.org/drawingml/2006/main" xmlns:r="http://schemas.openxmlformats.org/officeDocument/2006/relationships" xmlns:p="http://schemas.openxmlformats.org/presentationml/2006/main">
   <p:cSld>
+    <p:bg>
+      <p:bgPr>
+        <a:solidFill>
+          <a:schemeClr val="bg1"/>
+        </a:solidFill>
+        <a:effectLst/>
+      </p:bgPr>
+    </p:bg>
     <p:spTree>
       <p:nvGrpSpPr>
         <p:cNvPr id="1" name=""/>
@@ -20298,6 +20610,69 @@
       </p:grpSpPr>
       <p:sp>
         <p:nvSpPr>
+          <p:cNvPr id="67" name="Rectangle 66">
+            <a:extLst>
+              <a:ext uri="{FF2B5EF4-FFF2-40B4-BE49-F238E27FC236}">
+                <a16:creationId xmlns:a16="http://schemas.microsoft.com/office/drawing/2014/main" id="{A4AC5506-6312-4701-8D3C-40187889A947}"/>
+              </a:ext>
+              <a:ext uri="{C183D7F6-B498-43B3-948B-1728B52AA6E4}">
+                <adec:decorative xmlns:adec="http://schemas.microsoft.com/office/drawing/2017/decorative" val="1"/>
+              </a:ext>
+            </a:extLst>
+          </p:cNvPr>
+          <p:cNvSpPr>
+            <a:spLocks noGrp="1" noRot="1" noChangeAspect="1" noMove="1" noResize="1" noEditPoints="1" noAdjustHandles="1" noChangeArrowheads="1" noChangeShapeType="1" noTextEdit="1"/>
+          </p:cNvSpPr>
+          <p:nvPr>
+            <p:extLst>
+              <p:ext uri="{386F3935-93C4-4BCD-93E2-E3B085C9AB24}">
+                <p16:designElem xmlns:p16="http://schemas.microsoft.com/office/powerpoint/2015/main" val="1"/>
+              </p:ext>
+            </p:extLst>
+          </p:nvPr>
+        </p:nvSpPr>
+        <p:spPr>
+          <a:xfrm>
+            <a:off x="0" y="651752"/>
+            <a:ext cx="12192000" cy="736551"/>
+          </a:xfrm>
+          <a:prstGeom prst="rect">
+            <a:avLst/>
+          </a:prstGeom>
+          <a:solidFill>
+            <a:schemeClr val="tx1"/>
+          </a:solidFill>
+          <a:ln>
+            <a:noFill/>
+          </a:ln>
+        </p:spPr>
+        <p:style>
+          <a:lnRef idx="2">
+            <a:schemeClr val="accent1">
+              <a:shade val="50000"/>
+            </a:schemeClr>
+          </a:lnRef>
+          <a:fillRef idx="1">
+            <a:schemeClr val="accent1"/>
+          </a:fillRef>
+          <a:effectRef idx="0">
+            <a:schemeClr val="accent1"/>
+          </a:effectRef>
+          <a:fontRef idx="minor">
+            <a:schemeClr val="lt1"/>
+          </a:fontRef>
+        </p:style>
+        <p:txBody>
+          <a:bodyPr rtlCol="0" anchor="ctr"/>
+          <a:lstStyle/>
+          <a:p>
+            <a:pPr algn="ctr"/>
+            <a:endParaRPr lang="en-US"/>
+          </a:p>
+        </p:txBody>
+      </p:sp>
+      <p:sp>
+        <p:nvSpPr>
           <p:cNvPr id="2" name="Titre 1">
             <a:extLst>
               <a:ext uri="{FF2B5EF4-FFF2-40B4-BE49-F238E27FC236}">
@@ -20312,43 +20687,63 @@
             <p:ph type="title"/>
           </p:nvPr>
         </p:nvSpPr>
-        <p:spPr/>
+        <p:spPr>
+          <a:xfrm>
+            <a:off x="556532" y="643467"/>
+            <a:ext cx="11210925" cy="744836"/>
+          </a:xfrm>
+        </p:spPr>
         <p:txBody>
-          <a:bodyPr/>
+          <a:bodyPr vert="horz" lIns="91440" tIns="45720" rIns="91440" bIns="45720" rtlCol="0" anchor="ctr">
+            <a:normAutofit/>
+          </a:bodyPr>
           <a:lstStyle/>
           <a:p>
+            <a:pPr algn="ctr"/>
             <a:r>
-              <a:rPr lang="fr-CH" dirty="0"/>
+              <a:rPr lang="en-US" sz="3200" kern="1200">
+                <a:solidFill>
+                  <a:schemeClr val="bg1"/>
+                </a:solidFill>
+                <a:latin typeface="+mj-lt"/>
+                <a:ea typeface="+mj-ea"/>
+                <a:cs typeface="+mj-cs"/>
+              </a:rPr>
               <a:t>Organisation et suivis</a:t>
             </a:r>
           </a:p>
         </p:txBody>
       </p:sp>
-      <p:sp>
-        <p:nvSpPr>
-          <p:cNvPr id="3" name="Espace réservé du contenu 2">
+      <p:pic>
+        <p:nvPicPr>
+          <p:cNvPr id="5" name="Espace réservé du contenu 4" descr="Une image contenant capture d’écran, texte, ligne, diagramme&#10;&#10;Le contenu généré par l’IA peut être incorrect.">
             <a:extLst>
               <a:ext uri="{FF2B5EF4-FFF2-40B4-BE49-F238E27FC236}">
-                <a16:creationId xmlns:a16="http://schemas.microsoft.com/office/drawing/2014/main" id="{762FF5C7-ADBB-B8A1-243A-0FE911468AC1}"/>
+                <a16:creationId xmlns:a16="http://schemas.microsoft.com/office/drawing/2014/main" id="{187C5AD4-7611-4B2E-8EBE-A9AB0323E366}"/>
               </a:ext>
             </a:extLst>
           </p:cNvPr>
-          <p:cNvSpPr>
-            <a:spLocks noGrp="1"/>
-          </p:cNvSpPr>
-          <p:nvPr>
-            <p:ph idx="1"/>
-          </p:nvPr>
-        </p:nvSpPr>
-        <p:spPr/>
-        <p:txBody>
-          <a:bodyPr/>
-          <a:lstStyle/>
-          <a:p>
-            <a:endParaRPr lang="fr-CH" dirty="0"/>
-          </a:p>
-        </p:txBody>
-      </p:sp>
+          <p:cNvPicPr>
+            <a:picLocks noChangeAspect="1"/>
+          </p:cNvPicPr>
+          <p:nvPr/>
+        </p:nvPicPr>
+        <p:blipFill>
+          <a:blip r:embed="rId2"/>
+          <a:stretch>
+            <a:fillRect/>
+          </a:stretch>
+        </p:blipFill>
+        <p:spPr>
+          <a:xfrm>
+            <a:off x="643467" y="1718576"/>
+            <a:ext cx="10905066" cy="4307500"/>
+          </a:xfrm>
+          <a:prstGeom prst="rect">
+            <a:avLst/>
+          </a:prstGeom>
+        </p:spPr>
+      </p:pic>
     </p:spTree>
     <p:extLst>
       <p:ext uri="{BB962C8B-B14F-4D97-AF65-F5344CB8AC3E}">
@@ -20365,6 +20760,87 @@
 <file path=ppt/slides/slide14.xml><?xml version="1.0" encoding="utf-8"?>
 <p:sld xmlns:a="http://schemas.openxmlformats.org/drawingml/2006/main" xmlns:r="http://schemas.openxmlformats.org/officeDocument/2006/relationships" xmlns:p="http://schemas.openxmlformats.org/presentationml/2006/main">
   <p:cSld>
+    <p:bg>
+      <p:bgPr>
+        <a:solidFill>
+          <a:schemeClr val="bg1"/>
+        </a:solidFill>
+        <a:effectLst/>
+      </p:bgPr>
+    </p:bg>
+    <p:spTree>
+      <p:nvGrpSpPr>
+        <p:cNvPr id="1" name=""/>
+        <p:cNvGrpSpPr/>
+        <p:nvPr/>
+      </p:nvGrpSpPr>
+      <p:grpSpPr>
+        <a:xfrm>
+          <a:off x="0" y="0"/>
+          <a:ext cx="0" cy="0"/>
+          <a:chOff x="0" y="0"/>
+          <a:chExt cx="0" cy="0"/>
+        </a:xfrm>
+      </p:grpSpPr>
+      <p:pic>
+        <p:nvPicPr>
+          <p:cNvPr id="7" name="Espace réservé du contenu 6" descr="Une image contenant capture d’écran, logiciel, Logiciel multimédia, Logiciel de graphisme&#10;&#10;Le contenu généré par l’IA peut être incorrect.">
+            <a:extLst>
+              <a:ext uri="{FF2B5EF4-FFF2-40B4-BE49-F238E27FC236}">
+                <a16:creationId xmlns:a16="http://schemas.microsoft.com/office/drawing/2014/main" id="{B5A8074D-2E9D-F259-D164-EB1E7BD97281}"/>
+              </a:ext>
+            </a:extLst>
+          </p:cNvPr>
+          <p:cNvPicPr>
+            <a:picLocks noGrp="1" noChangeAspect="1"/>
+          </p:cNvPicPr>
+          <p:nvPr>
+            <p:ph idx="1"/>
+          </p:nvPr>
+        </p:nvPicPr>
+        <p:blipFill>
+          <a:blip r:embed="rId2"/>
+          <a:stretch>
+            <a:fillRect/>
+          </a:stretch>
+        </p:blipFill>
+        <p:spPr>
+          <a:xfrm>
+            <a:off x="643467" y="1166198"/>
+            <a:ext cx="10905066" cy="4525603"/>
+          </a:xfrm>
+          <a:prstGeom prst="rect">
+            <a:avLst/>
+          </a:prstGeom>
+        </p:spPr>
+      </p:pic>
+    </p:spTree>
+    <p:extLst>
+      <p:ext uri="{BB962C8B-B14F-4D97-AF65-F5344CB8AC3E}">
+        <p14:creationId xmlns:p14="http://schemas.microsoft.com/office/powerpoint/2010/main" val="3958757487"/>
+      </p:ext>
+    </p:extLst>
+  </p:cSld>
+  <p:clrMapOvr>
+    <a:masterClrMapping/>
+  </p:clrMapOvr>
+</p:sld>
+</file>
+
+<file path=ppt/slides/slide15.xml><?xml version="1.0" encoding="utf-8"?>
+<p:sld xmlns:a="http://schemas.openxmlformats.org/drawingml/2006/main" xmlns:r="http://schemas.openxmlformats.org/officeDocument/2006/relationships" xmlns:p="http://schemas.openxmlformats.org/presentationml/2006/main">
+  <p:cSld>
+    <p:bg>
+      <p:bgPr>
+        <a:solidFill>
+          <a:schemeClr val="bg1">
+            <a:tint val="95000"/>
+            <a:satMod val="170000"/>
+          </a:schemeClr>
+        </a:solidFill>
+        <a:effectLst/>
+      </p:bgPr>
+    </p:bg>
     <p:spTree>
       <p:nvGrpSpPr>
         <p:cNvPr id="1" name=""/>
@@ -20381,6 +20857,336 @@
       </p:grpSpPr>
       <p:sp>
         <p:nvSpPr>
+          <p:cNvPr id="8" name="Freeform: Shape 7">
+            <a:extLst>
+              <a:ext uri="{FF2B5EF4-FFF2-40B4-BE49-F238E27FC236}">
+                <a16:creationId xmlns:a16="http://schemas.microsoft.com/office/drawing/2014/main" id="{66B332A4-D438-4773-A77F-5ED49A448D9D}"/>
+              </a:ext>
+              <a:ext uri="{C183D7F6-B498-43B3-948B-1728B52AA6E4}">
+                <adec:decorative xmlns:adec="http://schemas.microsoft.com/office/drawing/2017/decorative" val="1"/>
+              </a:ext>
+            </a:extLst>
+          </p:cNvPr>
+          <p:cNvSpPr>
+            <a:spLocks noGrp="1" noRot="1" noChangeAspect="1" noMove="1" noResize="1" noEditPoints="1" noAdjustHandles="1" noChangeArrowheads="1" noChangeShapeType="1" noTextEdit="1"/>
+          </p:cNvSpPr>
+          <p:nvPr>
+            <p:extLst>
+              <p:ext uri="{386F3935-93C4-4BCD-93E2-E3B085C9AB24}">
+                <p16:designElem xmlns:p16="http://schemas.microsoft.com/office/powerpoint/2015/main" val="1"/>
+              </p:ext>
+            </p:extLst>
+          </p:nvPr>
+        </p:nvSpPr>
+        <p:spPr>
+          <a:xfrm>
+            <a:off x="1953768" y="0"/>
+            <a:ext cx="8284464" cy="6858000"/>
+          </a:xfrm>
+          <a:custGeom>
+            <a:avLst/>
+            <a:gdLst>
+              <a:gd name="connsiteX0" fmla="*/ 1818109 w 8284464"/>
+              <a:gd name="connsiteY0" fmla="*/ 0 h 6858000"/>
+              <a:gd name="connsiteX1" fmla="*/ 6466355 w 8284464"/>
+              <a:gd name="connsiteY1" fmla="*/ 0 h 6858000"/>
+              <a:gd name="connsiteX2" fmla="*/ 6620596 w 8284464"/>
+              <a:gd name="connsiteY2" fmla="*/ 109683 h 6858000"/>
+              <a:gd name="connsiteX3" fmla="*/ 8284464 w 8284464"/>
+              <a:gd name="connsiteY3" fmla="*/ 3429000 h 6858000"/>
+              <a:gd name="connsiteX4" fmla="*/ 6620596 w 8284464"/>
+              <a:gd name="connsiteY4" fmla="*/ 6748318 h 6858000"/>
+              <a:gd name="connsiteX5" fmla="*/ 6466355 w 8284464"/>
+              <a:gd name="connsiteY5" fmla="*/ 6858000 h 6858000"/>
+              <a:gd name="connsiteX6" fmla="*/ 1818109 w 8284464"/>
+              <a:gd name="connsiteY6" fmla="*/ 6858000 h 6858000"/>
+              <a:gd name="connsiteX7" fmla="*/ 1663869 w 8284464"/>
+              <a:gd name="connsiteY7" fmla="*/ 6748318 h 6858000"/>
+              <a:gd name="connsiteX8" fmla="*/ 0 w 8284464"/>
+              <a:gd name="connsiteY8" fmla="*/ 3429000 h 6858000"/>
+              <a:gd name="connsiteX9" fmla="*/ 1663869 w 8284464"/>
+              <a:gd name="connsiteY9" fmla="*/ 109683 h 6858000"/>
+            </a:gdLst>
+            <a:ahLst/>
+            <a:cxnLst>
+              <a:cxn ang="0">
+                <a:pos x="connsiteX0" y="connsiteY0"/>
+              </a:cxn>
+              <a:cxn ang="0">
+                <a:pos x="connsiteX1" y="connsiteY1"/>
+              </a:cxn>
+              <a:cxn ang="0">
+                <a:pos x="connsiteX2" y="connsiteY2"/>
+              </a:cxn>
+              <a:cxn ang="0">
+                <a:pos x="connsiteX3" y="connsiteY3"/>
+              </a:cxn>
+              <a:cxn ang="0">
+                <a:pos x="connsiteX4" y="connsiteY4"/>
+              </a:cxn>
+              <a:cxn ang="0">
+                <a:pos x="connsiteX5" y="connsiteY5"/>
+              </a:cxn>
+              <a:cxn ang="0">
+                <a:pos x="connsiteX6" y="connsiteY6"/>
+              </a:cxn>
+              <a:cxn ang="0">
+                <a:pos x="connsiteX7" y="connsiteY7"/>
+              </a:cxn>
+              <a:cxn ang="0">
+                <a:pos x="connsiteX8" y="connsiteY8"/>
+              </a:cxn>
+              <a:cxn ang="0">
+                <a:pos x="connsiteX9" y="connsiteY9"/>
+              </a:cxn>
+            </a:cxnLst>
+            <a:rect l="l" t="t" r="r" b="b"/>
+            <a:pathLst>
+              <a:path w="8284464" h="6858000">
+                <a:moveTo>
+                  <a:pt x="1818109" y="0"/>
+                </a:moveTo>
+                <a:lnTo>
+                  <a:pt x="6466355" y="0"/>
+                </a:lnTo>
+                <a:lnTo>
+                  <a:pt x="6620596" y="109683"/>
+                </a:lnTo>
+                <a:cubicBezTo>
+                  <a:pt x="7630666" y="865069"/>
+                  <a:pt x="8284464" y="2070683"/>
+                  <a:pt x="8284464" y="3429000"/>
+                </a:cubicBezTo>
+                <a:cubicBezTo>
+                  <a:pt x="8284464" y="4787317"/>
+                  <a:pt x="7630666" y="5992931"/>
+                  <a:pt x="6620596" y="6748318"/>
+                </a:cubicBezTo>
+                <a:lnTo>
+                  <a:pt x="6466355" y="6858000"/>
+                </a:lnTo>
+                <a:lnTo>
+                  <a:pt x="1818109" y="6858000"/>
+                </a:lnTo>
+                <a:lnTo>
+                  <a:pt x="1663869" y="6748318"/>
+                </a:lnTo>
+                <a:cubicBezTo>
+                  <a:pt x="653798" y="5992931"/>
+                  <a:pt x="0" y="4787317"/>
+                  <a:pt x="0" y="3429000"/>
+                </a:cubicBezTo>
+                <a:cubicBezTo>
+                  <a:pt x="0" y="2070683"/>
+                  <a:pt x="653798" y="865069"/>
+                  <a:pt x="1663869" y="109683"/>
+                </a:cubicBezTo>
+                <a:close/>
+              </a:path>
+            </a:pathLst>
+          </a:custGeom>
+          <a:solidFill>
+            <a:srgbClr val="FFFFFF">
+              <a:alpha val="80000"/>
+            </a:srgbClr>
+          </a:solidFill>
+          <a:ln>
+            <a:noFill/>
+          </a:ln>
+        </p:spPr>
+        <p:style>
+          <a:lnRef idx="2">
+            <a:schemeClr val="accent1">
+              <a:shade val="50000"/>
+            </a:schemeClr>
+          </a:lnRef>
+          <a:fillRef idx="1">
+            <a:schemeClr val="accent1"/>
+          </a:fillRef>
+          <a:effectRef idx="0">
+            <a:schemeClr val="accent1"/>
+          </a:effectRef>
+          <a:fontRef idx="minor">
+            <a:schemeClr val="lt1"/>
+          </a:fontRef>
+        </p:style>
+        <p:txBody>
+          <a:bodyPr wrap="square" rtlCol="0" anchor="ctr">
+            <a:noAutofit/>
+          </a:bodyPr>
+          <a:lstStyle/>
+          <a:p>
+            <a:pPr algn="ctr"/>
+            <a:endParaRPr lang="en-US"/>
+          </a:p>
+        </p:txBody>
+      </p:sp>
+      <p:sp>
+        <p:nvSpPr>
+          <p:cNvPr id="10" name="Freeform: Shape 9">
+            <a:extLst>
+              <a:ext uri="{FF2B5EF4-FFF2-40B4-BE49-F238E27FC236}">
+                <a16:creationId xmlns:a16="http://schemas.microsoft.com/office/drawing/2014/main" id="{DF9AD32D-FF05-44F4-BD4D-9CEE89B71EB9}"/>
+              </a:ext>
+              <a:ext uri="{C183D7F6-B498-43B3-948B-1728B52AA6E4}">
+                <adec:decorative xmlns:adec="http://schemas.microsoft.com/office/drawing/2017/decorative" val="1"/>
+              </a:ext>
+            </a:extLst>
+          </p:cNvPr>
+          <p:cNvSpPr>
+            <a:spLocks noGrp="1" noRot="1" noChangeAspect="1" noMove="1" noResize="1" noEditPoints="1" noAdjustHandles="1" noChangeArrowheads="1" noChangeShapeType="1" noTextEdit="1"/>
+          </p:cNvSpPr>
+          <p:nvPr>
+            <p:extLst>
+              <p:ext uri="{386F3935-93C4-4BCD-93E2-E3B085C9AB24}">
+                <p16:designElem xmlns:p16="http://schemas.microsoft.com/office/powerpoint/2015/main" val="1"/>
+              </p:ext>
+            </p:extLst>
+          </p:nvPr>
+        </p:nvSpPr>
+        <p:spPr>
+          <a:xfrm>
+            <a:off x="2118360" y="0"/>
+            <a:ext cx="7955280" cy="6858000"/>
+          </a:xfrm>
+          <a:custGeom>
+            <a:avLst/>
+            <a:gdLst>
+              <a:gd name="connsiteX0" fmla="*/ 1962423 w 7955280"/>
+              <a:gd name="connsiteY0" fmla="*/ 0 h 6858000"/>
+              <a:gd name="connsiteX1" fmla="*/ 5992858 w 7955280"/>
+              <a:gd name="connsiteY1" fmla="*/ 0 h 6858000"/>
+              <a:gd name="connsiteX2" fmla="*/ 6040191 w 7955280"/>
+              <a:gd name="connsiteY2" fmla="*/ 27216 h 6858000"/>
+              <a:gd name="connsiteX3" fmla="*/ 7955280 w 7955280"/>
+              <a:gd name="connsiteY3" fmla="*/ 3429000 h 6858000"/>
+              <a:gd name="connsiteX4" fmla="*/ 6040191 w 7955280"/>
+              <a:gd name="connsiteY4" fmla="*/ 6830784 h 6858000"/>
+              <a:gd name="connsiteX5" fmla="*/ 5992858 w 7955280"/>
+              <a:gd name="connsiteY5" fmla="*/ 6858000 h 6858000"/>
+              <a:gd name="connsiteX6" fmla="*/ 1962423 w 7955280"/>
+              <a:gd name="connsiteY6" fmla="*/ 6858000 h 6858000"/>
+              <a:gd name="connsiteX7" fmla="*/ 1915089 w 7955280"/>
+              <a:gd name="connsiteY7" fmla="*/ 6830784 h 6858000"/>
+              <a:gd name="connsiteX8" fmla="*/ 0 w 7955280"/>
+              <a:gd name="connsiteY8" fmla="*/ 3429000 h 6858000"/>
+              <a:gd name="connsiteX9" fmla="*/ 1915089 w 7955280"/>
+              <a:gd name="connsiteY9" fmla="*/ 27216 h 6858000"/>
+            </a:gdLst>
+            <a:ahLst/>
+            <a:cxnLst>
+              <a:cxn ang="0">
+                <a:pos x="connsiteX0" y="connsiteY0"/>
+              </a:cxn>
+              <a:cxn ang="0">
+                <a:pos x="connsiteX1" y="connsiteY1"/>
+              </a:cxn>
+              <a:cxn ang="0">
+                <a:pos x="connsiteX2" y="connsiteY2"/>
+              </a:cxn>
+              <a:cxn ang="0">
+                <a:pos x="connsiteX3" y="connsiteY3"/>
+              </a:cxn>
+              <a:cxn ang="0">
+                <a:pos x="connsiteX4" y="connsiteY4"/>
+              </a:cxn>
+              <a:cxn ang="0">
+                <a:pos x="connsiteX5" y="connsiteY5"/>
+              </a:cxn>
+              <a:cxn ang="0">
+                <a:pos x="connsiteX6" y="connsiteY6"/>
+              </a:cxn>
+              <a:cxn ang="0">
+                <a:pos x="connsiteX7" y="connsiteY7"/>
+              </a:cxn>
+              <a:cxn ang="0">
+                <a:pos x="connsiteX8" y="connsiteY8"/>
+              </a:cxn>
+              <a:cxn ang="0">
+                <a:pos x="connsiteX9" y="connsiteY9"/>
+              </a:cxn>
+            </a:cxnLst>
+            <a:rect l="l" t="t" r="r" b="b"/>
+            <a:pathLst>
+              <a:path w="7955280" h="6858000">
+                <a:moveTo>
+                  <a:pt x="1962423" y="0"/>
+                </a:moveTo>
+                <a:lnTo>
+                  <a:pt x="5992858" y="0"/>
+                </a:lnTo>
+                <a:lnTo>
+                  <a:pt x="6040191" y="27216"/>
+                </a:lnTo>
+                <a:cubicBezTo>
+                  <a:pt x="7188332" y="724844"/>
+                  <a:pt x="7955280" y="1987357"/>
+                  <a:pt x="7955280" y="3429000"/>
+                </a:cubicBezTo>
+                <a:cubicBezTo>
+                  <a:pt x="7955280" y="4870644"/>
+                  <a:pt x="7188332" y="6133157"/>
+                  <a:pt x="6040191" y="6830784"/>
+                </a:cubicBezTo>
+                <a:lnTo>
+                  <a:pt x="5992858" y="6858000"/>
+                </a:lnTo>
+                <a:lnTo>
+                  <a:pt x="1962423" y="6858000"/>
+                </a:lnTo>
+                <a:lnTo>
+                  <a:pt x="1915089" y="6830784"/>
+                </a:lnTo>
+                <a:cubicBezTo>
+                  <a:pt x="766948" y="6133157"/>
+                  <a:pt x="0" y="4870644"/>
+                  <a:pt x="0" y="3429000"/>
+                </a:cubicBezTo>
+                <a:cubicBezTo>
+                  <a:pt x="0" y="1987357"/>
+                  <a:pt x="766948" y="724844"/>
+                  <a:pt x="1915089" y="27216"/>
+                </a:cubicBezTo>
+                <a:close/>
+              </a:path>
+            </a:pathLst>
+          </a:custGeom>
+          <a:solidFill>
+            <a:schemeClr val="tx1"/>
+          </a:solidFill>
+          <a:ln>
+            <a:noFill/>
+          </a:ln>
+        </p:spPr>
+        <p:style>
+          <a:lnRef idx="2">
+            <a:schemeClr val="accent1">
+              <a:shade val="50000"/>
+            </a:schemeClr>
+          </a:lnRef>
+          <a:fillRef idx="1">
+            <a:schemeClr val="accent1"/>
+          </a:fillRef>
+          <a:effectRef idx="0">
+            <a:schemeClr val="accent1"/>
+          </a:effectRef>
+          <a:fontRef idx="minor">
+            <a:schemeClr val="lt1"/>
+          </a:fontRef>
+        </p:style>
+        <p:txBody>
+          <a:bodyPr wrap="square" rtlCol="0" anchor="ctr">
+            <a:noAutofit/>
+          </a:bodyPr>
+          <a:lstStyle/>
+          <a:p>
+            <a:pPr algn="ctr"/>
+            <a:endParaRPr lang="en-US"/>
+          </a:p>
+        </p:txBody>
+      </p:sp>
+      <p:sp>
+        <p:nvSpPr>
           <p:cNvPr id="2" name="Titre 1">
             <a:extLst>
               <a:ext uri="{FF2B5EF4-FFF2-40B4-BE49-F238E27FC236}">
@@ -20395,40 +21201,30 @@
             <p:ph type="title"/>
           </p:nvPr>
         </p:nvSpPr>
-        <p:spPr/>
+        <p:spPr>
+          <a:xfrm>
+            <a:off x="2555631" y="1441938"/>
+            <a:ext cx="7080738" cy="3974124"/>
+          </a:xfrm>
+        </p:spPr>
         <p:txBody>
-          <a:bodyPr/>
+          <a:bodyPr vert="horz" lIns="91440" tIns="45720" rIns="91440" bIns="45720" rtlCol="0" anchor="ctr">
+            <a:normAutofit/>
+          </a:bodyPr>
           <a:lstStyle/>
           <a:p>
+            <a:pPr algn="ctr"/>
             <a:r>
-              <a:rPr lang="fr-CH"/>
+              <a:rPr lang="en-US" sz="5400">
+                <a:solidFill>
+                  <a:schemeClr val="bg1">
+                    <a:lumMod val="95000"/>
+                    <a:lumOff val="5000"/>
+                  </a:schemeClr>
+                </a:solidFill>
+              </a:rPr>
               <a:t>Conclusion </a:t>
             </a:r>
-          </a:p>
-        </p:txBody>
-      </p:sp>
-      <p:sp>
-        <p:nvSpPr>
-          <p:cNvPr id="3" name="Espace réservé du contenu 2">
-            <a:extLst>
-              <a:ext uri="{FF2B5EF4-FFF2-40B4-BE49-F238E27FC236}">
-                <a16:creationId xmlns:a16="http://schemas.microsoft.com/office/drawing/2014/main" id="{AE60802A-A942-9A5D-4EEC-B54167A75C02}"/>
-              </a:ext>
-            </a:extLst>
-          </p:cNvPr>
-          <p:cNvSpPr>
-            <a:spLocks noGrp="1"/>
-          </p:cNvSpPr>
-          <p:nvPr>
-            <p:ph idx="1"/>
-          </p:nvPr>
-        </p:nvSpPr>
-        <p:spPr/>
-        <p:txBody>
-          <a:bodyPr/>
-          <a:lstStyle/>
-          <a:p>
-            <a:endParaRPr lang="fr-CH"/>
           </a:p>
         </p:txBody>
       </p:sp>
@@ -20440,14 +21236,22 @@
     </p:extLst>
   </p:cSld>
   <p:clrMapOvr>
-    <a:masterClrMapping/>
+    <a:overrideClrMapping bg1="dk1" tx1="lt1" bg2="dk2" tx2="lt2" accent1="accent1" accent2="accent2" accent3="accent3" accent4="accent4" accent5="accent5" accent6="accent6" hlink="hlink" folHlink="folHlink"/>
   </p:clrMapOvr>
 </p:sld>
 </file>
 
-<file path=ppt/slides/slide15.xml><?xml version="1.0" encoding="utf-8"?>
+<file path=ppt/slides/slide16.xml><?xml version="1.0" encoding="utf-8"?>
 <p:sld xmlns:a="http://schemas.openxmlformats.org/drawingml/2006/main" xmlns:r="http://schemas.openxmlformats.org/officeDocument/2006/relationships" xmlns:p="http://schemas.openxmlformats.org/presentationml/2006/main">
   <p:cSld>
+    <p:bg>
+      <p:bgPr>
+        <a:solidFill>
+          <a:schemeClr val="bg1"/>
+        </a:solidFill>
+        <a:effectLst/>
+      </p:bgPr>
+    </p:bg>
     <p:spTree>
       <p:nvGrpSpPr>
         <p:cNvPr id="1" name=""/>
@@ -20462,6 +21266,188 @@
           <a:chExt cx="0" cy="0"/>
         </a:xfrm>
       </p:grpSpPr>
+      <p:sp useBgFill="1">
+        <p:nvSpPr>
+          <p:cNvPr id="9" name="Rectangle 8">
+            <a:extLst>
+              <a:ext uri="{FF2B5EF4-FFF2-40B4-BE49-F238E27FC236}">
+                <a16:creationId xmlns:a16="http://schemas.microsoft.com/office/drawing/2014/main" id="{C1DD1A8A-57D5-4A81-AD04-532B043C5611}"/>
+              </a:ext>
+              <a:ext uri="{C183D7F6-B498-43B3-948B-1728B52AA6E4}">
+                <adec:decorative xmlns:adec="http://schemas.microsoft.com/office/drawing/2017/decorative" val="1"/>
+              </a:ext>
+            </a:extLst>
+          </p:cNvPr>
+          <p:cNvSpPr>
+            <a:spLocks noGrp="1" noRot="1" noChangeAspect="1" noMove="1" noResize="1" noEditPoints="1" noAdjustHandles="1" noChangeArrowheads="1" noChangeShapeType="1" noTextEdit="1"/>
+          </p:cNvSpPr>
+          <p:nvPr>
+            <p:extLst>
+              <p:ext uri="{386F3935-93C4-4BCD-93E2-E3B085C9AB24}">
+                <p16:designElem xmlns:p16="http://schemas.microsoft.com/office/powerpoint/2015/main" val="1"/>
+              </p:ext>
+            </p:extLst>
+          </p:nvPr>
+        </p:nvSpPr>
+        <p:spPr>
+          <a:xfrm>
+            <a:off x="-1" y="0"/>
+            <a:ext cx="12188952" cy="6858000"/>
+          </a:xfrm>
+          <a:prstGeom prst="rect">
+            <a:avLst/>
+          </a:prstGeom>
+          <a:ln>
+            <a:noFill/>
+          </a:ln>
+        </p:spPr>
+        <p:style>
+          <a:lnRef idx="2">
+            <a:schemeClr val="accent1">
+              <a:shade val="50000"/>
+            </a:schemeClr>
+          </a:lnRef>
+          <a:fillRef idx="1">
+            <a:schemeClr val="accent1"/>
+          </a:fillRef>
+          <a:effectRef idx="0">
+            <a:schemeClr val="accent1"/>
+          </a:effectRef>
+          <a:fontRef idx="minor">
+            <a:schemeClr val="lt1"/>
+          </a:fontRef>
+        </p:style>
+        <p:txBody>
+          <a:bodyPr rtlCol="0" anchor="ctr"/>
+          <a:lstStyle/>
+          <a:p>
+            <a:pPr algn="ctr"/>
+            <a:endParaRPr lang="en-US"/>
+          </a:p>
+        </p:txBody>
+      </p:sp>
+      <p:pic>
+        <p:nvPicPr>
+          <p:cNvPr id="5" name="Picture 4" descr="points d’interrogation noirs 3D avec un point d’interrogation jaune">
+            <a:extLst>
+              <a:ext uri="{FF2B5EF4-FFF2-40B4-BE49-F238E27FC236}">
+                <a16:creationId xmlns:a16="http://schemas.microsoft.com/office/drawing/2014/main" id="{7216084A-04EF-9173-D17D-E70B1A5F73C5}"/>
+              </a:ext>
+            </a:extLst>
+          </p:cNvPr>
+          <p:cNvPicPr>
+            <a:picLocks noChangeAspect="1"/>
+          </p:cNvPicPr>
+          <p:nvPr/>
+        </p:nvPicPr>
+        <p:blipFill>
+          <a:blip r:embed="rId2"/>
+          <a:srcRect l="28990" r="6122" b="1"/>
+          <a:stretch>
+            <a:fillRect/>
+          </a:stretch>
+        </p:blipFill>
+        <p:spPr>
+          <a:xfrm>
+            <a:off x="-3047" y="10"/>
+            <a:ext cx="12191999" cy="6857990"/>
+          </a:xfrm>
+          <a:prstGeom prst="rect">
+            <a:avLst/>
+          </a:prstGeom>
+        </p:spPr>
+      </p:pic>
+      <p:sp>
+        <p:nvSpPr>
+          <p:cNvPr id="11" name="Rectangle 10">
+            <a:extLst>
+              <a:ext uri="{FF2B5EF4-FFF2-40B4-BE49-F238E27FC236}">
+                <a16:creationId xmlns:a16="http://schemas.microsoft.com/office/drawing/2014/main" id="{007891EC-4501-44ED-A8C8-B11B6DB767AB}"/>
+              </a:ext>
+              <a:ext uri="{C183D7F6-B498-43B3-948B-1728B52AA6E4}">
+                <adec:decorative xmlns:adec="http://schemas.microsoft.com/office/drawing/2017/decorative" val="1"/>
+              </a:ext>
+            </a:extLst>
+          </p:cNvPr>
+          <p:cNvSpPr>
+            <a:spLocks noGrp="1" noRot="1" noChangeAspect="1" noMove="1" noResize="1" noEditPoints="1" noAdjustHandles="1" noChangeArrowheads="1" noChangeShapeType="1" noTextEdit="1"/>
+          </p:cNvSpPr>
+          <p:nvPr>
+            <p:extLst>
+              <p:ext uri="{386F3935-93C4-4BCD-93E2-E3B085C9AB24}">
+                <p16:designElem xmlns:p16="http://schemas.microsoft.com/office/powerpoint/2015/main" val="1"/>
+              </p:ext>
+            </p:extLst>
+          </p:nvPr>
+        </p:nvSpPr>
+        <p:spPr>
+          <a:xfrm>
+            <a:off x="0" y="2207602"/>
+            <a:ext cx="12191999" cy="3162146"/>
+          </a:xfrm>
+          <a:prstGeom prst="rect">
+            <a:avLst/>
+          </a:prstGeom>
+          <a:gradFill flip="none" rotWithShape="1">
+            <a:gsLst>
+              <a:gs pos="0">
+                <a:srgbClr val="000000">
+                  <a:alpha val="0"/>
+                </a:srgbClr>
+              </a:gs>
+              <a:gs pos="25000">
+                <a:srgbClr val="000000">
+                  <a:alpha val="15000"/>
+                </a:srgbClr>
+              </a:gs>
+              <a:gs pos="75000">
+                <a:srgbClr val="000000">
+                  <a:alpha val="15000"/>
+                </a:srgbClr>
+              </a:gs>
+              <a:gs pos="50000">
+                <a:srgbClr val="000000">
+                  <a:alpha val="30000"/>
+                </a:srgbClr>
+              </a:gs>
+              <a:gs pos="100000">
+                <a:srgbClr val="000000">
+                  <a:alpha val="0"/>
+                </a:srgbClr>
+              </a:gs>
+            </a:gsLst>
+            <a:lin ang="16200000" scaled="1"/>
+            <a:tileRect/>
+          </a:gradFill>
+          <a:ln>
+            <a:noFill/>
+          </a:ln>
+        </p:spPr>
+        <p:style>
+          <a:lnRef idx="2">
+            <a:schemeClr val="accent1">
+              <a:shade val="50000"/>
+            </a:schemeClr>
+          </a:lnRef>
+          <a:fillRef idx="1">
+            <a:schemeClr val="accent1"/>
+          </a:fillRef>
+          <a:effectRef idx="0">
+            <a:schemeClr val="accent1"/>
+          </a:effectRef>
+          <a:fontRef idx="minor">
+            <a:schemeClr val="lt1"/>
+          </a:fontRef>
+        </p:style>
+        <p:txBody>
+          <a:bodyPr rtlCol="0" anchor="ctr"/>
+          <a:lstStyle/>
+          <a:p>
+            <a:pPr algn="ctr"/>
+            <a:endParaRPr lang="en-US"/>
+          </a:p>
+        </p:txBody>
+      </p:sp>
       <p:sp>
         <p:nvSpPr>
           <p:cNvPr id="2" name="Titre 1">
@@ -20478,40 +21464,34 @@
             <p:ph type="title"/>
           </p:nvPr>
         </p:nvSpPr>
-        <p:spPr/>
+        <p:spPr>
+          <a:xfrm>
+            <a:off x="1097280" y="325550"/>
+            <a:ext cx="10058400" cy="3574778"/>
+          </a:xfrm>
+          <a:effectLst>
+            <a:outerShdw blurRad="50800" dist="38100" dir="2700000" algn="tl" rotWithShape="0">
+              <a:prstClr val="black">
+                <a:alpha val="40000"/>
+              </a:prstClr>
+            </a:outerShdw>
+          </a:effectLst>
+        </p:spPr>
         <p:txBody>
-          <a:bodyPr/>
+          <a:bodyPr vert="horz" lIns="91440" tIns="45720" rIns="91440" bIns="45720" rtlCol="0" anchor="b">
+            <a:normAutofit/>
+          </a:bodyPr>
           <a:lstStyle/>
           <a:p>
+            <a:pPr algn="ctr"/>
             <a:r>
-              <a:rPr lang="fr-CH" dirty="0"/>
+              <a:rPr lang="en-US" sz="5200">
+                <a:solidFill>
+                  <a:srgbClr val="FFFFFF"/>
+                </a:solidFill>
+              </a:rPr>
               <a:t>Questions / Remerciements</a:t>
             </a:r>
-          </a:p>
-        </p:txBody>
-      </p:sp>
-      <p:sp>
-        <p:nvSpPr>
-          <p:cNvPr id="3" name="Espace réservé du contenu 2">
-            <a:extLst>
-              <a:ext uri="{FF2B5EF4-FFF2-40B4-BE49-F238E27FC236}">
-                <a16:creationId xmlns:a16="http://schemas.microsoft.com/office/drawing/2014/main" id="{9BEC85FE-FF72-CAC5-2318-18867454A3F4}"/>
-              </a:ext>
-            </a:extLst>
-          </p:cNvPr>
-          <p:cNvSpPr>
-            <a:spLocks noGrp="1"/>
-          </p:cNvSpPr>
-          <p:nvPr>
-            <p:ph idx="1"/>
-          </p:nvPr>
-        </p:nvSpPr>
-        <p:spPr/>
-        <p:txBody>
-          <a:bodyPr/>
-          <a:lstStyle/>
-          <a:p>
-            <a:endParaRPr lang="fr-CH"/>
           </a:p>
         </p:txBody>
       </p:sp>
@@ -20528,7 +21508,7 @@
 </p:sld>
 </file>
 
-<file path=ppt/slides/slide16.xml><?xml version="1.0" encoding="utf-8"?>
+<file path=ppt/slides/slide17.xml><?xml version="1.0" encoding="utf-8"?>
 <p:sld xmlns:a="http://schemas.openxmlformats.org/drawingml/2006/main" xmlns:r="http://schemas.openxmlformats.org/officeDocument/2006/relationships" xmlns:p="http://schemas.openxmlformats.org/presentationml/2006/main">
   <p:cSld>
     <p:spTree>

--- a/documentation/ArcadiaboxPresentation.pptx
+++ b/documentation/ArcadiaboxPresentation.pptx
@@ -5,7 +5,7 @@
     <p:sldMasterId id="2147483648" r:id="rId1"/>
   </p:sldMasterIdLst>
   <p:notesMasterIdLst>
-    <p:notesMasterId r:id="rId19"/>
+    <p:notesMasterId r:id="rId23"/>
   </p:notesMasterIdLst>
   <p:sldIdLst>
     <p:sldId id="256" r:id="rId2"/>
@@ -20,11 +20,15 @@
     <p:sldId id="265" r:id="rId11"/>
     <p:sldId id="268" r:id="rId12"/>
     <p:sldId id="266" r:id="rId13"/>
-    <p:sldId id="270" r:id="rId14"/>
-    <p:sldId id="274" r:id="rId15"/>
-    <p:sldId id="271" r:id="rId16"/>
-    <p:sldId id="272" r:id="rId17"/>
-    <p:sldId id="273" r:id="rId18"/>
+    <p:sldId id="275" r:id="rId14"/>
+    <p:sldId id="276" r:id="rId15"/>
+    <p:sldId id="277" r:id="rId16"/>
+    <p:sldId id="278" r:id="rId17"/>
+    <p:sldId id="270" r:id="rId18"/>
+    <p:sldId id="274" r:id="rId19"/>
+    <p:sldId id="271" r:id="rId20"/>
+    <p:sldId id="272" r:id="rId21"/>
+    <p:sldId id="273" r:id="rId22"/>
   </p:sldIdLst>
   <p:sldSz cx="12192000" cy="6858000"/>
   <p:notesSz cx="6858000" cy="9144000"/>
@@ -134,7 +138,7 @@
 <file path=ppt/revisionInfo.xml><?xml version="1.0" encoding="utf-8"?>
 <p1510:revInfo xmlns:a="http://schemas.openxmlformats.org/drawingml/2006/main" xmlns:r="http://schemas.openxmlformats.org/officeDocument/2006/relationships" xmlns:p1510="http://schemas.microsoft.com/office/powerpoint/2015/10/main">
   <p1510:revLst>
-    <p1510:client id="{DFF46C2B-868E-437C-A61C-80E0DE7D83CF}" v="54" dt="2026-01-16T07:02:47.539"/>
+    <p1510:client id="{DFF46C2B-868E-437C-A61C-80E0DE7D83CF}" v="66" dt="2026-01-16T09:32:50.456"/>
   </p1510:revLst>
 </p1510:revInfo>
 </file>
@@ -144,12 +148,12 @@
   <pc:docChgLst>
     <pc:chgData name="Barras Matias" userId="8eac776d-deeb-4346-aa0f-eaa1e7f5da8d" providerId="ADAL" clId="{425534FE-2470-4743-8B71-83B1ED8770FD}"/>
     <pc:docChg chg="undo redo custSel addSld delSld modSld sldOrd">
-      <pc:chgData name="Barras Matias" userId="8eac776d-deeb-4346-aa0f-eaa1e7f5da8d" providerId="ADAL" clId="{425534FE-2470-4743-8B71-83B1ED8770FD}" dt="2026-01-16T07:03:52.005" v="1606" actId="26606"/>
+      <pc:chgData name="Barras Matias" userId="8eac776d-deeb-4346-aa0f-eaa1e7f5da8d" providerId="ADAL" clId="{425534FE-2470-4743-8B71-83B1ED8770FD}" dt="2026-01-16T09:32:22.348" v="1797" actId="20577"/>
       <pc:docMkLst>
         <pc:docMk/>
       </pc:docMkLst>
-      <pc:sldChg chg="addSp modSp mod setBg">
-        <pc:chgData name="Barras Matias" userId="8eac776d-deeb-4346-aa0f-eaa1e7f5da8d" providerId="ADAL" clId="{425534FE-2470-4743-8B71-83B1ED8770FD}" dt="2026-01-09T14:56:42.287" v="72" actId="20577"/>
+      <pc:sldChg chg="addSp modSp mod setBg modNotesTx">
+        <pc:chgData name="Barras Matias" userId="8eac776d-deeb-4346-aa0f-eaa1e7f5da8d" providerId="ADAL" clId="{425534FE-2470-4743-8B71-83B1ED8770FD}" dt="2026-01-16T09:31:24.148" v="1719" actId="20577"/>
         <pc:sldMkLst>
           <pc:docMk/>
           <pc:sldMk cId="824628054" sldId="256"/>
@@ -195,8 +199,8 @@
           </ac:picMkLst>
         </pc:picChg>
       </pc:sldChg>
-      <pc:sldChg chg="addSp delSp modSp new mod setBg">
-        <pc:chgData name="Barras Matias" userId="8eac776d-deeb-4346-aa0f-eaa1e7f5da8d" providerId="ADAL" clId="{425534FE-2470-4743-8B71-83B1ED8770FD}" dt="2026-01-15T12:54:47.909" v="1511" actId="20577"/>
+      <pc:sldChg chg="addSp delSp modSp new mod setBg modNotesTx">
+        <pc:chgData name="Barras Matias" userId="8eac776d-deeb-4346-aa0f-eaa1e7f5da8d" providerId="ADAL" clId="{425534FE-2470-4743-8B71-83B1ED8770FD}" dt="2026-01-16T09:31:27.948" v="1725" actId="20577"/>
         <pc:sldMkLst>
           <pc:docMk/>
           <pc:sldMk cId="2596573208" sldId="257"/>
@@ -250,8 +254,8 @@
           </ac:graphicFrameMkLst>
         </pc:graphicFrameChg>
       </pc:sldChg>
-      <pc:sldChg chg="addSp delSp modSp new mod setBg">
-        <pc:chgData name="Barras Matias" userId="8eac776d-deeb-4346-aa0f-eaa1e7f5da8d" providerId="ADAL" clId="{425534FE-2470-4743-8B71-83B1ED8770FD}" dt="2026-01-15T13:45:55.054" v="1569"/>
+      <pc:sldChg chg="addSp delSp modSp new mod setBg modNotesTx">
+        <pc:chgData name="Barras Matias" userId="8eac776d-deeb-4346-aa0f-eaa1e7f5da8d" providerId="ADAL" clId="{425534FE-2470-4743-8B71-83B1ED8770FD}" dt="2026-01-16T09:31:31.236" v="1731" actId="20577"/>
         <pc:sldMkLst>
           <pc:docMk/>
           <pc:sldMk cId="609922175" sldId="258"/>
@@ -313,7 +317,7 @@
           </ac:spMkLst>
         </pc:spChg>
         <pc:graphicFrameChg chg="add mod modGraphic">
-          <ac:chgData name="Barras Matias" userId="8eac776d-deeb-4346-aa0f-eaa1e7f5da8d" providerId="ADAL" clId="{425534FE-2470-4743-8B71-83B1ED8770FD}" dt="2026-01-15T13:45:55.054" v="1569"/>
+          <ac:chgData name="Barras Matias" userId="8eac776d-deeb-4346-aa0f-eaa1e7f5da8d" providerId="ADAL" clId="{425534FE-2470-4743-8B71-83B1ED8770FD}" dt="2026-01-16T08:07:43.423" v="1607" actId="20577"/>
           <ac:graphicFrameMkLst>
             <pc:docMk/>
             <pc:sldMk cId="609922175" sldId="258"/>
@@ -321,8 +325,8 @@
           </ac:graphicFrameMkLst>
         </pc:graphicFrameChg>
       </pc:sldChg>
-      <pc:sldChg chg="addSp delSp modSp new mod setBg">
-        <pc:chgData name="Barras Matias" userId="8eac776d-deeb-4346-aa0f-eaa1e7f5da8d" providerId="ADAL" clId="{425534FE-2470-4743-8B71-83B1ED8770FD}" dt="2026-01-09T15:12:11.534" v="707" actId="26606"/>
+      <pc:sldChg chg="addSp delSp modSp new mod setBg modNotesTx">
+        <pc:chgData name="Barras Matias" userId="8eac776d-deeb-4346-aa0f-eaa1e7f5da8d" providerId="ADAL" clId="{425534FE-2470-4743-8B71-83B1ED8770FD}" dt="2026-01-16T09:31:34.517" v="1737" actId="20577"/>
         <pc:sldMkLst>
           <pc:docMk/>
           <pc:sldMk cId="2609198288" sldId="259"/>
@@ -383,8 +387,8 @@
           <pc:sldMk cId="3692399880" sldId="260"/>
         </pc:sldMkLst>
       </pc:sldChg>
-      <pc:sldChg chg="addSp delSp modSp new mod setBg">
-        <pc:chgData name="Barras Matias" userId="8eac776d-deeb-4346-aa0f-eaa1e7f5da8d" providerId="ADAL" clId="{425534FE-2470-4743-8B71-83B1ED8770FD}" dt="2026-01-15T12:59:47.957" v="1567" actId="20577"/>
+      <pc:sldChg chg="addSp delSp modSp new mod setBg modNotesTx">
+        <pc:chgData name="Barras Matias" userId="8eac776d-deeb-4346-aa0f-eaa1e7f5da8d" providerId="ADAL" clId="{425534FE-2470-4743-8B71-83B1ED8770FD}" dt="2026-01-16T09:31:43.244" v="1753" actId="20577"/>
         <pc:sldMkLst>
           <pc:docMk/>
           <pc:sldMk cId="737238983" sldId="261"/>
@@ -438,8 +442,8 @@
           </ac:graphicFrameMkLst>
         </pc:graphicFrameChg>
       </pc:sldChg>
-      <pc:sldChg chg="addSp delSp modSp new mod setBg">
-        <pc:chgData name="Barras Matias" userId="8eac776d-deeb-4346-aa0f-eaa1e7f5da8d" providerId="ADAL" clId="{425534FE-2470-4743-8B71-83B1ED8770FD}" dt="2026-01-09T15:17:42.232" v="932" actId="14100"/>
+      <pc:sldChg chg="addSp delSp modSp new mod setBg modNotesTx">
+        <pc:chgData name="Barras Matias" userId="8eac776d-deeb-4346-aa0f-eaa1e7f5da8d" providerId="ADAL" clId="{425534FE-2470-4743-8B71-83B1ED8770FD}" dt="2026-01-16T09:31:53.623" v="1772" actId="20577"/>
         <pc:sldMkLst>
           <pc:docMk/>
           <pc:sldMk cId="122398681" sldId="262"/>
@@ -469,8 +473,8 @@
           </ac:picMkLst>
         </pc:picChg>
       </pc:sldChg>
-      <pc:sldChg chg="addSp delSp modSp new mod setBg">
-        <pc:chgData name="Barras Matias" userId="8eac776d-deeb-4346-aa0f-eaa1e7f5da8d" providerId="ADAL" clId="{425534FE-2470-4743-8B71-83B1ED8770FD}" dt="2026-01-09T15:21:31.968" v="1102" actId="26606"/>
+      <pc:sldChg chg="addSp delSp modSp new mod setBg modNotesTx">
+        <pc:chgData name="Barras Matias" userId="8eac776d-deeb-4346-aa0f-eaa1e7f5da8d" providerId="ADAL" clId="{425534FE-2470-4743-8B71-83B1ED8770FD}" dt="2026-01-16T09:32:01.540" v="1780" actId="20577"/>
         <pc:sldMkLst>
           <pc:docMk/>
           <pc:sldMk cId="2507725628" sldId="263"/>
@@ -586,14 +590,14 @@
           </ac:picMkLst>
         </pc:picChg>
       </pc:sldChg>
-      <pc:sldChg chg="addSp delSp modSp new mod">
-        <pc:chgData name="Barras Matias" userId="8eac776d-deeb-4346-aa0f-eaa1e7f5da8d" providerId="ADAL" clId="{425534FE-2470-4743-8B71-83B1ED8770FD}" dt="2026-01-15T12:53:43.543" v="1502" actId="478"/>
+      <pc:sldChg chg="addSp delSp modSp new mod setBg addAnim delAnim setClrOvrMap modNotesTx">
+        <pc:chgData name="Barras Matias" userId="8eac776d-deeb-4346-aa0f-eaa1e7f5da8d" providerId="ADAL" clId="{425534FE-2470-4743-8B71-83B1ED8770FD}" dt="2026-01-16T09:32:15.120" v="1785" actId="20577"/>
         <pc:sldMkLst>
           <pc:docMk/>
           <pc:sldMk cId="3121260333" sldId="266"/>
         </pc:sldMkLst>
         <pc:spChg chg="mod">
-          <ac:chgData name="Barras Matias" userId="8eac776d-deeb-4346-aa0f-eaa1e7f5da8d" providerId="ADAL" clId="{425534FE-2470-4743-8B71-83B1ED8770FD}" dt="2026-01-15T12:53:40.226" v="1501"/>
+          <ac:chgData name="Barras Matias" userId="8eac776d-deeb-4346-aa0f-eaa1e7f5da8d" providerId="ADAL" clId="{425534FE-2470-4743-8B71-83B1ED8770FD}" dt="2026-01-16T09:19:24.928" v="1713" actId="26606"/>
           <ac:spMkLst>
             <pc:docMk/>
             <pc:sldMk cId="3121260333" sldId="266"/>
@@ -601,11 +605,51 @@
           </ac:spMkLst>
         </pc:spChg>
         <pc:spChg chg="add mod">
-          <ac:chgData name="Barras Matias" userId="8eac776d-deeb-4346-aa0f-eaa1e7f5da8d" providerId="ADAL" clId="{425534FE-2470-4743-8B71-83B1ED8770FD}" dt="2026-01-15T12:53:43.543" v="1502" actId="478"/>
+          <ac:chgData name="Barras Matias" userId="8eac776d-deeb-4346-aa0f-eaa1e7f5da8d" providerId="ADAL" clId="{425534FE-2470-4743-8B71-83B1ED8770FD}" dt="2026-01-16T09:19:24.928" v="1713" actId="26606"/>
+          <ac:spMkLst>
+            <pc:docMk/>
+            <pc:sldMk cId="3121260333" sldId="266"/>
+            <ac:spMk id="3" creationId="{BEA26D91-1DAE-83FF-70BB-A6AA4B5D89C9}"/>
+          </ac:spMkLst>
+        </pc:spChg>
+        <pc:spChg chg="add del mod">
+          <ac:chgData name="Barras Matias" userId="8eac776d-deeb-4346-aa0f-eaa1e7f5da8d" providerId="ADAL" clId="{425534FE-2470-4743-8B71-83B1ED8770FD}" dt="2026-01-16T08:28:54.006" v="1636" actId="26606"/>
           <ac:spMkLst>
             <pc:docMk/>
             <pc:sldMk cId="3121260333" sldId="266"/>
             <ac:spMk id="5" creationId="{02935AF0-3BCB-0415-D333-65939DC9DB45}"/>
+          </ac:spMkLst>
+        </pc:spChg>
+        <pc:spChg chg="add del">
+          <ac:chgData name="Barras Matias" userId="8eac776d-deeb-4346-aa0f-eaa1e7f5da8d" providerId="ADAL" clId="{425534FE-2470-4743-8B71-83B1ED8770FD}" dt="2026-01-16T09:19:24.928" v="1713" actId="26606"/>
+          <ac:spMkLst>
+            <pc:docMk/>
+            <pc:sldMk cId="3121260333" sldId="266"/>
+            <ac:spMk id="11" creationId="{C1DD1A8A-57D5-4A81-AD04-532B043C5611}"/>
+          </ac:spMkLst>
+        </pc:spChg>
+        <pc:spChg chg="add del">
+          <ac:chgData name="Barras Matias" userId="8eac776d-deeb-4346-aa0f-eaa1e7f5da8d" providerId="ADAL" clId="{425534FE-2470-4743-8B71-83B1ED8770FD}" dt="2026-01-16T09:19:24.928" v="1713" actId="26606"/>
+          <ac:spMkLst>
+            <pc:docMk/>
+            <pc:sldMk cId="3121260333" sldId="266"/>
+            <ac:spMk id="13" creationId="{007891EC-4501-44ED-A8C8-B11B6DB767AB}"/>
+          </ac:spMkLst>
+        </pc:spChg>
+        <pc:spChg chg="add">
+          <ac:chgData name="Barras Matias" userId="8eac776d-deeb-4346-aa0f-eaa1e7f5da8d" providerId="ADAL" clId="{425534FE-2470-4743-8B71-83B1ED8770FD}" dt="2026-01-16T09:19:24.928" v="1713" actId="26606"/>
+          <ac:spMkLst>
+            <pc:docMk/>
+            <pc:sldMk cId="3121260333" sldId="266"/>
+            <ac:spMk id="15" creationId="{FB5B0058-AF13-4859-B429-4EDDE2A26F7F}"/>
+          </ac:spMkLst>
+        </pc:spChg>
+        <pc:spChg chg="add del">
+          <ac:chgData name="Barras Matias" userId="8eac776d-deeb-4346-aa0f-eaa1e7f5da8d" providerId="ADAL" clId="{425534FE-2470-4743-8B71-83B1ED8770FD}" dt="2026-01-16T09:19:12.720" v="1711" actId="26606"/>
+          <ac:spMkLst>
+            <pc:docMk/>
+            <pc:sldMk cId="3121260333" sldId="266"/>
+            <ac:spMk id="18" creationId="{71B2258F-86CA-4D4D-8270-BC05FCDEBFB3}"/>
           </ac:spMkLst>
         </pc:spChg>
         <pc:graphicFrameChg chg="add del mod modGraphic">
@@ -616,6 +660,30 @@
             <ac:graphicFrameMk id="4" creationId="{404BA634-7BDD-A11E-527F-2DEAA7AD57C7}"/>
           </ac:graphicFrameMkLst>
         </pc:graphicFrameChg>
+        <pc:picChg chg="add del mod">
+          <ac:chgData name="Barras Matias" userId="8eac776d-deeb-4346-aa0f-eaa1e7f5da8d" providerId="ADAL" clId="{425534FE-2470-4743-8B71-83B1ED8770FD}" dt="2026-01-16T09:19:14.963" v="1712" actId="478"/>
+          <ac:picMkLst>
+            <pc:docMk/>
+            <pc:sldMk cId="3121260333" sldId="266"/>
+            <ac:picMk id="7" creationId="{864AD1D8-1415-9A88-16F2-9C15E1874A75}"/>
+          </ac:picMkLst>
+        </pc:picChg>
+        <pc:cxnChg chg="add">
+          <ac:chgData name="Barras Matias" userId="8eac776d-deeb-4346-aa0f-eaa1e7f5da8d" providerId="ADAL" clId="{425534FE-2470-4743-8B71-83B1ED8770FD}" dt="2026-01-16T09:19:24.928" v="1713" actId="26606"/>
+          <ac:cxnSpMkLst>
+            <pc:docMk/>
+            <pc:sldMk cId="3121260333" sldId="266"/>
+            <ac:cxnSpMk id="20" creationId="{EC4521DE-248E-440D-AAD6-FD9E7D34B3BF}"/>
+          </ac:cxnSpMkLst>
+        </pc:cxnChg>
+        <pc:cxnChg chg="add">
+          <ac:chgData name="Barras Matias" userId="8eac776d-deeb-4346-aa0f-eaa1e7f5da8d" providerId="ADAL" clId="{425534FE-2470-4743-8B71-83B1ED8770FD}" dt="2026-01-16T09:19:24.928" v="1713" actId="26606"/>
+          <ac:cxnSpMkLst>
+            <pc:docMk/>
+            <pc:sldMk cId="3121260333" sldId="266"/>
+            <ac:cxnSpMk id="22" creationId="{442C13FA-4C0F-42D0-9626-5BA6040D8C31}"/>
+          </ac:cxnSpMkLst>
+        </pc:cxnChg>
       </pc:sldChg>
       <pc:sldChg chg="addSp delSp modSp new del mod">
         <pc:chgData name="Barras Matias" userId="8eac776d-deeb-4346-aa0f-eaa1e7f5da8d" providerId="ADAL" clId="{425534FE-2470-4743-8B71-83B1ED8770FD}" dt="2026-01-15T12:54:13.101" v="1503" actId="2696"/>
@@ -678,8 +746,8 @@
           </ac:spMkLst>
         </pc:spChg>
       </pc:sldChg>
-      <pc:sldChg chg="addSp delSp modSp new mod setBg">
-        <pc:chgData name="Barras Matias" userId="8eac776d-deeb-4346-aa0f-eaa1e7f5da8d" providerId="ADAL" clId="{425534FE-2470-4743-8B71-83B1ED8770FD}" dt="2026-01-15T12:51:03.545" v="1451" actId="1076"/>
+      <pc:sldChg chg="addSp delSp modSp new mod setBg modNotesTx">
+        <pc:chgData name="Barras Matias" userId="8eac776d-deeb-4346-aa0f-eaa1e7f5da8d" providerId="ADAL" clId="{425534FE-2470-4743-8B71-83B1ED8770FD}" dt="2026-01-16T09:31:39.444" v="1747" actId="20577"/>
         <pc:sldMkLst>
           <pc:docMk/>
           <pc:sldMk cId="1368616076" sldId="269"/>
@@ -732,8 +800,8 @@
           </ac:spMkLst>
         </pc:spChg>
       </pc:sldChg>
-      <pc:sldChg chg="addSp delSp modSp new mod setBg">
-        <pc:chgData name="Barras Matias" userId="8eac776d-deeb-4346-aa0f-eaa1e7f5da8d" providerId="ADAL" clId="{425534FE-2470-4743-8B71-83B1ED8770FD}" dt="2026-01-16T07:02:55.312" v="1604" actId="26606"/>
+      <pc:sldChg chg="addSp delSp modSp new mod setBg modNotesTx">
+        <pc:chgData name="Barras Matias" userId="8eac776d-deeb-4346-aa0f-eaa1e7f5da8d" providerId="ADAL" clId="{425534FE-2470-4743-8B71-83B1ED8770FD}" dt="2026-01-16T09:32:19.606" v="1791" actId="20577"/>
         <pc:sldMkLst>
           <pc:docMk/>
           <pc:sldMk cId="4056528422" sldId="270"/>
@@ -1064,23 +1132,47 @@
           </ac:picMkLst>
         </pc:picChg>
       </pc:sldChg>
-      <pc:sldChg chg="modSp new mod">
-        <pc:chgData name="Barras Matias" userId="8eac776d-deeb-4346-aa0f-eaa1e7f5da8d" providerId="ADAL" clId="{425534FE-2470-4743-8B71-83B1ED8770FD}" dt="2026-01-15T12:55:28.488" v="1523" actId="20577"/>
+      <pc:sldChg chg="addSp delSp modSp new mod setBg">
+        <pc:chgData name="Barras Matias" userId="8eac776d-deeb-4346-aa0f-eaa1e7f5da8d" providerId="ADAL" clId="{425534FE-2470-4743-8B71-83B1ED8770FD}" dt="2026-01-16T09:15:22.444" v="1683" actId="26606"/>
         <pc:sldMkLst>
           <pc:docMk/>
           <pc:sldMk cId="3726013960" sldId="273"/>
         </pc:sldMkLst>
         <pc:spChg chg="mod">
-          <ac:chgData name="Barras Matias" userId="8eac776d-deeb-4346-aa0f-eaa1e7f5da8d" providerId="ADAL" clId="{425534FE-2470-4743-8B71-83B1ED8770FD}" dt="2026-01-15T12:55:28.488" v="1523" actId="20577"/>
+          <ac:chgData name="Barras Matias" userId="8eac776d-deeb-4346-aa0f-eaa1e7f5da8d" providerId="ADAL" clId="{425534FE-2470-4743-8B71-83B1ED8770FD}" dt="2026-01-16T09:15:22.444" v="1683" actId="26606"/>
           <ac:spMkLst>
             <pc:docMk/>
             <pc:sldMk cId="3726013960" sldId="273"/>
             <ac:spMk id="2" creationId="{586FC6C0-BEC1-80E3-2D12-F0027A0CD195}"/>
           </ac:spMkLst>
         </pc:spChg>
+        <pc:spChg chg="del">
+          <ac:chgData name="Barras Matias" userId="8eac776d-deeb-4346-aa0f-eaa1e7f5da8d" providerId="ADAL" clId="{425534FE-2470-4743-8B71-83B1ED8770FD}" dt="2026-01-16T09:15:22.444" v="1683" actId="26606"/>
+          <ac:spMkLst>
+            <pc:docMk/>
+            <pc:sldMk cId="3726013960" sldId="273"/>
+            <ac:spMk id="3" creationId="{4DCBCBC0-37A6-4E01-CC96-8FFC8F368E9F}"/>
+          </ac:spMkLst>
+        </pc:spChg>
+        <pc:spChg chg="add">
+          <ac:chgData name="Barras Matias" userId="8eac776d-deeb-4346-aa0f-eaa1e7f5da8d" providerId="ADAL" clId="{425534FE-2470-4743-8B71-83B1ED8770FD}" dt="2026-01-16T09:15:22.444" v="1683" actId="26606"/>
+          <ac:spMkLst>
+            <pc:docMk/>
+            <pc:sldMk cId="3726013960" sldId="273"/>
+            <ac:spMk id="10" creationId="{A4AC5506-6312-4701-8D3C-40187889A947}"/>
+          </ac:spMkLst>
+        </pc:spChg>
+        <pc:picChg chg="add">
+          <ac:chgData name="Barras Matias" userId="8eac776d-deeb-4346-aa0f-eaa1e7f5da8d" providerId="ADAL" clId="{425534FE-2470-4743-8B71-83B1ED8770FD}" dt="2026-01-16T09:15:22.444" v="1683" actId="26606"/>
+          <ac:picMkLst>
+            <pc:docMk/>
+            <pc:sldMk cId="3726013960" sldId="273"/>
+            <ac:picMk id="7" creationId="{4BD44B8E-970F-82CE-DF04-09AD5930D54D}"/>
+          </ac:picMkLst>
+        </pc:picChg>
       </pc:sldChg>
-      <pc:sldChg chg="addSp delSp modSp new mod setBg">
-        <pc:chgData name="Barras Matias" userId="8eac776d-deeb-4346-aa0f-eaa1e7f5da8d" providerId="ADAL" clId="{425534FE-2470-4743-8B71-83B1ED8770FD}" dt="2026-01-16T07:02:49.709" v="1599" actId="26606"/>
+      <pc:sldChg chg="addSp delSp modSp new mod setBg modNotesTx">
+        <pc:chgData name="Barras Matias" userId="8eac776d-deeb-4346-aa0f-eaa1e7f5da8d" providerId="ADAL" clId="{425534FE-2470-4743-8B71-83B1ED8770FD}" dt="2026-01-16T09:32:22.348" v="1797" actId="20577"/>
         <pc:sldMkLst>
           <pc:docMk/>
           <pc:sldMk cId="3958757487" sldId="274"/>
@@ -1109,6 +1201,193 @@
             <ac:picMk id="7" creationId="{B5A8074D-2E9D-F259-D164-EB1E7BD97281}"/>
           </ac:picMkLst>
         </pc:picChg>
+      </pc:sldChg>
+      <pc:sldChg chg="addSp delSp modSp new mod setBg">
+        <pc:chgData name="Barras Matias" userId="8eac776d-deeb-4346-aa0f-eaa1e7f5da8d" providerId="ADAL" clId="{425534FE-2470-4743-8B71-83B1ED8770FD}" dt="2026-01-16T08:30:46.449" v="1660" actId="14100"/>
+        <pc:sldMkLst>
+          <pc:docMk/>
+          <pc:sldMk cId="443553887" sldId="275"/>
+        </pc:sldMkLst>
+        <pc:spChg chg="mod">
+          <ac:chgData name="Barras Matias" userId="8eac776d-deeb-4346-aa0f-eaa1e7f5da8d" providerId="ADAL" clId="{425534FE-2470-4743-8B71-83B1ED8770FD}" dt="2026-01-16T08:29:00.532" v="1637" actId="26606"/>
+          <ac:spMkLst>
+            <pc:docMk/>
+            <pc:sldMk cId="443553887" sldId="275"/>
+            <ac:spMk id="2" creationId="{89B75811-34B7-61C8-7284-31E3A7A6051D}"/>
+          </ac:spMkLst>
+        </pc:spChg>
+        <pc:spChg chg="del">
+          <ac:chgData name="Barras Matias" userId="8eac776d-deeb-4346-aa0f-eaa1e7f5da8d" providerId="ADAL" clId="{425534FE-2470-4743-8B71-83B1ED8770FD}" dt="2026-01-16T08:24:44.584" v="1613" actId="22"/>
+          <ac:spMkLst>
+            <pc:docMk/>
+            <pc:sldMk cId="443553887" sldId="275"/>
+            <ac:spMk id="3" creationId="{D2CCE333-C998-4C23-90AA-349C635741EF}"/>
+          </ac:spMkLst>
+        </pc:spChg>
+        <pc:spChg chg="add">
+          <ac:chgData name="Barras Matias" userId="8eac776d-deeb-4346-aa0f-eaa1e7f5da8d" providerId="ADAL" clId="{425534FE-2470-4743-8B71-83B1ED8770FD}" dt="2026-01-16T08:29:00.532" v="1637" actId="26606"/>
+          <ac:spMkLst>
+            <pc:docMk/>
+            <pc:sldMk cId="443553887" sldId="275"/>
+            <ac:spMk id="10" creationId="{A4AC5506-6312-4701-8D3C-40187889A947}"/>
+          </ac:spMkLst>
+        </pc:spChg>
+        <pc:picChg chg="add mod ord modCrop">
+          <ac:chgData name="Barras Matias" userId="8eac776d-deeb-4346-aa0f-eaa1e7f5da8d" providerId="ADAL" clId="{425534FE-2470-4743-8B71-83B1ED8770FD}" dt="2026-01-16T08:30:46.449" v="1660" actId="14100"/>
+          <ac:picMkLst>
+            <pc:docMk/>
+            <pc:sldMk cId="443553887" sldId="275"/>
+            <ac:picMk id="5" creationId="{07D5D1D6-892A-96CC-B6E7-F5E699745858}"/>
+          </ac:picMkLst>
+        </pc:picChg>
+      </pc:sldChg>
+      <pc:sldChg chg="addSp delSp modSp new mod setBg">
+        <pc:chgData name="Barras Matias" userId="8eac776d-deeb-4346-aa0f-eaa1e7f5da8d" providerId="ADAL" clId="{425534FE-2470-4743-8B71-83B1ED8770FD}" dt="2026-01-16T08:30:54.789" v="1664" actId="14100"/>
+        <pc:sldMkLst>
+          <pc:docMk/>
+          <pc:sldMk cId="681430726" sldId="276"/>
+        </pc:sldMkLst>
+        <pc:spChg chg="mod">
+          <ac:chgData name="Barras Matias" userId="8eac776d-deeb-4346-aa0f-eaa1e7f5da8d" providerId="ADAL" clId="{425534FE-2470-4743-8B71-83B1ED8770FD}" dt="2026-01-16T08:29:34.770" v="1644" actId="26606"/>
+          <ac:spMkLst>
+            <pc:docMk/>
+            <pc:sldMk cId="681430726" sldId="276"/>
+            <ac:spMk id="2" creationId="{A96ABDD8-814A-9530-380D-03AFED2A2713}"/>
+          </ac:spMkLst>
+        </pc:spChg>
+        <pc:spChg chg="del">
+          <ac:chgData name="Barras Matias" userId="8eac776d-deeb-4346-aa0f-eaa1e7f5da8d" providerId="ADAL" clId="{425534FE-2470-4743-8B71-83B1ED8770FD}" dt="2026-01-16T08:25:22.317" v="1619" actId="22"/>
+          <ac:spMkLst>
+            <pc:docMk/>
+            <pc:sldMk cId="681430726" sldId="276"/>
+            <ac:spMk id="3" creationId="{0B7DED0D-AD45-6E29-541E-1A82D5FBB74B}"/>
+          </ac:spMkLst>
+        </pc:spChg>
+        <pc:spChg chg="add">
+          <ac:chgData name="Barras Matias" userId="8eac776d-deeb-4346-aa0f-eaa1e7f5da8d" providerId="ADAL" clId="{425534FE-2470-4743-8B71-83B1ED8770FD}" dt="2026-01-16T08:29:34.770" v="1644" actId="26606"/>
+          <ac:spMkLst>
+            <pc:docMk/>
+            <pc:sldMk cId="681430726" sldId="276"/>
+            <ac:spMk id="10" creationId="{A4AC5506-6312-4701-8D3C-40187889A947}"/>
+          </ac:spMkLst>
+        </pc:spChg>
+        <pc:picChg chg="add mod ord modCrop">
+          <ac:chgData name="Barras Matias" userId="8eac776d-deeb-4346-aa0f-eaa1e7f5da8d" providerId="ADAL" clId="{425534FE-2470-4743-8B71-83B1ED8770FD}" dt="2026-01-16T08:30:54.789" v="1664" actId="14100"/>
+          <ac:picMkLst>
+            <pc:docMk/>
+            <pc:sldMk cId="681430726" sldId="276"/>
+            <ac:picMk id="5" creationId="{AC0E47FF-C3D3-D9F6-06EF-09ABFEA065AB}"/>
+          </ac:picMkLst>
+        </pc:picChg>
+      </pc:sldChg>
+      <pc:sldChg chg="addSp delSp modSp new mod setBg">
+        <pc:chgData name="Barras Matias" userId="8eac776d-deeb-4346-aa0f-eaa1e7f5da8d" providerId="ADAL" clId="{425534FE-2470-4743-8B71-83B1ED8770FD}" dt="2026-01-16T08:54:24.609" v="1682" actId="1076"/>
+        <pc:sldMkLst>
+          <pc:docMk/>
+          <pc:sldMk cId="773764640" sldId="277"/>
+        </pc:sldMkLst>
+        <pc:spChg chg="mod">
+          <ac:chgData name="Barras Matias" userId="8eac776d-deeb-4346-aa0f-eaa1e7f5da8d" providerId="ADAL" clId="{425534FE-2470-4743-8B71-83B1ED8770FD}" dt="2026-01-16T08:29:32.667" v="1643" actId="26606"/>
+          <ac:spMkLst>
+            <pc:docMk/>
+            <pc:sldMk cId="773764640" sldId="277"/>
+            <ac:spMk id="2" creationId="{D9A8DA5B-5BB7-80E9-CF53-597CFE61AD7B}"/>
+          </ac:spMkLst>
+        </pc:spChg>
+        <pc:spChg chg="del">
+          <ac:chgData name="Barras Matias" userId="8eac776d-deeb-4346-aa0f-eaa1e7f5da8d" providerId="ADAL" clId="{425534FE-2470-4743-8B71-83B1ED8770FD}" dt="2026-01-16T08:27:55.243" v="1628" actId="22"/>
+          <ac:spMkLst>
+            <pc:docMk/>
+            <pc:sldMk cId="773764640" sldId="277"/>
+            <ac:spMk id="3" creationId="{A0665F67-4E95-8479-E0E8-596B805F2DE4}"/>
+          </ac:spMkLst>
+        </pc:spChg>
+        <pc:spChg chg="add del mod">
+          <ac:chgData name="Barras Matias" userId="8eac776d-deeb-4346-aa0f-eaa1e7f5da8d" providerId="ADAL" clId="{425534FE-2470-4743-8B71-83B1ED8770FD}" dt="2026-01-16T08:51:29.255" v="1670" actId="22"/>
+          <ac:spMkLst>
+            <pc:docMk/>
+            <pc:sldMk cId="773764640" sldId="277"/>
+            <ac:spMk id="7" creationId="{6EDA0C40-38EC-FCD4-ACDE-E44AA65AAD09}"/>
+          </ac:spMkLst>
+        </pc:spChg>
+        <pc:spChg chg="add del">
+          <ac:chgData name="Barras Matias" userId="8eac776d-deeb-4346-aa0f-eaa1e7f5da8d" providerId="ADAL" clId="{425534FE-2470-4743-8B71-83B1ED8770FD}" dt="2026-01-16T08:51:30.994" v="1673" actId="26606"/>
+          <ac:spMkLst>
+            <pc:docMk/>
+            <pc:sldMk cId="773764640" sldId="277"/>
+            <ac:spMk id="10" creationId="{A4AC5506-6312-4701-8D3C-40187889A947}"/>
+          </ac:spMkLst>
+        </pc:spChg>
+        <pc:spChg chg="add">
+          <ac:chgData name="Barras Matias" userId="8eac776d-deeb-4346-aa0f-eaa1e7f5da8d" providerId="ADAL" clId="{425534FE-2470-4743-8B71-83B1ED8770FD}" dt="2026-01-16T08:51:30.994" v="1673" actId="26606"/>
+          <ac:spMkLst>
+            <pc:docMk/>
+            <pc:sldMk cId="773764640" sldId="277"/>
+            <ac:spMk id="15" creationId="{A4AC5506-6312-4701-8D3C-40187889A947}"/>
+          </ac:spMkLst>
+        </pc:spChg>
+        <pc:picChg chg="add del mod ord modCrop">
+          <ac:chgData name="Barras Matias" userId="8eac776d-deeb-4346-aa0f-eaa1e7f5da8d" providerId="ADAL" clId="{425534FE-2470-4743-8B71-83B1ED8770FD}" dt="2026-01-16T08:51:27.947" v="1669" actId="478"/>
+          <ac:picMkLst>
+            <pc:docMk/>
+            <pc:sldMk cId="773764640" sldId="277"/>
+            <ac:picMk id="5" creationId="{BE0F3EB0-4373-BE89-21B8-09065B7CA8EF}"/>
+          </ac:picMkLst>
+        </pc:picChg>
+        <pc:picChg chg="add mod ord modCrop">
+          <ac:chgData name="Barras Matias" userId="8eac776d-deeb-4346-aa0f-eaa1e7f5da8d" providerId="ADAL" clId="{425534FE-2470-4743-8B71-83B1ED8770FD}" dt="2026-01-16T08:54:24.609" v="1682" actId="1076"/>
+          <ac:picMkLst>
+            <pc:docMk/>
+            <pc:sldMk cId="773764640" sldId="277"/>
+            <ac:picMk id="9" creationId="{FDA543AB-988E-5B53-E756-C903649615E9}"/>
+          </ac:picMkLst>
+        </pc:picChg>
+      </pc:sldChg>
+      <pc:sldChg chg="addSp delSp modSp new mod setBg">
+        <pc:chgData name="Barras Matias" userId="8eac776d-deeb-4346-aa0f-eaa1e7f5da8d" providerId="ADAL" clId="{425534FE-2470-4743-8B71-83B1ED8770FD}" dt="2026-01-16T08:31:04.966" v="1668" actId="14100"/>
+        <pc:sldMkLst>
+          <pc:docMk/>
+          <pc:sldMk cId="3843469871" sldId="278"/>
+        </pc:sldMkLst>
+        <pc:spChg chg="mod">
+          <ac:chgData name="Barras Matias" userId="8eac776d-deeb-4346-aa0f-eaa1e7f5da8d" providerId="ADAL" clId="{425534FE-2470-4743-8B71-83B1ED8770FD}" dt="2026-01-16T08:29:37.788" v="1645" actId="26606"/>
+          <ac:spMkLst>
+            <pc:docMk/>
+            <pc:sldMk cId="3843469871" sldId="278"/>
+            <ac:spMk id="2" creationId="{95670BE3-48F1-EA9B-BDC2-26EFDB241FCE}"/>
+          </ac:spMkLst>
+        </pc:spChg>
+        <pc:spChg chg="del">
+          <ac:chgData name="Barras Matias" userId="8eac776d-deeb-4346-aa0f-eaa1e7f5da8d" providerId="ADAL" clId="{425534FE-2470-4743-8B71-83B1ED8770FD}" dt="2026-01-16T08:28:26.738" v="1631" actId="22"/>
+          <ac:spMkLst>
+            <pc:docMk/>
+            <pc:sldMk cId="3843469871" sldId="278"/>
+            <ac:spMk id="3" creationId="{84A269F5-CEF4-3B66-7939-38093DA98827}"/>
+          </ac:spMkLst>
+        </pc:spChg>
+        <pc:spChg chg="add">
+          <ac:chgData name="Barras Matias" userId="8eac776d-deeb-4346-aa0f-eaa1e7f5da8d" providerId="ADAL" clId="{425534FE-2470-4743-8B71-83B1ED8770FD}" dt="2026-01-16T08:29:37.788" v="1645" actId="26606"/>
+          <ac:spMkLst>
+            <pc:docMk/>
+            <pc:sldMk cId="3843469871" sldId="278"/>
+            <ac:spMk id="10" creationId="{A4AC5506-6312-4701-8D3C-40187889A947}"/>
+          </ac:spMkLst>
+        </pc:spChg>
+        <pc:picChg chg="add mod ord modCrop">
+          <ac:chgData name="Barras Matias" userId="8eac776d-deeb-4346-aa0f-eaa1e7f5da8d" providerId="ADAL" clId="{425534FE-2470-4743-8B71-83B1ED8770FD}" dt="2026-01-16T08:31:04.966" v="1668" actId="14100"/>
+          <ac:picMkLst>
+            <pc:docMk/>
+            <pc:sldMk cId="3843469871" sldId="278"/>
+            <ac:picMk id="5" creationId="{FD0B5398-C669-2E3D-C4C7-F2831077BE49}"/>
+          </ac:picMkLst>
+        </pc:picChg>
+      </pc:sldChg>
+      <pc:sldChg chg="new del">
+        <pc:chgData name="Barras Matias" userId="8eac776d-deeb-4346-aa0f-eaa1e7f5da8d" providerId="ADAL" clId="{425534FE-2470-4743-8B71-83B1ED8770FD}" dt="2026-01-16T08:28:47.542" v="1635" actId="47"/>
+        <pc:sldMkLst>
+          <pc:docMk/>
+          <pc:sldMk cId="2848810793" sldId="279"/>
+        </pc:sldMkLst>
       </pc:sldChg>
     </pc:docChg>
   </pc:docChgLst>
@@ -5579,7 +5858,7 @@
   <dgm:whole/>
   <dgm:extLst>
     <a:ext uri="http://schemas.microsoft.com/office/drawing/2008/diagram">
-      <dsp:dataModelExt xmlns:dsp="http://schemas.microsoft.com/office/drawing/2008/diagram" relId="rId6" minVer="http://schemas.openxmlformats.org/drawingml/2006/diagram"/>
+      <dsp:dataModelExt xmlns:dsp="http://schemas.microsoft.com/office/drawing/2008/diagram" relId="rId7" minVer="http://schemas.openxmlformats.org/drawingml/2006/diagram"/>
     </a:ext>
   </dgm:extLst>
 </dgm:dataModel>
@@ -5614,12 +5893,8 @@
             <a:rPr lang="fr-CH" sz="3200" dirty="0"/>
           </a:br>
           <a:r>
-            <a:rPr lang="fr-CH" sz="3200" dirty="0" err="1"/>
-            <a:t>Scum</a:t>
-          </a:r>
-          <a:r>
             <a:rPr lang="fr-CH" sz="3200" dirty="0"/>
-            <a:t> master</a:t>
+            <a:t>Scrum master</a:t>
           </a:r>
           <a:endParaRPr lang="en-US" sz="3200" dirty="0"/>
         </a:p>
@@ -6022,7 +6297,7 @@
   <dgm:whole/>
   <dgm:extLst>
     <a:ext uri="http://schemas.microsoft.com/office/drawing/2008/diagram">
-      <dsp:dataModelExt xmlns:dsp="http://schemas.microsoft.com/office/drawing/2008/diagram" relId="rId6" minVer="http://schemas.openxmlformats.org/drawingml/2006/diagram"/>
+      <dsp:dataModelExt xmlns:dsp="http://schemas.microsoft.com/office/drawing/2008/diagram" relId="rId7" minVer="http://schemas.openxmlformats.org/drawingml/2006/diagram"/>
     </a:ext>
   </dgm:extLst>
 </dgm:dataModel>
@@ -6371,7 +6646,7 @@
   <dgm:whole/>
   <dgm:extLst>
     <a:ext uri="http://schemas.microsoft.com/office/drawing/2008/diagram">
-      <dsp:dataModelExt xmlns:dsp="http://schemas.microsoft.com/office/drawing/2008/diagram" relId="rId6" minVer="http://schemas.openxmlformats.org/drawingml/2006/diagram"/>
+      <dsp:dataModelExt xmlns:dsp="http://schemas.microsoft.com/office/drawing/2008/diagram" relId="rId7" minVer="http://schemas.openxmlformats.org/drawingml/2006/diagram"/>
     </a:ext>
   </dgm:extLst>
 </dgm:dataModel>
@@ -6881,7 +7156,7 @@
   <dgm:whole/>
   <dgm:extLst>
     <a:ext uri="http://schemas.microsoft.com/office/drawing/2008/diagram">
-      <dsp:dataModelExt xmlns:dsp="http://schemas.microsoft.com/office/drawing/2008/diagram" relId="rId6" minVer="http://schemas.openxmlformats.org/drawingml/2006/diagram"/>
+      <dsp:dataModelExt xmlns:dsp="http://schemas.microsoft.com/office/drawing/2008/diagram" relId="rId7" minVer="http://schemas.openxmlformats.org/drawingml/2006/diagram"/>
     </a:ext>
   </dgm:extLst>
 </dgm:dataModel>
@@ -7912,12 +8187,8 @@
             <a:rPr lang="fr-CH" sz="3200" kern="1200" dirty="0"/>
           </a:br>
           <a:r>
-            <a:rPr lang="fr-CH" sz="3200" kern="1200" dirty="0" err="1"/>
-            <a:t>Scum</a:t>
-          </a:r>
-          <a:r>
             <a:rPr lang="fr-CH" sz="3200" kern="1200" dirty="0"/>
-            <a:t> master</a:t>
+            <a:t>Scrum master</a:t>
           </a:r>
           <a:endParaRPr lang="en-US" sz="3200" kern="1200" dirty="0"/>
         </a:p>
@@ -16277,7 +16548,7 @@
           <a:p>
             <a:fld id="{3B398B04-8A28-4494-830D-43210B650CDF}" type="datetimeFigureOut">
               <a:rPr lang="fr-CH" smtClean="0"/>
-              <a:t>15.01.2026</a:t>
+              <a:t>16.01.2026</a:t>
             </a:fld>
             <a:endParaRPr lang="fr-CH"/>
           </a:p>
@@ -16589,7 +16860,880 @@
           <a:bodyPr/>
           <a:lstStyle/>
           <a:p>
-            <a:endParaRPr lang="fr-CH" dirty="0"/>
+            <a:r>
+              <a:rPr lang="fr-CH" dirty="0"/>
+              <a:t>Matias</a:t>
+            </a:r>
+          </a:p>
+        </p:txBody>
+      </p:sp>
+      <p:sp>
+        <p:nvSpPr>
+          <p:cNvPr id="4" name="Espace réservé du numéro de diapositive 3"/>
+          <p:cNvSpPr>
+            <a:spLocks noGrp="1"/>
+          </p:cNvSpPr>
+          <p:nvPr>
+            <p:ph type="sldNum" sz="quarter" idx="5"/>
+          </p:nvPr>
+        </p:nvSpPr>
+        <p:spPr/>
+        <p:txBody>
+          <a:bodyPr/>
+          <a:lstStyle/>
+          <a:p>
+            <a:fld id="{A111939F-BD45-46C3-B2B9-C07375D8EE58}" type="slidenum">
+              <a:rPr lang="fr-CH" smtClean="0"/>
+              <a:t>1</a:t>
+            </a:fld>
+            <a:endParaRPr lang="fr-CH"/>
+          </a:p>
+        </p:txBody>
+      </p:sp>
+    </p:spTree>
+    <p:extLst>
+      <p:ext uri="{BB962C8B-B14F-4D97-AF65-F5344CB8AC3E}">
+        <p14:creationId xmlns:p14="http://schemas.microsoft.com/office/powerpoint/2010/main" val="429088337"/>
+      </p:ext>
+    </p:extLst>
+  </p:cSld>
+  <p:clrMapOvr>
+    <a:masterClrMapping/>
+  </p:clrMapOvr>
+</p:notes>
+</file>
+
+<file path=ppt/notesSlides/notesSlide10.xml><?xml version="1.0" encoding="utf-8"?>
+<p:notes xmlns:a="http://schemas.openxmlformats.org/drawingml/2006/main" xmlns:r="http://schemas.openxmlformats.org/officeDocument/2006/relationships" xmlns:p="http://schemas.openxmlformats.org/presentationml/2006/main">
+  <p:cSld>
+    <p:spTree>
+      <p:nvGrpSpPr>
+        <p:cNvPr id="1" name=""/>
+        <p:cNvGrpSpPr/>
+        <p:nvPr/>
+      </p:nvGrpSpPr>
+      <p:grpSpPr>
+        <a:xfrm>
+          <a:off x="0" y="0"/>
+          <a:ext cx="0" cy="0"/>
+          <a:chOff x="0" y="0"/>
+          <a:chExt cx="0" cy="0"/>
+        </a:xfrm>
+      </p:grpSpPr>
+      <p:sp>
+        <p:nvSpPr>
+          <p:cNvPr id="2" name="Espace réservé de l'image des diapositives 1"/>
+          <p:cNvSpPr>
+            <a:spLocks noGrp="1" noRot="1" noChangeAspect="1"/>
+          </p:cNvSpPr>
+          <p:nvPr>
+            <p:ph type="sldImg"/>
+          </p:nvPr>
+        </p:nvSpPr>
+        <p:spPr/>
+      </p:sp>
+      <p:sp>
+        <p:nvSpPr>
+          <p:cNvPr id="3" name="Espace réservé des notes 2"/>
+          <p:cNvSpPr>
+            <a:spLocks noGrp="1"/>
+          </p:cNvSpPr>
+          <p:nvPr>
+            <p:ph type="body" idx="1"/>
+          </p:nvPr>
+        </p:nvSpPr>
+        <p:spPr/>
+        <p:txBody>
+          <a:bodyPr/>
+          <a:lstStyle/>
+          <a:p>
+            <a:r>
+              <a:rPr lang="fr-CH" dirty="0"/>
+              <a:t>Arnaud</a:t>
+            </a:r>
+          </a:p>
+        </p:txBody>
+      </p:sp>
+      <p:sp>
+        <p:nvSpPr>
+          <p:cNvPr id="4" name="Espace réservé du numéro de diapositive 3"/>
+          <p:cNvSpPr>
+            <a:spLocks noGrp="1"/>
+          </p:cNvSpPr>
+          <p:nvPr>
+            <p:ph type="sldNum" sz="quarter" idx="5"/>
+          </p:nvPr>
+        </p:nvSpPr>
+        <p:spPr/>
+        <p:txBody>
+          <a:bodyPr/>
+          <a:lstStyle/>
+          <a:p>
+            <a:fld id="{A111939F-BD45-46C3-B2B9-C07375D8EE58}" type="slidenum">
+              <a:rPr lang="fr-CH" smtClean="0"/>
+              <a:t>10</a:t>
+            </a:fld>
+            <a:endParaRPr lang="fr-CH"/>
+          </a:p>
+        </p:txBody>
+      </p:sp>
+    </p:spTree>
+    <p:extLst>
+      <p:ext uri="{BB962C8B-B14F-4D97-AF65-F5344CB8AC3E}">
+        <p14:creationId xmlns:p14="http://schemas.microsoft.com/office/powerpoint/2010/main" val="4258733664"/>
+      </p:ext>
+    </p:extLst>
+  </p:cSld>
+  <p:clrMapOvr>
+    <a:masterClrMapping/>
+  </p:clrMapOvr>
+</p:notes>
+</file>
+
+<file path=ppt/notesSlides/notesSlide11.xml><?xml version="1.0" encoding="utf-8"?>
+<p:notes xmlns:a="http://schemas.openxmlformats.org/drawingml/2006/main" xmlns:r="http://schemas.openxmlformats.org/officeDocument/2006/relationships" xmlns:p="http://schemas.openxmlformats.org/presentationml/2006/main">
+  <p:cSld>
+    <p:spTree>
+      <p:nvGrpSpPr>
+        <p:cNvPr id="1" name=""/>
+        <p:cNvGrpSpPr/>
+        <p:nvPr/>
+      </p:nvGrpSpPr>
+      <p:grpSpPr>
+        <a:xfrm>
+          <a:off x="0" y="0"/>
+          <a:ext cx="0" cy="0"/>
+          <a:chOff x="0" y="0"/>
+          <a:chExt cx="0" cy="0"/>
+        </a:xfrm>
+      </p:grpSpPr>
+      <p:sp>
+        <p:nvSpPr>
+          <p:cNvPr id="2" name="Espace réservé de l'image des diapositives 1"/>
+          <p:cNvSpPr>
+            <a:spLocks noGrp="1" noRot="1" noChangeAspect="1"/>
+          </p:cNvSpPr>
+          <p:nvPr>
+            <p:ph type="sldImg"/>
+          </p:nvPr>
+        </p:nvSpPr>
+        <p:spPr/>
+      </p:sp>
+      <p:sp>
+        <p:nvSpPr>
+          <p:cNvPr id="3" name="Espace réservé des notes 2"/>
+          <p:cNvSpPr>
+            <a:spLocks noGrp="1"/>
+          </p:cNvSpPr>
+          <p:nvPr>
+            <p:ph type="body" idx="1"/>
+          </p:nvPr>
+        </p:nvSpPr>
+        <p:spPr/>
+        <p:txBody>
+          <a:bodyPr/>
+          <a:lstStyle/>
+          <a:p>
+            <a:r>
+              <a:rPr lang="fr-CH" dirty="0"/>
+              <a:t>Arnaud</a:t>
+            </a:r>
+          </a:p>
+        </p:txBody>
+      </p:sp>
+      <p:sp>
+        <p:nvSpPr>
+          <p:cNvPr id="4" name="Espace réservé du numéro de diapositive 3"/>
+          <p:cNvSpPr>
+            <a:spLocks noGrp="1"/>
+          </p:cNvSpPr>
+          <p:nvPr>
+            <p:ph type="sldNum" sz="quarter" idx="5"/>
+          </p:nvPr>
+        </p:nvSpPr>
+        <p:spPr/>
+        <p:txBody>
+          <a:bodyPr/>
+          <a:lstStyle/>
+          <a:p>
+            <a:fld id="{A111939F-BD45-46C3-B2B9-C07375D8EE58}" type="slidenum">
+              <a:rPr lang="fr-CH" smtClean="0"/>
+              <a:t>11</a:t>
+            </a:fld>
+            <a:endParaRPr lang="fr-CH"/>
+          </a:p>
+        </p:txBody>
+      </p:sp>
+    </p:spTree>
+    <p:extLst>
+      <p:ext uri="{BB962C8B-B14F-4D97-AF65-F5344CB8AC3E}">
+        <p14:creationId xmlns:p14="http://schemas.microsoft.com/office/powerpoint/2010/main" val="4171962128"/>
+      </p:ext>
+    </p:extLst>
+  </p:cSld>
+  <p:clrMapOvr>
+    <a:masterClrMapping/>
+  </p:clrMapOvr>
+</p:notes>
+</file>
+
+<file path=ppt/notesSlides/notesSlide12.xml><?xml version="1.0" encoding="utf-8"?>
+<p:notes xmlns:a="http://schemas.openxmlformats.org/drawingml/2006/main" xmlns:r="http://schemas.openxmlformats.org/officeDocument/2006/relationships" xmlns:p="http://schemas.openxmlformats.org/presentationml/2006/main">
+  <p:cSld>
+    <p:spTree>
+      <p:nvGrpSpPr>
+        <p:cNvPr id="1" name=""/>
+        <p:cNvGrpSpPr/>
+        <p:nvPr/>
+      </p:nvGrpSpPr>
+      <p:grpSpPr>
+        <a:xfrm>
+          <a:off x="0" y="0"/>
+          <a:ext cx="0" cy="0"/>
+          <a:chOff x="0" y="0"/>
+          <a:chExt cx="0" cy="0"/>
+        </a:xfrm>
+      </p:grpSpPr>
+      <p:sp>
+        <p:nvSpPr>
+          <p:cNvPr id="2" name="Espace réservé de l'image des diapositives 1"/>
+          <p:cNvSpPr>
+            <a:spLocks noGrp="1" noRot="1" noChangeAspect="1"/>
+          </p:cNvSpPr>
+          <p:nvPr>
+            <p:ph type="sldImg"/>
+          </p:nvPr>
+        </p:nvSpPr>
+        <p:spPr/>
+      </p:sp>
+      <p:sp>
+        <p:nvSpPr>
+          <p:cNvPr id="3" name="Espace réservé des notes 2"/>
+          <p:cNvSpPr>
+            <a:spLocks noGrp="1"/>
+          </p:cNvSpPr>
+          <p:nvPr>
+            <p:ph type="body" idx="1"/>
+          </p:nvPr>
+        </p:nvSpPr>
+        <p:spPr/>
+        <p:txBody>
+          <a:bodyPr/>
+          <a:lstStyle/>
+          <a:p>
+            <a:r>
+              <a:rPr lang="fr-CH" dirty="0"/>
+              <a:t>Jonas</a:t>
+            </a:r>
+          </a:p>
+        </p:txBody>
+      </p:sp>
+      <p:sp>
+        <p:nvSpPr>
+          <p:cNvPr id="4" name="Espace réservé du numéro de diapositive 3"/>
+          <p:cNvSpPr>
+            <a:spLocks noGrp="1"/>
+          </p:cNvSpPr>
+          <p:nvPr>
+            <p:ph type="sldNum" sz="quarter" idx="5"/>
+          </p:nvPr>
+        </p:nvSpPr>
+        <p:spPr/>
+        <p:txBody>
+          <a:bodyPr/>
+          <a:lstStyle/>
+          <a:p>
+            <a:fld id="{A111939F-BD45-46C3-B2B9-C07375D8EE58}" type="slidenum">
+              <a:rPr lang="fr-CH" smtClean="0"/>
+              <a:t>12</a:t>
+            </a:fld>
+            <a:endParaRPr lang="fr-CH"/>
+          </a:p>
+        </p:txBody>
+      </p:sp>
+    </p:spTree>
+    <p:extLst>
+      <p:ext uri="{BB962C8B-B14F-4D97-AF65-F5344CB8AC3E}">
+        <p14:creationId xmlns:p14="http://schemas.microsoft.com/office/powerpoint/2010/main" val="613304797"/>
+      </p:ext>
+    </p:extLst>
+  </p:cSld>
+  <p:clrMapOvr>
+    <a:masterClrMapping/>
+  </p:clrMapOvr>
+</p:notes>
+</file>
+
+<file path=ppt/notesSlides/notesSlide13.xml><?xml version="1.0" encoding="utf-8"?>
+<p:notes xmlns:a="http://schemas.openxmlformats.org/drawingml/2006/main" xmlns:r="http://schemas.openxmlformats.org/officeDocument/2006/relationships" xmlns:p="http://schemas.openxmlformats.org/presentationml/2006/main">
+  <p:cSld>
+    <p:spTree>
+      <p:nvGrpSpPr>
+        <p:cNvPr id="1" name=""/>
+        <p:cNvGrpSpPr/>
+        <p:nvPr/>
+      </p:nvGrpSpPr>
+      <p:grpSpPr>
+        <a:xfrm>
+          <a:off x="0" y="0"/>
+          <a:ext cx="0" cy="0"/>
+          <a:chOff x="0" y="0"/>
+          <a:chExt cx="0" cy="0"/>
+        </a:xfrm>
+      </p:grpSpPr>
+      <p:sp>
+        <p:nvSpPr>
+          <p:cNvPr id="2" name="Espace réservé de l'image des diapositives 1"/>
+          <p:cNvSpPr>
+            <a:spLocks noGrp="1" noRot="1" noChangeAspect="1"/>
+          </p:cNvSpPr>
+          <p:nvPr>
+            <p:ph type="sldImg"/>
+          </p:nvPr>
+        </p:nvSpPr>
+        <p:spPr/>
+      </p:sp>
+      <p:sp>
+        <p:nvSpPr>
+          <p:cNvPr id="3" name="Espace réservé des notes 2"/>
+          <p:cNvSpPr>
+            <a:spLocks noGrp="1"/>
+          </p:cNvSpPr>
+          <p:nvPr>
+            <p:ph type="body" idx="1"/>
+          </p:nvPr>
+        </p:nvSpPr>
+        <p:spPr/>
+        <p:txBody>
+          <a:bodyPr/>
+          <a:lstStyle/>
+          <a:p>
+            <a:r>
+              <a:rPr lang="fr-CH" dirty="0"/>
+              <a:t>Matias</a:t>
+            </a:r>
+          </a:p>
+        </p:txBody>
+      </p:sp>
+      <p:sp>
+        <p:nvSpPr>
+          <p:cNvPr id="4" name="Espace réservé du numéro de diapositive 3"/>
+          <p:cNvSpPr>
+            <a:spLocks noGrp="1"/>
+          </p:cNvSpPr>
+          <p:nvPr>
+            <p:ph type="sldNum" sz="quarter" idx="5"/>
+          </p:nvPr>
+        </p:nvSpPr>
+        <p:spPr/>
+        <p:txBody>
+          <a:bodyPr/>
+          <a:lstStyle/>
+          <a:p>
+            <a:fld id="{A111939F-BD45-46C3-B2B9-C07375D8EE58}" type="slidenum">
+              <a:rPr lang="fr-CH" smtClean="0"/>
+              <a:t>17</a:t>
+            </a:fld>
+            <a:endParaRPr lang="fr-CH"/>
+          </a:p>
+        </p:txBody>
+      </p:sp>
+    </p:spTree>
+    <p:extLst>
+      <p:ext uri="{BB962C8B-B14F-4D97-AF65-F5344CB8AC3E}">
+        <p14:creationId xmlns:p14="http://schemas.microsoft.com/office/powerpoint/2010/main" val="2443078926"/>
+      </p:ext>
+    </p:extLst>
+  </p:cSld>
+  <p:clrMapOvr>
+    <a:masterClrMapping/>
+  </p:clrMapOvr>
+</p:notes>
+</file>
+
+<file path=ppt/notesSlides/notesSlide14.xml><?xml version="1.0" encoding="utf-8"?>
+<p:notes xmlns:a="http://schemas.openxmlformats.org/drawingml/2006/main" xmlns:r="http://schemas.openxmlformats.org/officeDocument/2006/relationships" xmlns:p="http://schemas.openxmlformats.org/presentationml/2006/main">
+  <p:cSld>
+    <p:spTree>
+      <p:nvGrpSpPr>
+        <p:cNvPr id="1" name=""/>
+        <p:cNvGrpSpPr/>
+        <p:nvPr/>
+      </p:nvGrpSpPr>
+      <p:grpSpPr>
+        <a:xfrm>
+          <a:off x="0" y="0"/>
+          <a:ext cx="0" cy="0"/>
+          <a:chOff x="0" y="0"/>
+          <a:chExt cx="0" cy="0"/>
+        </a:xfrm>
+      </p:grpSpPr>
+      <p:sp>
+        <p:nvSpPr>
+          <p:cNvPr id="2" name="Espace réservé de l'image des diapositives 1"/>
+          <p:cNvSpPr>
+            <a:spLocks noGrp="1" noRot="1" noChangeAspect="1"/>
+          </p:cNvSpPr>
+          <p:nvPr>
+            <p:ph type="sldImg"/>
+          </p:nvPr>
+        </p:nvSpPr>
+        <p:spPr/>
+      </p:sp>
+      <p:sp>
+        <p:nvSpPr>
+          <p:cNvPr id="3" name="Espace réservé des notes 2"/>
+          <p:cNvSpPr>
+            <a:spLocks noGrp="1"/>
+          </p:cNvSpPr>
+          <p:nvPr>
+            <p:ph type="body" idx="1"/>
+          </p:nvPr>
+        </p:nvSpPr>
+        <p:spPr/>
+        <p:txBody>
+          <a:bodyPr/>
+          <a:lstStyle/>
+          <a:p>
+            <a:r>
+              <a:rPr lang="fr-CH" dirty="0"/>
+              <a:t>Matias</a:t>
+            </a:r>
+          </a:p>
+        </p:txBody>
+      </p:sp>
+      <p:sp>
+        <p:nvSpPr>
+          <p:cNvPr id="4" name="Espace réservé du numéro de diapositive 3"/>
+          <p:cNvSpPr>
+            <a:spLocks noGrp="1"/>
+          </p:cNvSpPr>
+          <p:nvPr>
+            <p:ph type="sldNum" sz="quarter" idx="5"/>
+          </p:nvPr>
+        </p:nvSpPr>
+        <p:spPr/>
+        <p:txBody>
+          <a:bodyPr/>
+          <a:lstStyle/>
+          <a:p>
+            <a:fld id="{A111939F-BD45-46C3-B2B9-C07375D8EE58}" type="slidenum">
+              <a:rPr lang="fr-CH" smtClean="0"/>
+              <a:t>18</a:t>
+            </a:fld>
+            <a:endParaRPr lang="fr-CH"/>
+          </a:p>
+        </p:txBody>
+      </p:sp>
+    </p:spTree>
+    <p:extLst>
+      <p:ext uri="{BB962C8B-B14F-4D97-AF65-F5344CB8AC3E}">
+        <p14:creationId xmlns:p14="http://schemas.microsoft.com/office/powerpoint/2010/main" val="2346257038"/>
+      </p:ext>
+    </p:extLst>
+  </p:cSld>
+  <p:clrMapOvr>
+    <a:masterClrMapping/>
+  </p:clrMapOvr>
+</p:notes>
+</file>
+
+<file path=ppt/notesSlides/notesSlide15.xml><?xml version="1.0" encoding="utf-8"?>
+<p:notes xmlns:a="http://schemas.openxmlformats.org/drawingml/2006/main" xmlns:r="http://schemas.openxmlformats.org/officeDocument/2006/relationships" xmlns:p="http://schemas.openxmlformats.org/presentationml/2006/main">
+  <p:cSld>
+    <p:spTree>
+      <p:nvGrpSpPr>
+        <p:cNvPr id="1" name=""/>
+        <p:cNvGrpSpPr/>
+        <p:nvPr/>
+      </p:nvGrpSpPr>
+      <p:grpSpPr>
+        <a:xfrm>
+          <a:off x="0" y="0"/>
+          <a:ext cx="0" cy="0"/>
+          <a:chOff x="0" y="0"/>
+          <a:chExt cx="0" cy="0"/>
+        </a:xfrm>
+      </p:grpSpPr>
+      <p:sp>
+        <p:nvSpPr>
+          <p:cNvPr id="2" name="Espace réservé de l'image des diapositives 1"/>
+          <p:cNvSpPr>
+            <a:spLocks noGrp="1" noRot="1" noChangeAspect="1"/>
+          </p:cNvSpPr>
+          <p:nvPr>
+            <p:ph type="sldImg"/>
+          </p:nvPr>
+        </p:nvSpPr>
+        <p:spPr/>
+      </p:sp>
+      <p:sp>
+        <p:nvSpPr>
+          <p:cNvPr id="3" name="Espace réservé des notes 2"/>
+          <p:cNvSpPr>
+            <a:spLocks noGrp="1"/>
+          </p:cNvSpPr>
+          <p:nvPr>
+            <p:ph type="body" idx="1"/>
+          </p:nvPr>
+        </p:nvSpPr>
+        <p:spPr/>
+        <p:txBody>
+          <a:bodyPr/>
+          <a:lstStyle/>
+          <a:p>
+            <a:r>
+              <a:rPr lang="fr-CH" dirty="0"/>
+              <a:t>Arnaud</a:t>
+            </a:r>
+          </a:p>
+        </p:txBody>
+      </p:sp>
+      <p:sp>
+        <p:nvSpPr>
+          <p:cNvPr id="4" name="Espace réservé du numéro de diapositive 3"/>
+          <p:cNvSpPr>
+            <a:spLocks noGrp="1"/>
+          </p:cNvSpPr>
+          <p:nvPr>
+            <p:ph type="sldNum" sz="quarter" idx="5"/>
+          </p:nvPr>
+        </p:nvSpPr>
+        <p:spPr/>
+        <p:txBody>
+          <a:bodyPr/>
+          <a:lstStyle/>
+          <a:p>
+            <a:fld id="{A111939F-BD45-46C3-B2B9-C07375D8EE58}" type="slidenum">
+              <a:rPr lang="fr-CH" smtClean="0"/>
+              <a:t>19</a:t>
+            </a:fld>
+            <a:endParaRPr lang="fr-CH"/>
+          </a:p>
+        </p:txBody>
+      </p:sp>
+    </p:spTree>
+    <p:extLst>
+      <p:ext uri="{BB962C8B-B14F-4D97-AF65-F5344CB8AC3E}">
+        <p14:creationId xmlns:p14="http://schemas.microsoft.com/office/powerpoint/2010/main" val="436727888"/>
+      </p:ext>
+    </p:extLst>
+  </p:cSld>
+  <p:clrMapOvr>
+    <a:masterClrMapping/>
+  </p:clrMapOvr>
+</p:notes>
+</file>
+
+<file path=ppt/notesSlides/notesSlide16.xml><?xml version="1.0" encoding="utf-8"?>
+<p:notes xmlns:a="http://schemas.openxmlformats.org/drawingml/2006/main" xmlns:r="http://schemas.openxmlformats.org/officeDocument/2006/relationships" xmlns:p="http://schemas.openxmlformats.org/presentationml/2006/main">
+  <p:cSld>
+    <p:spTree>
+      <p:nvGrpSpPr>
+        <p:cNvPr id="1" name=""/>
+        <p:cNvGrpSpPr/>
+        <p:nvPr/>
+      </p:nvGrpSpPr>
+      <p:grpSpPr>
+        <a:xfrm>
+          <a:off x="0" y="0"/>
+          <a:ext cx="0" cy="0"/>
+          <a:chOff x="0" y="0"/>
+          <a:chExt cx="0" cy="0"/>
+        </a:xfrm>
+      </p:grpSpPr>
+      <p:sp>
+        <p:nvSpPr>
+          <p:cNvPr id="2" name="Espace réservé de l'image des diapositives 1"/>
+          <p:cNvSpPr>
+            <a:spLocks noGrp="1" noRot="1" noChangeAspect="1"/>
+          </p:cNvSpPr>
+          <p:nvPr>
+            <p:ph type="sldImg"/>
+          </p:nvPr>
+        </p:nvSpPr>
+        <p:spPr/>
+      </p:sp>
+      <p:sp>
+        <p:nvSpPr>
+          <p:cNvPr id="3" name="Espace réservé des notes 2"/>
+          <p:cNvSpPr>
+            <a:spLocks noGrp="1"/>
+          </p:cNvSpPr>
+          <p:nvPr>
+            <p:ph type="body" idx="1"/>
+          </p:nvPr>
+        </p:nvSpPr>
+        <p:spPr/>
+        <p:txBody>
+          <a:bodyPr/>
+          <a:lstStyle/>
+          <a:p>
+            <a:r>
+              <a:rPr lang="fr-CH" dirty="0"/>
+              <a:t>Arnaud</a:t>
+            </a:r>
+          </a:p>
+        </p:txBody>
+      </p:sp>
+      <p:sp>
+        <p:nvSpPr>
+          <p:cNvPr id="4" name="Espace réservé du numéro de diapositive 3"/>
+          <p:cNvSpPr>
+            <a:spLocks noGrp="1"/>
+          </p:cNvSpPr>
+          <p:nvPr>
+            <p:ph type="sldNum" sz="quarter" idx="5"/>
+          </p:nvPr>
+        </p:nvSpPr>
+        <p:spPr/>
+        <p:txBody>
+          <a:bodyPr/>
+          <a:lstStyle/>
+          <a:p>
+            <a:fld id="{A111939F-BD45-46C3-B2B9-C07375D8EE58}" type="slidenum">
+              <a:rPr lang="fr-CH" smtClean="0"/>
+              <a:t>20</a:t>
+            </a:fld>
+            <a:endParaRPr lang="fr-CH"/>
+          </a:p>
+        </p:txBody>
+      </p:sp>
+    </p:spTree>
+    <p:extLst>
+      <p:ext uri="{BB962C8B-B14F-4D97-AF65-F5344CB8AC3E}">
+        <p14:creationId xmlns:p14="http://schemas.microsoft.com/office/powerpoint/2010/main" val="593883708"/>
+      </p:ext>
+    </p:extLst>
+  </p:cSld>
+  <p:clrMapOvr>
+    <a:masterClrMapping/>
+  </p:clrMapOvr>
+</p:notes>
+</file>
+
+<file path=ppt/notesSlides/notesSlide17.xml><?xml version="1.0" encoding="utf-8"?>
+<p:notes xmlns:a="http://schemas.openxmlformats.org/drawingml/2006/main" xmlns:r="http://schemas.openxmlformats.org/officeDocument/2006/relationships" xmlns:p="http://schemas.openxmlformats.org/presentationml/2006/main">
+  <p:cSld>
+    <p:spTree>
+      <p:nvGrpSpPr>
+        <p:cNvPr id="1" name=""/>
+        <p:cNvGrpSpPr/>
+        <p:nvPr/>
+      </p:nvGrpSpPr>
+      <p:grpSpPr>
+        <a:xfrm>
+          <a:off x="0" y="0"/>
+          <a:ext cx="0" cy="0"/>
+          <a:chOff x="0" y="0"/>
+          <a:chExt cx="0" cy="0"/>
+        </a:xfrm>
+      </p:grpSpPr>
+      <p:sp>
+        <p:nvSpPr>
+          <p:cNvPr id="2" name="Espace réservé de l'image des diapositives 1"/>
+          <p:cNvSpPr>
+            <a:spLocks noGrp="1" noRot="1" noChangeAspect="1"/>
+          </p:cNvSpPr>
+          <p:nvPr>
+            <p:ph type="sldImg"/>
+          </p:nvPr>
+        </p:nvSpPr>
+        <p:spPr/>
+      </p:sp>
+      <p:sp>
+        <p:nvSpPr>
+          <p:cNvPr id="3" name="Espace réservé des notes 2"/>
+          <p:cNvSpPr>
+            <a:spLocks noGrp="1"/>
+          </p:cNvSpPr>
+          <p:nvPr>
+            <p:ph type="body" idx="1"/>
+          </p:nvPr>
+        </p:nvSpPr>
+        <p:spPr/>
+        <p:txBody>
+          <a:bodyPr/>
+          <a:lstStyle/>
+          <a:p>
+            <a:r>
+              <a:rPr lang="fr-CH" dirty="0"/>
+              <a:t>Arnaud</a:t>
+            </a:r>
+          </a:p>
+        </p:txBody>
+      </p:sp>
+      <p:sp>
+        <p:nvSpPr>
+          <p:cNvPr id="4" name="Espace réservé du numéro de diapositive 3"/>
+          <p:cNvSpPr>
+            <a:spLocks noGrp="1"/>
+          </p:cNvSpPr>
+          <p:nvPr>
+            <p:ph type="sldNum" sz="quarter" idx="5"/>
+          </p:nvPr>
+        </p:nvSpPr>
+        <p:spPr/>
+        <p:txBody>
+          <a:bodyPr/>
+          <a:lstStyle/>
+          <a:p>
+            <a:fld id="{A111939F-BD45-46C3-B2B9-C07375D8EE58}" type="slidenum">
+              <a:rPr lang="fr-CH" smtClean="0"/>
+              <a:t>21</a:t>
+            </a:fld>
+            <a:endParaRPr lang="fr-CH"/>
+          </a:p>
+        </p:txBody>
+      </p:sp>
+    </p:spTree>
+    <p:extLst>
+      <p:ext uri="{BB962C8B-B14F-4D97-AF65-F5344CB8AC3E}">
+        <p14:creationId xmlns:p14="http://schemas.microsoft.com/office/powerpoint/2010/main" val="265927654"/>
+      </p:ext>
+    </p:extLst>
+  </p:cSld>
+  <p:clrMapOvr>
+    <a:masterClrMapping/>
+  </p:clrMapOvr>
+</p:notes>
+</file>
+
+<file path=ppt/notesSlides/notesSlide2.xml><?xml version="1.0" encoding="utf-8"?>
+<p:notes xmlns:a="http://schemas.openxmlformats.org/drawingml/2006/main" xmlns:r="http://schemas.openxmlformats.org/officeDocument/2006/relationships" xmlns:p="http://schemas.openxmlformats.org/presentationml/2006/main">
+  <p:cSld>
+    <p:spTree>
+      <p:nvGrpSpPr>
+        <p:cNvPr id="1" name=""/>
+        <p:cNvGrpSpPr/>
+        <p:nvPr/>
+      </p:nvGrpSpPr>
+      <p:grpSpPr>
+        <a:xfrm>
+          <a:off x="0" y="0"/>
+          <a:ext cx="0" cy="0"/>
+          <a:chOff x="0" y="0"/>
+          <a:chExt cx="0" cy="0"/>
+        </a:xfrm>
+      </p:grpSpPr>
+      <p:sp>
+        <p:nvSpPr>
+          <p:cNvPr id="2" name="Espace réservé de l'image des diapositives 1"/>
+          <p:cNvSpPr>
+            <a:spLocks noGrp="1" noRot="1" noChangeAspect="1"/>
+          </p:cNvSpPr>
+          <p:nvPr>
+            <p:ph type="sldImg"/>
+          </p:nvPr>
+        </p:nvSpPr>
+        <p:spPr/>
+      </p:sp>
+      <p:sp>
+        <p:nvSpPr>
+          <p:cNvPr id="3" name="Espace réservé des notes 2"/>
+          <p:cNvSpPr>
+            <a:spLocks noGrp="1"/>
+          </p:cNvSpPr>
+          <p:nvPr>
+            <p:ph type="body" idx="1"/>
+          </p:nvPr>
+        </p:nvSpPr>
+        <p:spPr/>
+        <p:txBody>
+          <a:bodyPr/>
+          <a:lstStyle/>
+          <a:p>
+            <a:r>
+              <a:rPr lang="fr-CH" dirty="0"/>
+              <a:t>Matias</a:t>
+            </a:r>
+          </a:p>
+        </p:txBody>
+      </p:sp>
+      <p:sp>
+        <p:nvSpPr>
+          <p:cNvPr id="4" name="Espace réservé du numéro de diapositive 3"/>
+          <p:cNvSpPr>
+            <a:spLocks noGrp="1"/>
+          </p:cNvSpPr>
+          <p:nvPr>
+            <p:ph type="sldNum" sz="quarter" idx="5"/>
+          </p:nvPr>
+        </p:nvSpPr>
+        <p:spPr/>
+        <p:txBody>
+          <a:bodyPr/>
+          <a:lstStyle/>
+          <a:p>
+            <a:fld id="{A111939F-BD45-46C3-B2B9-C07375D8EE58}" type="slidenum">
+              <a:rPr lang="fr-CH" smtClean="0"/>
+              <a:t>2</a:t>
+            </a:fld>
+            <a:endParaRPr lang="fr-CH"/>
+          </a:p>
+        </p:txBody>
+      </p:sp>
+    </p:spTree>
+    <p:extLst>
+      <p:ext uri="{BB962C8B-B14F-4D97-AF65-F5344CB8AC3E}">
+        <p14:creationId xmlns:p14="http://schemas.microsoft.com/office/powerpoint/2010/main" val="2353606384"/>
+      </p:ext>
+    </p:extLst>
+  </p:cSld>
+  <p:clrMapOvr>
+    <a:masterClrMapping/>
+  </p:clrMapOvr>
+</p:notes>
+</file>
+
+<file path=ppt/notesSlides/notesSlide3.xml><?xml version="1.0" encoding="utf-8"?>
+<p:notes xmlns:a="http://schemas.openxmlformats.org/drawingml/2006/main" xmlns:r="http://schemas.openxmlformats.org/officeDocument/2006/relationships" xmlns:p="http://schemas.openxmlformats.org/presentationml/2006/main">
+  <p:cSld>
+    <p:spTree>
+      <p:nvGrpSpPr>
+        <p:cNvPr id="1" name=""/>
+        <p:cNvGrpSpPr/>
+        <p:nvPr/>
+      </p:nvGrpSpPr>
+      <p:grpSpPr>
+        <a:xfrm>
+          <a:off x="0" y="0"/>
+          <a:ext cx="0" cy="0"/>
+          <a:chOff x="0" y="0"/>
+          <a:chExt cx="0" cy="0"/>
+        </a:xfrm>
+      </p:grpSpPr>
+      <p:sp>
+        <p:nvSpPr>
+          <p:cNvPr id="2" name="Espace réservé de l'image des diapositives 1"/>
+          <p:cNvSpPr>
+            <a:spLocks noGrp="1" noRot="1" noChangeAspect="1"/>
+          </p:cNvSpPr>
+          <p:nvPr>
+            <p:ph type="sldImg"/>
+          </p:nvPr>
+        </p:nvSpPr>
+        <p:spPr/>
+      </p:sp>
+      <p:sp>
+        <p:nvSpPr>
+          <p:cNvPr id="3" name="Espace réservé des notes 2"/>
+          <p:cNvSpPr>
+            <a:spLocks noGrp="1"/>
+          </p:cNvSpPr>
+          <p:nvPr>
+            <p:ph type="body" idx="1"/>
+          </p:nvPr>
+        </p:nvSpPr>
+        <p:spPr/>
+        <p:txBody>
+          <a:bodyPr/>
+          <a:lstStyle/>
+          <a:p>
+            <a:r>
+              <a:rPr lang="fr-CH" dirty="0"/>
+              <a:t>Matias</a:t>
+            </a:r>
           </a:p>
         </p:txBody>
       </p:sp>
@@ -16620,6 +17764,528 @@
     <p:extLst>
       <p:ext uri="{BB962C8B-B14F-4D97-AF65-F5344CB8AC3E}">
         <p14:creationId xmlns:p14="http://schemas.microsoft.com/office/powerpoint/2010/main" val="637974875"/>
+      </p:ext>
+    </p:extLst>
+  </p:cSld>
+  <p:clrMapOvr>
+    <a:masterClrMapping/>
+  </p:clrMapOvr>
+</p:notes>
+</file>
+
+<file path=ppt/notesSlides/notesSlide4.xml><?xml version="1.0" encoding="utf-8"?>
+<p:notes xmlns:a="http://schemas.openxmlformats.org/drawingml/2006/main" xmlns:r="http://schemas.openxmlformats.org/officeDocument/2006/relationships" xmlns:p="http://schemas.openxmlformats.org/presentationml/2006/main">
+  <p:cSld>
+    <p:spTree>
+      <p:nvGrpSpPr>
+        <p:cNvPr id="1" name=""/>
+        <p:cNvGrpSpPr/>
+        <p:nvPr/>
+      </p:nvGrpSpPr>
+      <p:grpSpPr>
+        <a:xfrm>
+          <a:off x="0" y="0"/>
+          <a:ext cx="0" cy="0"/>
+          <a:chOff x="0" y="0"/>
+          <a:chExt cx="0" cy="0"/>
+        </a:xfrm>
+      </p:grpSpPr>
+      <p:sp>
+        <p:nvSpPr>
+          <p:cNvPr id="2" name="Espace réservé de l'image des diapositives 1"/>
+          <p:cNvSpPr>
+            <a:spLocks noGrp="1" noRot="1" noChangeAspect="1"/>
+          </p:cNvSpPr>
+          <p:nvPr>
+            <p:ph type="sldImg"/>
+          </p:nvPr>
+        </p:nvSpPr>
+        <p:spPr/>
+      </p:sp>
+      <p:sp>
+        <p:nvSpPr>
+          <p:cNvPr id="3" name="Espace réservé des notes 2"/>
+          <p:cNvSpPr>
+            <a:spLocks noGrp="1"/>
+          </p:cNvSpPr>
+          <p:nvPr>
+            <p:ph type="body" idx="1"/>
+          </p:nvPr>
+        </p:nvSpPr>
+        <p:spPr/>
+        <p:txBody>
+          <a:bodyPr/>
+          <a:lstStyle/>
+          <a:p>
+            <a:r>
+              <a:rPr lang="fr-CH" dirty="0"/>
+              <a:t>Matias</a:t>
+            </a:r>
+          </a:p>
+        </p:txBody>
+      </p:sp>
+      <p:sp>
+        <p:nvSpPr>
+          <p:cNvPr id="4" name="Espace réservé du numéro de diapositive 3"/>
+          <p:cNvSpPr>
+            <a:spLocks noGrp="1"/>
+          </p:cNvSpPr>
+          <p:nvPr>
+            <p:ph type="sldNum" sz="quarter" idx="5"/>
+          </p:nvPr>
+        </p:nvSpPr>
+        <p:spPr/>
+        <p:txBody>
+          <a:bodyPr/>
+          <a:lstStyle/>
+          <a:p>
+            <a:fld id="{A111939F-BD45-46C3-B2B9-C07375D8EE58}" type="slidenum">
+              <a:rPr lang="fr-CH" smtClean="0"/>
+              <a:t>4</a:t>
+            </a:fld>
+            <a:endParaRPr lang="fr-CH"/>
+          </a:p>
+        </p:txBody>
+      </p:sp>
+    </p:spTree>
+    <p:extLst>
+      <p:ext uri="{BB962C8B-B14F-4D97-AF65-F5344CB8AC3E}">
+        <p14:creationId xmlns:p14="http://schemas.microsoft.com/office/powerpoint/2010/main" val="588779546"/>
+      </p:ext>
+    </p:extLst>
+  </p:cSld>
+  <p:clrMapOvr>
+    <a:masterClrMapping/>
+  </p:clrMapOvr>
+</p:notes>
+</file>
+
+<file path=ppt/notesSlides/notesSlide5.xml><?xml version="1.0" encoding="utf-8"?>
+<p:notes xmlns:a="http://schemas.openxmlformats.org/drawingml/2006/main" xmlns:r="http://schemas.openxmlformats.org/officeDocument/2006/relationships" xmlns:p="http://schemas.openxmlformats.org/presentationml/2006/main">
+  <p:cSld>
+    <p:spTree>
+      <p:nvGrpSpPr>
+        <p:cNvPr id="1" name=""/>
+        <p:cNvGrpSpPr/>
+        <p:nvPr/>
+      </p:nvGrpSpPr>
+      <p:grpSpPr>
+        <a:xfrm>
+          <a:off x="0" y="0"/>
+          <a:ext cx="0" cy="0"/>
+          <a:chOff x="0" y="0"/>
+          <a:chExt cx="0" cy="0"/>
+        </a:xfrm>
+      </p:grpSpPr>
+      <p:sp>
+        <p:nvSpPr>
+          <p:cNvPr id="2" name="Espace réservé de l'image des diapositives 1"/>
+          <p:cNvSpPr>
+            <a:spLocks noGrp="1" noRot="1" noChangeAspect="1"/>
+          </p:cNvSpPr>
+          <p:nvPr>
+            <p:ph type="sldImg"/>
+          </p:nvPr>
+        </p:nvSpPr>
+        <p:spPr/>
+      </p:sp>
+      <p:sp>
+        <p:nvSpPr>
+          <p:cNvPr id="3" name="Espace réservé des notes 2"/>
+          <p:cNvSpPr>
+            <a:spLocks noGrp="1"/>
+          </p:cNvSpPr>
+          <p:nvPr>
+            <p:ph type="body" idx="1"/>
+          </p:nvPr>
+        </p:nvSpPr>
+        <p:spPr/>
+        <p:txBody>
+          <a:bodyPr/>
+          <a:lstStyle/>
+          <a:p>
+            <a:r>
+              <a:rPr lang="fr-CH" dirty="0"/>
+              <a:t>Matias</a:t>
+            </a:r>
+          </a:p>
+        </p:txBody>
+      </p:sp>
+      <p:sp>
+        <p:nvSpPr>
+          <p:cNvPr id="4" name="Espace réservé du numéro de diapositive 3"/>
+          <p:cNvSpPr>
+            <a:spLocks noGrp="1"/>
+          </p:cNvSpPr>
+          <p:nvPr>
+            <p:ph type="sldNum" sz="quarter" idx="5"/>
+          </p:nvPr>
+        </p:nvSpPr>
+        <p:spPr/>
+        <p:txBody>
+          <a:bodyPr/>
+          <a:lstStyle/>
+          <a:p>
+            <a:fld id="{A111939F-BD45-46C3-B2B9-C07375D8EE58}" type="slidenum">
+              <a:rPr lang="fr-CH" smtClean="0"/>
+              <a:t>5</a:t>
+            </a:fld>
+            <a:endParaRPr lang="fr-CH"/>
+          </a:p>
+        </p:txBody>
+      </p:sp>
+    </p:spTree>
+    <p:extLst>
+      <p:ext uri="{BB962C8B-B14F-4D97-AF65-F5344CB8AC3E}">
+        <p14:creationId xmlns:p14="http://schemas.microsoft.com/office/powerpoint/2010/main" val="1564308333"/>
+      </p:ext>
+    </p:extLst>
+  </p:cSld>
+  <p:clrMapOvr>
+    <a:masterClrMapping/>
+  </p:clrMapOvr>
+</p:notes>
+</file>
+
+<file path=ppt/notesSlides/notesSlide6.xml><?xml version="1.0" encoding="utf-8"?>
+<p:notes xmlns:a="http://schemas.openxmlformats.org/drawingml/2006/main" xmlns:r="http://schemas.openxmlformats.org/officeDocument/2006/relationships" xmlns:p="http://schemas.openxmlformats.org/presentationml/2006/main">
+  <p:cSld>
+    <p:spTree>
+      <p:nvGrpSpPr>
+        <p:cNvPr id="1" name=""/>
+        <p:cNvGrpSpPr/>
+        <p:nvPr/>
+      </p:nvGrpSpPr>
+      <p:grpSpPr>
+        <a:xfrm>
+          <a:off x="0" y="0"/>
+          <a:ext cx="0" cy="0"/>
+          <a:chOff x="0" y="0"/>
+          <a:chExt cx="0" cy="0"/>
+        </a:xfrm>
+      </p:grpSpPr>
+      <p:sp>
+        <p:nvSpPr>
+          <p:cNvPr id="2" name="Espace réservé de l'image des diapositives 1"/>
+          <p:cNvSpPr>
+            <a:spLocks noGrp="1" noRot="1" noChangeAspect="1"/>
+          </p:cNvSpPr>
+          <p:nvPr>
+            <p:ph type="sldImg"/>
+          </p:nvPr>
+        </p:nvSpPr>
+        <p:spPr/>
+      </p:sp>
+      <p:sp>
+        <p:nvSpPr>
+          <p:cNvPr id="3" name="Espace réservé des notes 2"/>
+          <p:cNvSpPr>
+            <a:spLocks noGrp="1"/>
+          </p:cNvSpPr>
+          <p:nvPr>
+            <p:ph type="body" idx="1"/>
+          </p:nvPr>
+        </p:nvSpPr>
+        <p:spPr/>
+        <p:txBody>
+          <a:bodyPr/>
+          <a:lstStyle/>
+          <a:p>
+            <a:r>
+              <a:rPr lang="fr-CH" dirty="0"/>
+              <a:t>Matias</a:t>
+            </a:r>
+          </a:p>
+        </p:txBody>
+      </p:sp>
+      <p:sp>
+        <p:nvSpPr>
+          <p:cNvPr id="4" name="Espace réservé du numéro de diapositive 3"/>
+          <p:cNvSpPr>
+            <a:spLocks noGrp="1"/>
+          </p:cNvSpPr>
+          <p:nvPr>
+            <p:ph type="sldNum" sz="quarter" idx="5"/>
+          </p:nvPr>
+        </p:nvSpPr>
+        <p:spPr/>
+        <p:txBody>
+          <a:bodyPr/>
+          <a:lstStyle/>
+          <a:p>
+            <a:fld id="{A111939F-BD45-46C3-B2B9-C07375D8EE58}" type="slidenum">
+              <a:rPr lang="fr-CH" smtClean="0"/>
+              <a:t>6</a:t>
+            </a:fld>
+            <a:endParaRPr lang="fr-CH"/>
+          </a:p>
+        </p:txBody>
+      </p:sp>
+    </p:spTree>
+    <p:extLst>
+      <p:ext uri="{BB962C8B-B14F-4D97-AF65-F5344CB8AC3E}">
+        <p14:creationId xmlns:p14="http://schemas.microsoft.com/office/powerpoint/2010/main" val="80714557"/>
+      </p:ext>
+    </p:extLst>
+  </p:cSld>
+  <p:clrMapOvr>
+    <a:masterClrMapping/>
+  </p:clrMapOvr>
+</p:notes>
+</file>
+
+<file path=ppt/notesSlides/notesSlide7.xml><?xml version="1.0" encoding="utf-8"?>
+<p:notes xmlns:a="http://schemas.openxmlformats.org/drawingml/2006/main" xmlns:r="http://schemas.openxmlformats.org/officeDocument/2006/relationships" xmlns:p="http://schemas.openxmlformats.org/presentationml/2006/main">
+  <p:cSld>
+    <p:spTree>
+      <p:nvGrpSpPr>
+        <p:cNvPr id="1" name=""/>
+        <p:cNvGrpSpPr/>
+        <p:nvPr/>
+      </p:nvGrpSpPr>
+      <p:grpSpPr>
+        <a:xfrm>
+          <a:off x="0" y="0"/>
+          <a:ext cx="0" cy="0"/>
+          <a:chOff x="0" y="0"/>
+          <a:chExt cx="0" cy="0"/>
+        </a:xfrm>
+      </p:grpSpPr>
+      <p:sp>
+        <p:nvSpPr>
+          <p:cNvPr id="2" name="Espace réservé de l'image des diapositives 1"/>
+          <p:cNvSpPr>
+            <a:spLocks noGrp="1" noRot="1" noChangeAspect="1"/>
+          </p:cNvSpPr>
+          <p:nvPr>
+            <p:ph type="sldImg"/>
+          </p:nvPr>
+        </p:nvSpPr>
+        <p:spPr/>
+      </p:sp>
+      <p:sp>
+        <p:nvSpPr>
+          <p:cNvPr id="3" name="Espace réservé des notes 2"/>
+          <p:cNvSpPr>
+            <a:spLocks noGrp="1"/>
+          </p:cNvSpPr>
+          <p:nvPr>
+            <p:ph type="body" idx="1"/>
+          </p:nvPr>
+        </p:nvSpPr>
+        <p:spPr/>
+        <p:txBody>
+          <a:bodyPr/>
+          <a:lstStyle/>
+          <a:p>
+            <a:r>
+              <a:rPr lang="fr-CH" dirty="0"/>
+              <a:t>Jonas</a:t>
+            </a:r>
+          </a:p>
+        </p:txBody>
+      </p:sp>
+      <p:sp>
+        <p:nvSpPr>
+          <p:cNvPr id="4" name="Espace réservé du numéro de diapositive 3"/>
+          <p:cNvSpPr>
+            <a:spLocks noGrp="1"/>
+          </p:cNvSpPr>
+          <p:nvPr>
+            <p:ph type="sldNum" sz="quarter" idx="5"/>
+          </p:nvPr>
+        </p:nvSpPr>
+        <p:spPr/>
+        <p:txBody>
+          <a:bodyPr/>
+          <a:lstStyle/>
+          <a:p>
+            <a:fld id="{A111939F-BD45-46C3-B2B9-C07375D8EE58}" type="slidenum">
+              <a:rPr lang="fr-CH" smtClean="0"/>
+              <a:t>7</a:t>
+            </a:fld>
+            <a:endParaRPr lang="fr-CH"/>
+          </a:p>
+        </p:txBody>
+      </p:sp>
+    </p:spTree>
+    <p:extLst>
+      <p:ext uri="{BB962C8B-B14F-4D97-AF65-F5344CB8AC3E}">
+        <p14:creationId xmlns:p14="http://schemas.microsoft.com/office/powerpoint/2010/main" val="3710945823"/>
+      </p:ext>
+    </p:extLst>
+  </p:cSld>
+  <p:clrMapOvr>
+    <a:masterClrMapping/>
+  </p:clrMapOvr>
+</p:notes>
+</file>
+
+<file path=ppt/notesSlides/notesSlide8.xml><?xml version="1.0" encoding="utf-8"?>
+<p:notes xmlns:a="http://schemas.openxmlformats.org/drawingml/2006/main" xmlns:r="http://schemas.openxmlformats.org/officeDocument/2006/relationships" xmlns:p="http://schemas.openxmlformats.org/presentationml/2006/main">
+  <p:cSld>
+    <p:spTree>
+      <p:nvGrpSpPr>
+        <p:cNvPr id="1" name=""/>
+        <p:cNvGrpSpPr/>
+        <p:nvPr/>
+      </p:nvGrpSpPr>
+      <p:grpSpPr>
+        <a:xfrm>
+          <a:off x="0" y="0"/>
+          <a:ext cx="0" cy="0"/>
+          <a:chOff x="0" y="0"/>
+          <a:chExt cx="0" cy="0"/>
+        </a:xfrm>
+      </p:grpSpPr>
+      <p:sp>
+        <p:nvSpPr>
+          <p:cNvPr id="2" name="Espace réservé de l'image des diapositives 1"/>
+          <p:cNvSpPr>
+            <a:spLocks noGrp="1" noRot="1" noChangeAspect="1"/>
+          </p:cNvSpPr>
+          <p:nvPr>
+            <p:ph type="sldImg"/>
+          </p:nvPr>
+        </p:nvSpPr>
+        <p:spPr/>
+      </p:sp>
+      <p:sp>
+        <p:nvSpPr>
+          <p:cNvPr id="3" name="Espace réservé des notes 2"/>
+          <p:cNvSpPr>
+            <a:spLocks noGrp="1"/>
+          </p:cNvSpPr>
+          <p:nvPr>
+            <p:ph type="body" idx="1"/>
+          </p:nvPr>
+        </p:nvSpPr>
+        <p:spPr/>
+        <p:txBody>
+          <a:bodyPr/>
+          <a:lstStyle/>
+          <a:p>
+            <a:r>
+              <a:rPr lang="fr-CH" dirty="0"/>
+              <a:t>Arnaud</a:t>
+            </a:r>
+          </a:p>
+        </p:txBody>
+      </p:sp>
+      <p:sp>
+        <p:nvSpPr>
+          <p:cNvPr id="4" name="Espace réservé du numéro de diapositive 3"/>
+          <p:cNvSpPr>
+            <a:spLocks noGrp="1"/>
+          </p:cNvSpPr>
+          <p:nvPr>
+            <p:ph type="sldNum" sz="quarter" idx="5"/>
+          </p:nvPr>
+        </p:nvSpPr>
+        <p:spPr/>
+        <p:txBody>
+          <a:bodyPr/>
+          <a:lstStyle/>
+          <a:p>
+            <a:fld id="{A111939F-BD45-46C3-B2B9-C07375D8EE58}" type="slidenum">
+              <a:rPr lang="fr-CH" smtClean="0"/>
+              <a:t>8</a:t>
+            </a:fld>
+            <a:endParaRPr lang="fr-CH"/>
+          </a:p>
+        </p:txBody>
+      </p:sp>
+    </p:spTree>
+    <p:extLst>
+      <p:ext uri="{BB962C8B-B14F-4D97-AF65-F5344CB8AC3E}">
+        <p14:creationId xmlns:p14="http://schemas.microsoft.com/office/powerpoint/2010/main" val="1255288390"/>
+      </p:ext>
+    </p:extLst>
+  </p:cSld>
+  <p:clrMapOvr>
+    <a:masterClrMapping/>
+  </p:clrMapOvr>
+</p:notes>
+</file>
+
+<file path=ppt/notesSlides/notesSlide9.xml><?xml version="1.0" encoding="utf-8"?>
+<p:notes xmlns:a="http://schemas.openxmlformats.org/drawingml/2006/main" xmlns:r="http://schemas.openxmlformats.org/officeDocument/2006/relationships" xmlns:p="http://schemas.openxmlformats.org/presentationml/2006/main">
+  <p:cSld>
+    <p:spTree>
+      <p:nvGrpSpPr>
+        <p:cNvPr id="1" name=""/>
+        <p:cNvGrpSpPr/>
+        <p:nvPr/>
+      </p:nvGrpSpPr>
+      <p:grpSpPr>
+        <a:xfrm>
+          <a:off x="0" y="0"/>
+          <a:ext cx="0" cy="0"/>
+          <a:chOff x="0" y="0"/>
+          <a:chExt cx="0" cy="0"/>
+        </a:xfrm>
+      </p:grpSpPr>
+      <p:sp>
+        <p:nvSpPr>
+          <p:cNvPr id="2" name="Espace réservé de l'image des diapositives 1"/>
+          <p:cNvSpPr>
+            <a:spLocks noGrp="1" noRot="1" noChangeAspect="1"/>
+          </p:cNvSpPr>
+          <p:nvPr>
+            <p:ph type="sldImg"/>
+          </p:nvPr>
+        </p:nvSpPr>
+        <p:spPr/>
+      </p:sp>
+      <p:sp>
+        <p:nvSpPr>
+          <p:cNvPr id="3" name="Espace réservé des notes 2"/>
+          <p:cNvSpPr>
+            <a:spLocks noGrp="1"/>
+          </p:cNvSpPr>
+          <p:nvPr>
+            <p:ph type="body" idx="1"/>
+          </p:nvPr>
+        </p:nvSpPr>
+        <p:spPr/>
+        <p:txBody>
+          <a:bodyPr/>
+          <a:lstStyle/>
+          <a:p>
+            <a:r>
+              <a:rPr lang="fr-CH" dirty="0"/>
+              <a:t>Arnaud</a:t>
+            </a:r>
+          </a:p>
+        </p:txBody>
+      </p:sp>
+      <p:sp>
+        <p:nvSpPr>
+          <p:cNvPr id="4" name="Espace réservé du numéro de diapositive 3"/>
+          <p:cNvSpPr>
+            <a:spLocks noGrp="1"/>
+          </p:cNvSpPr>
+          <p:nvPr>
+            <p:ph type="sldNum" sz="quarter" idx="5"/>
+          </p:nvPr>
+        </p:nvSpPr>
+        <p:spPr/>
+        <p:txBody>
+          <a:bodyPr/>
+          <a:lstStyle/>
+          <a:p>
+            <a:fld id="{A111939F-BD45-46C3-B2B9-C07375D8EE58}" type="slidenum">
+              <a:rPr lang="fr-CH" smtClean="0"/>
+              <a:t>9</a:t>
+            </a:fld>
+            <a:endParaRPr lang="fr-CH"/>
+          </a:p>
+        </p:txBody>
+      </p:sp>
+    </p:spTree>
+    <p:extLst>
+      <p:ext uri="{BB962C8B-B14F-4D97-AF65-F5344CB8AC3E}">
+        <p14:creationId xmlns:p14="http://schemas.microsoft.com/office/powerpoint/2010/main" val="1719069117"/>
       </p:ext>
     </p:extLst>
   </p:cSld>
@@ -16778,7 +18444,7 @@
           <a:p>
             <a:fld id="{14640CD4-2B03-4141-A29F-3F1AF3976BD9}" type="datetimeFigureOut">
               <a:rPr lang="fr-CH" smtClean="0"/>
-              <a:t>15.01.2026</a:t>
+              <a:t>16.01.2026</a:t>
             </a:fld>
             <a:endParaRPr lang="fr-CH"/>
           </a:p>
@@ -16978,7 +18644,7 @@
           <a:p>
             <a:fld id="{14640CD4-2B03-4141-A29F-3F1AF3976BD9}" type="datetimeFigureOut">
               <a:rPr lang="fr-CH" smtClean="0"/>
-              <a:t>15.01.2026</a:t>
+              <a:t>16.01.2026</a:t>
             </a:fld>
             <a:endParaRPr lang="fr-CH"/>
           </a:p>
@@ -17188,7 +18854,7 @@
           <a:p>
             <a:fld id="{14640CD4-2B03-4141-A29F-3F1AF3976BD9}" type="datetimeFigureOut">
               <a:rPr lang="fr-CH" smtClean="0"/>
-              <a:t>15.01.2026</a:t>
+              <a:t>16.01.2026</a:t>
             </a:fld>
             <a:endParaRPr lang="fr-CH"/>
           </a:p>
@@ -17388,7 +19054,7 @@
           <a:p>
             <a:fld id="{14640CD4-2B03-4141-A29F-3F1AF3976BD9}" type="datetimeFigureOut">
               <a:rPr lang="fr-CH" smtClean="0"/>
-              <a:t>15.01.2026</a:t>
+              <a:t>16.01.2026</a:t>
             </a:fld>
             <a:endParaRPr lang="fr-CH"/>
           </a:p>
@@ -17664,7 +19330,7 @@
           <a:p>
             <a:fld id="{14640CD4-2B03-4141-A29F-3F1AF3976BD9}" type="datetimeFigureOut">
               <a:rPr lang="fr-CH" smtClean="0"/>
-              <a:t>15.01.2026</a:t>
+              <a:t>16.01.2026</a:t>
             </a:fld>
             <a:endParaRPr lang="fr-CH"/>
           </a:p>
@@ -17932,7 +19598,7 @@
           <a:p>
             <a:fld id="{14640CD4-2B03-4141-A29F-3F1AF3976BD9}" type="datetimeFigureOut">
               <a:rPr lang="fr-CH" smtClean="0"/>
-              <a:t>15.01.2026</a:t>
+              <a:t>16.01.2026</a:t>
             </a:fld>
             <a:endParaRPr lang="fr-CH"/>
           </a:p>
@@ -18347,7 +20013,7 @@
           <a:p>
             <a:fld id="{14640CD4-2B03-4141-A29F-3F1AF3976BD9}" type="datetimeFigureOut">
               <a:rPr lang="fr-CH" smtClean="0"/>
-              <a:t>15.01.2026</a:t>
+              <a:t>16.01.2026</a:t>
             </a:fld>
             <a:endParaRPr lang="fr-CH"/>
           </a:p>
@@ -18489,7 +20155,7 @@
           <a:p>
             <a:fld id="{14640CD4-2B03-4141-A29F-3F1AF3976BD9}" type="datetimeFigureOut">
               <a:rPr lang="fr-CH" smtClean="0"/>
-              <a:t>15.01.2026</a:t>
+              <a:t>16.01.2026</a:t>
             </a:fld>
             <a:endParaRPr lang="fr-CH"/>
           </a:p>
@@ -18602,7 +20268,7 @@
           <a:p>
             <a:fld id="{14640CD4-2B03-4141-A29F-3F1AF3976BD9}" type="datetimeFigureOut">
               <a:rPr lang="fr-CH" smtClean="0"/>
-              <a:t>15.01.2026</a:t>
+              <a:t>16.01.2026</a:t>
             </a:fld>
             <a:endParaRPr lang="fr-CH"/>
           </a:p>
@@ -18915,7 +20581,7 @@
           <a:p>
             <a:fld id="{14640CD4-2B03-4141-A29F-3F1AF3976BD9}" type="datetimeFigureOut">
               <a:rPr lang="fr-CH" smtClean="0"/>
-              <a:t>15.01.2026</a:t>
+              <a:t>16.01.2026</a:t>
             </a:fld>
             <a:endParaRPr lang="fr-CH"/>
           </a:p>
@@ -19204,7 +20870,7 @@
           <a:p>
             <a:fld id="{14640CD4-2B03-4141-A29F-3F1AF3976BD9}" type="datetimeFigureOut">
               <a:rPr lang="fr-CH" smtClean="0"/>
-              <a:t>15.01.2026</a:t>
+              <a:t>16.01.2026</a:t>
             </a:fld>
             <a:endParaRPr lang="fr-CH"/>
           </a:p>
@@ -19447,7 +21113,7 @@
           <a:p>
             <a:fld id="{14640CD4-2B03-4141-A29F-3F1AF3976BD9}" type="datetimeFigureOut">
               <a:rPr lang="fr-CH" smtClean="0"/>
-              <a:t>15.01.2026</a:t>
+              <a:t>16.01.2026</a:t>
             </a:fld>
             <a:endParaRPr lang="fr-CH"/>
           </a:p>
@@ -19947,7 +21613,7 @@
           <p:nvPr/>
         </p:nvPicPr>
         <p:blipFill>
-          <a:blip r:embed="rId2"/>
+          <a:blip r:embed="rId3"/>
           <a:srcRect b="20775"/>
           <a:stretch>
             <a:fillRect/>
@@ -20140,7 +21806,7 @@
           </a:bodyPr>
           <a:lstStyle/>
           <a:p>
-            <a:endParaRPr lang="fr-CH">
+            <a:endParaRPr lang="fr-CH" dirty="0">
               <a:solidFill>
                 <a:srgbClr val="FFFFFF"/>
               </a:solidFill>
@@ -20383,7 +22049,7 @@
           </p:nvPr>
         </p:nvPicPr>
         <p:blipFill>
-          <a:blip r:embed="rId2"/>
+          <a:blip r:embed="rId3"/>
           <a:stretch>
             <a:fillRect/>
           </a:stretch>
@@ -20483,7 +22149,7 @@
         </p:xfrm>
         <a:graphic>
           <a:graphicData uri="http://schemas.openxmlformats.org/drawingml/2006/diagram">
-            <dgm:relIds xmlns:dgm="http://schemas.openxmlformats.org/drawingml/2006/diagram" xmlns:r="http://schemas.openxmlformats.org/officeDocument/2006/relationships" r:dm="rId2" r:lo="rId3" r:qs="rId4" r:cs="rId5"/>
+            <dgm:relIds xmlns:dgm="http://schemas.openxmlformats.org/drawingml/2006/diagram" xmlns:r="http://schemas.openxmlformats.org/officeDocument/2006/relationships" r:dm="rId3" r:lo="rId4" r:qs="rId5" r:cs="rId6"/>
           </a:graphicData>
         </a:graphic>
       </p:graphicFrame>
@@ -20503,6 +22169,14 @@
 <file path=ppt/slides/slide12.xml><?xml version="1.0" encoding="utf-8"?>
 <p:sld xmlns:a="http://schemas.openxmlformats.org/drawingml/2006/main" xmlns:r="http://schemas.openxmlformats.org/officeDocument/2006/relationships" xmlns:p="http://schemas.openxmlformats.org/presentationml/2006/main">
   <p:cSld>
+    <p:bg>
+      <p:bgPr>
+        <a:solidFill>
+          <a:schemeClr val="bg1"/>
+        </a:solidFill>
+        <a:effectLst/>
+      </p:bgPr>
+    </p:bg>
     <p:spTree>
       <p:nvGrpSpPr>
         <p:cNvPr id="1" name=""/>
@@ -20519,6 +22193,78 @@
       </p:grpSpPr>
       <p:sp>
         <p:nvSpPr>
+          <p:cNvPr id="15" name="Rectangle 14">
+            <a:extLst>
+              <a:ext uri="{FF2B5EF4-FFF2-40B4-BE49-F238E27FC236}">
+                <a16:creationId xmlns:a16="http://schemas.microsoft.com/office/drawing/2014/main" id="{FB5B0058-AF13-4859-B429-4EDDE2A26F7F}"/>
+              </a:ext>
+              <a:ext uri="{C183D7F6-B498-43B3-948B-1728B52AA6E4}">
+                <adec:decorative xmlns:adec="http://schemas.microsoft.com/office/drawing/2017/decorative" val="1"/>
+              </a:ext>
+            </a:extLst>
+          </p:cNvPr>
+          <p:cNvSpPr>
+            <a:spLocks noGrp="1" noRot="1" noChangeAspect="1" noMove="1" noResize="1" noEditPoints="1" noAdjustHandles="1" noChangeArrowheads="1" noChangeShapeType="1" noTextEdit="1"/>
+          </p:cNvSpPr>
+          <p:nvPr>
+            <p:extLst>
+              <p:ext uri="{386F3935-93C4-4BCD-93E2-E3B085C9AB24}">
+                <p16:designElem xmlns:p16="http://schemas.microsoft.com/office/powerpoint/2015/main" val="1"/>
+              </p:ext>
+            </p:extLst>
+          </p:nvPr>
+        </p:nvSpPr>
+        <p:spPr>
+          <a:xfrm>
+            <a:off x="0" y="0"/>
+            <a:ext cx="12192000" cy="6858000"/>
+          </a:xfrm>
+          <a:prstGeom prst="rect">
+            <a:avLst/>
+          </a:prstGeom>
+          <a:solidFill>
+            <a:schemeClr val="tx1">
+              <a:lumMod val="95000"/>
+              <a:lumOff val="5000"/>
+            </a:schemeClr>
+          </a:solidFill>
+          <a:ln>
+            <a:noFill/>
+          </a:ln>
+        </p:spPr>
+        <p:style>
+          <a:lnRef idx="2">
+            <a:schemeClr val="accent1">
+              <a:shade val="50000"/>
+            </a:schemeClr>
+          </a:lnRef>
+          <a:fillRef idx="1">
+            <a:schemeClr val="accent1"/>
+          </a:fillRef>
+          <a:effectRef idx="0">
+            <a:schemeClr val="accent1"/>
+          </a:effectRef>
+          <a:fontRef idx="minor">
+            <a:schemeClr val="lt1"/>
+          </a:fontRef>
+        </p:style>
+        <p:txBody>
+          <a:bodyPr rtlCol="0" anchor="ctr"/>
+          <a:lstStyle/>
+          <a:p>
+            <a:pPr algn="ctr"/>
+            <a:endParaRPr lang="en-US" dirty="0">
+              <a:solidFill>
+                <a:schemeClr val="bg1">
+                  <a:lumMod val="50000"/>
+                </a:schemeClr>
+              </a:solidFill>
+            </a:endParaRPr>
+          </a:p>
+        </p:txBody>
+      </p:sp>
+      <p:sp>
+        <p:nvSpPr>
           <p:cNvPr id="2" name="Titre 1">
             <a:extLst>
               <a:ext uri="{FF2B5EF4-FFF2-40B4-BE49-F238E27FC236}">
@@ -20533,13 +22279,27 @@
             <p:ph type="title"/>
           </p:nvPr>
         </p:nvSpPr>
-        <p:spPr/>
+        <p:spPr>
+          <a:xfrm>
+            <a:off x="1932903" y="949325"/>
+            <a:ext cx="8071706" cy="2387600"/>
+          </a:xfrm>
+        </p:spPr>
         <p:txBody>
-          <a:bodyPr/>
+          <a:bodyPr vert="horz" lIns="91440" tIns="45720" rIns="91440" bIns="45720" rtlCol="0" anchor="b">
+            <a:normAutofit/>
+          </a:bodyPr>
           <a:lstStyle/>
           <a:p>
             <a:r>
-              <a:rPr lang="fr-CH" dirty="0"/>
+              <a:rPr lang="en-US" sz="6600" kern="1200">
+                <a:solidFill>
+                  <a:schemeClr val="bg1"/>
+                </a:solidFill>
+                <a:latin typeface="+mj-lt"/>
+                <a:ea typeface="+mj-ea"/>
+                <a:cs typeface="+mj-cs"/>
+              </a:rPr>
               <a:t>Descente de code</a:t>
             </a:r>
           </a:p>
@@ -20547,29 +22307,157 @@
       </p:sp>
       <p:sp>
         <p:nvSpPr>
-          <p:cNvPr id="5" name="Espace réservé du contenu 4">
+          <p:cNvPr id="3" name="ZoneTexte 2">
             <a:extLst>
               <a:ext uri="{FF2B5EF4-FFF2-40B4-BE49-F238E27FC236}">
-                <a16:creationId xmlns:a16="http://schemas.microsoft.com/office/drawing/2014/main" id="{02935AF0-3BCB-0415-D333-65939DC9DB45}"/>
+                <a16:creationId xmlns:a16="http://schemas.microsoft.com/office/drawing/2014/main" id="{BEA26D91-1DAE-83FF-70BB-A6AA4B5D89C9}"/>
               </a:ext>
             </a:extLst>
           </p:cNvPr>
-          <p:cNvSpPr>
-            <a:spLocks noGrp="1"/>
-          </p:cNvSpPr>
-          <p:nvPr>
-            <p:ph idx="1"/>
-          </p:nvPr>
+          <p:cNvSpPr txBox="1"/>
+          <p:nvPr/>
         </p:nvSpPr>
-        <p:spPr/>
+        <p:spPr>
+          <a:xfrm>
+            <a:off x="1932902" y="3429000"/>
+            <a:ext cx="8071697" cy="1655762"/>
+          </a:xfrm>
+          <a:prstGeom prst="rect">
+            <a:avLst/>
+          </a:prstGeom>
+        </p:spPr>
         <p:txBody>
-          <a:bodyPr/>
+          <a:bodyPr vert="horz" lIns="91440" tIns="45720" rIns="91440" bIns="45720" rtlCol="0">
+            <a:normAutofit/>
+          </a:bodyPr>
           <a:lstStyle/>
           <a:p>
-            <a:endParaRPr lang="fr-CH"/>
+            <a:pPr>
+              <a:lnSpc>
+                <a:spcPct val="90000"/>
+              </a:lnSpc>
+              <a:spcBef>
+                <a:spcPts val="1000"/>
+              </a:spcBef>
+            </a:pPr>
+            <a:r>
+              <a:rPr lang="en-US" sz="3200" kern="1200">
+                <a:solidFill>
+                  <a:schemeClr val="bg1"/>
+                </a:solidFill>
+                <a:latin typeface="+mn-lt"/>
+                <a:ea typeface="+mn-ea"/>
+                <a:cs typeface="+mn-cs"/>
+              </a:rPr>
+              <a:t>Récupération du score</a:t>
+            </a:r>
           </a:p>
         </p:txBody>
       </p:sp>
+      <p:cxnSp>
+        <p:nvCxnSpPr>
+          <p:cNvPr id="20" name="Straight Connector 19">
+            <a:extLst>
+              <a:ext uri="{FF2B5EF4-FFF2-40B4-BE49-F238E27FC236}">
+                <a16:creationId xmlns:a16="http://schemas.microsoft.com/office/drawing/2014/main" id="{EC4521DE-248E-440D-AAD6-FD9E7D34B3BF}"/>
+              </a:ext>
+              <a:ext uri="{C183D7F6-B498-43B3-948B-1728B52AA6E4}">
+                <adec:decorative xmlns:adec="http://schemas.microsoft.com/office/drawing/2017/decorative" val="1"/>
+              </a:ext>
+            </a:extLst>
+          </p:cNvPr>
+          <p:cNvCxnSpPr>
+            <a:cxnSpLocks noGrp="1" noRot="1" noChangeAspect="1" noMove="1" noResize="1" noEditPoints="1" noAdjustHandles="1" noChangeArrowheads="1" noChangeShapeType="1"/>
+          </p:cNvCxnSpPr>
+          <p:nvPr>
+            <p:extLst>
+              <p:ext uri="{386F3935-93C4-4BCD-93E2-E3B085C9AB24}">
+                <p16:designElem xmlns:p16="http://schemas.microsoft.com/office/powerpoint/2015/main" val="1"/>
+              </p:ext>
+            </p:extLst>
+          </p:nvPr>
+        </p:nvCxnSpPr>
+        <p:spPr>
+          <a:xfrm>
+            <a:off x="585285" y="0"/>
+            <a:ext cx="0" cy="6858000"/>
+          </a:xfrm>
+          <a:prstGeom prst="line">
+            <a:avLst/>
+          </a:prstGeom>
+          <a:ln w="12700">
+            <a:solidFill>
+              <a:schemeClr val="accent2"/>
+            </a:solidFill>
+          </a:ln>
+        </p:spPr>
+        <p:style>
+          <a:lnRef idx="1">
+            <a:schemeClr val="accent1"/>
+          </a:lnRef>
+          <a:fillRef idx="0">
+            <a:schemeClr val="accent1"/>
+          </a:fillRef>
+          <a:effectRef idx="0">
+            <a:schemeClr val="accent1"/>
+          </a:effectRef>
+          <a:fontRef idx="minor">
+            <a:schemeClr val="tx1"/>
+          </a:fontRef>
+        </p:style>
+      </p:cxnSp>
+      <p:cxnSp>
+        <p:nvCxnSpPr>
+          <p:cNvPr id="22" name="Straight Connector 21">
+            <a:extLst>
+              <a:ext uri="{FF2B5EF4-FFF2-40B4-BE49-F238E27FC236}">
+                <a16:creationId xmlns:a16="http://schemas.microsoft.com/office/drawing/2014/main" id="{442C13FA-4C0F-42D0-9626-5BA6040D8C31}"/>
+              </a:ext>
+              <a:ext uri="{C183D7F6-B498-43B3-948B-1728B52AA6E4}">
+                <adec:decorative xmlns:adec="http://schemas.microsoft.com/office/drawing/2017/decorative" val="1"/>
+              </a:ext>
+            </a:extLst>
+          </p:cNvPr>
+          <p:cNvCxnSpPr>
+            <a:cxnSpLocks noGrp="1" noRot="1" noChangeAspect="1" noMove="1" noResize="1" noEditPoints="1" noAdjustHandles="1" noChangeArrowheads="1" noChangeShapeType="1"/>
+          </p:cNvCxnSpPr>
+          <p:nvPr>
+            <p:extLst>
+              <p:ext uri="{386F3935-93C4-4BCD-93E2-E3B085C9AB24}">
+                <p16:designElem xmlns:p16="http://schemas.microsoft.com/office/powerpoint/2015/main" val="1"/>
+              </p:ext>
+            </p:extLst>
+          </p:nvPr>
+        </p:nvCxnSpPr>
+        <p:spPr>
+          <a:xfrm flipH="1">
+            <a:off x="0" y="6252485"/>
+            <a:ext cx="12192000" cy="0"/>
+          </a:xfrm>
+          <a:prstGeom prst="line">
+            <a:avLst/>
+          </a:prstGeom>
+          <a:ln w="12700">
+            <a:solidFill>
+              <a:schemeClr val="accent2"/>
+            </a:solidFill>
+          </a:ln>
+        </p:spPr>
+        <p:style>
+          <a:lnRef idx="1">
+            <a:schemeClr val="accent1"/>
+          </a:lnRef>
+          <a:fillRef idx="0">
+            <a:schemeClr val="accent1"/>
+          </a:fillRef>
+          <a:effectRef idx="0">
+            <a:schemeClr val="accent1"/>
+          </a:effectRef>
+          <a:fontRef idx="minor">
+            <a:schemeClr val="tx1"/>
+          </a:fontRef>
+        </p:style>
+      </p:cxnSp>
     </p:spTree>
     <p:extLst>
       <p:ext uri="{BB962C8B-B14F-4D97-AF65-F5344CB8AC3E}">
@@ -20584,6 +22472,714 @@
 </file>
 
 <file path=ppt/slides/slide13.xml><?xml version="1.0" encoding="utf-8"?>
+<p:sld xmlns:a="http://schemas.openxmlformats.org/drawingml/2006/main" xmlns:r="http://schemas.openxmlformats.org/officeDocument/2006/relationships" xmlns:p="http://schemas.openxmlformats.org/presentationml/2006/main">
+  <p:cSld>
+    <p:bg>
+      <p:bgPr>
+        <a:solidFill>
+          <a:schemeClr val="bg1"/>
+        </a:solidFill>
+        <a:effectLst/>
+      </p:bgPr>
+    </p:bg>
+    <p:spTree>
+      <p:nvGrpSpPr>
+        <p:cNvPr id="1" name=""/>
+        <p:cNvGrpSpPr/>
+        <p:nvPr/>
+      </p:nvGrpSpPr>
+      <p:grpSpPr>
+        <a:xfrm>
+          <a:off x="0" y="0"/>
+          <a:ext cx="0" cy="0"/>
+          <a:chOff x="0" y="0"/>
+          <a:chExt cx="0" cy="0"/>
+        </a:xfrm>
+      </p:grpSpPr>
+      <p:sp>
+        <p:nvSpPr>
+          <p:cNvPr id="10" name="Rectangle 9">
+            <a:extLst>
+              <a:ext uri="{FF2B5EF4-FFF2-40B4-BE49-F238E27FC236}">
+                <a16:creationId xmlns:a16="http://schemas.microsoft.com/office/drawing/2014/main" id="{A4AC5506-6312-4701-8D3C-40187889A947}"/>
+              </a:ext>
+              <a:ext uri="{C183D7F6-B498-43B3-948B-1728B52AA6E4}">
+                <adec:decorative xmlns:adec="http://schemas.microsoft.com/office/drawing/2017/decorative" val="1"/>
+              </a:ext>
+            </a:extLst>
+          </p:cNvPr>
+          <p:cNvSpPr>
+            <a:spLocks noGrp="1" noRot="1" noChangeAspect="1" noMove="1" noResize="1" noEditPoints="1" noAdjustHandles="1" noChangeArrowheads="1" noChangeShapeType="1" noTextEdit="1"/>
+          </p:cNvSpPr>
+          <p:nvPr>
+            <p:extLst>
+              <p:ext uri="{386F3935-93C4-4BCD-93E2-E3B085C9AB24}">
+                <p16:designElem xmlns:p16="http://schemas.microsoft.com/office/powerpoint/2015/main" val="1"/>
+              </p:ext>
+            </p:extLst>
+          </p:nvPr>
+        </p:nvSpPr>
+        <p:spPr>
+          <a:xfrm>
+            <a:off x="0" y="651752"/>
+            <a:ext cx="12192000" cy="736551"/>
+          </a:xfrm>
+          <a:prstGeom prst="rect">
+            <a:avLst/>
+          </a:prstGeom>
+          <a:solidFill>
+            <a:schemeClr val="tx1"/>
+          </a:solidFill>
+          <a:ln>
+            <a:noFill/>
+          </a:ln>
+        </p:spPr>
+        <p:style>
+          <a:lnRef idx="2">
+            <a:schemeClr val="accent1">
+              <a:shade val="50000"/>
+            </a:schemeClr>
+          </a:lnRef>
+          <a:fillRef idx="1">
+            <a:schemeClr val="accent1"/>
+          </a:fillRef>
+          <a:effectRef idx="0">
+            <a:schemeClr val="accent1"/>
+          </a:effectRef>
+          <a:fontRef idx="minor">
+            <a:schemeClr val="lt1"/>
+          </a:fontRef>
+        </p:style>
+        <p:txBody>
+          <a:bodyPr rtlCol="0" anchor="ctr"/>
+          <a:lstStyle/>
+          <a:p>
+            <a:pPr algn="ctr"/>
+            <a:endParaRPr lang="en-US"/>
+          </a:p>
+        </p:txBody>
+      </p:sp>
+      <p:sp>
+        <p:nvSpPr>
+          <p:cNvPr id="2" name="Titre 1">
+            <a:extLst>
+              <a:ext uri="{FF2B5EF4-FFF2-40B4-BE49-F238E27FC236}">
+                <a16:creationId xmlns:a16="http://schemas.microsoft.com/office/drawing/2014/main" id="{89B75811-34B7-61C8-7284-31E3A7A6051D}"/>
+              </a:ext>
+            </a:extLst>
+          </p:cNvPr>
+          <p:cNvSpPr>
+            <a:spLocks noGrp="1"/>
+          </p:cNvSpPr>
+          <p:nvPr>
+            <p:ph type="title"/>
+          </p:nvPr>
+        </p:nvSpPr>
+        <p:spPr>
+          <a:xfrm>
+            <a:off x="556532" y="643467"/>
+            <a:ext cx="11210925" cy="744836"/>
+          </a:xfrm>
+        </p:spPr>
+        <p:txBody>
+          <a:bodyPr vert="horz" lIns="91440" tIns="45720" rIns="91440" bIns="45720" rtlCol="0" anchor="ctr">
+            <a:normAutofit/>
+          </a:bodyPr>
+          <a:lstStyle/>
+          <a:p>
+            <a:pPr algn="ctr"/>
+            <a:r>
+              <a:rPr lang="en-US" sz="3200" kern="1200">
+                <a:solidFill>
+                  <a:schemeClr val="bg1"/>
+                </a:solidFill>
+                <a:latin typeface="+mj-lt"/>
+                <a:ea typeface="+mj-ea"/>
+                <a:cs typeface="+mj-cs"/>
+              </a:rPr>
+              <a:t>Accès à la mémoire WASM</a:t>
+            </a:r>
+          </a:p>
+        </p:txBody>
+      </p:sp>
+      <p:pic>
+        <p:nvPicPr>
+          <p:cNvPr id="5" name="Espace réservé du contenu 4" descr="Une image contenant texte, capture d’écran, multimédia, gadget&#10;&#10;Le contenu généré par l’IA peut être incorrect.">
+            <a:extLst>
+              <a:ext uri="{FF2B5EF4-FFF2-40B4-BE49-F238E27FC236}">
+                <a16:creationId xmlns:a16="http://schemas.microsoft.com/office/drawing/2014/main" id="{07D5D1D6-892A-96CC-B6E7-F5E699745858}"/>
+              </a:ext>
+            </a:extLst>
+          </p:cNvPr>
+          <p:cNvPicPr>
+            <a:picLocks noGrp="1" noChangeAspect="1"/>
+          </p:cNvPicPr>
+          <p:nvPr>
+            <p:ph idx="1"/>
+          </p:nvPr>
+        </p:nvPicPr>
+        <p:blipFill>
+          <a:blip r:embed="rId2"/>
+          <a:srcRect l="1785" t="4503" r="3270" b="5883"/>
+          <a:stretch>
+            <a:fillRect/>
+          </a:stretch>
+        </p:blipFill>
+        <p:spPr>
+          <a:xfrm>
+            <a:off x="340175" y="1781175"/>
+            <a:ext cx="11664265" cy="4238625"/>
+          </a:xfrm>
+          <a:prstGeom prst="rect">
+            <a:avLst/>
+          </a:prstGeom>
+        </p:spPr>
+      </p:pic>
+    </p:spTree>
+    <p:extLst>
+      <p:ext uri="{BB962C8B-B14F-4D97-AF65-F5344CB8AC3E}">
+        <p14:creationId xmlns:p14="http://schemas.microsoft.com/office/powerpoint/2010/main" val="443553887"/>
+      </p:ext>
+    </p:extLst>
+  </p:cSld>
+  <p:clrMapOvr>
+    <a:masterClrMapping/>
+  </p:clrMapOvr>
+</p:sld>
+</file>
+
+<file path=ppt/slides/slide14.xml><?xml version="1.0" encoding="utf-8"?>
+<p:sld xmlns:a="http://schemas.openxmlformats.org/drawingml/2006/main" xmlns:r="http://schemas.openxmlformats.org/officeDocument/2006/relationships" xmlns:p="http://schemas.openxmlformats.org/presentationml/2006/main">
+  <p:cSld>
+    <p:bg>
+      <p:bgPr>
+        <a:solidFill>
+          <a:schemeClr val="bg1"/>
+        </a:solidFill>
+        <a:effectLst/>
+      </p:bgPr>
+    </p:bg>
+    <p:spTree>
+      <p:nvGrpSpPr>
+        <p:cNvPr id="1" name=""/>
+        <p:cNvGrpSpPr/>
+        <p:nvPr/>
+      </p:nvGrpSpPr>
+      <p:grpSpPr>
+        <a:xfrm>
+          <a:off x="0" y="0"/>
+          <a:ext cx="0" cy="0"/>
+          <a:chOff x="0" y="0"/>
+          <a:chExt cx="0" cy="0"/>
+        </a:xfrm>
+      </p:grpSpPr>
+      <p:sp>
+        <p:nvSpPr>
+          <p:cNvPr id="10" name="Rectangle 9">
+            <a:extLst>
+              <a:ext uri="{FF2B5EF4-FFF2-40B4-BE49-F238E27FC236}">
+                <a16:creationId xmlns:a16="http://schemas.microsoft.com/office/drawing/2014/main" id="{A4AC5506-6312-4701-8D3C-40187889A947}"/>
+              </a:ext>
+              <a:ext uri="{C183D7F6-B498-43B3-948B-1728B52AA6E4}">
+                <adec:decorative xmlns:adec="http://schemas.microsoft.com/office/drawing/2017/decorative" val="1"/>
+              </a:ext>
+            </a:extLst>
+          </p:cNvPr>
+          <p:cNvSpPr>
+            <a:spLocks noGrp="1" noRot="1" noChangeAspect="1" noMove="1" noResize="1" noEditPoints="1" noAdjustHandles="1" noChangeArrowheads="1" noChangeShapeType="1" noTextEdit="1"/>
+          </p:cNvSpPr>
+          <p:nvPr>
+            <p:extLst>
+              <p:ext uri="{386F3935-93C4-4BCD-93E2-E3B085C9AB24}">
+                <p16:designElem xmlns:p16="http://schemas.microsoft.com/office/powerpoint/2015/main" val="1"/>
+              </p:ext>
+            </p:extLst>
+          </p:nvPr>
+        </p:nvSpPr>
+        <p:spPr>
+          <a:xfrm>
+            <a:off x="0" y="651752"/>
+            <a:ext cx="12192000" cy="736551"/>
+          </a:xfrm>
+          <a:prstGeom prst="rect">
+            <a:avLst/>
+          </a:prstGeom>
+          <a:solidFill>
+            <a:schemeClr val="tx1"/>
+          </a:solidFill>
+          <a:ln>
+            <a:noFill/>
+          </a:ln>
+        </p:spPr>
+        <p:style>
+          <a:lnRef idx="2">
+            <a:schemeClr val="accent1">
+              <a:shade val="50000"/>
+            </a:schemeClr>
+          </a:lnRef>
+          <a:fillRef idx="1">
+            <a:schemeClr val="accent1"/>
+          </a:fillRef>
+          <a:effectRef idx="0">
+            <a:schemeClr val="accent1"/>
+          </a:effectRef>
+          <a:fontRef idx="minor">
+            <a:schemeClr val="lt1"/>
+          </a:fontRef>
+        </p:style>
+        <p:txBody>
+          <a:bodyPr rtlCol="0" anchor="ctr"/>
+          <a:lstStyle/>
+          <a:p>
+            <a:pPr algn="ctr"/>
+            <a:endParaRPr lang="en-US"/>
+          </a:p>
+        </p:txBody>
+      </p:sp>
+      <p:sp>
+        <p:nvSpPr>
+          <p:cNvPr id="2" name="Titre 1">
+            <a:extLst>
+              <a:ext uri="{FF2B5EF4-FFF2-40B4-BE49-F238E27FC236}">
+                <a16:creationId xmlns:a16="http://schemas.microsoft.com/office/drawing/2014/main" id="{A96ABDD8-814A-9530-380D-03AFED2A2713}"/>
+              </a:ext>
+            </a:extLst>
+          </p:cNvPr>
+          <p:cNvSpPr>
+            <a:spLocks noGrp="1"/>
+          </p:cNvSpPr>
+          <p:nvPr>
+            <p:ph type="title"/>
+          </p:nvPr>
+        </p:nvSpPr>
+        <p:spPr>
+          <a:xfrm>
+            <a:off x="556532" y="643467"/>
+            <a:ext cx="11210925" cy="744836"/>
+          </a:xfrm>
+        </p:spPr>
+        <p:txBody>
+          <a:bodyPr vert="horz" lIns="91440" tIns="45720" rIns="91440" bIns="45720" rtlCol="0" anchor="ctr">
+            <a:normAutofit/>
+          </a:bodyPr>
+          <a:lstStyle/>
+          <a:p>
+            <a:pPr algn="ctr"/>
+            <a:r>
+              <a:rPr lang="en-US" sz="3200" kern="1200">
+                <a:solidFill>
+                  <a:schemeClr val="bg1"/>
+                </a:solidFill>
+                <a:latin typeface="+mj-lt"/>
+                <a:ea typeface="+mj-ea"/>
+                <a:cs typeface="+mj-cs"/>
+              </a:rPr>
+              <a:t>Calcul de l'adresse</a:t>
+            </a:r>
+          </a:p>
+        </p:txBody>
+      </p:sp>
+      <p:pic>
+        <p:nvPicPr>
+          <p:cNvPr id="5" name="Espace réservé du contenu 4" descr="Une image contenant texte, Police, capture d’écran&#10;&#10;Le contenu généré par l’IA peut être incorrect.">
+            <a:extLst>
+              <a:ext uri="{FF2B5EF4-FFF2-40B4-BE49-F238E27FC236}">
+                <a16:creationId xmlns:a16="http://schemas.microsoft.com/office/drawing/2014/main" id="{AC0E47FF-C3D3-D9F6-06EF-09ABFEA065AB}"/>
+              </a:ext>
+            </a:extLst>
+          </p:cNvPr>
+          <p:cNvPicPr>
+            <a:picLocks noGrp="1" noChangeAspect="1"/>
+          </p:cNvPicPr>
+          <p:nvPr>
+            <p:ph idx="1"/>
+          </p:nvPr>
+        </p:nvPicPr>
+        <p:blipFill>
+          <a:blip r:embed="rId2"/>
+          <a:srcRect l="1492" t="9464" r="3712" b="12546"/>
+          <a:stretch>
+            <a:fillRect/>
+          </a:stretch>
+        </p:blipFill>
+        <p:spPr>
+          <a:xfrm>
+            <a:off x="643467" y="2762072"/>
+            <a:ext cx="10905066" cy="2220508"/>
+          </a:xfrm>
+          <a:prstGeom prst="rect">
+            <a:avLst/>
+          </a:prstGeom>
+        </p:spPr>
+      </p:pic>
+    </p:spTree>
+    <p:extLst>
+      <p:ext uri="{BB962C8B-B14F-4D97-AF65-F5344CB8AC3E}">
+        <p14:creationId xmlns:p14="http://schemas.microsoft.com/office/powerpoint/2010/main" val="681430726"/>
+      </p:ext>
+    </p:extLst>
+  </p:cSld>
+  <p:clrMapOvr>
+    <a:masterClrMapping/>
+  </p:clrMapOvr>
+</p:sld>
+</file>
+
+<file path=ppt/slides/slide15.xml><?xml version="1.0" encoding="utf-8"?>
+<p:sld xmlns:a="http://schemas.openxmlformats.org/drawingml/2006/main" xmlns:r="http://schemas.openxmlformats.org/officeDocument/2006/relationships" xmlns:p="http://schemas.openxmlformats.org/presentationml/2006/main">
+  <p:cSld>
+    <p:bg>
+      <p:bgPr>
+        <a:solidFill>
+          <a:schemeClr val="bg1"/>
+        </a:solidFill>
+        <a:effectLst/>
+      </p:bgPr>
+    </p:bg>
+    <p:spTree>
+      <p:nvGrpSpPr>
+        <p:cNvPr id="1" name=""/>
+        <p:cNvGrpSpPr/>
+        <p:nvPr/>
+      </p:nvGrpSpPr>
+      <p:grpSpPr>
+        <a:xfrm>
+          <a:off x="0" y="0"/>
+          <a:ext cx="0" cy="0"/>
+          <a:chOff x="0" y="0"/>
+          <a:chExt cx="0" cy="0"/>
+        </a:xfrm>
+      </p:grpSpPr>
+      <p:sp>
+        <p:nvSpPr>
+          <p:cNvPr id="15" name="Rectangle 14">
+            <a:extLst>
+              <a:ext uri="{FF2B5EF4-FFF2-40B4-BE49-F238E27FC236}">
+                <a16:creationId xmlns:a16="http://schemas.microsoft.com/office/drawing/2014/main" id="{A4AC5506-6312-4701-8D3C-40187889A947}"/>
+              </a:ext>
+              <a:ext uri="{C183D7F6-B498-43B3-948B-1728B52AA6E4}">
+                <adec:decorative xmlns:adec="http://schemas.microsoft.com/office/drawing/2017/decorative" val="1"/>
+              </a:ext>
+            </a:extLst>
+          </p:cNvPr>
+          <p:cNvSpPr>
+            <a:spLocks noGrp="1" noRot="1" noChangeAspect="1" noMove="1" noResize="1" noEditPoints="1" noAdjustHandles="1" noChangeArrowheads="1" noChangeShapeType="1" noTextEdit="1"/>
+          </p:cNvSpPr>
+          <p:nvPr>
+            <p:extLst>
+              <p:ext uri="{386F3935-93C4-4BCD-93E2-E3B085C9AB24}">
+                <p16:designElem xmlns:p16="http://schemas.microsoft.com/office/powerpoint/2015/main" val="1"/>
+              </p:ext>
+            </p:extLst>
+          </p:nvPr>
+        </p:nvSpPr>
+        <p:spPr>
+          <a:xfrm>
+            <a:off x="0" y="651752"/>
+            <a:ext cx="12192000" cy="736551"/>
+          </a:xfrm>
+          <a:prstGeom prst="rect">
+            <a:avLst/>
+          </a:prstGeom>
+          <a:solidFill>
+            <a:schemeClr val="tx1"/>
+          </a:solidFill>
+          <a:ln>
+            <a:noFill/>
+          </a:ln>
+        </p:spPr>
+        <p:style>
+          <a:lnRef idx="2">
+            <a:schemeClr val="accent1">
+              <a:shade val="50000"/>
+            </a:schemeClr>
+          </a:lnRef>
+          <a:fillRef idx="1">
+            <a:schemeClr val="accent1"/>
+          </a:fillRef>
+          <a:effectRef idx="0">
+            <a:schemeClr val="accent1"/>
+          </a:effectRef>
+          <a:fontRef idx="minor">
+            <a:schemeClr val="lt1"/>
+          </a:fontRef>
+        </p:style>
+        <p:txBody>
+          <a:bodyPr rtlCol="0" anchor="ctr"/>
+          <a:lstStyle/>
+          <a:p>
+            <a:pPr algn="ctr"/>
+            <a:endParaRPr lang="en-US"/>
+          </a:p>
+        </p:txBody>
+      </p:sp>
+      <p:sp>
+        <p:nvSpPr>
+          <p:cNvPr id="2" name="Titre 1">
+            <a:extLst>
+              <a:ext uri="{FF2B5EF4-FFF2-40B4-BE49-F238E27FC236}">
+                <a16:creationId xmlns:a16="http://schemas.microsoft.com/office/drawing/2014/main" id="{D9A8DA5B-5BB7-80E9-CF53-597CFE61AD7B}"/>
+              </a:ext>
+            </a:extLst>
+          </p:cNvPr>
+          <p:cNvSpPr>
+            <a:spLocks noGrp="1"/>
+          </p:cNvSpPr>
+          <p:nvPr>
+            <p:ph type="title"/>
+          </p:nvPr>
+        </p:nvSpPr>
+        <p:spPr>
+          <a:xfrm>
+            <a:off x="556532" y="643467"/>
+            <a:ext cx="11210925" cy="744836"/>
+          </a:xfrm>
+        </p:spPr>
+        <p:txBody>
+          <a:bodyPr vert="horz" lIns="91440" tIns="45720" rIns="91440" bIns="45720" rtlCol="0" anchor="ctr">
+            <a:normAutofit/>
+          </a:bodyPr>
+          <a:lstStyle/>
+          <a:p>
+            <a:pPr algn="ctr"/>
+            <a:r>
+              <a:rPr lang="en-US" sz="3200" kern="1200">
+                <a:solidFill>
+                  <a:schemeClr val="bg1"/>
+                </a:solidFill>
+                <a:latin typeface="+mj-lt"/>
+                <a:ea typeface="+mj-ea"/>
+                <a:cs typeface="+mj-cs"/>
+              </a:rPr>
+              <a:t>Lecture et reconstruction du score</a:t>
+            </a:r>
+          </a:p>
+        </p:txBody>
+      </p:sp>
+      <p:pic>
+        <p:nvPicPr>
+          <p:cNvPr id="9" name="Espace réservé du contenu 8" descr="Une image contenant texte, capture d’écran, multimédia, Appareil électronique&#10;&#10;Le contenu généré par l’IA peut être incorrect.">
+            <a:extLst>
+              <a:ext uri="{FF2B5EF4-FFF2-40B4-BE49-F238E27FC236}">
+                <a16:creationId xmlns:a16="http://schemas.microsoft.com/office/drawing/2014/main" id="{FDA543AB-988E-5B53-E756-C903649615E9}"/>
+              </a:ext>
+            </a:extLst>
+          </p:cNvPr>
+          <p:cNvPicPr>
+            <a:picLocks noGrp="1" noChangeAspect="1"/>
+          </p:cNvPicPr>
+          <p:nvPr>
+            <p:ph idx="1"/>
+          </p:nvPr>
+        </p:nvPicPr>
+        <p:blipFill>
+          <a:blip r:embed="rId2"/>
+          <a:srcRect l="621" t="2108" r="1344" b="3730"/>
+          <a:stretch>
+            <a:fillRect/>
+          </a:stretch>
+        </p:blipFill>
+        <p:spPr>
+          <a:xfrm>
+            <a:off x="1444818" y="1537872"/>
+            <a:ext cx="9302364" cy="4668376"/>
+          </a:xfrm>
+          <a:prstGeom prst="rect">
+            <a:avLst/>
+          </a:prstGeom>
+        </p:spPr>
+      </p:pic>
+    </p:spTree>
+    <p:extLst>
+      <p:ext uri="{BB962C8B-B14F-4D97-AF65-F5344CB8AC3E}">
+        <p14:creationId xmlns:p14="http://schemas.microsoft.com/office/powerpoint/2010/main" val="773764640"/>
+      </p:ext>
+    </p:extLst>
+  </p:cSld>
+  <p:clrMapOvr>
+    <a:masterClrMapping/>
+  </p:clrMapOvr>
+</p:sld>
+</file>
+
+<file path=ppt/slides/slide16.xml><?xml version="1.0" encoding="utf-8"?>
+<p:sld xmlns:a="http://schemas.openxmlformats.org/drawingml/2006/main" xmlns:r="http://schemas.openxmlformats.org/officeDocument/2006/relationships" xmlns:p="http://schemas.openxmlformats.org/presentationml/2006/main">
+  <p:cSld>
+    <p:bg>
+      <p:bgPr>
+        <a:solidFill>
+          <a:schemeClr val="bg1"/>
+        </a:solidFill>
+        <a:effectLst/>
+      </p:bgPr>
+    </p:bg>
+    <p:spTree>
+      <p:nvGrpSpPr>
+        <p:cNvPr id="1" name=""/>
+        <p:cNvGrpSpPr/>
+        <p:nvPr/>
+      </p:nvGrpSpPr>
+      <p:grpSpPr>
+        <a:xfrm>
+          <a:off x="0" y="0"/>
+          <a:ext cx="0" cy="0"/>
+          <a:chOff x="0" y="0"/>
+          <a:chExt cx="0" cy="0"/>
+        </a:xfrm>
+      </p:grpSpPr>
+      <p:sp>
+        <p:nvSpPr>
+          <p:cNvPr id="10" name="Rectangle 9">
+            <a:extLst>
+              <a:ext uri="{FF2B5EF4-FFF2-40B4-BE49-F238E27FC236}">
+                <a16:creationId xmlns:a16="http://schemas.microsoft.com/office/drawing/2014/main" id="{A4AC5506-6312-4701-8D3C-40187889A947}"/>
+              </a:ext>
+              <a:ext uri="{C183D7F6-B498-43B3-948B-1728B52AA6E4}">
+                <adec:decorative xmlns:adec="http://schemas.microsoft.com/office/drawing/2017/decorative" val="1"/>
+              </a:ext>
+            </a:extLst>
+          </p:cNvPr>
+          <p:cNvSpPr>
+            <a:spLocks noGrp="1" noRot="1" noChangeAspect="1" noMove="1" noResize="1" noEditPoints="1" noAdjustHandles="1" noChangeArrowheads="1" noChangeShapeType="1" noTextEdit="1"/>
+          </p:cNvSpPr>
+          <p:nvPr>
+            <p:extLst>
+              <p:ext uri="{386F3935-93C4-4BCD-93E2-E3B085C9AB24}">
+                <p16:designElem xmlns:p16="http://schemas.microsoft.com/office/powerpoint/2015/main" val="1"/>
+              </p:ext>
+            </p:extLst>
+          </p:nvPr>
+        </p:nvSpPr>
+        <p:spPr>
+          <a:xfrm>
+            <a:off x="0" y="651752"/>
+            <a:ext cx="12192000" cy="736551"/>
+          </a:xfrm>
+          <a:prstGeom prst="rect">
+            <a:avLst/>
+          </a:prstGeom>
+          <a:solidFill>
+            <a:schemeClr val="tx1"/>
+          </a:solidFill>
+          <a:ln>
+            <a:noFill/>
+          </a:ln>
+        </p:spPr>
+        <p:style>
+          <a:lnRef idx="2">
+            <a:schemeClr val="accent1">
+              <a:shade val="50000"/>
+            </a:schemeClr>
+          </a:lnRef>
+          <a:fillRef idx="1">
+            <a:schemeClr val="accent1"/>
+          </a:fillRef>
+          <a:effectRef idx="0">
+            <a:schemeClr val="accent1"/>
+          </a:effectRef>
+          <a:fontRef idx="minor">
+            <a:schemeClr val="lt1"/>
+          </a:fontRef>
+        </p:style>
+        <p:txBody>
+          <a:bodyPr rtlCol="0" anchor="ctr"/>
+          <a:lstStyle/>
+          <a:p>
+            <a:pPr algn="ctr"/>
+            <a:endParaRPr lang="en-US"/>
+          </a:p>
+        </p:txBody>
+      </p:sp>
+      <p:sp>
+        <p:nvSpPr>
+          <p:cNvPr id="2" name="Titre 1">
+            <a:extLst>
+              <a:ext uri="{FF2B5EF4-FFF2-40B4-BE49-F238E27FC236}">
+                <a16:creationId xmlns:a16="http://schemas.microsoft.com/office/drawing/2014/main" id="{95670BE3-48F1-EA9B-BDC2-26EFDB241FCE}"/>
+              </a:ext>
+            </a:extLst>
+          </p:cNvPr>
+          <p:cNvSpPr>
+            <a:spLocks noGrp="1"/>
+          </p:cNvSpPr>
+          <p:nvPr>
+            <p:ph type="title"/>
+          </p:nvPr>
+        </p:nvSpPr>
+        <p:spPr>
+          <a:xfrm>
+            <a:off x="556532" y="643467"/>
+            <a:ext cx="11210925" cy="744836"/>
+          </a:xfrm>
+        </p:spPr>
+        <p:txBody>
+          <a:bodyPr vert="horz" lIns="91440" tIns="45720" rIns="91440" bIns="45720" rtlCol="0" anchor="ctr">
+            <a:normAutofit/>
+          </a:bodyPr>
+          <a:lstStyle/>
+          <a:p>
+            <a:pPr algn="ctr"/>
+            <a:r>
+              <a:rPr lang="en-US" sz="3200" kern="1200">
+                <a:solidFill>
+                  <a:schemeClr val="bg1"/>
+                </a:solidFill>
+                <a:latin typeface="+mj-lt"/>
+                <a:ea typeface="+mj-ea"/>
+                <a:cs typeface="+mj-cs"/>
+              </a:rPr>
+              <a:t>Vies et detection Game Over</a:t>
+            </a:r>
+          </a:p>
+        </p:txBody>
+      </p:sp>
+      <p:pic>
+        <p:nvPicPr>
+          <p:cNvPr id="5" name="Espace réservé du contenu 4" descr="Une image contenant texte, capture d’écran, multimédia, Appareil électronique&#10;&#10;Le contenu généré par l’IA peut être incorrect.">
+            <a:extLst>
+              <a:ext uri="{FF2B5EF4-FFF2-40B4-BE49-F238E27FC236}">
+                <a16:creationId xmlns:a16="http://schemas.microsoft.com/office/drawing/2014/main" id="{FD0B5398-C669-2E3D-C4C7-F2831077BE49}"/>
+              </a:ext>
+            </a:extLst>
+          </p:cNvPr>
+          <p:cNvPicPr>
+            <a:picLocks noGrp="1" noChangeAspect="1"/>
+          </p:cNvPicPr>
+          <p:nvPr>
+            <p:ph idx="1"/>
+          </p:nvPr>
+        </p:nvPicPr>
+        <p:blipFill>
+          <a:blip r:embed="rId2"/>
+          <a:srcRect l="302" t="6226" r="2048" b="9369"/>
+          <a:stretch>
+            <a:fillRect/>
+          </a:stretch>
+        </p:blipFill>
+        <p:spPr>
+          <a:xfrm>
+            <a:off x="676275" y="2667000"/>
+            <a:ext cx="10648950" cy="2324100"/>
+          </a:xfrm>
+          <a:prstGeom prst="rect">
+            <a:avLst/>
+          </a:prstGeom>
+        </p:spPr>
+      </p:pic>
+    </p:spTree>
+    <p:extLst>
+      <p:ext uri="{BB962C8B-B14F-4D97-AF65-F5344CB8AC3E}">
+        <p14:creationId xmlns:p14="http://schemas.microsoft.com/office/powerpoint/2010/main" val="3843469871"/>
+      </p:ext>
+    </p:extLst>
+  </p:cSld>
+  <p:clrMapOvr>
+    <a:masterClrMapping/>
+  </p:clrMapOvr>
+</p:sld>
+</file>
+
+<file path=ppt/slides/slide17.xml><?xml version="1.0" encoding="utf-8"?>
 <p:sld xmlns:a="http://schemas.openxmlformats.org/drawingml/2006/main" xmlns:r="http://schemas.openxmlformats.org/officeDocument/2006/relationships" xmlns:p="http://schemas.openxmlformats.org/presentationml/2006/main">
   <p:cSld>
     <p:bg>
@@ -20729,7 +23325,7 @@
           <p:nvPr/>
         </p:nvPicPr>
         <p:blipFill>
-          <a:blip r:embed="rId2"/>
+          <a:blip r:embed="rId3"/>
           <a:stretch>
             <a:fillRect/>
           </a:stretch>
@@ -20757,7 +23353,7 @@
 </p:sld>
 </file>
 
-<file path=ppt/slides/slide14.xml><?xml version="1.0" encoding="utf-8"?>
+<file path=ppt/slides/slide18.xml><?xml version="1.0" encoding="utf-8"?>
 <p:sld xmlns:a="http://schemas.openxmlformats.org/drawingml/2006/main" xmlns:r="http://schemas.openxmlformats.org/officeDocument/2006/relationships" xmlns:p="http://schemas.openxmlformats.org/presentationml/2006/main">
   <p:cSld>
     <p:bg>
@@ -20799,7 +23395,7 @@
           </p:nvPr>
         </p:nvPicPr>
         <p:blipFill>
-          <a:blip r:embed="rId2"/>
+          <a:blip r:embed="rId3"/>
           <a:stretch>
             <a:fillRect/>
           </a:stretch>
@@ -20827,7 +23423,7 @@
 </p:sld>
 </file>
 
-<file path=ppt/slides/slide15.xml><?xml version="1.0" encoding="utf-8"?>
+<file path=ppt/slides/slide19.xml><?xml version="1.0" encoding="utf-8"?>
 <p:sld xmlns:a="http://schemas.openxmlformats.org/drawingml/2006/main" xmlns:r="http://schemas.openxmlformats.org/officeDocument/2006/relationships" xmlns:p="http://schemas.openxmlformats.org/presentationml/2006/main">
   <p:cSld>
     <p:bg>
@@ -21237,356 +23833,6 @@
   </p:cSld>
   <p:clrMapOvr>
     <a:overrideClrMapping bg1="dk1" tx1="lt1" bg2="dk2" tx2="lt2" accent1="accent1" accent2="accent2" accent3="accent3" accent4="accent4" accent5="accent5" accent6="accent6" hlink="hlink" folHlink="folHlink"/>
-  </p:clrMapOvr>
-</p:sld>
-</file>
-
-<file path=ppt/slides/slide16.xml><?xml version="1.0" encoding="utf-8"?>
-<p:sld xmlns:a="http://schemas.openxmlformats.org/drawingml/2006/main" xmlns:r="http://schemas.openxmlformats.org/officeDocument/2006/relationships" xmlns:p="http://schemas.openxmlformats.org/presentationml/2006/main">
-  <p:cSld>
-    <p:bg>
-      <p:bgPr>
-        <a:solidFill>
-          <a:schemeClr val="bg1"/>
-        </a:solidFill>
-        <a:effectLst/>
-      </p:bgPr>
-    </p:bg>
-    <p:spTree>
-      <p:nvGrpSpPr>
-        <p:cNvPr id="1" name=""/>
-        <p:cNvGrpSpPr/>
-        <p:nvPr/>
-      </p:nvGrpSpPr>
-      <p:grpSpPr>
-        <a:xfrm>
-          <a:off x="0" y="0"/>
-          <a:ext cx="0" cy="0"/>
-          <a:chOff x="0" y="0"/>
-          <a:chExt cx="0" cy="0"/>
-        </a:xfrm>
-      </p:grpSpPr>
-      <p:sp useBgFill="1">
-        <p:nvSpPr>
-          <p:cNvPr id="9" name="Rectangle 8">
-            <a:extLst>
-              <a:ext uri="{FF2B5EF4-FFF2-40B4-BE49-F238E27FC236}">
-                <a16:creationId xmlns:a16="http://schemas.microsoft.com/office/drawing/2014/main" id="{C1DD1A8A-57D5-4A81-AD04-532B043C5611}"/>
-              </a:ext>
-              <a:ext uri="{C183D7F6-B498-43B3-948B-1728B52AA6E4}">
-                <adec:decorative xmlns:adec="http://schemas.microsoft.com/office/drawing/2017/decorative" val="1"/>
-              </a:ext>
-            </a:extLst>
-          </p:cNvPr>
-          <p:cNvSpPr>
-            <a:spLocks noGrp="1" noRot="1" noChangeAspect="1" noMove="1" noResize="1" noEditPoints="1" noAdjustHandles="1" noChangeArrowheads="1" noChangeShapeType="1" noTextEdit="1"/>
-          </p:cNvSpPr>
-          <p:nvPr>
-            <p:extLst>
-              <p:ext uri="{386F3935-93C4-4BCD-93E2-E3B085C9AB24}">
-                <p16:designElem xmlns:p16="http://schemas.microsoft.com/office/powerpoint/2015/main" val="1"/>
-              </p:ext>
-            </p:extLst>
-          </p:nvPr>
-        </p:nvSpPr>
-        <p:spPr>
-          <a:xfrm>
-            <a:off x="-1" y="0"/>
-            <a:ext cx="12188952" cy="6858000"/>
-          </a:xfrm>
-          <a:prstGeom prst="rect">
-            <a:avLst/>
-          </a:prstGeom>
-          <a:ln>
-            <a:noFill/>
-          </a:ln>
-        </p:spPr>
-        <p:style>
-          <a:lnRef idx="2">
-            <a:schemeClr val="accent1">
-              <a:shade val="50000"/>
-            </a:schemeClr>
-          </a:lnRef>
-          <a:fillRef idx="1">
-            <a:schemeClr val="accent1"/>
-          </a:fillRef>
-          <a:effectRef idx="0">
-            <a:schemeClr val="accent1"/>
-          </a:effectRef>
-          <a:fontRef idx="minor">
-            <a:schemeClr val="lt1"/>
-          </a:fontRef>
-        </p:style>
-        <p:txBody>
-          <a:bodyPr rtlCol="0" anchor="ctr"/>
-          <a:lstStyle/>
-          <a:p>
-            <a:pPr algn="ctr"/>
-            <a:endParaRPr lang="en-US"/>
-          </a:p>
-        </p:txBody>
-      </p:sp>
-      <p:pic>
-        <p:nvPicPr>
-          <p:cNvPr id="5" name="Picture 4" descr="points d’interrogation noirs 3D avec un point d’interrogation jaune">
-            <a:extLst>
-              <a:ext uri="{FF2B5EF4-FFF2-40B4-BE49-F238E27FC236}">
-                <a16:creationId xmlns:a16="http://schemas.microsoft.com/office/drawing/2014/main" id="{7216084A-04EF-9173-D17D-E70B1A5F73C5}"/>
-              </a:ext>
-            </a:extLst>
-          </p:cNvPr>
-          <p:cNvPicPr>
-            <a:picLocks noChangeAspect="1"/>
-          </p:cNvPicPr>
-          <p:nvPr/>
-        </p:nvPicPr>
-        <p:blipFill>
-          <a:blip r:embed="rId2"/>
-          <a:srcRect l="28990" r="6122" b="1"/>
-          <a:stretch>
-            <a:fillRect/>
-          </a:stretch>
-        </p:blipFill>
-        <p:spPr>
-          <a:xfrm>
-            <a:off x="-3047" y="10"/>
-            <a:ext cx="12191999" cy="6857990"/>
-          </a:xfrm>
-          <a:prstGeom prst="rect">
-            <a:avLst/>
-          </a:prstGeom>
-        </p:spPr>
-      </p:pic>
-      <p:sp>
-        <p:nvSpPr>
-          <p:cNvPr id="11" name="Rectangle 10">
-            <a:extLst>
-              <a:ext uri="{FF2B5EF4-FFF2-40B4-BE49-F238E27FC236}">
-                <a16:creationId xmlns:a16="http://schemas.microsoft.com/office/drawing/2014/main" id="{007891EC-4501-44ED-A8C8-B11B6DB767AB}"/>
-              </a:ext>
-              <a:ext uri="{C183D7F6-B498-43B3-948B-1728B52AA6E4}">
-                <adec:decorative xmlns:adec="http://schemas.microsoft.com/office/drawing/2017/decorative" val="1"/>
-              </a:ext>
-            </a:extLst>
-          </p:cNvPr>
-          <p:cNvSpPr>
-            <a:spLocks noGrp="1" noRot="1" noChangeAspect="1" noMove="1" noResize="1" noEditPoints="1" noAdjustHandles="1" noChangeArrowheads="1" noChangeShapeType="1" noTextEdit="1"/>
-          </p:cNvSpPr>
-          <p:nvPr>
-            <p:extLst>
-              <p:ext uri="{386F3935-93C4-4BCD-93E2-E3B085C9AB24}">
-                <p16:designElem xmlns:p16="http://schemas.microsoft.com/office/powerpoint/2015/main" val="1"/>
-              </p:ext>
-            </p:extLst>
-          </p:nvPr>
-        </p:nvSpPr>
-        <p:spPr>
-          <a:xfrm>
-            <a:off x="0" y="2207602"/>
-            <a:ext cx="12191999" cy="3162146"/>
-          </a:xfrm>
-          <a:prstGeom prst="rect">
-            <a:avLst/>
-          </a:prstGeom>
-          <a:gradFill flip="none" rotWithShape="1">
-            <a:gsLst>
-              <a:gs pos="0">
-                <a:srgbClr val="000000">
-                  <a:alpha val="0"/>
-                </a:srgbClr>
-              </a:gs>
-              <a:gs pos="25000">
-                <a:srgbClr val="000000">
-                  <a:alpha val="15000"/>
-                </a:srgbClr>
-              </a:gs>
-              <a:gs pos="75000">
-                <a:srgbClr val="000000">
-                  <a:alpha val="15000"/>
-                </a:srgbClr>
-              </a:gs>
-              <a:gs pos="50000">
-                <a:srgbClr val="000000">
-                  <a:alpha val="30000"/>
-                </a:srgbClr>
-              </a:gs>
-              <a:gs pos="100000">
-                <a:srgbClr val="000000">
-                  <a:alpha val="0"/>
-                </a:srgbClr>
-              </a:gs>
-            </a:gsLst>
-            <a:lin ang="16200000" scaled="1"/>
-            <a:tileRect/>
-          </a:gradFill>
-          <a:ln>
-            <a:noFill/>
-          </a:ln>
-        </p:spPr>
-        <p:style>
-          <a:lnRef idx="2">
-            <a:schemeClr val="accent1">
-              <a:shade val="50000"/>
-            </a:schemeClr>
-          </a:lnRef>
-          <a:fillRef idx="1">
-            <a:schemeClr val="accent1"/>
-          </a:fillRef>
-          <a:effectRef idx="0">
-            <a:schemeClr val="accent1"/>
-          </a:effectRef>
-          <a:fontRef idx="minor">
-            <a:schemeClr val="lt1"/>
-          </a:fontRef>
-        </p:style>
-        <p:txBody>
-          <a:bodyPr rtlCol="0" anchor="ctr"/>
-          <a:lstStyle/>
-          <a:p>
-            <a:pPr algn="ctr"/>
-            <a:endParaRPr lang="en-US"/>
-          </a:p>
-        </p:txBody>
-      </p:sp>
-      <p:sp>
-        <p:nvSpPr>
-          <p:cNvPr id="2" name="Titre 1">
-            <a:extLst>
-              <a:ext uri="{FF2B5EF4-FFF2-40B4-BE49-F238E27FC236}">
-                <a16:creationId xmlns:a16="http://schemas.microsoft.com/office/drawing/2014/main" id="{AFB79645-01DA-D966-1820-766E98972873}"/>
-              </a:ext>
-            </a:extLst>
-          </p:cNvPr>
-          <p:cNvSpPr>
-            <a:spLocks noGrp="1"/>
-          </p:cNvSpPr>
-          <p:nvPr>
-            <p:ph type="title"/>
-          </p:nvPr>
-        </p:nvSpPr>
-        <p:spPr>
-          <a:xfrm>
-            <a:off x="1097280" y="325550"/>
-            <a:ext cx="10058400" cy="3574778"/>
-          </a:xfrm>
-          <a:effectLst>
-            <a:outerShdw blurRad="50800" dist="38100" dir="2700000" algn="tl" rotWithShape="0">
-              <a:prstClr val="black">
-                <a:alpha val="40000"/>
-              </a:prstClr>
-            </a:outerShdw>
-          </a:effectLst>
-        </p:spPr>
-        <p:txBody>
-          <a:bodyPr vert="horz" lIns="91440" tIns="45720" rIns="91440" bIns="45720" rtlCol="0" anchor="b">
-            <a:normAutofit/>
-          </a:bodyPr>
-          <a:lstStyle/>
-          <a:p>
-            <a:pPr algn="ctr"/>
-            <a:r>
-              <a:rPr lang="en-US" sz="5200">
-                <a:solidFill>
-                  <a:srgbClr val="FFFFFF"/>
-                </a:solidFill>
-              </a:rPr>
-              <a:t>Questions / Remerciements</a:t>
-            </a:r>
-          </a:p>
-        </p:txBody>
-      </p:sp>
-    </p:spTree>
-    <p:extLst>
-      <p:ext uri="{BB962C8B-B14F-4D97-AF65-F5344CB8AC3E}">
-        <p14:creationId xmlns:p14="http://schemas.microsoft.com/office/powerpoint/2010/main" val="2341187373"/>
-      </p:ext>
-    </p:extLst>
-  </p:cSld>
-  <p:clrMapOvr>
-    <a:masterClrMapping/>
-  </p:clrMapOvr>
-</p:sld>
-</file>
-
-<file path=ppt/slides/slide17.xml><?xml version="1.0" encoding="utf-8"?>
-<p:sld xmlns:a="http://schemas.openxmlformats.org/drawingml/2006/main" xmlns:r="http://schemas.openxmlformats.org/officeDocument/2006/relationships" xmlns:p="http://schemas.openxmlformats.org/presentationml/2006/main">
-  <p:cSld>
-    <p:spTree>
-      <p:nvGrpSpPr>
-        <p:cNvPr id="1" name=""/>
-        <p:cNvGrpSpPr/>
-        <p:nvPr/>
-      </p:nvGrpSpPr>
-      <p:grpSpPr>
-        <a:xfrm>
-          <a:off x="0" y="0"/>
-          <a:ext cx="0" cy="0"/>
-          <a:chOff x="0" y="0"/>
-          <a:chExt cx="0" cy="0"/>
-        </a:xfrm>
-      </p:grpSpPr>
-      <p:sp>
-        <p:nvSpPr>
-          <p:cNvPr id="2" name="Titre 1">
-            <a:extLst>
-              <a:ext uri="{FF2B5EF4-FFF2-40B4-BE49-F238E27FC236}">
-                <a16:creationId xmlns:a16="http://schemas.microsoft.com/office/drawing/2014/main" id="{586FC6C0-BEC1-80E3-2D12-F0027A0CD195}"/>
-              </a:ext>
-            </a:extLst>
-          </p:cNvPr>
-          <p:cNvSpPr>
-            <a:spLocks noGrp="1"/>
-          </p:cNvSpPr>
-          <p:nvPr>
-            <p:ph type="title"/>
-          </p:nvPr>
-        </p:nvSpPr>
-        <p:spPr/>
-        <p:txBody>
-          <a:bodyPr/>
-          <a:lstStyle/>
-          <a:p>
-            <a:r>
-              <a:rPr lang="fr-CH" dirty="0"/>
-              <a:t>Démonstration</a:t>
-            </a:r>
-          </a:p>
-        </p:txBody>
-      </p:sp>
-      <p:sp>
-        <p:nvSpPr>
-          <p:cNvPr id="3" name="Espace réservé du contenu 2">
-            <a:extLst>
-              <a:ext uri="{FF2B5EF4-FFF2-40B4-BE49-F238E27FC236}">
-                <a16:creationId xmlns:a16="http://schemas.microsoft.com/office/drawing/2014/main" id="{4DCBCBC0-37A6-4E01-CC96-8FFC8F368E9F}"/>
-              </a:ext>
-            </a:extLst>
-          </p:cNvPr>
-          <p:cNvSpPr>
-            <a:spLocks noGrp="1"/>
-          </p:cNvSpPr>
-          <p:nvPr>
-            <p:ph idx="1"/>
-          </p:nvPr>
-        </p:nvSpPr>
-        <p:spPr/>
-        <p:txBody>
-          <a:bodyPr/>
-          <a:lstStyle/>
-          <a:p>
-            <a:endParaRPr lang="fr-CH"/>
-          </a:p>
-        </p:txBody>
-      </p:sp>
-    </p:spTree>
-    <p:extLst>
-      <p:ext uri="{BB962C8B-B14F-4D97-AF65-F5344CB8AC3E}">
-        <p14:creationId xmlns:p14="http://schemas.microsoft.com/office/powerpoint/2010/main" val="3726013960"/>
-      </p:ext>
-    </p:extLst>
-  </p:cSld>
-  <p:clrMapOvr>
-    <a:masterClrMapping/>
   </p:clrMapOvr>
 </p:sld>
 </file>
@@ -22141,7 +24387,7 @@
         </p:xfrm>
         <a:graphic>
           <a:graphicData uri="http://schemas.openxmlformats.org/drawingml/2006/diagram">
-            <dgm:relIds xmlns:dgm="http://schemas.openxmlformats.org/drawingml/2006/diagram" xmlns:r="http://schemas.openxmlformats.org/officeDocument/2006/relationships" r:dm="rId2" r:lo="rId3" r:qs="rId4" r:cs="rId5"/>
+            <dgm:relIds xmlns:dgm="http://schemas.openxmlformats.org/drawingml/2006/diagram" xmlns:r="http://schemas.openxmlformats.org/officeDocument/2006/relationships" r:dm="rId3" r:lo="rId4" r:qs="rId5" r:cs="rId6"/>
           </a:graphicData>
         </a:graphic>
       </p:graphicFrame>
@@ -22149,6 +24395,456 @@
     <p:extLst>
       <p:ext uri="{BB962C8B-B14F-4D97-AF65-F5344CB8AC3E}">
         <p14:creationId xmlns:p14="http://schemas.microsoft.com/office/powerpoint/2010/main" val="2596573208"/>
+      </p:ext>
+    </p:extLst>
+  </p:cSld>
+  <p:clrMapOvr>
+    <a:masterClrMapping/>
+  </p:clrMapOvr>
+</p:sld>
+</file>
+
+<file path=ppt/slides/slide20.xml><?xml version="1.0" encoding="utf-8"?>
+<p:sld xmlns:a="http://schemas.openxmlformats.org/drawingml/2006/main" xmlns:r="http://schemas.openxmlformats.org/officeDocument/2006/relationships" xmlns:p="http://schemas.openxmlformats.org/presentationml/2006/main">
+  <p:cSld>
+    <p:bg>
+      <p:bgPr>
+        <a:solidFill>
+          <a:schemeClr val="bg1"/>
+        </a:solidFill>
+        <a:effectLst/>
+      </p:bgPr>
+    </p:bg>
+    <p:spTree>
+      <p:nvGrpSpPr>
+        <p:cNvPr id="1" name=""/>
+        <p:cNvGrpSpPr/>
+        <p:nvPr/>
+      </p:nvGrpSpPr>
+      <p:grpSpPr>
+        <a:xfrm>
+          <a:off x="0" y="0"/>
+          <a:ext cx="0" cy="0"/>
+          <a:chOff x="0" y="0"/>
+          <a:chExt cx="0" cy="0"/>
+        </a:xfrm>
+      </p:grpSpPr>
+      <p:sp useBgFill="1">
+        <p:nvSpPr>
+          <p:cNvPr id="9" name="Rectangle 8">
+            <a:extLst>
+              <a:ext uri="{FF2B5EF4-FFF2-40B4-BE49-F238E27FC236}">
+                <a16:creationId xmlns:a16="http://schemas.microsoft.com/office/drawing/2014/main" id="{C1DD1A8A-57D5-4A81-AD04-532B043C5611}"/>
+              </a:ext>
+              <a:ext uri="{C183D7F6-B498-43B3-948B-1728B52AA6E4}">
+                <adec:decorative xmlns:adec="http://schemas.microsoft.com/office/drawing/2017/decorative" val="1"/>
+              </a:ext>
+            </a:extLst>
+          </p:cNvPr>
+          <p:cNvSpPr>
+            <a:spLocks noGrp="1" noRot="1" noChangeAspect="1" noMove="1" noResize="1" noEditPoints="1" noAdjustHandles="1" noChangeArrowheads="1" noChangeShapeType="1" noTextEdit="1"/>
+          </p:cNvSpPr>
+          <p:nvPr>
+            <p:extLst>
+              <p:ext uri="{386F3935-93C4-4BCD-93E2-E3B085C9AB24}">
+                <p16:designElem xmlns:p16="http://schemas.microsoft.com/office/powerpoint/2015/main" val="1"/>
+              </p:ext>
+            </p:extLst>
+          </p:nvPr>
+        </p:nvSpPr>
+        <p:spPr>
+          <a:xfrm>
+            <a:off x="-1" y="0"/>
+            <a:ext cx="12188952" cy="6858000"/>
+          </a:xfrm>
+          <a:prstGeom prst="rect">
+            <a:avLst/>
+          </a:prstGeom>
+          <a:ln>
+            <a:noFill/>
+          </a:ln>
+        </p:spPr>
+        <p:style>
+          <a:lnRef idx="2">
+            <a:schemeClr val="accent1">
+              <a:shade val="50000"/>
+            </a:schemeClr>
+          </a:lnRef>
+          <a:fillRef idx="1">
+            <a:schemeClr val="accent1"/>
+          </a:fillRef>
+          <a:effectRef idx="0">
+            <a:schemeClr val="accent1"/>
+          </a:effectRef>
+          <a:fontRef idx="minor">
+            <a:schemeClr val="lt1"/>
+          </a:fontRef>
+        </p:style>
+        <p:txBody>
+          <a:bodyPr rtlCol="0" anchor="ctr"/>
+          <a:lstStyle/>
+          <a:p>
+            <a:pPr algn="ctr"/>
+            <a:endParaRPr lang="en-US"/>
+          </a:p>
+        </p:txBody>
+      </p:sp>
+      <p:pic>
+        <p:nvPicPr>
+          <p:cNvPr id="5" name="Picture 4" descr="points d’interrogation noirs 3D avec un point d’interrogation jaune">
+            <a:extLst>
+              <a:ext uri="{FF2B5EF4-FFF2-40B4-BE49-F238E27FC236}">
+                <a16:creationId xmlns:a16="http://schemas.microsoft.com/office/drawing/2014/main" id="{7216084A-04EF-9173-D17D-E70B1A5F73C5}"/>
+              </a:ext>
+            </a:extLst>
+          </p:cNvPr>
+          <p:cNvPicPr>
+            <a:picLocks noChangeAspect="1"/>
+          </p:cNvPicPr>
+          <p:nvPr/>
+        </p:nvPicPr>
+        <p:blipFill>
+          <a:blip r:embed="rId3"/>
+          <a:srcRect l="28990" r="6122" b="1"/>
+          <a:stretch>
+            <a:fillRect/>
+          </a:stretch>
+        </p:blipFill>
+        <p:spPr>
+          <a:xfrm>
+            <a:off x="-3047" y="10"/>
+            <a:ext cx="12191999" cy="6857990"/>
+          </a:xfrm>
+          <a:prstGeom prst="rect">
+            <a:avLst/>
+          </a:prstGeom>
+        </p:spPr>
+      </p:pic>
+      <p:sp>
+        <p:nvSpPr>
+          <p:cNvPr id="11" name="Rectangle 10">
+            <a:extLst>
+              <a:ext uri="{FF2B5EF4-FFF2-40B4-BE49-F238E27FC236}">
+                <a16:creationId xmlns:a16="http://schemas.microsoft.com/office/drawing/2014/main" id="{007891EC-4501-44ED-A8C8-B11B6DB767AB}"/>
+              </a:ext>
+              <a:ext uri="{C183D7F6-B498-43B3-948B-1728B52AA6E4}">
+                <adec:decorative xmlns:adec="http://schemas.microsoft.com/office/drawing/2017/decorative" val="1"/>
+              </a:ext>
+            </a:extLst>
+          </p:cNvPr>
+          <p:cNvSpPr>
+            <a:spLocks noGrp="1" noRot="1" noChangeAspect="1" noMove="1" noResize="1" noEditPoints="1" noAdjustHandles="1" noChangeArrowheads="1" noChangeShapeType="1" noTextEdit="1"/>
+          </p:cNvSpPr>
+          <p:nvPr>
+            <p:extLst>
+              <p:ext uri="{386F3935-93C4-4BCD-93E2-E3B085C9AB24}">
+                <p16:designElem xmlns:p16="http://schemas.microsoft.com/office/powerpoint/2015/main" val="1"/>
+              </p:ext>
+            </p:extLst>
+          </p:nvPr>
+        </p:nvSpPr>
+        <p:spPr>
+          <a:xfrm>
+            <a:off x="0" y="2207602"/>
+            <a:ext cx="12191999" cy="3162146"/>
+          </a:xfrm>
+          <a:prstGeom prst="rect">
+            <a:avLst/>
+          </a:prstGeom>
+          <a:gradFill flip="none" rotWithShape="1">
+            <a:gsLst>
+              <a:gs pos="0">
+                <a:srgbClr val="000000">
+                  <a:alpha val="0"/>
+                </a:srgbClr>
+              </a:gs>
+              <a:gs pos="25000">
+                <a:srgbClr val="000000">
+                  <a:alpha val="15000"/>
+                </a:srgbClr>
+              </a:gs>
+              <a:gs pos="75000">
+                <a:srgbClr val="000000">
+                  <a:alpha val="15000"/>
+                </a:srgbClr>
+              </a:gs>
+              <a:gs pos="50000">
+                <a:srgbClr val="000000">
+                  <a:alpha val="30000"/>
+                </a:srgbClr>
+              </a:gs>
+              <a:gs pos="100000">
+                <a:srgbClr val="000000">
+                  <a:alpha val="0"/>
+                </a:srgbClr>
+              </a:gs>
+            </a:gsLst>
+            <a:lin ang="16200000" scaled="1"/>
+            <a:tileRect/>
+          </a:gradFill>
+          <a:ln>
+            <a:noFill/>
+          </a:ln>
+        </p:spPr>
+        <p:style>
+          <a:lnRef idx="2">
+            <a:schemeClr val="accent1">
+              <a:shade val="50000"/>
+            </a:schemeClr>
+          </a:lnRef>
+          <a:fillRef idx="1">
+            <a:schemeClr val="accent1"/>
+          </a:fillRef>
+          <a:effectRef idx="0">
+            <a:schemeClr val="accent1"/>
+          </a:effectRef>
+          <a:fontRef idx="minor">
+            <a:schemeClr val="lt1"/>
+          </a:fontRef>
+        </p:style>
+        <p:txBody>
+          <a:bodyPr rtlCol="0" anchor="ctr"/>
+          <a:lstStyle/>
+          <a:p>
+            <a:pPr algn="ctr"/>
+            <a:endParaRPr lang="en-US"/>
+          </a:p>
+        </p:txBody>
+      </p:sp>
+      <p:sp>
+        <p:nvSpPr>
+          <p:cNvPr id="2" name="Titre 1">
+            <a:extLst>
+              <a:ext uri="{FF2B5EF4-FFF2-40B4-BE49-F238E27FC236}">
+                <a16:creationId xmlns:a16="http://schemas.microsoft.com/office/drawing/2014/main" id="{AFB79645-01DA-D966-1820-766E98972873}"/>
+              </a:ext>
+            </a:extLst>
+          </p:cNvPr>
+          <p:cNvSpPr>
+            <a:spLocks noGrp="1"/>
+          </p:cNvSpPr>
+          <p:nvPr>
+            <p:ph type="title"/>
+          </p:nvPr>
+        </p:nvSpPr>
+        <p:spPr>
+          <a:xfrm>
+            <a:off x="1097280" y="325550"/>
+            <a:ext cx="10058400" cy="3574778"/>
+          </a:xfrm>
+          <a:effectLst>
+            <a:outerShdw blurRad="50800" dist="38100" dir="2700000" algn="tl" rotWithShape="0">
+              <a:prstClr val="black">
+                <a:alpha val="40000"/>
+              </a:prstClr>
+            </a:outerShdw>
+          </a:effectLst>
+        </p:spPr>
+        <p:txBody>
+          <a:bodyPr vert="horz" lIns="91440" tIns="45720" rIns="91440" bIns="45720" rtlCol="0" anchor="b">
+            <a:normAutofit/>
+          </a:bodyPr>
+          <a:lstStyle/>
+          <a:p>
+            <a:pPr algn="ctr"/>
+            <a:r>
+              <a:rPr lang="en-US" sz="5200">
+                <a:solidFill>
+                  <a:srgbClr val="FFFFFF"/>
+                </a:solidFill>
+              </a:rPr>
+              <a:t>Questions / Remerciements</a:t>
+            </a:r>
+          </a:p>
+        </p:txBody>
+      </p:sp>
+    </p:spTree>
+    <p:extLst>
+      <p:ext uri="{BB962C8B-B14F-4D97-AF65-F5344CB8AC3E}">
+        <p14:creationId xmlns:p14="http://schemas.microsoft.com/office/powerpoint/2010/main" val="2341187373"/>
+      </p:ext>
+    </p:extLst>
+  </p:cSld>
+  <p:clrMapOvr>
+    <a:masterClrMapping/>
+  </p:clrMapOvr>
+</p:sld>
+</file>
+
+<file path=ppt/slides/slide21.xml><?xml version="1.0" encoding="utf-8"?>
+<p:sld xmlns:a="http://schemas.openxmlformats.org/drawingml/2006/main" xmlns:r="http://schemas.openxmlformats.org/officeDocument/2006/relationships" xmlns:p="http://schemas.openxmlformats.org/presentationml/2006/main">
+  <p:cSld>
+    <p:bg>
+      <p:bgPr>
+        <a:solidFill>
+          <a:schemeClr val="bg1"/>
+        </a:solidFill>
+        <a:effectLst/>
+      </p:bgPr>
+    </p:bg>
+    <p:spTree>
+      <p:nvGrpSpPr>
+        <p:cNvPr id="1" name=""/>
+        <p:cNvGrpSpPr/>
+        <p:nvPr/>
+      </p:nvGrpSpPr>
+      <p:grpSpPr>
+        <a:xfrm>
+          <a:off x="0" y="0"/>
+          <a:ext cx="0" cy="0"/>
+          <a:chOff x="0" y="0"/>
+          <a:chExt cx="0" cy="0"/>
+        </a:xfrm>
+      </p:grpSpPr>
+      <p:sp>
+        <p:nvSpPr>
+          <p:cNvPr id="10" name="Rectangle 9">
+            <a:extLst>
+              <a:ext uri="{FF2B5EF4-FFF2-40B4-BE49-F238E27FC236}">
+                <a16:creationId xmlns:a16="http://schemas.microsoft.com/office/drawing/2014/main" id="{A4AC5506-6312-4701-8D3C-40187889A947}"/>
+              </a:ext>
+              <a:ext uri="{C183D7F6-B498-43B3-948B-1728B52AA6E4}">
+                <adec:decorative xmlns:adec="http://schemas.microsoft.com/office/drawing/2017/decorative" val="1"/>
+              </a:ext>
+            </a:extLst>
+          </p:cNvPr>
+          <p:cNvSpPr>
+            <a:spLocks noGrp="1" noRot="1" noChangeAspect="1" noMove="1" noResize="1" noEditPoints="1" noAdjustHandles="1" noChangeArrowheads="1" noChangeShapeType="1" noTextEdit="1"/>
+          </p:cNvSpPr>
+          <p:nvPr>
+            <p:extLst>
+              <p:ext uri="{386F3935-93C4-4BCD-93E2-E3B085C9AB24}">
+                <p16:designElem xmlns:p16="http://schemas.microsoft.com/office/powerpoint/2015/main" val="1"/>
+              </p:ext>
+            </p:extLst>
+          </p:nvPr>
+        </p:nvSpPr>
+        <p:spPr>
+          <a:xfrm>
+            <a:off x="0" y="651752"/>
+            <a:ext cx="12192000" cy="736551"/>
+          </a:xfrm>
+          <a:prstGeom prst="rect">
+            <a:avLst/>
+          </a:prstGeom>
+          <a:solidFill>
+            <a:schemeClr val="tx1"/>
+          </a:solidFill>
+          <a:ln>
+            <a:noFill/>
+          </a:ln>
+        </p:spPr>
+        <p:style>
+          <a:lnRef idx="2">
+            <a:schemeClr val="accent1">
+              <a:shade val="50000"/>
+            </a:schemeClr>
+          </a:lnRef>
+          <a:fillRef idx="1">
+            <a:schemeClr val="accent1"/>
+          </a:fillRef>
+          <a:effectRef idx="0">
+            <a:schemeClr val="accent1"/>
+          </a:effectRef>
+          <a:fontRef idx="minor">
+            <a:schemeClr val="lt1"/>
+          </a:fontRef>
+        </p:style>
+        <p:txBody>
+          <a:bodyPr rtlCol="0" anchor="ctr"/>
+          <a:lstStyle/>
+          <a:p>
+            <a:pPr algn="ctr"/>
+            <a:endParaRPr lang="en-US"/>
+          </a:p>
+        </p:txBody>
+      </p:sp>
+      <p:sp>
+        <p:nvSpPr>
+          <p:cNvPr id="2" name="Titre 1">
+            <a:extLst>
+              <a:ext uri="{FF2B5EF4-FFF2-40B4-BE49-F238E27FC236}">
+                <a16:creationId xmlns:a16="http://schemas.microsoft.com/office/drawing/2014/main" id="{586FC6C0-BEC1-80E3-2D12-F0027A0CD195}"/>
+              </a:ext>
+            </a:extLst>
+          </p:cNvPr>
+          <p:cNvSpPr>
+            <a:spLocks noGrp="1"/>
+          </p:cNvSpPr>
+          <p:nvPr>
+            <p:ph type="title"/>
+          </p:nvPr>
+        </p:nvSpPr>
+        <p:spPr>
+          <a:xfrm>
+            <a:off x="556532" y="643467"/>
+            <a:ext cx="11210925" cy="744836"/>
+          </a:xfrm>
+        </p:spPr>
+        <p:txBody>
+          <a:bodyPr vert="horz" lIns="91440" tIns="45720" rIns="91440" bIns="45720" rtlCol="0" anchor="ctr">
+            <a:normAutofit/>
+          </a:bodyPr>
+          <a:lstStyle/>
+          <a:p>
+            <a:pPr algn="ctr"/>
+            <a:r>
+              <a:rPr lang="en-US" sz="3200" kern="1200">
+                <a:solidFill>
+                  <a:schemeClr val="bg1"/>
+                </a:solidFill>
+                <a:latin typeface="+mj-lt"/>
+                <a:ea typeface="+mj-ea"/>
+                <a:cs typeface="+mj-cs"/>
+              </a:rPr>
+              <a:t>Démonstration</a:t>
+            </a:r>
+          </a:p>
+        </p:txBody>
+      </p:sp>
+      <p:pic>
+        <p:nvPicPr>
+          <p:cNvPr id="7" name="Graphic 6" descr="Enseignant">
+            <a:extLst>
+              <a:ext uri="{FF2B5EF4-FFF2-40B4-BE49-F238E27FC236}">
+                <a16:creationId xmlns:a16="http://schemas.microsoft.com/office/drawing/2014/main" id="{4BD44B8E-970F-82CE-DF04-09AD5930D54D}"/>
+              </a:ext>
+            </a:extLst>
+          </p:cNvPr>
+          <p:cNvPicPr>
+            <a:picLocks noChangeAspect="1"/>
+          </p:cNvPicPr>
+          <p:nvPr/>
+        </p:nvPicPr>
+        <p:blipFill>
+          <a:blip r:embed="rId3">
+            <a:extLst>
+              <a:ext uri="{28A0092B-C50C-407E-A947-70E740481C1C}">
+                <a14:useLocalDpi xmlns:a14="http://schemas.microsoft.com/office/drawing/2010/main" val="0"/>
+              </a:ext>
+              <a:ext uri="{96DAC541-7B7A-43D3-8B79-37D633B846F1}">
+                <asvg:svgBlip xmlns:asvg="http://schemas.microsoft.com/office/drawing/2016/SVG/main" r:embed="rId4"/>
+              </a:ext>
+            </a:extLst>
+          </a:blip>
+          <a:stretch>
+            <a:fillRect/>
+          </a:stretch>
+        </p:blipFill>
+        <p:spPr>
+          <a:xfrm>
+            <a:off x="3898900" y="1675227"/>
+            <a:ext cx="4394199" cy="4394199"/>
+          </a:xfrm>
+          <a:prstGeom prst="rect">
+            <a:avLst/>
+          </a:prstGeom>
+        </p:spPr>
+      </p:pic>
+    </p:spTree>
+    <p:extLst>
+      <p:ext uri="{BB962C8B-B14F-4D97-AF65-F5344CB8AC3E}">
+        <p14:creationId xmlns:p14="http://schemas.microsoft.com/office/powerpoint/2010/main" val="3726013960"/>
       </p:ext>
     </p:extLst>
   </p:cSld>
@@ -22933,7 +25629,7 @@
           <p:nvPr>
             <p:extLst>
               <p:ext uri="{D42A27DB-BD31-4B8C-83A1-F6EECF244321}">
-                <p14:modId xmlns:p14="http://schemas.microsoft.com/office/powerpoint/2010/main" val="3885122108"/>
+                <p14:modId xmlns:p14="http://schemas.microsoft.com/office/powerpoint/2010/main" val="2118314139"/>
               </p:ext>
             </p:extLst>
           </p:nvPr>
@@ -23355,7 +26051,7 @@
         </p:xfrm>
         <a:graphic>
           <a:graphicData uri="http://schemas.openxmlformats.org/drawingml/2006/diagram">
-            <dgm:relIds xmlns:dgm="http://schemas.openxmlformats.org/drawingml/2006/diagram" xmlns:r="http://schemas.openxmlformats.org/officeDocument/2006/relationships" r:dm="rId2" r:lo="rId3" r:qs="rId4" r:cs="rId5"/>
+            <dgm:relIds xmlns:dgm="http://schemas.openxmlformats.org/drawingml/2006/diagram" xmlns:r="http://schemas.openxmlformats.org/officeDocument/2006/relationships" r:dm="rId3" r:lo="rId4" r:qs="rId5" r:cs="rId6"/>
           </a:graphicData>
         </a:graphic>
       </p:graphicFrame>
@@ -23520,7 +26216,7 @@
           </p:nvPr>
         </p:nvPicPr>
         <p:blipFill>
-          <a:blip r:embed="rId2"/>
+          <a:blip r:embed="rId3"/>
           <a:stretch>
             <a:fillRect/>
           </a:stretch>
@@ -23942,7 +26638,7 @@
         </p:xfrm>
         <a:graphic>
           <a:graphicData uri="http://schemas.openxmlformats.org/drawingml/2006/diagram">
-            <dgm:relIds xmlns:dgm="http://schemas.openxmlformats.org/drawingml/2006/diagram" xmlns:r="http://schemas.openxmlformats.org/officeDocument/2006/relationships" r:dm="rId2" r:lo="rId3" r:qs="rId4" r:cs="rId5"/>
+            <dgm:relIds xmlns:dgm="http://schemas.openxmlformats.org/drawingml/2006/diagram" xmlns:r="http://schemas.openxmlformats.org/officeDocument/2006/relationships" r:dm="rId3" r:lo="rId4" r:qs="rId5" r:cs="rId6"/>
           </a:graphicData>
         </a:graphic>
       </p:graphicFrame>
@@ -24111,7 +26807,7 @@
           </p:nvPr>
         </p:nvPicPr>
         <p:blipFill rotWithShape="1">
-          <a:blip r:embed="rId2"/>
+          <a:blip r:embed="rId3"/>
           <a:srcRect b="6307"/>
           <a:stretch>
             <a:fillRect/>
@@ -24365,7 +27061,7 @@
           <p:nvPr/>
         </p:nvPicPr>
         <p:blipFill>
-          <a:blip r:embed="rId2"/>
+          <a:blip r:embed="rId3"/>
           <a:stretch>
             <a:fillRect/>
           </a:stretch>
@@ -24615,7 +27311,7 @@
           </p:nvPr>
         </p:nvPicPr>
         <p:blipFill>
-          <a:blip r:embed="rId2"/>
+          <a:blip r:embed="rId3"/>
           <a:stretch>
             <a:fillRect/>
           </a:stretch>

--- a/documentation/ArcadiaboxPresentation.pptx
+++ b/documentation/ArcadiaboxPresentation.pptx
@@ -148,7 +148,7 @@
   <pc:docChgLst>
     <pc:chgData name="Barras Matias" userId="8eac776d-deeb-4346-aa0f-eaa1e7f5da8d" providerId="ADAL" clId="{425534FE-2470-4743-8B71-83B1ED8770FD}"/>
     <pc:docChg chg="undo redo custSel addSld delSld modSld sldOrd">
-      <pc:chgData name="Barras Matias" userId="8eac776d-deeb-4346-aa0f-eaa1e7f5da8d" providerId="ADAL" clId="{425534FE-2470-4743-8B71-83B1ED8770FD}" dt="2026-01-16T09:32:22.348" v="1797" actId="20577"/>
+      <pc:chgData name="Barras Matias" userId="8eac776d-deeb-4346-aa0f-eaa1e7f5da8d" providerId="ADAL" clId="{425534FE-2470-4743-8B71-83B1ED8770FD}" dt="2026-01-16T12:10:53.711" v="1799" actId="47"/>
       <pc:docMkLst>
         <pc:docMk/>
       </pc:docMkLst>
@@ -1381,6 +1381,13 @@
             <ac:picMk id="5" creationId="{FD0B5398-C669-2E3D-C4C7-F2831077BE49}"/>
           </ac:picMkLst>
         </pc:picChg>
+      </pc:sldChg>
+      <pc:sldChg chg="new del">
+        <pc:chgData name="Barras Matias" userId="8eac776d-deeb-4346-aa0f-eaa1e7f5da8d" providerId="ADAL" clId="{425534FE-2470-4743-8B71-83B1ED8770FD}" dt="2026-01-16T12:10:53.711" v="1799" actId="47"/>
+        <pc:sldMkLst>
+          <pc:docMk/>
+          <pc:sldMk cId="2152320657" sldId="279"/>
+        </pc:sldMkLst>
       </pc:sldChg>
       <pc:sldChg chg="new del">
         <pc:chgData name="Barras Matias" userId="8eac776d-deeb-4346-aa0f-eaa1e7f5da8d" providerId="ADAL" clId="{425534FE-2470-4743-8B71-83B1ED8770FD}" dt="2026-01-16T08:28:47.542" v="1635" actId="47"/>

--- a/documentation/ArcadiaboxPresentation.pptx
+++ b/documentation/ArcadiaboxPresentation.pptx
@@ -127,17 +127,13 @@
       </a:defRPr>
     </a:lvl9pPr>
   </p:defaultTextStyle>
-  <p:extLst>
-    <p:ext uri="{EFAFB233-063F-42B5-8137-9DF3F51BA10A}">
-      <p15:sldGuideLst xmlns:p15="http://schemas.microsoft.com/office/powerpoint/2012/main"/>
-    </p:ext>
-  </p:extLst>
 </p:presentation>
 </file>
 
 <file path=ppt/revisionInfo.xml><?xml version="1.0" encoding="utf-8"?>
 <p1510:revInfo xmlns:a="http://schemas.openxmlformats.org/drawingml/2006/main" xmlns:r="http://schemas.openxmlformats.org/officeDocument/2006/relationships" xmlns:p1510="http://schemas.microsoft.com/office/powerpoint/2015/10/main">
   <p1510:revLst>
+    <p1510:client id="{32926EEF-C97D-4720-082A-937F40AC471F}" v="7" dt="2026-01-16T12:46:01.824"/>
     <p1510:client id="{DFF46C2B-868E-437C-A61C-80E0DE7D83CF}" v="66" dt="2026-01-16T09:32:50.456"/>
   </p1510:revLst>
 </p1510:revInfo>
@@ -145,6 +141,30 @@
 
 <file path=ppt/changesInfos/changesInfo1.xml><?xml version="1.0" encoding="utf-8"?>
 <pc:chgInfo xmlns:a="http://schemas.openxmlformats.org/drawingml/2006/main" xmlns:r="http://schemas.openxmlformats.org/officeDocument/2006/relationships" xmlns:ac="http://schemas.microsoft.com/office/drawing/2013/main/command" xmlns:pc="http://schemas.microsoft.com/office/powerpoint/2013/main/command">
+  <pc:docChgLst>
+    <pc:chgData name="Deillon Jonas" userId="S::jonas.deillon@studentfr.ch::a7110832-daf8-4f75-b166-f0ce5ceeec21" providerId="AD" clId="Web-{32926EEF-C97D-4720-082A-937F40AC471F}"/>
+    <pc:docChg chg="modSld">
+      <pc:chgData name="Deillon Jonas" userId="S::jonas.deillon@studentfr.ch::a7110832-daf8-4f75-b166-f0ce5ceeec21" providerId="AD" clId="Web-{32926EEF-C97D-4720-082A-937F40AC471F}" dt="2026-01-16T12:46:01.824" v="6" actId="20577"/>
+      <pc:docMkLst>
+        <pc:docMk/>
+      </pc:docMkLst>
+      <pc:sldChg chg="modSp">
+        <pc:chgData name="Deillon Jonas" userId="S::jonas.deillon@studentfr.ch::a7110832-daf8-4f75-b166-f0ce5ceeec21" providerId="AD" clId="Web-{32926EEF-C97D-4720-082A-937F40AC471F}" dt="2026-01-16T12:46:01.824" v="6" actId="20577"/>
+        <pc:sldMkLst>
+          <pc:docMk/>
+          <pc:sldMk cId="2507725628" sldId="263"/>
+        </pc:sldMkLst>
+        <pc:spChg chg="mod">
+          <ac:chgData name="Deillon Jonas" userId="S::jonas.deillon@studentfr.ch::a7110832-daf8-4f75-b166-f0ce5ceeec21" providerId="AD" clId="Web-{32926EEF-C97D-4720-082A-937F40AC471F}" dt="2026-01-16T12:46:01.824" v="6" actId="20577"/>
+          <ac:spMkLst>
+            <pc:docMk/>
+            <pc:sldMk cId="2507725628" sldId="263"/>
+            <ac:spMk id="2" creationId="{CBA1CB46-D3E0-9562-9078-62B0C32E2B75}"/>
+          </ac:spMkLst>
+        </pc:spChg>
+      </pc:sldChg>
+    </pc:docChg>
+  </pc:docChgLst>
   <pc:docChgLst>
     <pc:chgData name="Barras Matias" userId="8eac776d-deeb-4346-aa0f-eaa1e7f5da8d" providerId="ADAL" clId="{425534FE-2470-4743-8B71-83B1ED8770FD}"/>
     <pc:docChg chg="undo redo custSel addSld delSld modSld sldOrd">
@@ -5335,10 +5355,10 @@
         <a:lstStyle/>
         <a:p>
           <a:r>
-            <a:rPr lang="fr-CH" dirty="0"/>
+            <a:rPr lang="fr-CH"/>
             <a:t>Contexte du projet</a:t>
           </a:r>
-          <a:endParaRPr lang="en-US" dirty="0"/>
+          <a:endParaRPr lang="en-US"/>
         </a:p>
       </dgm:t>
     </dgm:pt>
@@ -5372,10 +5392,10 @@
         <a:lstStyle/>
         <a:p>
           <a:r>
-            <a:rPr lang="fr-CH" dirty="0"/>
+            <a:rPr lang="fr-CH"/>
             <a:t>Fonctionnalités principales</a:t>
           </a:r>
-          <a:endParaRPr lang="en-US" dirty="0"/>
+          <a:endParaRPr lang="en-US"/>
         </a:p>
       </dgm:t>
     </dgm:pt>
@@ -5409,14 +5429,10 @@
         <a:lstStyle/>
         <a:p>
           <a:r>
-            <a:rPr lang="fr-CH" dirty="0"/>
-            <a:t>Maquettes </a:t>
+            <a:rPr lang="fr-CH"/>
+            <a:t>Maquettes et interface</a:t>
           </a:r>
-          <a:r>
-            <a:rPr lang="fr-CH"/>
-            <a:t>et interface</a:t>
-          </a:r>
-          <a:endParaRPr lang="en-US" dirty="0"/>
+          <a:endParaRPr lang="en-US"/>
         </a:p>
       </dgm:t>
     </dgm:pt>
@@ -5450,10 +5466,10 @@
         <a:lstStyle/>
         <a:p>
           <a:r>
-            <a:rPr lang="fr-CH" dirty="0"/>
+            <a:rPr lang="fr-CH"/>
             <a:t>Technologies utilisées</a:t>
           </a:r>
-          <a:endParaRPr lang="en-US" dirty="0"/>
+          <a:endParaRPr lang="en-US"/>
         </a:p>
       </dgm:t>
     </dgm:pt>
@@ -5487,14 +5503,10 @@
         <a:lstStyle/>
         <a:p>
           <a:r>
-            <a:rPr lang="fr-CH" dirty="0"/>
-            <a:t>Organisation </a:t>
+            <a:rPr lang="fr-CH"/>
+            <a:t>Organisation et suivis</a:t>
           </a:r>
-          <a:r>
-            <a:rPr lang="fr-CH"/>
-            <a:t>et suivis</a:t>
-          </a:r>
-          <a:endParaRPr lang="en-US" dirty="0"/>
+          <a:endParaRPr lang="en-US"/>
         </a:p>
       </dgm:t>
     </dgm:pt>
@@ -5528,10 +5540,10 @@
         <a:lstStyle/>
         <a:p>
           <a:r>
-            <a:rPr lang="fr-CH" dirty="0"/>
+            <a:rPr lang="fr-CH"/>
             <a:t>Conclusion</a:t>
           </a:r>
-          <a:endParaRPr lang="en-US" dirty="0"/>
+          <a:endParaRPr lang="en-US"/>
         </a:p>
       </dgm:t>
     </dgm:pt>
@@ -5565,10 +5577,10 @@
         <a:lstStyle/>
         <a:p>
           <a:r>
-            <a:rPr lang="fr-CH" dirty="0"/>
+            <a:rPr lang="fr-CH"/>
             <a:t>Questions / Remerciements</a:t>
           </a:r>
-          <a:endParaRPr lang="en-US" dirty="0"/>
+          <a:endParaRPr lang="en-US"/>
         </a:p>
       </dgm:t>
     </dgm:pt>
@@ -5605,7 +5617,6 @@
             <a:rPr lang="en-US"/>
             <a:t>Architecture du système</a:t>
           </a:r>
-          <a:endParaRPr lang="en-US" dirty="0"/>
         </a:p>
       </dgm:t>
     </dgm:pt>
@@ -5631,7 +5642,7 @@
             <a:rPr lang="fr-CH"/>
             <a:t>Descente de code</a:t>
           </a:r>
-          <a:endParaRPr lang="en-US" dirty="0"/>
+          <a:endParaRPr lang="en-US"/>
         </a:p>
       </dgm:t>
     </dgm:pt>
@@ -5651,10 +5662,10 @@
         <a:lstStyle/>
         <a:p>
           <a:r>
-            <a:rPr lang="fr-CH" dirty="0"/>
+            <a:rPr lang="fr-CH"/>
             <a:t>Démonstration</a:t>
           </a:r>
-          <a:endParaRPr lang="en-US" dirty="0"/>
+          <a:endParaRPr lang="en-US"/>
         </a:p>
       </dgm:t>
     </dgm:pt>
@@ -5893,17 +5904,17 @@
         <a:lstStyle/>
         <a:p>
           <a:r>
-            <a:rPr lang="fr-CH" sz="3200" dirty="0"/>
+            <a:rPr lang="fr-CH" sz="3200"/>
             <a:t>Arnaud Ramirez </a:t>
           </a:r>
           <a:br>
-            <a:rPr lang="fr-CH" sz="3200" dirty="0"/>
+            <a:rPr lang="fr-CH" sz="3200"/>
           </a:br>
           <a:r>
-            <a:rPr lang="fr-CH" sz="3200" dirty="0"/>
+            <a:rPr lang="fr-CH" sz="3200"/>
             <a:t>Scrum master</a:t>
           </a:r>
-          <a:endParaRPr lang="en-US" sz="3200" dirty="0"/>
+          <a:endParaRPr lang="en-US" sz="3200"/>
         </a:p>
       </dgm:t>
     </dgm:pt>
@@ -5937,22 +5948,22 @@
         <a:lstStyle/>
         <a:p>
           <a:r>
-            <a:rPr lang="fr-CH" sz="3200" dirty="0"/>
+            <a:rPr lang="fr-CH" sz="3200"/>
             <a:t>Jonas </a:t>
           </a:r>
           <a:r>
-            <a:rPr lang="fr-CH" sz="3200" dirty="0" err="1"/>
+            <a:rPr lang="fr-CH" sz="3200" err="1"/>
             <a:t>Deillon</a:t>
           </a:r>
           <a:r>
-            <a:rPr lang="fr-CH" sz="3200" dirty="0"/>
+            <a:rPr lang="fr-CH" sz="3200"/>
             <a:t>  Product </a:t>
           </a:r>
           <a:r>
-            <a:rPr lang="fr-CH" sz="3200" dirty="0" err="1"/>
+            <a:rPr lang="fr-CH" sz="3200" err="1"/>
             <a:t>owner</a:t>
           </a:r>
-          <a:endParaRPr lang="en-US" sz="3200" dirty="0"/>
+          <a:endParaRPr lang="en-US" sz="3200"/>
         </a:p>
       </dgm:t>
     </dgm:pt>
@@ -5986,10 +5997,10 @@
         <a:lstStyle/>
         <a:p>
           <a:r>
-            <a:rPr lang="fr-CH" sz="3200" dirty="0"/>
+            <a:rPr lang="fr-CH" sz="3200"/>
             <a:t>Matias Barras Développer</a:t>
           </a:r>
-          <a:endParaRPr lang="en-US" sz="3200" dirty="0"/>
+          <a:endParaRPr lang="en-US" sz="3200"/>
         </a:p>
       </dgm:t>
     </dgm:pt>
@@ -6369,10 +6380,10 @@
         <a:lstStyle/>
         <a:p>
           <a:r>
-            <a:rPr lang="fr-CH" dirty="0"/>
+            <a:rPr lang="fr-CH"/>
             <a:t>Amusements grâces au catalogue de jeux.</a:t>
           </a:r>
-          <a:endParaRPr lang="en-US" dirty="0"/>
+          <a:endParaRPr lang="en-US"/>
         </a:p>
       </dgm:t>
     </dgm:pt>
@@ -6406,14 +6417,14 @@
         <a:lstStyle/>
         <a:p>
           <a:r>
-            <a:rPr lang="fr-CH" noProof="0" dirty="0"/>
+            <a:rPr lang="fr-CH" noProof="0"/>
             <a:t>Scores</a:t>
           </a:r>
           <a:r>
-            <a:rPr lang="fr-CH" dirty="0"/>
+            <a:rPr lang="fr-CH"/>
             <a:t> </a:t>
           </a:r>
-          <a:endParaRPr lang="en-US" dirty="0"/>
+          <a:endParaRPr lang="en-US"/>
         </a:p>
       </dgm:t>
     </dgm:pt>
@@ -6447,10 +6458,10 @@
         <a:lstStyle/>
         <a:p>
           <a:r>
-            <a:rPr lang="fr-CH" dirty="0"/>
+            <a:rPr lang="fr-CH"/>
             <a:t>Sauvegarde du score de l’utilisateur</a:t>
           </a:r>
-          <a:endParaRPr lang="en-US" dirty="0"/>
+          <a:endParaRPr lang="en-US"/>
         </a:p>
       </dgm:t>
     </dgm:pt>
@@ -6484,7 +6495,7 @@
         <a:lstStyle/>
         <a:p>
           <a:r>
-            <a:rPr lang="fr-CH" noProof="0" dirty="0"/>
+            <a:rPr lang="fr-CH" noProof="0"/>
             <a:t>Support des manettes Xbox</a:t>
           </a:r>
         </a:p>
@@ -6520,7 +6531,7 @@
         <a:lstStyle/>
         <a:p>
           <a:r>
-            <a:rPr lang="fr-CH" noProof="0" dirty="0"/>
+            <a:rPr lang="fr-CH" noProof="0"/>
             <a:t>Tableaux des scores pour voir et comparer ses scores</a:t>
           </a:r>
         </a:p>
@@ -6681,7 +6692,7 @@
         <a:lstStyle/>
         <a:p>
           <a:r>
-            <a:rPr lang="fr-CH" dirty="0"/>
+            <a:rPr lang="fr-CH"/>
             <a:t>Docker</a:t>
           </a:r>
         </a:p>
@@ -6717,7 +6728,7 @@
         <a:lstStyle/>
         <a:p>
           <a:r>
-            <a:rPr lang="fr-CH" dirty="0"/>
+            <a:rPr lang="fr-CH"/>
             <a:t>Backend</a:t>
           </a:r>
         </a:p>
@@ -6753,7 +6764,7 @@
         <a:lstStyle/>
         <a:p>
           <a:r>
-            <a:rPr lang="fr-CH" dirty="0"/>
+            <a:rPr lang="fr-CH"/>
             <a:t>Base de données</a:t>
           </a:r>
         </a:p>
@@ -6789,7 +6800,7 @@
         <a:lstStyle/>
         <a:p>
           <a:r>
-            <a:rPr lang="fr-CH" dirty="0"/>
+            <a:rPr lang="fr-CH"/>
             <a:t>Frontend</a:t>
           </a:r>
         </a:p>
@@ -6828,7 +6839,6 @@
             <a:rPr lang="fr-CH"/>
             <a:t>Node.js</a:t>
           </a:r>
-          <a:endParaRPr lang="fr-CH" dirty="0"/>
         </a:p>
       </dgm:t>
     </dgm:pt>
@@ -6862,7 +6872,7 @@
         <a:lstStyle/>
         <a:p>
           <a:r>
-            <a:rPr lang="fr-CH" dirty="0"/>
+            <a:rPr lang="fr-CH"/>
             <a:t>Express</a:t>
           </a:r>
         </a:p>
@@ -6898,10 +6908,10 @@
         <a:lstStyle/>
         <a:p>
           <a:r>
-            <a:rPr lang="fr-CH" dirty="0" err="1"/>
+            <a:rPr lang="fr-CH" err="1"/>
             <a:t>Swagger</a:t>
           </a:r>
-          <a:endParaRPr lang="fr-CH" dirty="0"/>
+          <a:endParaRPr lang="fr-CH"/>
         </a:p>
       </dgm:t>
     </dgm:pt>
@@ -6935,10 +6945,10 @@
         <a:lstStyle/>
         <a:p>
           <a:r>
-            <a:rPr lang="fr-CH" dirty="0" err="1"/>
+            <a:rPr lang="fr-CH" err="1"/>
             <a:t>joi</a:t>
           </a:r>
-          <a:endParaRPr lang="fr-CH" dirty="0"/>
+          <a:endParaRPr lang="fr-CH"/>
         </a:p>
       </dgm:t>
     </dgm:pt>
@@ -6975,7 +6985,6 @@
             <a:rPr lang="fr-CH"/>
             <a:t>mysql</a:t>
           </a:r>
-          <a:endParaRPr lang="fr-CH" dirty="0"/>
         </a:p>
       </dgm:t>
     </dgm:pt>
@@ -7009,10 +7018,10 @@
         <a:lstStyle/>
         <a:p>
           <a:r>
-            <a:rPr lang="fr-CH" dirty="0" err="1"/>
+            <a:rPr lang="fr-CH" err="1"/>
             <a:t>Nostalgist</a:t>
           </a:r>
-          <a:endParaRPr lang="fr-CH" dirty="0"/>
+          <a:endParaRPr lang="fr-CH"/>
         </a:p>
       </dgm:t>
     </dgm:pt>
@@ -7046,15 +7055,15 @@
         <a:lstStyle/>
         <a:p>
           <a:r>
-            <a:rPr lang="fr-CH" dirty="0"/>
+            <a:rPr lang="fr-CH"/>
             <a:t>Api </a:t>
           </a:r>
           <a:r>
-            <a:rPr lang="fr-CH" dirty="0" err="1"/>
+            <a:rPr lang="fr-CH" err="1"/>
             <a:t>Gamepad</a:t>
           </a:r>
           <a:r>
-            <a:rPr lang="fr-CH" dirty="0"/>
+            <a:rPr lang="fr-CH"/>
             <a:t> </a:t>
           </a:r>
         </a:p>
@@ -7324,10 +7333,10 @@
             <a:buNone/>
           </a:pPr>
           <a:r>
-            <a:rPr lang="fr-CH" sz="1800" kern="1200" dirty="0"/>
+            <a:rPr lang="fr-CH" sz="1800" kern="1200"/>
             <a:t>Contexte du projet</a:t>
           </a:r>
-          <a:endParaRPr lang="en-US" sz="1800" kern="1200" dirty="0"/>
+          <a:endParaRPr lang="en-US" sz="1800" kern="1200"/>
         </a:p>
       </dsp:txBody>
       <dsp:txXfrm>
@@ -7406,7 +7415,6 @@
             <a:rPr lang="en-US" sz="1800" kern="1200"/>
             <a:t>Architecture du système</a:t>
           </a:r>
-          <a:endParaRPr lang="en-US" sz="1800" kern="1200" dirty="0"/>
         </a:p>
       </dsp:txBody>
       <dsp:txXfrm>
@@ -7482,10 +7490,10 @@
             <a:buNone/>
           </a:pPr>
           <a:r>
-            <a:rPr lang="fr-CH" sz="1800" kern="1200" dirty="0"/>
+            <a:rPr lang="fr-CH" sz="1800" kern="1200"/>
             <a:t>Fonctionnalités principales</a:t>
           </a:r>
-          <a:endParaRPr lang="en-US" sz="1800" kern="1200" dirty="0"/>
+          <a:endParaRPr lang="en-US" sz="1800" kern="1200"/>
         </a:p>
       </dsp:txBody>
       <dsp:txXfrm>
@@ -7561,14 +7569,10 @@
             <a:buNone/>
           </a:pPr>
           <a:r>
-            <a:rPr lang="fr-CH" sz="1800" kern="1200" dirty="0"/>
-            <a:t>Maquettes </a:t>
+            <a:rPr lang="fr-CH" sz="1800" kern="1200"/>
+            <a:t>Maquettes et interface</a:t>
           </a:r>
-          <a:r>
-            <a:rPr lang="fr-CH" sz="1800" kern="1200"/>
-            <a:t>et interface</a:t>
-          </a:r>
-          <a:endParaRPr lang="en-US" sz="1800" kern="1200" dirty="0"/>
+          <a:endParaRPr lang="en-US" sz="1800" kern="1200"/>
         </a:p>
       </dsp:txBody>
       <dsp:txXfrm>
@@ -7644,10 +7648,10 @@
             <a:buNone/>
           </a:pPr>
           <a:r>
-            <a:rPr lang="fr-CH" sz="1800" kern="1200" dirty="0"/>
+            <a:rPr lang="fr-CH" sz="1800" kern="1200"/>
             <a:t>Technologies utilisées</a:t>
           </a:r>
-          <a:endParaRPr lang="en-US" sz="1800" kern="1200" dirty="0"/>
+          <a:endParaRPr lang="en-US" sz="1800" kern="1200"/>
         </a:p>
       </dsp:txBody>
       <dsp:txXfrm>
@@ -7726,7 +7730,7 @@
             <a:rPr lang="fr-CH" sz="1800" kern="1200"/>
             <a:t>Descente de code</a:t>
           </a:r>
-          <a:endParaRPr lang="en-US" sz="1800" kern="1200" dirty="0"/>
+          <a:endParaRPr lang="en-US" sz="1800" kern="1200"/>
         </a:p>
       </dsp:txBody>
       <dsp:txXfrm>
@@ -7802,14 +7806,10 @@
             <a:buNone/>
           </a:pPr>
           <a:r>
-            <a:rPr lang="fr-CH" sz="1800" kern="1200" dirty="0"/>
-            <a:t>Organisation </a:t>
+            <a:rPr lang="fr-CH" sz="1800" kern="1200"/>
+            <a:t>Organisation et suivis</a:t>
           </a:r>
-          <a:r>
-            <a:rPr lang="fr-CH" sz="1800" kern="1200"/>
-            <a:t>et suivis</a:t>
-          </a:r>
-          <a:endParaRPr lang="en-US" sz="1800" kern="1200" dirty="0"/>
+          <a:endParaRPr lang="en-US" sz="1800" kern="1200"/>
         </a:p>
       </dsp:txBody>
       <dsp:txXfrm>
@@ -7885,10 +7885,10 @@
             <a:buNone/>
           </a:pPr>
           <a:r>
-            <a:rPr lang="fr-CH" sz="1800" kern="1200" dirty="0"/>
+            <a:rPr lang="fr-CH" sz="1800" kern="1200"/>
             <a:t>Conclusion</a:t>
           </a:r>
-          <a:endParaRPr lang="en-US" sz="1800" kern="1200" dirty="0"/>
+          <a:endParaRPr lang="en-US" sz="1800" kern="1200"/>
         </a:p>
       </dsp:txBody>
       <dsp:txXfrm>
@@ -7964,10 +7964,10 @@
             <a:buNone/>
           </a:pPr>
           <a:r>
-            <a:rPr lang="fr-CH" sz="1800" kern="1200" dirty="0"/>
+            <a:rPr lang="fr-CH" sz="1800" kern="1200"/>
             <a:t>Questions / Remerciements</a:t>
           </a:r>
-          <a:endParaRPr lang="en-US" sz="1800" kern="1200" dirty="0"/>
+          <a:endParaRPr lang="en-US" sz="1800" kern="1200"/>
         </a:p>
       </dsp:txBody>
       <dsp:txXfrm>
@@ -8043,10 +8043,10 @@
             <a:buNone/>
           </a:pPr>
           <a:r>
-            <a:rPr lang="fr-CH" sz="1800" kern="1200" dirty="0"/>
+            <a:rPr lang="fr-CH" sz="1800" kern="1200"/>
             <a:t>Démonstration</a:t>
           </a:r>
-          <a:endParaRPr lang="en-US" sz="1800" kern="1200" dirty="0"/>
+          <a:endParaRPr lang="en-US" sz="1800" kern="1200"/>
         </a:p>
       </dsp:txBody>
       <dsp:txXfrm>
@@ -8187,17 +8187,17 @@
             <a:buNone/>
           </a:pPr>
           <a:r>
-            <a:rPr lang="fr-CH" sz="3200" kern="1200" dirty="0"/>
+            <a:rPr lang="fr-CH" sz="3200" kern="1200"/>
             <a:t>Arnaud Ramirez </a:t>
           </a:r>
           <a:br>
-            <a:rPr lang="fr-CH" sz="3200" kern="1200" dirty="0"/>
+            <a:rPr lang="fr-CH" sz="3200" kern="1200"/>
           </a:br>
           <a:r>
-            <a:rPr lang="fr-CH" sz="3200" kern="1200" dirty="0"/>
+            <a:rPr lang="fr-CH" sz="3200" kern="1200"/>
             <a:t>Scrum master</a:t>
           </a:r>
-          <a:endParaRPr lang="en-US" sz="3200" kern="1200" dirty="0"/>
+          <a:endParaRPr lang="en-US" sz="3200" kern="1200"/>
         </a:p>
       </dsp:txBody>
       <dsp:txXfrm>
@@ -8326,22 +8326,22 @@
             <a:buNone/>
           </a:pPr>
           <a:r>
-            <a:rPr lang="fr-CH" sz="3200" kern="1200" dirty="0"/>
+            <a:rPr lang="fr-CH" sz="3200" kern="1200"/>
             <a:t>Jonas </a:t>
           </a:r>
           <a:r>
-            <a:rPr lang="fr-CH" sz="3200" kern="1200" dirty="0" err="1"/>
+            <a:rPr lang="fr-CH" sz="3200" kern="1200" err="1"/>
             <a:t>Deillon</a:t>
           </a:r>
           <a:r>
-            <a:rPr lang="fr-CH" sz="3200" kern="1200" dirty="0"/>
+            <a:rPr lang="fr-CH" sz="3200" kern="1200"/>
             <a:t>  Product </a:t>
           </a:r>
           <a:r>
-            <a:rPr lang="fr-CH" sz="3200" kern="1200" dirty="0" err="1"/>
+            <a:rPr lang="fr-CH" sz="3200" kern="1200" err="1"/>
             <a:t>owner</a:t>
           </a:r>
-          <a:endParaRPr lang="en-US" sz="3200" kern="1200" dirty="0"/>
+          <a:endParaRPr lang="en-US" sz="3200" kern="1200"/>
         </a:p>
       </dsp:txBody>
       <dsp:txXfrm>
@@ -8470,10 +8470,10 @@
             <a:buNone/>
           </a:pPr>
           <a:r>
-            <a:rPr lang="fr-CH" sz="3200" kern="1200" dirty="0"/>
+            <a:rPr lang="fr-CH" sz="3200" kern="1200"/>
             <a:t>Matias Barras Développer</a:t>
           </a:r>
-          <a:endParaRPr lang="en-US" sz="3200" kern="1200" dirty="0"/>
+          <a:endParaRPr lang="en-US" sz="3200" kern="1200"/>
         </a:p>
       </dsp:txBody>
       <dsp:txXfrm>
@@ -8836,10 +8836,10 @@
             <a:buChar char="•"/>
           </a:pPr>
           <a:r>
-            <a:rPr lang="fr-CH" sz="2400" kern="1200" dirty="0"/>
+            <a:rPr lang="fr-CH" sz="2400" kern="1200"/>
             <a:t>Amusements grâces au catalogue de jeux.</a:t>
           </a:r>
-          <a:endParaRPr lang="en-US" sz="2400" kern="1200" dirty="0"/>
+          <a:endParaRPr lang="en-US" sz="2400" kern="1200"/>
         </a:p>
         <a:p>
           <a:pPr marL="228600" lvl="1" indent="-228600" algn="l" defTabSz="1066800">
@@ -8855,7 +8855,7 @@
             <a:buChar char="•"/>
           </a:pPr>
           <a:r>
-            <a:rPr lang="fr-CH" sz="2400" kern="1200" noProof="0" dirty="0"/>
+            <a:rPr lang="fr-CH" sz="2400" kern="1200" noProof="0"/>
             <a:t>Support des manettes Xbox</a:t>
           </a:r>
         </a:p>
@@ -9011,10 +9011,10 @@
             <a:buChar char="•"/>
           </a:pPr>
           <a:r>
-            <a:rPr lang="fr-CH" sz="2400" kern="1200" dirty="0"/>
+            <a:rPr lang="fr-CH" sz="2400" kern="1200"/>
             <a:t>Sauvegarde du score de l’utilisateur</a:t>
           </a:r>
-          <a:endParaRPr lang="en-US" sz="2400" kern="1200" dirty="0"/>
+          <a:endParaRPr lang="en-US" sz="2400" kern="1200"/>
         </a:p>
         <a:p>
           <a:pPr marL="228600" lvl="1" indent="-228600" algn="l" defTabSz="1066800">
@@ -9030,7 +9030,7 @@
             <a:buChar char="•"/>
           </a:pPr>
           <a:r>
-            <a:rPr lang="fr-CH" sz="2400" kern="1200" noProof="0" dirty="0"/>
+            <a:rPr lang="fr-CH" sz="2400" kern="1200" noProof="0"/>
             <a:t>Tableaux des scores pour voir et comparer ses scores</a:t>
           </a:r>
         </a:p>
@@ -9108,14 +9108,14 @@
             <a:buNone/>
           </a:pPr>
           <a:r>
-            <a:rPr lang="fr-CH" sz="2400" kern="1200" noProof="0" dirty="0"/>
+            <a:rPr lang="fr-CH" sz="2400" kern="1200" noProof="0"/>
             <a:t>Scores</a:t>
           </a:r>
           <a:r>
-            <a:rPr lang="fr-CH" sz="2400" kern="1200" dirty="0"/>
+            <a:rPr lang="fr-CH" sz="2400" kern="1200"/>
             <a:t> </a:t>
           </a:r>
-          <a:endParaRPr lang="en-US" sz="2400" kern="1200" dirty="0"/>
+          <a:endParaRPr lang="en-US" sz="2400" kern="1200"/>
         </a:p>
       </dsp:txBody>
       <dsp:txXfrm>
@@ -9204,7 +9204,7 @@
             <a:buNone/>
           </a:pPr>
           <a:r>
-            <a:rPr lang="fr-CH" sz="6000" kern="1200" dirty="0"/>
+            <a:rPr lang="fr-CH" sz="6000" kern="1200"/>
             <a:t>Docker</a:t>
           </a:r>
         </a:p>
@@ -9283,7 +9283,7 @@
             <a:buNone/>
           </a:pPr>
           <a:r>
-            <a:rPr lang="fr-CH" sz="1700" kern="1200" dirty="0"/>
+            <a:rPr lang="fr-CH" sz="1700" kern="1200"/>
             <a:t>Backend</a:t>
           </a:r>
         </a:p>
@@ -9304,7 +9304,6 @@
             <a:rPr lang="fr-CH" sz="1300" kern="1200"/>
             <a:t>Node.js</a:t>
           </a:r>
-          <a:endParaRPr lang="fr-CH" sz="1300" kern="1200" dirty="0"/>
         </a:p>
         <a:p>
           <a:pPr marL="114300" lvl="1" indent="-114300" algn="l" defTabSz="577850">
@@ -9320,7 +9319,7 @@
             <a:buChar char="•"/>
           </a:pPr>
           <a:r>
-            <a:rPr lang="fr-CH" sz="1300" kern="1200" dirty="0"/>
+            <a:rPr lang="fr-CH" sz="1300" kern="1200"/>
             <a:t>Express</a:t>
           </a:r>
         </a:p>
@@ -9338,10 +9337,10 @@
             <a:buChar char="•"/>
           </a:pPr>
           <a:r>
-            <a:rPr lang="fr-CH" sz="1300" kern="1200" dirty="0" err="1"/>
+            <a:rPr lang="fr-CH" sz="1300" kern="1200" err="1"/>
             <a:t>Swagger</a:t>
           </a:r>
-          <a:endParaRPr lang="fr-CH" sz="1300" kern="1200" dirty="0"/>
+          <a:endParaRPr lang="fr-CH" sz="1300" kern="1200"/>
         </a:p>
         <a:p>
           <a:pPr marL="114300" lvl="1" indent="-114300" algn="l" defTabSz="577850">
@@ -9357,10 +9356,10 @@
             <a:buChar char="•"/>
           </a:pPr>
           <a:r>
-            <a:rPr lang="fr-CH" sz="1300" kern="1200" dirty="0" err="1"/>
+            <a:rPr lang="fr-CH" sz="1300" kern="1200" err="1"/>
             <a:t>joi</a:t>
           </a:r>
-          <a:endParaRPr lang="fr-CH" sz="1300" kern="1200" dirty="0"/>
+          <a:endParaRPr lang="fr-CH" sz="1300" kern="1200"/>
         </a:p>
       </dsp:txBody>
       <dsp:txXfrm>
@@ -9437,7 +9436,7 @@
             <a:buNone/>
           </a:pPr>
           <a:r>
-            <a:rPr lang="fr-CH" sz="1700" kern="1200" dirty="0"/>
+            <a:rPr lang="fr-CH" sz="1700" kern="1200"/>
             <a:t>Base de données</a:t>
           </a:r>
         </a:p>
@@ -9458,7 +9457,6 @@
             <a:rPr lang="fr-CH" sz="1300" kern="1200"/>
             <a:t>mysql</a:t>
           </a:r>
-          <a:endParaRPr lang="fr-CH" sz="1300" kern="1200" dirty="0"/>
         </a:p>
       </dsp:txBody>
       <dsp:txXfrm>
@@ -9535,7 +9533,7 @@
             <a:buNone/>
           </a:pPr>
           <a:r>
-            <a:rPr lang="fr-CH" sz="1700" kern="1200" dirty="0"/>
+            <a:rPr lang="fr-CH" sz="1700" kern="1200"/>
             <a:t>Frontend</a:t>
           </a:r>
         </a:p>
@@ -9553,10 +9551,10 @@
             <a:buChar char="•"/>
           </a:pPr>
           <a:r>
-            <a:rPr lang="fr-CH" sz="1300" kern="1200" dirty="0" err="1"/>
+            <a:rPr lang="fr-CH" sz="1300" kern="1200" err="1"/>
             <a:t>Nostalgist</a:t>
           </a:r>
-          <a:endParaRPr lang="fr-CH" sz="1300" kern="1200" dirty="0"/>
+          <a:endParaRPr lang="fr-CH" sz="1300" kern="1200"/>
         </a:p>
         <a:p>
           <a:pPr marL="114300" lvl="1" indent="-114300" algn="l" defTabSz="577850">
@@ -9572,15 +9570,15 @@
             <a:buChar char="•"/>
           </a:pPr>
           <a:r>
-            <a:rPr lang="fr-CH" sz="1300" kern="1200" dirty="0"/>
+            <a:rPr lang="fr-CH" sz="1300" kern="1200"/>
             <a:t>Api </a:t>
           </a:r>
           <a:r>
-            <a:rPr lang="fr-CH" sz="1300" kern="1200" dirty="0" err="1"/>
+            <a:rPr lang="fr-CH" sz="1300" kern="1200" err="1"/>
             <a:t>Gamepad</a:t>
           </a:r>
           <a:r>
-            <a:rPr lang="fr-CH" sz="1300" kern="1200" dirty="0"/>
+            <a:rPr lang="fr-CH" sz="1300" kern="1200"/>
             <a:t> </a:t>
           </a:r>
         </a:p>
@@ -16714,7 +16712,7 @@
           <a:p>
             <a:fld id="{A111939F-BD45-46C3-B2B9-C07375D8EE58}" type="slidenum">
               <a:rPr lang="fr-CH" smtClean="0"/>
-              <a:t>‹N°›</a:t>
+              <a:t>‹#›</a:t>
             </a:fld>
             <a:endParaRPr lang="fr-CH"/>
           </a:p>
@@ -16868,7 +16866,7 @@
           <a:lstStyle/>
           <a:p>
             <a:r>
-              <a:rPr lang="fr-CH" dirty="0"/>
+              <a:rPr lang="fr-CH"/>
               <a:t>Matias</a:t>
             </a:r>
           </a:p>
@@ -16955,7 +16953,7 @@
           <a:lstStyle/>
           <a:p>
             <a:r>
-              <a:rPr lang="fr-CH" dirty="0"/>
+              <a:rPr lang="fr-CH"/>
               <a:t>Arnaud</a:t>
             </a:r>
           </a:p>
@@ -17042,7 +17040,7 @@
           <a:lstStyle/>
           <a:p>
             <a:r>
-              <a:rPr lang="fr-CH" dirty="0"/>
+              <a:rPr lang="fr-CH"/>
               <a:t>Arnaud</a:t>
             </a:r>
           </a:p>
@@ -17129,7 +17127,7 @@
           <a:lstStyle/>
           <a:p>
             <a:r>
-              <a:rPr lang="fr-CH" dirty="0"/>
+              <a:rPr lang="fr-CH"/>
               <a:t>Jonas</a:t>
             </a:r>
           </a:p>
@@ -17216,7 +17214,7 @@
           <a:lstStyle/>
           <a:p>
             <a:r>
-              <a:rPr lang="fr-CH" dirty="0"/>
+              <a:rPr lang="fr-CH"/>
               <a:t>Matias</a:t>
             </a:r>
           </a:p>
@@ -17303,7 +17301,7 @@
           <a:lstStyle/>
           <a:p>
             <a:r>
-              <a:rPr lang="fr-CH" dirty="0"/>
+              <a:rPr lang="fr-CH"/>
               <a:t>Matias</a:t>
             </a:r>
           </a:p>
@@ -17390,7 +17388,7 @@
           <a:lstStyle/>
           <a:p>
             <a:r>
-              <a:rPr lang="fr-CH" dirty="0"/>
+              <a:rPr lang="fr-CH"/>
               <a:t>Arnaud</a:t>
             </a:r>
           </a:p>
@@ -17477,7 +17475,7 @@
           <a:lstStyle/>
           <a:p>
             <a:r>
-              <a:rPr lang="fr-CH" dirty="0"/>
+              <a:rPr lang="fr-CH"/>
               <a:t>Arnaud</a:t>
             </a:r>
           </a:p>
@@ -17564,7 +17562,7 @@
           <a:lstStyle/>
           <a:p>
             <a:r>
-              <a:rPr lang="fr-CH" dirty="0"/>
+              <a:rPr lang="fr-CH"/>
               <a:t>Arnaud</a:t>
             </a:r>
           </a:p>
@@ -17651,7 +17649,7 @@
           <a:lstStyle/>
           <a:p>
             <a:r>
-              <a:rPr lang="fr-CH" dirty="0"/>
+              <a:rPr lang="fr-CH"/>
               <a:t>Matias</a:t>
             </a:r>
           </a:p>
@@ -17738,7 +17736,7 @@
           <a:lstStyle/>
           <a:p>
             <a:r>
-              <a:rPr lang="fr-CH" dirty="0"/>
+              <a:rPr lang="fr-CH"/>
               <a:t>Matias</a:t>
             </a:r>
           </a:p>
@@ -17825,7 +17823,7 @@
           <a:lstStyle/>
           <a:p>
             <a:r>
-              <a:rPr lang="fr-CH" dirty="0"/>
+              <a:rPr lang="fr-CH"/>
               <a:t>Matias</a:t>
             </a:r>
           </a:p>
@@ -17912,7 +17910,7 @@
           <a:lstStyle/>
           <a:p>
             <a:r>
-              <a:rPr lang="fr-CH" dirty="0"/>
+              <a:rPr lang="fr-CH"/>
               <a:t>Matias</a:t>
             </a:r>
           </a:p>
@@ -17999,7 +17997,7 @@
           <a:lstStyle/>
           <a:p>
             <a:r>
-              <a:rPr lang="fr-CH" dirty="0"/>
+              <a:rPr lang="fr-CH"/>
               <a:t>Matias</a:t>
             </a:r>
           </a:p>
@@ -18086,7 +18084,7 @@
           <a:lstStyle/>
           <a:p>
             <a:r>
-              <a:rPr lang="fr-CH" dirty="0"/>
+              <a:rPr lang="fr-CH"/>
               <a:t>Jonas</a:t>
             </a:r>
           </a:p>
@@ -18173,7 +18171,7 @@
           <a:lstStyle/>
           <a:p>
             <a:r>
-              <a:rPr lang="fr-CH" dirty="0"/>
+              <a:rPr lang="fr-CH"/>
               <a:t>Arnaud</a:t>
             </a:r>
           </a:p>
@@ -18260,7 +18258,7 @@
           <a:lstStyle/>
           <a:p>
             <a:r>
-              <a:rPr lang="fr-CH" dirty="0"/>
+              <a:rPr lang="fr-CH"/>
               <a:t>Arnaud</a:t>
             </a:r>
           </a:p>
@@ -18505,7 +18503,7 @@
           <a:p>
             <a:fld id="{85225BA1-6524-4F37-81AA-C9AFEC2B1616}" type="slidenum">
               <a:rPr lang="fr-CH" smtClean="0"/>
-              <a:t>‹N°›</a:t>
+              <a:t>‹#›</a:t>
             </a:fld>
             <a:endParaRPr lang="fr-CH"/>
           </a:p>
@@ -18705,7 +18703,7 @@
           <a:p>
             <a:fld id="{85225BA1-6524-4F37-81AA-C9AFEC2B1616}" type="slidenum">
               <a:rPr lang="fr-CH" smtClean="0"/>
-              <a:t>‹N°›</a:t>
+              <a:t>‹#›</a:t>
             </a:fld>
             <a:endParaRPr lang="fr-CH"/>
           </a:p>
@@ -18915,7 +18913,7 @@
           <a:p>
             <a:fld id="{85225BA1-6524-4F37-81AA-C9AFEC2B1616}" type="slidenum">
               <a:rPr lang="fr-CH" smtClean="0"/>
-              <a:t>‹N°›</a:t>
+              <a:t>‹#›</a:t>
             </a:fld>
             <a:endParaRPr lang="fr-CH"/>
           </a:p>
@@ -19115,7 +19113,7 @@
           <a:p>
             <a:fld id="{85225BA1-6524-4F37-81AA-C9AFEC2B1616}" type="slidenum">
               <a:rPr lang="fr-CH" smtClean="0"/>
-              <a:t>‹N°›</a:t>
+              <a:t>‹#›</a:t>
             </a:fld>
             <a:endParaRPr lang="fr-CH"/>
           </a:p>
@@ -19391,7 +19389,7 @@
           <a:p>
             <a:fld id="{85225BA1-6524-4F37-81AA-C9AFEC2B1616}" type="slidenum">
               <a:rPr lang="fr-CH" smtClean="0"/>
-              <a:t>‹N°›</a:t>
+              <a:t>‹#›</a:t>
             </a:fld>
             <a:endParaRPr lang="fr-CH"/>
           </a:p>
@@ -19659,7 +19657,7 @@
           <a:p>
             <a:fld id="{85225BA1-6524-4F37-81AA-C9AFEC2B1616}" type="slidenum">
               <a:rPr lang="fr-CH" smtClean="0"/>
-              <a:t>‹N°›</a:t>
+              <a:t>‹#›</a:t>
             </a:fld>
             <a:endParaRPr lang="fr-CH"/>
           </a:p>
@@ -20074,7 +20072,7 @@
           <a:p>
             <a:fld id="{85225BA1-6524-4F37-81AA-C9AFEC2B1616}" type="slidenum">
               <a:rPr lang="fr-CH" smtClean="0"/>
-              <a:t>‹N°›</a:t>
+              <a:t>‹#›</a:t>
             </a:fld>
             <a:endParaRPr lang="fr-CH"/>
           </a:p>
@@ -20216,7 +20214,7 @@
           <a:p>
             <a:fld id="{85225BA1-6524-4F37-81AA-C9AFEC2B1616}" type="slidenum">
               <a:rPr lang="fr-CH" smtClean="0"/>
-              <a:t>‹N°›</a:t>
+              <a:t>‹#›</a:t>
             </a:fld>
             <a:endParaRPr lang="fr-CH"/>
           </a:p>
@@ -20329,7 +20327,7 @@
           <a:p>
             <a:fld id="{85225BA1-6524-4F37-81AA-C9AFEC2B1616}" type="slidenum">
               <a:rPr lang="fr-CH" smtClean="0"/>
-              <a:t>‹N°›</a:t>
+              <a:t>‹#›</a:t>
             </a:fld>
             <a:endParaRPr lang="fr-CH"/>
           </a:p>
@@ -20642,7 +20640,7 @@
           <a:p>
             <a:fld id="{85225BA1-6524-4F37-81AA-C9AFEC2B1616}" type="slidenum">
               <a:rPr lang="fr-CH" smtClean="0"/>
-              <a:t>‹N°›</a:t>
+              <a:t>‹#›</a:t>
             </a:fld>
             <a:endParaRPr lang="fr-CH"/>
           </a:p>
@@ -20931,7 +20929,7 @@
           <a:p>
             <a:fld id="{85225BA1-6524-4F37-81AA-C9AFEC2B1616}" type="slidenum">
               <a:rPr lang="fr-CH" smtClean="0"/>
-              <a:t>‹N°›</a:t>
+              <a:t>‹#›</a:t>
             </a:fld>
             <a:endParaRPr lang="fr-CH"/>
           </a:p>
@@ -21210,7 +21208,7 @@
           <a:p>
             <a:fld id="{85225BA1-6524-4F37-81AA-C9AFEC2B1616}" type="slidenum">
               <a:rPr lang="fr-CH" smtClean="0"/>
-              <a:t>‹N°›</a:t>
+              <a:t>‹#›</a:t>
             </a:fld>
             <a:endParaRPr lang="fr-CH"/>
           </a:p>
@@ -21763,14 +21761,14 @@
           <a:lstStyle/>
           <a:p>
             <a:r>
-              <a:rPr lang="fr-CH" sz="5200" dirty="0" err="1">
+              <a:rPr lang="fr-CH" sz="5200" err="1">
                 <a:solidFill>
                   <a:srgbClr val="FFFFFF"/>
                 </a:solidFill>
               </a:rPr>
               <a:t>Arcadiabox</a:t>
             </a:r>
-            <a:endParaRPr lang="fr-CH" sz="5200" dirty="0">
+            <a:endParaRPr lang="fr-CH" sz="5200">
               <a:solidFill>
                 <a:srgbClr val="FFFFFF"/>
               </a:solidFill>
@@ -21813,7 +21811,7 @@
           </a:bodyPr>
           <a:lstStyle/>
           <a:p>
-            <a:endParaRPr lang="fr-CH" dirty="0">
+            <a:endParaRPr lang="fr-CH">
               <a:solidFill>
                 <a:srgbClr val="FFFFFF"/>
               </a:solidFill>
@@ -22123,7 +22121,7 @@
           <a:lstStyle/>
           <a:p>
             <a:r>
-              <a:rPr lang="fr-CH" dirty="0"/>
+              <a:rPr lang="fr-CH"/>
               <a:t>Technologies utilisées</a:t>
             </a:r>
           </a:p>
@@ -22260,7 +22258,7 @@
           <a:lstStyle/>
           <a:p>
             <a:pPr algn="ctr"/>
-            <a:endParaRPr lang="en-US" dirty="0">
+            <a:endParaRPr lang="en-US">
               <a:solidFill>
                 <a:schemeClr val="bg1">
                   <a:lumMod val="50000"/>
@@ -25185,7 +25183,7 @@
           <a:lstStyle/>
           <a:p>
             <a:pPr algn="ctr"/>
-            <a:endParaRPr lang="en-US" dirty="0"/>
+            <a:endParaRPr lang="en-US"/>
           </a:p>
         </p:txBody>
       </p:sp>
@@ -25423,7 +25421,7 @@
             </a:lvl9pPr>
           </a:lstStyle>
           <a:p>
-            <a:endParaRPr lang="fr-CH" dirty="0"/>
+            <a:endParaRPr lang="fr-CH"/>
           </a:p>
         </p:txBody>
       </p:sp>
@@ -25619,7 +25617,7 @@
             </a:lvl9pPr>
           </a:lstStyle>
           <a:p>
-            <a:endParaRPr lang="fr-CH" dirty="0"/>
+            <a:endParaRPr lang="fr-CH"/>
           </a:p>
         </p:txBody>
       </p:sp>
@@ -25988,7 +25986,7 @@
           <a:lstStyle/>
           <a:p>
             <a:pPr algn="ctr"/>
-            <a:endParaRPr lang="en-US" dirty="0"/>
+            <a:endParaRPr lang="en-US"/>
           </a:p>
         </p:txBody>
       </p:sp>
@@ -26575,7 +26573,7 @@
           <a:lstStyle/>
           <a:p>
             <a:pPr algn="ctr"/>
-            <a:endParaRPr lang="en-US" dirty="0"/>
+            <a:endParaRPr lang="en-US"/>
           </a:p>
         </p:txBody>
       </p:sp>
@@ -27048,8 +27046,24 @@
                 <a:ea typeface="+mj-ea"/>
                 <a:cs typeface="+mj-cs"/>
               </a:rPr>
-              <a:t>Vue Acceuil</a:t>
+              <a:t>Vue </a:t>
             </a:r>
+            <a:r>
+              <a:rPr lang="en-US" sz="2600" err="1">
+                <a:solidFill>
+                  <a:srgbClr val="FFFFFF"/>
+                </a:solidFill>
+                <a:ea typeface="+mj-lt"/>
+                <a:cs typeface="+mj-lt"/>
+              </a:rPr>
+              <a:t>accueil</a:t>
+            </a:r>
+            <a:endParaRPr lang="en-US" sz="2600" kern="1200" err="1">
+              <a:solidFill>
+                <a:srgbClr val="FFFFFF"/>
+              </a:solidFill>
+              <a:latin typeface="+mj-lt"/>
+            </a:endParaRPr>
           </a:p>
         </p:txBody>
       </p:sp>
